--- a/Rascunhos/imagens para HIV.pptx
+++ b/Rascunhos/imagens para HIV.pptx
@@ -6,6 +6,11 @@
   </p:sldMasterIdLst>
   <p:sldIdLst>
     <p:sldId id="256" r:id="rId2"/>
+    <p:sldId id="257" r:id="rId3"/>
+    <p:sldId id="258" r:id="rId4"/>
+    <p:sldId id="259" r:id="rId5"/>
+    <p:sldId id="260" r:id="rId6"/>
+    <p:sldId id="261" r:id="rId7"/>
   </p:sldIdLst>
   <p:sldSz cx="12192000" cy="6858000"/>
   <p:notesSz cx="6858000" cy="9144000"/>
@@ -238,7 +243,7 @@
           <a:p>
             <a:fld id="{6EC27022-61B4-4658-BCF4-E6488D58E6A6}" type="datetimeFigureOut">
               <a:rPr lang="pt-BR" smtClean="0"/>
-              <a:t>25/02/2019</a:t>
+              <a:t>26/02/2019</a:t>
             </a:fld>
             <a:endParaRPr lang="pt-BR"/>
           </a:p>
@@ -408,7 +413,7 @@
           <a:p>
             <a:fld id="{6EC27022-61B4-4658-BCF4-E6488D58E6A6}" type="datetimeFigureOut">
               <a:rPr lang="pt-BR" smtClean="0"/>
-              <a:t>25/02/2019</a:t>
+              <a:t>26/02/2019</a:t>
             </a:fld>
             <a:endParaRPr lang="pt-BR"/>
           </a:p>
@@ -588,7 +593,7 @@
           <a:p>
             <a:fld id="{6EC27022-61B4-4658-BCF4-E6488D58E6A6}" type="datetimeFigureOut">
               <a:rPr lang="pt-BR" smtClean="0"/>
-              <a:t>25/02/2019</a:t>
+              <a:t>26/02/2019</a:t>
             </a:fld>
             <a:endParaRPr lang="pt-BR"/>
           </a:p>
@@ -758,7 +763,7 @@
           <a:p>
             <a:fld id="{6EC27022-61B4-4658-BCF4-E6488D58E6A6}" type="datetimeFigureOut">
               <a:rPr lang="pt-BR" smtClean="0"/>
-              <a:t>25/02/2019</a:t>
+              <a:t>26/02/2019</a:t>
             </a:fld>
             <a:endParaRPr lang="pt-BR"/>
           </a:p>
@@ -1004,7 +1009,7 @@
           <a:p>
             <a:fld id="{6EC27022-61B4-4658-BCF4-E6488D58E6A6}" type="datetimeFigureOut">
               <a:rPr lang="pt-BR" smtClean="0"/>
-              <a:t>25/02/2019</a:t>
+              <a:t>26/02/2019</a:t>
             </a:fld>
             <a:endParaRPr lang="pt-BR"/>
           </a:p>
@@ -1236,7 +1241,7 @@
           <a:p>
             <a:fld id="{6EC27022-61B4-4658-BCF4-E6488D58E6A6}" type="datetimeFigureOut">
               <a:rPr lang="pt-BR" smtClean="0"/>
-              <a:t>25/02/2019</a:t>
+              <a:t>26/02/2019</a:t>
             </a:fld>
             <a:endParaRPr lang="pt-BR"/>
           </a:p>
@@ -1603,7 +1608,7 @@
           <a:p>
             <a:fld id="{6EC27022-61B4-4658-BCF4-E6488D58E6A6}" type="datetimeFigureOut">
               <a:rPr lang="pt-BR" smtClean="0"/>
-              <a:t>25/02/2019</a:t>
+              <a:t>26/02/2019</a:t>
             </a:fld>
             <a:endParaRPr lang="pt-BR"/>
           </a:p>
@@ -1721,7 +1726,7 @@
           <a:p>
             <a:fld id="{6EC27022-61B4-4658-BCF4-E6488D58E6A6}" type="datetimeFigureOut">
               <a:rPr lang="pt-BR" smtClean="0"/>
-              <a:t>25/02/2019</a:t>
+              <a:t>26/02/2019</a:t>
             </a:fld>
             <a:endParaRPr lang="pt-BR"/>
           </a:p>
@@ -1816,7 +1821,7 @@
           <a:p>
             <a:fld id="{6EC27022-61B4-4658-BCF4-E6488D58E6A6}" type="datetimeFigureOut">
               <a:rPr lang="pt-BR" smtClean="0"/>
-              <a:t>25/02/2019</a:t>
+              <a:t>26/02/2019</a:t>
             </a:fld>
             <a:endParaRPr lang="pt-BR"/>
           </a:p>
@@ -2093,7 +2098,7 @@
           <a:p>
             <a:fld id="{6EC27022-61B4-4658-BCF4-E6488D58E6A6}" type="datetimeFigureOut">
               <a:rPr lang="pt-BR" smtClean="0"/>
-              <a:t>25/02/2019</a:t>
+              <a:t>26/02/2019</a:t>
             </a:fld>
             <a:endParaRPr lang="pt-BR"/>
           </a:p>
@@ -2346,7 +2351,7 @@
           <a:p>
             <a:fld id="{6EC27022-61B4-4658-BCF4-E6488D58E6A6}" type="datetimeFigureOut">
               <a:rPr lang="pt-BR" smtClean="0"/>
-              <a:t>25/02/2019</a:t>
+              <a:t>26/02/2019</a:t>
             </a:fld>
             <a:endParaRPr lang="pt-BR"/>
           </a:p>
@@ -2559,7 +2564,7 @@
           <a:p>
             <a:fld id="{6EC27022-61B4-4658-BCF4-E6488D58E6A6}" type="datetimeFigureOut">
               <a:rPr lang="pt-BR" smtClean="0"/>
-              <a:t>25/02/2019</a:t>
+              <a:t>26/02/2019</a:t>
             </a:fld>
             <a:endParaRPr lang="pt-BR"/>
           </a:p>
@@ -3195,11 +3200,7 @@
                       </a:r>
                       <a:r>
                         <a:rPr lang="pt-BR" baseline="0" dirty="0" smtClean="0"/>
-                        <a:t> toalhas, lençóis, talheres, copos, </a:t>
-                      </a:r>
-                      <a:r>
-                        <a:rPr lang="pt-BR" baseline="0" dirty="0" smtClean="0"/>
-                        <a:t>p</a:t>
+                        <a:t> toalhas, lençóis, talheres, copos, p</a:t>
                       </a:r>
                       <a:r>
                         <a:rPr lang="pt-BR" dirty="0" smtClean="0"/>
@@ -3299,6 +3300,687 @@
     <p:extLst>
       <p:ext uri="{BB962C8B-B14F-4D97-AF65-F5344CB8AC3E}">
         <p14:creationId xmlns:p14="http://schemas.microsoft.com/office/powerpoint/2010/main" val="2065352060"/>
+      </p:ext>
+    </p:extLst>
+  </p:cSld>
+  <p:clrMapOvr>
+    <a:masterClrMapping/>
+  </p:clrMapOvr>
+  <p:timing>
+    <p:tnLst>
+      <p:par>
+        <p:cTn id="1" dur="indefinite" restart="never" nodeType="tmRoot"/>
+      </p:par>
+    </p:tnLst>
+  </p:timing>
+</p:sld>
+</file>
+
+<file path=ppt/slides/slide2.xml><?xml version="1.0" encoding="utf-8"?>
+<p:sld xmlns:a="http://schemas.openxmlformats.org/drawingml/2006/main" xmlns:r="http://schemas.openxmlformats.org/officeDocument/2006/relationships" xmlns:p="http://schemas.openxmlformats.org/presentationml/2006/main">
+  <p:cSld>
+    <p:spTree>
+      <p:nvGrpSpPr>
+        <p:cNvPr id="1" name=""/>
+        <p:cNvGrpSpPr/>
+        <p:nvPr/>
+      </p:nvGrpSpPr>
+      <p:grpSpPr>
+        <a:xfrm>
+          <a:off x="0" y="0"/>
+          <a:ext cx="0" cy="0"/>
+          <a:chOff x="0" y="0"/>
+          <a:chExt cx="0" cy="0"/>
+        </a:xfrm>
+      </p:grpSpPr>
+      <p:sp>
+        <p:nvSpPr>
+          <p:cNvPr id="2" name="Elipse 1"/>
+          <p:cNvSpPr/>
+          <p:nvPr/>
+        </p:nvSpPr>
+        <p:spPr>
+          <a:xfrm>
+            <a:off x="5567266" y="1454353"/>
+            <a:ext cx="3191067" cy="3335566"/>
+          </a:xfrm>
+          <a:prstGeom prst="ellipse">
+            <a:avLst/>
+          </a:prstGeom>
+          <a:solidFill>
+            <a:srgbClr val="7030A0"/>
+          </a:solidFill>
+          <a:ln w="57150">
+            <a:solidFill>
+              <a:srgbClr val="5F2480"/>
+            </a:solidFill>
+          </a:ln>
+        </p:spPr>
+        <p:style>
+          <a:lnRef idx="2">
+            <a:schemeClr val="accent1">
+              <a:shade val="50000"/>
+            </a:schemeClr>
+          </a:lnRef>
+          <a:fillRef idx="1">
+            <a:schemeClr val="accent1"/>
+          </a:fillRef>
+          <a:effectRef idx="0">
+            <a:schemeClr val="accent1"/>
+          </a:effectRef>
+          <a:fontRef idx="minor">
+            <a:schemeClr val="lt1"/>
+          </a:fontRef>
+        </p:style>
+        <p:txBody>
+          <a:bodyPr rtlCol="0" anchor="ctr"/>
+          <a:lstStyle/>
+          <a:p>
+            <a:pPr algn="ctr"/>
+            <a:endParaRPr lang="pt-BR"/>
+          </a:p>
+        </p:txBody>
+      </p:sp>
+      <p:pic>
+        <p:nvPicPr>
+          <p:cNvPr id="1026" name="Picture 2"/>
+          <p:cNvPicPr>
+            <a:picLocks noChangeAspect="1" noChangeArrowheads="1"/>
+          </p:cNvPicPr>
+          <p:nvPr/>
+        </p:nvPicPr>
+        <p:blipFill>
+          <a:blip r:embed="rId2">
+            <a:extLst>
+              <a:ext uri="{28A0092B-C50C-407E-A947-70E740481C1C}">
+                <a14:useLocalDpi xmlns:a14="http://schemas.microsoft.com/office/drawing/2010/main" val="0"/>
+              </a:ext>
+            </a:extLst>
+          </a:blip>
+          <a:srcRect/>
+          <a:stretch>
+            <a:fillRect/>
+          </a:stretch>
+        </p:blipFill>
+        <p:spPr bwMode="auto">
+          <a:xfrm>
+            <a:off x="628650" y="1262061"/>
+            <a:ext cx="3417248" cy="4048125"/>
+          </a:xfrm>
+          <a:prstGeom prst="rect">
+            <a:avLst/>
+          </a:prstGeom>
+          <a:noFill/>
+          <a:ln>
+            <a:noFill/>
+          </a:ln>
+          <a:extLst>
+            <a:ext uri="{909E8E84-426E-40DD-AFC4-6F175D3DCCD1}">
+              <a14:hiddenFill xmlns:a14="http://schemas.microsoft.com/office/drawing/2010/main">
+                <a:solidFill>
+                  <a:schemeClr val="accent1"/>
+                </a:solidFill>
+              </a14:hiddenFill>
+            </a:ext>
+            <a:ext uri="{91240B29-F687-4F45-9708-019B960494DF}">
+              <a14:hiddenLine xmlns:a14="http://schemas.microsoft.com/office/drawing/2010/main" w="9525">
+                <a:solidFill>
+                  <a:schemeClr val="tx1"/>
+                </a:solidFill>
+                <a:miter lim="800000"/>
+                <a:headEnd/>
+                <a:tailEnd/>
+              </a14:hiddenLine>
+            </a:ext>
+          </a:extLst>
+        </p:spPr>
+      </p:pic>
+    </p:spTree>
+    <p:extLst>
+      <p:ext uri="{BB962C8B-B14F-4D97-AF65-F5344CB8AC3E}">
+        <p14:creationId xmlns:p14="http://schemas.microsoft.com/office/powerpoint/2010/main" val="12188616"/>
+      </p:ext>
+    </p:extLst>
+  </p:cSld>
+  <p:clrMapOvr>
+    <a:masterClrMapping/>
+  </p:clrMapOvr>
+</p:sld>
+</file>
+
+<file path=ppt/slides/slide3.xml><?xml version="1.0" encoding="utf-8"?>
+<p:sld xmlns:a="http://schemas.openxmlformats.org/drawingml/2006/main" xmlns:r="http://schemas.openxmlformats.org/officeDocument/2006/relationships" xmlns:p="http://schemas.openxmlformats.org/presentationml/2006/main">
+  <p:cSld>
+    <p:spTree>
+      <p:nvGrpSpPr>
+        <p:cNvPr id="1" name=""/>
+        <p:cNvGrpSpPr/>
+        <p:nvPr/>
+      </p:nvGrpSpPr>
+      <p:grpSpPr>
+        <a:xfrm>
+          <a:off x="0" y="0"/>
+          <a:ext cx="0" cy="0"/>
+          <a:chOff x="0" y="0"/>
+          <a:chExt cx="0" cy="0"/>
+        </a:xfrm>
+      </p:grpSpPr>
+      <p:pic>
+        <p:nvPicPr>
+          <p:cNvPr id="2050" name="Picture 2"/>
+          <p:cNvPicPr>
+            <a:picLocks noChangeAspect="1" noChangeArrowheads="1"/>
+          </p:cNvPicPr>
+          <p:nvPr/>
+        </p:nvPicPr>
+        <p:blipFill>
+          <a:blip r:embed="rId2">
+            <a:extLst>
+              <a:ext uri="{28A0092B-C50C-407E-A947-70E740481C1C}">
+                <a14:useLocalDpi xmlns:a14="http://schemas.microsoft.com/office/drawing/2010/main" val="0"/>
+              </a:ext>
+            </a:extLst>
+          </a:blip>
+          <a:srcRect/>
+          <a:stretch>
+            <a:fillRect/>
+          </a:stretch>
+        </p:blipFill>
+        <p:spPr bwMode="auto">
+          <a:xfrm>
+            <a:off x="1138238" y="657224"/>
+            <a:ext cx="3405187" cy="4792485"/>
+          </a:xfrm>
+          <a:prstGeom prst="rect">
+            <a:avLst/>
+          </a:prstGeom>
+          <a:noFill/>
+          <a:ln>
+            <a:noFill/>
+          </a:ln>
+          <a:extLst>
+            <a:ext uri="{909E8E84-426E-40DD-AFC4-6F175D3DCCD1}">
+              <a14:hiddenFill xmlns:a14="http://schemas.microsoft.com/office/drawing/2010/main">
+                <a:solidFill>
+                  <a:schemeClr val="accent1"/>
+                </a:solidFill>
+              </a14:hiddenFill>
+            </a:ext>
+            <a:ext uri="{91240B29-F687-4F45-9708-019B960494DF}">
+              <a14:hiddenLine xmlns:a14="http://schemas.microsoft.com/office/drawing/2010/main" w="9525">
+                <a:solidFill>
+                  <a:schemeClr val="tx1"/>
+                </a:solidFill>
+                <a:miter lim="800000"/>
+                <a:headEnd/>
+                <a:tailEnd/>
+              </a14:hiddenLine>
+            </a:ext>
+          </a:extLst>
+        </p:spPr>
+      </p:pic>
+    </p:spTree>
+    <p:extLst>
+      <p:ext uri="{BB962C8B-B14F-4D97-AF65-F5344CB8AC3E}">
+        <p14:creationId xmlns:p14="http://schemas.microsoft.com/office/powerpoint/2010/main" val="334768877"/>
+      </p:ext>
+    </p:extLst>
+  </p:cSld>
+  <p:clrMapOvr>
+    <a:masterClrMapping/>
+  </p:clrMapOvr>
+</p:sld>
+</file>
+
+<file path=ppt/slides/slide4.xml><?xml version="1.0" encoding="utf-8"?>
+<p:sld xmlns:a="http://schemas.openxmlformats.org/drawingml/2006/main" xmlns:r="http://schemas.openxmlformats.org/officeDocument/2006/relationships" xmlns:p="http://schemas.openxmlformats.org/presentationml/2006/main">
+  <p:cSld>
+    <p:spTree>
+      <p:nvGrpSpPr>
+        <p:cNvPr id="1" name=""/>
+        <p:cNvGrpSpPr/>
+        <p:nvPr/>
+      </p:nvGrpSpPr>
+      <p:grpSpPr>
+        <a:xfrm>
+          <a:off x="0" y="0"/>
+          <a:ext cx="0" cy="0"/>
+          <a:chOff x="0" y="0"/>
+          <a:chExt cx="0" cy="0"/>
+        </a:xfrm>
+      </p:grpSpPr>
+      <p:pic>
+        <p:nvPicPr>
+          <p:cNvPr id="3074" name="Picture 2"/>
+          <p:cNvPicPr>
+            <a:picLocks noChangeAspect="1" noChangeArrowheads="1"/>
+          </p:cNvPicPr>
+          <p:nvPr/>
+        </p:nvPicPr>
+        <p:blipFill>
+          <a:blip r:embed="rId2" cstate="print">
+            <a:extLst>
+              <a:ext uri="{28A0092B-C50C-407E-A947-70E740481C1C}">
+                <a14:useLocalDpi xmlns:a14="http://schemas.microsoft.com/office/drawing/2010/main" val="0"/>
+              </a:ext>
+            </a:extLst>
+          </a:blip>
+          <a:srcRect/>
+          <a:stretch>
+            <a:fillRect/>
+          </a:stretch>
+        </p:blipFill>
+        <p:spPr bwMode="auto">
+          <a:xfrm>
+            <a:off x="600075" y="1371600"/>
+            <a:ext cx="4213777" cy="2819400"/>
+          </a:xfrm>
+          <a:prstGeom prst="rect">
+            <a:avLst/>
+          </a:prstGeom>
+          <a:noFill/>
+          <a:ln>
+            <a:noFill/>
+          </a:ln>
+          <a:extLst>
+            <a:ext uri="{909E8E84-426E-40DD-AFC4-6F175D3DCCD1}">
+              <a14:hiddenFill xmlns:a14="http://schemas.microsoft.com/office/drawing/2010/main">
+                <a:solidFill>
+                  <a:schemeClr val="accent1"/>
+                </a:solidFill>
+              </a14:hiddenFill>
+            </a:ext>
+            <a:ext uri="{91240B29-F687-4F45-9708-019B960494DF}">
+              <a14:hiddenLine xmlns:a14="http://schemas.microsoft.com/office/drawing/2010/main" w="9525">
+                <a:solidFill>
+                  <a:schemeClr val="tx1"/>
+                </a:solidFill>
+                <a:miter lim="800000"/>
+                <a:headEnd/>
+                <a:tailEnd/>
+              </a14:hiddenLine>
+            </a:ext>
+          </a:extLst>
+        </p:spPr>
+      </p:pic>
+    </p:spTree>
+    <p:extLst>
+      <p:ext uri="{BB962C8B-B14F-4D97-AF65-F5344CB8AC3E}">
+        <p14:creationId xmlns:p14="http://schemas.microsoft.com/office/powerpoint/2010/main" val="1333466837"/>
+      </p:ext>
+    </p:extLst>
+  </p:cSld>
+  <p:clrMapOvr>
+    <a:masterClrMapping/>
+  </p:clrMapOvr>
+</p:sld>
+</file>
+
+<file path=ppt/slides/slide5.xml><?xml version="1.0" encoding="utf-8"?>
+<p:sld xmlns:a="http://schemas.openxmlformats.org/drawingml/2006/main" xmlns:r="http://schemas.openxmlformats.org/officeDocument/2006/relationships" xmlns:p="http://schemas.openxmlformats.org/presentationml/2006/main">
+  <p:cSld>
+    <p:spTree>
+      <p:nvGrpSpPr>
+        <p:cNvPr id="1" name=""/>
+        <p:cNvGrpSpPr/>
+        <p:nvPr/>
+      </p:nvGrpSpPr>
+      <p:grpSpPr>
+        <a:xfrm>
+          <a:off x="0" y="0"/>
+          <a:ext cx="0" cy="0"/>
+          <a:chOff x="0" y="0"/>
+          <a:chExt cx="0" cy="0"/>
+        </a:xfrm>
+      </p:grpSpPr>
+      <p:pic>
+        <p:nvPicPr>
+          <p:cNvPr id="4098" name="Picture 2"/>
+          <p:cNvPicPr>
+            <a:picLocks noChangeAspect="1" noChangeArrowheads="1"/>
+          </p:cNvPicPr>
+          <p:nvPr/>
+        </p:nvPicPr>
+        <p:blipFill>
+          <a:blip r:embed="rId2">
+            <a:extLst>
+              <a:ext uri="{28A0092B-C50C-407E-A947-70E740481C1C}">
+                <a14:useLocalDpi xmlns:a14="http://schemas.microsoft.com/office/drawing/2010/main" val="0"/>
+              </a:ext>
+            </a:extLst>
+          </a:blip>
+          <a:srcRect/>
+          <a:stretch>
+            <a:fillRect/>
+          </a:stretch>
+        </p:blipFill>
+        <p:spPr bwMode="auto">
+          <a:xfrm>
+            <a:off x="219075" y="428624"/>
+            <a:ext cx="5229225" cy="5229225"/>
+          </a:xfrm>
+          <a:prstGeom prst="rect">
+            <a:avLst/>
+          </a:prstGeom>
+          <a:noFill/>
+          <a:ln>
+            <a:noFill/>
+          </a:ln>
+          <a:extLst>
+            <a:ext uri="{909E8E84-426E-40DD-AFC4-6F175D3DCCD1}">
+              <a14:hiddenFill xmlns:a14="http://schemas.microsoft.com/office/drawing/2010/main">
+                <a:solidFill>
+                  <a:schemeClr val="accent1"/>
+                </a:solidFill>
+              </a14:hiddenFill>
+            </a:ext>
+            <a:ext uri="{91240B29-F687-4F45-9708-019B960494DF}">
+              <a14:hiddenLine xmlns:a14="http://schemas.microsoft.com/office/drawing/2010/main" w="9525">
+                <a:solidFill>
+                  <a:schemeClr val="tx1"/>
+                </a:solidFill>
+                <a:miter lim="800000"/>
+                <a:headEnd/>
+                <a:tailEnd/>
+              </a14:hiddenLine>
+            </a:ext>
+          </a:extLst>
+        </p:spPr>
+      </p:pic>
+    </p:spTree>
+    <p:extLst>
+      <p:ext uri="{BB962C8B-B14F-4D97-AF65-F5344CB8AC3E}">
+        <p14:creationId xmlns:p14="http://schemas.microsoft.com/office/powerpoint/2010/main" val="2808025755"/>
+      </p:ext>
+    </p:extLst>
+  </p:cSld>
+  <p:clrMapOvr>
+    <a:masterClrMapping/>
+  </p:clrMapOvr>
+</p:sld>
+</file>
+
+<file path=ppt/slides/slide6.xml><?xml version="1.0" encoding="utf-8"?>
+<p:sld xmlns:a="http://schemas.openxmlformats.org/drawingml/2006/main" xmlns:r="http://schemas.openxmlformats.org/officeDocument/2006/relationships" xmlns:p="http://schemas.openxmlformats.org/presentationml/2006/main">
+  <p:cSld>
+    <p:spTree>
+      <p:nvGrpSpPr>
+        <p:cNvPr id="1" name=""/>
+        <p:cNvGrpSpPr/>
+        <p:nvPr/>
+      </p:nvGrpSpPr>
+      <p:grpSpPr>
+        <a:xfrm>
+          <a:off x="0" y="0"/>
+          <a:ext cx="0" cy="0"/>
+          <a:chOff x="0" y="0"/>
+          <a:chExt cx="0" cy="0"/>
+        </a:xfrm>
+      </p:grpSpPr>
+      <p:pic>
+        <p:nvPicPr>
+          <p:cNvPr id="5122" name="Picture 2"/>
+          <p:cNvPicPr>
+            <a:picLocks noChangeAspect="1" noChangeArrowheads="1"/>
+          </p:cNvPicPr>
+          <p:nvPr/>
+        </p:nvPicPr>
+        <p:blipFill>
+          <a:blip r:embed="rId2">
+            <a:extLst>
+              <a:ext uri="{28A0092B-C50C-407E-A947-70E740481C1C}">
+                <a14:useLocalDpi xmlns:a14="http://schemas.microsoft.com/office/drawing/2010/main" val="0"/>
+              </a:ext>
+            </a:extLst>
+          </a:blip>
+          <a:srcRect/>
+          <a:stretch>
+            <a:fillRect/>
+          </a:stretch>
+        </p:blipFill>
+        <p:spPr bwMode="auto">
+          <a:xfrm>
+            <a:off x="628650" y="1047749"/>
+            <a:ext cx="4162425" cy="4162425"/>
+          </a:xfrm>
+          <a:prstGeom prst="rect">
+            <a:avLst/>
+          </a:prstGeom>
+          <a:noFill/>
+          <a:ln>
+            <a:noFill/>
+          </a:ln>
+          <a:extLst>
+            <a:ext uri="{909E8E84-426E-40DD-AFC4-6F175D3DCCD1}">
+              <a14:hiddenFill xmlns:a14="http://schemas.microsoft.com/office/drawing/2010/main">
+                <a:solidFill>
+                  <a:schemeClr val="accent1"/>
+                </a:solidFill>
+              </a14:hiddenFill>
+            </a:ext>
+            <a:ext uri="{91240B29-F687-4F45-9708-019B960494DF}">
+              <a14:hiddenLine xmlns:a14="http://schemas.microsoft.com/office/drawing/2010/main" w="9525">
+                <a:solidFill>
+                  <a:schemeClr val="tx1"/>
+                </a:solidFill>
+                <a:miter lim="800000"/>
+                <a:headEnd/>
+                <a:tailEnd/>
+              </a14:hiddenLine>
+            </a:ext>
+          </a:extLst>
+        </p:spPr>
+      </p:pic>
+      <p:sp>
+        <p:nvSpPr>
+          <p:cNvPr id="4" name="Fluxograma: Processo alternativo 3"/>
+          <p:cNvSpPr/>
+          <p:nvPr/>
+        </p:nvSpPr>
+        <p:spPr>
+          <a:xfrm>
+            <a:off x="6172200" y="3009900"/>
+            <a:ext cx="2095500" cy="447675"/>
+          </a:xfrm>
+          <a:prstGeom prst="flowChartAlternateProcess">
+            <a:avLst/>
+          </a:prstGeom>
+        </p:spPr>
+        <p:style>
+          <a:lnRef idx="2">
+            <a:schemeClr val="accent1">
+              <a:shade val="50000"/>
+            </a:schemeClr>
+          </a:lnRef>
+          <a:fillRef idx="1">
+            <a:schemeClr val="accent1"/>
+          </a:fillRef>
+          <a:effectRef idx="0">
+            <a:schemeClr val="accent1"/>
+          </a:effectRef>
+          <a:fontRef idx="minor">
+            <a:schemeClr val="lt1"/>
+          </a:fontRef>
+        </p:style>
+        <p:txBody>
+          <a:bodyPr rtlCol="0" anchor="ctr"/>
+          <a:lstStyle/>
+          <a:p>
+            <a:pPr algn="ctr"/>
+            <a:endParaRPr lang="pt-BR"/>
+          </a:p>
+        </p:txBody>
+      </p:sp>
+      <p:cxnSp>
+        <p:nvCxnSpPr>
+          <p:cNvPr id="6" name="Conector reto 5"/>
+          <p:cNvCxnSpPr>
+            <a:stCxn id="4" idx="0"/>
+            <a:endCxn id="4" idx="2"/>
+          </p:cNvCxnSpPr>
+          <p:nvPr/>
+        </p:nvCxnSpPr>
+        <p:spPr>
+          <a:xfrm>
+            <a:off x="7219950" y="3009900"/>
+            <a:ext cx="0" cy="447675"/>
+          </a:xfrm>
+          <a:prstGeom prst="line">
+            <a:avLst/>
+          </a:prstGeom>
+        </p:spPr>
+        <p:style>
+          <a:lnRef idx="1">
+            <a:schemeClr val="accent2"/>
+          </a:lnRef>
+          <a:fillRef idx="0">
+            <a:schemeClr val="accent2"/>
+          </a:fillRef>
+          <a:effectRef idx="0">
+            <a:schemeClr val="accent2"/>
+          </a:effectRef>
+          <a:fontRef idx="minor">
+            <a:schemeClr val="tx1"/>
+          </a:fontRef>
+        </p:style>
+      </p:cxnSp>
+      <p:cxnSp>
+        <p:nvCxnSpPr>
+          <p:cNvPr id="8" name="Conector reto 7"/>
+          <p:cNvCxnSpPr/>
+          <p:nvPr/>
+        </p:nvCxnSpPr>
+        <p:spPr>
+          <a:xfrm flipV="1">
+            <a:off x="7038975" y="3052762"/>
+            <a:ext cx="361950" cy="361950"/>
+          </a:xfrm>
+          <a:prstGeom prst="line">
+            <a:avLst/>
+          </a:prstGeom>
+          <a:ln>
+            <a:solidFill>
+              <a:srgbClr val="FFFF00"/>
+            </a:solidFill>
+          </a:ln>
+        </p:spPr>
+        <p:style>
+          <a:lnRef idx="1">
+            <a:schemeClr val="accent1"/>
+          </a:lnRef>
+          <a:fillRef idx="0">
+            <a:schemeClr val="accent1"/>
+          </a:fillRef>
+          <a:effectRef idx="0">
+            <a:schemeClr val="accent1"/>
+          </a:effectRef>
+          <a:fontRef idx="minor">
+            <a:schemeClr val="tx1"/>
+          </a:fontRef>
+        </p:style>
+      </p:cxnSp>
+      <p:cxnSp>
+        <p:nvCxnSpPr>
+          <p:cNvPr id="10" name="Conector reto 9"/>
+          <p:cNvCxnSpPr/>
+          <p:nvPr/>
+        </p:nvCxnSpPr>
+        <p:spPr>
+          <a:xfrm rot="16200000" flipV="1">
+            <a:off x="7038975" y="3052762"/>
+            <a:ext cx="361950" cy="361950"/>
+          </a:xfrm>
+          <a:prstGeom prst="line">
+            <a:avLst/>
+          </a:prstGeom>
+          <a:ln>
+            <a:solidFill>
+              <a:srgbClr val="FFFF00"/>
+            </a:solidFill>
+          </a:ln>
+        </p:spPr>
+        <p:style>
+          <a:lnRef idx="1">
+            <a:schemeClr val="accent1"/>
+          </a:lnRef>
+          <a:fillRef idx="0">
+            <a:schemeClr val="accent1"/>
+          </a:fillRef>
+          <a:effectRef idx="0">
+            <a:schemeClr val="accent1"/>
+          </a:effectRef>
+          <a:fontRef idx="minor">
+            <a:schemeClr val="tx1"/>
+          </a:fontRef>
+        </p:style>
+      </p:cxnSp>
+      <p:sp>
+        <p:nvSpPr>
+          <p:cNvPr id="9" name="CaixaDeTexto 8"/>
+          <p:cNvSpPr txBox="1"/>
+          <p:nvPr/>
+        </p:nvSpPr>
+        <p:spPr>
+          <a:xfrm>
+            <a:off x="6399345" y="3078718"/>
+            <a:ext cx="614271" cy="646331"/>
+          </a:xfrm>
+          <a:prstGeom prst="rect">
+            <a:avLst/>
+          </a:prstGeom>
+          <a:noFill/>
+        </p:spPr>
+        <p:txBody>
+          <a:bodyPr wrap="none" rtlCol="0">
+            <a:spAutoFit/>
+          </a:bodyPr>
+          <a:lstStyle/>
+          <a:p>
+            <a:r>
+              <a:rPr lang="pt-BR" dirty="0" err="1" smtClean="0"/>
+              <a:t>PrEP</a:t>
+            </a:r>
+            <a:endParaRPr lang="pt-BR" dirty="0" smtClean="0"/>
+          </a:p>
+          <a:p>
+            <a:endParaRPr lang="pt-BR" dirty="0"/>
+          </a:p>
+        </p:txBody>
+      </p:sp>
+      <p:sp>
+        <p:nvSpPr>
+          <p:cNvPr id="12" name="CaixaDeTexto 11"/>
+          <p:cNvSpPr txBox="1"/>
+          <p:nvPr/>
+        </p:nvSpPr>
+        <p:spPr>
+          <a:xfrm>
+            <a:off x="7562850" y="3078718"/>
+            <a:ext cx="534121" cy="369332"/>
+          </a:xfrm>
+          <a:prstGeom prst="rect">
+            <a:avLst/>
+          </a:prstGeom>
+          <a:noFill/>
+        </p:spPr>
+        <p:txBody>
+          <a:bodyPr wrap="none" rtlCol="0">
+            <a:spAutoFit/>
+          </a:bodyPr>
+          <a:lstStyle/>
+          <a:p>
+            <a:r>
+              <a:rPr lang="pt-BR" dirty="0" smtClean="0"/>
+              <a:t>PEP</a:t>
+            </a:r>
+            <a:endParaRPr lang="pt-BR" dirty="0"/>
+          </a:p>
+        </p:txBody>
+      </p:sp>
+    </p:spTree>
+    <p:extLst>
+      <p:ext uri="{BB962C8B-B14F-4D97-AF65-F5344CB8AC3E}">
+        <p14:creationId xmlns:p14="http://schemas.microsoft.com/office/powerpoint/2010/main" val="1438967807"/>
       </p:ext>
     </p:extLst>
   </p:cSld>
@@ -3570,7 +4252,7 @@
   <a:extraClrSchemeLst/>
   <a:extLst>
     <a:ext uri="{05A4C25C-085E-4340-85A3-A5531E510DB2}">
-      <thm15:themeFamily xmlns:thm15="http://schemas.microsoft.com/office/thememl/2012/main" name="Office Theme" id="{62F939B6-93AF-4DB8-9C6B-D6C7DFDC589F}" vid="{4A3C46E8-61CC-4603-A589-7422A47A8E4A}"/>
+      <thm15:themeFamily xmlns:thm15="http://schemas.microsoft.com/office/thememl/2012/main" xmlns="" name="Office Theme" id="{62F939B6-93AF-4DB8-9C6B-D6C7DFDC589F}" vid="{4A3C46E8-61CC-4603-A589-7422A47A8E4A}"/>
     </a:ext>
   </a:extLst>
 </a:theme>

--- a/Rascunhos/imagens para HIV.pptx
+++ b/Rascunhos/imagens para HIV.pptx
@@ -8,9 +8,7 @@
     <p:sldId id="256" r:id="rId2"/>
     <p:sldId id="257" r:id="rId3"/>
     <p:sldId id="258" r:id="rId4"/>
-    <p:sldId id="259" r:id="rId5"/>
-    <p:sldId id="260" r:id="rId6"/>
-    <p:sldId id="261" r:id="rId7"/>
+    <p:sldId id="261" r:id="rId5"/>
   </p:sldIdLst>
   <p:sldSz cx="12192000" cy="6858000"/>
   <p:notesSz cx="6858000" cy="9144000"/>
@@ -243,7 +241,7 @@
           <a:p>
             <a:fld id="{6EC27022-61B4-4658-BCF4-E6488D58E6A6}" type="datetimeFigureOut">
               <a:rPr lang="pt-BR" smtClean="0"/>
-              <a:t>26/02/2019</a:t>
+              <a:t>01/03/2019</a:t>
             </a:fld>
             <a:endParaRPr lang="pt-BR"/>
           </a:p>
@@ -413,7 +411,7 @@
           <a:p>
             <a:fld id="{6EC27022-61B4-4658-BCF4-E6488D58E6A6}" type="datetimeFigureOut">
               <a:rPr lang="pt-BR" smtClean="0"/>
-              <a:t>26/02/2019</a:t>
+              <a:t>01/03/2019</a:t>
             </a:fld>
             <a:endParaRPr lang="pt-BR"/>
           </a:p>
@@ -593,7 +591,7 @@
           <a:p>
             <a:fld id="{6EC27022-61B4-4658-BCF4-E6488D58E6A6}" type="datetimeFigureOut">
               <a:rPr lang="pt-BR" smtClean="0"/>
-              <a:t>26/02/2019</a:t>
+              <a:t>01/03/2019</a:t>
             </a:fld>
             <a:endParaRPr lang="pt-BR"/>
           </a:p>
@@ -763,7 +761,7 @@
           <a:p>
             <a:fld id="{6EC27022-61B4-4658-BCF4-E6488D58E6A6}" type="datetimeFigureOut">
               <a:rPr lang="pt-BR" smtClean="0"/>
-              <a:t>26/02/2019</a:t>
+              <a:t>01/03/2019</a:t>
             </a:fld>
             <a:endParaRPr lang="pt-BR"/>
           </a:p>
@@ -1009,7 +1007,7 @@
           <a:p>
             <a:fld id="{6EC27022-61B4-4658-BCF4-E6488D58E6A6}" type="datetimeFigureOut">
               <a:rPr lang="pt-BR" smtClean="0"/>
-              <a:t>26/02/2019</a:t>
+              <a:t>01/03/2019</a:t>
             </a:fld>
             <a:endParaRPr lang="pt-BR"/>
           </a:p>
@@ -1241,7 +1239,7 @@
           <a:p>
             <a:fld id="{6EC27022-61B4-4658-BCF4-E6488D58E6A6}" type="datetimeFigureOut">
               <a:rPr lang="pt-BR" smtClean="0"/>
-              <a:t>26/02/2019</a:t>
+              <a:t>01/03/2019</a:t>
             </a:fld>
             <a:endParaRPr lang="pt-BR"/>
           </a:p>
@@ -1608,7 +1606,7 @@
           <a:p>
             <a:fld id="{6EC27022-61B4-4658-BCF4-E6488D58E6A6}" type="datetimeFigureOut">
               <a:rPr lang="pt-BR" smtClean="0"/>
-              <a:t>26/02/2019</a:t>
+              <a:t>01/03/2019</a:t>
             </a:fld>
             <a:endParaRPr lang="pt-BR"/>
           </a:p>
@@ -1726,7 +1724,7 @@
           <a:p>
             <a:fld id="{6EC27022-61B4-4658-BCF4-E6488D58E6A6}" type="datetimeFigureOut">
               <a:rPr lang="pt-BR" smtClean="0"/>
-              <a:t>26/02/2019</a:t>
+              <a:t>01/03/2019</a:t>
             </a:fld>
             <a:endParaRPr lang="pt-BR"/>
           </a:p>
@@ -1821,7 +1819,7 @@
           <a:p>
             <a:fld id="{6EC27022-61B4-4658-BCF4-E6488D58E6A6}" type="datetimeFigureOut">
               <a:rPr lang="pt-BR" smtClean="0"/>
-              <a:t>26/02/2019</a:t>
+              <a:t>01/03/2019</a:t>
             </a:fld>
             <a:endParaRPr lang="pt-BR"/>
           </a:p>
@@ -2098,7 +2096,7 @@
           <a:p>
             <a:fld id="{6EC27022-61B4-4658-BCF4-E6488D58E6A6}" type="datetimeFigureOut">
               <a:rPr lang="pt-BR" smtClean="0"/>
-              <a:t>26/02/2019</a:t>
+              <a:t>01/03/2019</a:t>
             </a:fld>
             <a:endParaRPr lang="pt-BR"/>
           </a:p>
@@ -2351,7 +2349,7 @@
           <a:p>
             <a:fld id="{6EC27022-61B4-4658-BCF4-E6488D58E6A6}" type="datetimeFigureOut">
               <a:rPr lang="pt-BR" smtClean="0"/>
-              <a:t>26/02/2019</a:t>
+              <a:t>01/03/2019</a:t>
             </a:fld>
             <a:endParaRPr lang="pt-BR"/>
           </a:p>
@@ -2564,7 +2562,7 @@
           <a:p>
             <a:fld id="{6EC27022-61B4-4658-BCF4-E6488D58E6A6}" type="datetimeFigureOut">
               <a:rPr lang="pt-BR" smtClean="0"/>
-              <a:t>26/02/2019</a:t>
+              <a:t>01/03/2019</a:t>
             </a:fld>
             <a:endParaRPr lang="pt-BR"/>
           </a:p>
@@ -3551,174 +3549,6 @@
       </p:grpSpPr>
       <p:pic>
         <p:nvPicPr>
-          <p:cNvPr id="3074" name="Picture 2"/>
-          <p:cNvPicPr>
-            <a:picLocks noChangeAspect="1" noChangeArrowheads="1"/>
-          </p:cNvPicPr>
-          <p:nvPr/>
-        </p:nvPicPr>
-        <p:blipFill>
-          <a:blip r:embed="rId2" cstate="print">
-            <a:extLst>
-              <a:ext uri="{28A0092B-C50C-407E-A947-70E740481C1C}">
-                <a14:useLocalDpi xmlns:a14="http://schemas.microsoft.com/office/drawing/2010/main" val="0"/>
-              </a:ext>
-            </a:extLst>
-          </a:blip>
-          <a:srcRect/>
-          <a:stretch>
-            <a:fillRect/>
-          </a:stretch>
-        </p:blipFill>
-        <p:spPr bwMode="auto">
-          <a:xfrm>
-            <a:off x="600075" y="1371600"/>
-            <a:ext cx="4213777" cy="2819400"/>
-          </a:xfrm>
-          <a:prstGeom prst="rect">
-            <a:avLst/>
-          </a:prstGeom>
-          <a:noFill/>
-          <a:ln>
-            <a:noFill/>
-          </a:ln>
-          <a:extLst>
-            <a:ext uri="{909E8E84-426E-40DD-AFC4-6F175D3DCCD1}">
-              <a14:hiddenFill xmlns:a14="http://schemas.microsoft.com/office/drawing/2010/main">
-                <a:solidFill>
-                  <a:schemeClr val="accent1"/>
-                </a:solidFill>
-              </a14:hiddenFill>
-            </a:ext>
-            <a:ext uri="{91240B29-F687-4F45-9708-019B960494DF}">
-              <a14:hiddenLine xmlns:a14="http://schemas.microsoft.com/office/drawing/2010/main" w="9525">
-                <a:solidFill>
-                  <a:schemeClr val="tx1"/>
-                </a:solidFill>
-                <a:miter lim="800000"/>
-                <a:headEnd/>
-                <a:tailEnd/>
-              </a14:hiddenLine>
-            </a:ext>
-          </a:extLst>
-        </p:spPr>
-      </p:pic>
-    </p:spTree>
-    <p:extLst>
-      <p:ext uri="{BB962C8B-B14F-4D97-AF65-F5344CB8AC3E}">
-        <p14:creationId xmlns:p14="http://schemas.microsoft.com/office/powerpoint/2010/main" val="1333466837"/>
-      </p:ext>
-    </p:extLst>
-  </p:cSld>
-  <p:clrMapOvr>
-    <a:masterClrMapping/>
-  </p:clrMapOvr>
-</p:sld>
-</file>
-
-<file path=ppt/slides/slide5.xml><?xml version="1.0" encoding="utf-8"?>
-<p:sld xmlns:a="http://schemas.openxmlformats.org/drawingml/2006/main" xmlns:r="http://schemas.openxmlformats.org/officeDocument/2006/relationships" xmlns:p="http://schemas.openxmlformats.org/presentationml/2006/main">
-  <p:cSld>
-    <p:spTree>
-      <p:nvGrpSpPr>
-        <p:cNvPr id="1" name=""/>
-        <p:cNvGrpSpPr/>
-        <p:nvPr/>
-      </p:nvGrpSpPr>
-      <p:grpSpPr>
-        <a:xfrm>
-          <a:off x="0" y="0"/>
-          <a:ext cx="0" cy="0"/>
-          <a:chOff x="0" y="0"/>
-          <a:chExt cx="0" cy="0"/>
-        </a:xfrm>
-      </p:grpSpPr>
-      <p:pic>
-        <p:nvPicPr>
-          <p:cNvPr id="4098" name="Picture 2"/>
-          <p:cNvPicPr>
-            <a:picLocks noChangeAspect="1" noChangeArrowheads="1"/>
-          </p:cNvPicPr>
-          <p:nvPr/>
-        </p:nvPicPr>
-        <p:blipFill>
-          <a:blip r:embed="rId2">
-            <a:extLst>
-              <a:ext uri="{28A0092B-C50C-407E-A947-70E740481C1C}">
-                <a14:useLocalDpi xmlns:a14="http://schemas.microsoft.com/office/drawing/2010/main" val="0"/>
-              </a:ext>
-            </a:extLst>
-          </a:blip>
-          <a:srcRect/>
-          <a:stretch>
-            <a:fillRect/>
-          </a:stretch>
-        </p:blipFill>
-        <p:spPr bwMode="auto">
-          <a:xfrm>
-            <a:off x="219075" y="428624"/>
-            <a:ext cx="5229225" cy="5229225"/>
-          </a:xfrm>
-          <a:prstGeom prst="rect">
-            <a:avLst/>
-          </a:prstGeom>
-          <a:noFill/>
-          <a:ln>
-            <a:noFill/>
-          </a:ln>
-          <a:extLst>
-            <a:ext uri="{909E8E84-426E-40DD-AFC4-6F175D3DCCD1}">
-              <a14:hiddenFill xmlns:a14="http://schemas.microsoft.com/office/drawing/2010/main">
-                <a:solidFill>
-                  <a:schemeClr val="accent1"/>
-                </a:solidFill>
-              </a14:hiddenFill>
-            </a:ext>
-            <a:ext uri="{91240B29-F687-4F45-9708-019B960494DF}">
-              <a14:hiddenLine xmlns:a14="http://schemas.microsoft.com/office/drawing/2010/main" w="9525">
-                <a:solidFill>
-                  <a:schemeClr val="tx1"/>
-                </a:solidFill>
-                <a:miter lim="800000"/>
-                <a:headEnd/>
-                <a:tailEnd/>
-              </a14:hiddenLine>
-            </a:ext>
-          </a:extLst>
-        </p:spPr>
-      </p:pic>
-    </p:spTree>
-    <p:extLst>
-      <p:ext uri="{BB962C8B-B14F-4D97-AF65-F5344CB8AC3E}">
-        <p14:creationId xmlns:p14="http://schemas.microsoft.com/office/powerpoint/2010/main" val="2808025755"/>
-      </p:ext>
-    </p:extLst>
-  </p:cSld>
-  <p:clrMapOvr>
-    <a:masterClrMapping/>
-  </p:clrMapOvr>
-</p:sld>
-</file>
-
-<file path=ppt/slides/slide6.xml><?xml version="1.0" encoding="utf-8"?>
-<p:sld xmlns:a="http://schemas.openxmlformats.org/drawingml/2006/main" xmlns:r="http://schemas.openxmlformats.org/officeDocument/2006/relationships" xmlns:p="http://schemas.openxmlformats.org/presentationml/2006/main">
-  <p:cSld>
-    <p:spTree>
-      <p:nvGrpSpPr>
-        <p:cNvPr id="1" name=""/>
-        <p:cNvGrpSpPr/>
-        <p:nvPr/>
-      </p:nvGrpSpPr>
-      <p:grpSpPr>
-        <a:xfrm>
-          <a:off x="0" y="0"/>
-          <a:ext cx="0" cy="0"/>
-          <a:chOff x="0" y="0"/>
-          <a:chExt cx="0" cy="0"/>
-        </a:xfrm>
-      </p:grpSpPr>
-      <p:pic>
-        <p:nvPicPr>
           <p:cNvPr id="5122" name="Picture 2"/>
           <p:cNvPicPr>
             <a:picLocks noChangeAspect="1" noChangeArrowheads="1"/>
@@ -4252,7 +4082,7 @@
   <a:extraClrSchemeLst/>
   <a:extLst>
     <a:ext uri="{05A4C25C-085E-4340-85A3-A5531E510DB2}">
-      <thm15:themeFamily xmlns:thm15="http://schemas.microsoft.com/office/thememl/2012/main" xmlns="" name="Office Theme" id="{62F939B6-93AF-4DB8-9C6B-D6C7DFDC589F}" vid="{4A3C46E8-61CC-4603-A589-7422A47A8E4A}"/>
+      <thm15:themeFamily xmlns="" xmlns:thm15="http://schemas.microsoft.com/office/thememl/2012/main" name="Office Theme" id="{62F939B6-93AF-4DB8-9C6B-D6C7DFDC589F}" vid="{4A3C46E8-61CC-4603-A589-7422A47A8E4A}"/>
     </a:ext>
   </a:extLst>
 </a:theme>

--- a/Rascunhos/imagens para HIV.pptx
+++ b/Rascunhos/imagens para HIV.pptx
@@ -3331,54 +3331,6 @@
           <a:chExt cx="0" cy="0"/>
         </a:xfrm>
       </p:grpSpPr>
-      <p:sp>
-        <p:nvSpPr>
-          <p:cNvPr id="2" name="Elipse 1"/>
-          <p:cNvSpPr/>
-          <p:nvPr/>
-        </p:nvSpPr>
-        <p:spPr>
-          <a:xfrm>
-            <a:off x="5567266" y="1454353"/>
-            <a:ext cx="3191067" cy="3335566"/>
-          </a:xfrm>
-          <a:prstGeom prst="ellipse">
-            <a:avLst/>
-          </a:prstGeom>
-          <a:solidFill>
-            <a:srgbClr val="7030A0"/>
-          </a:solidFill>
-          <a:ln w="57150">
-            <a:solidFill>
-              <a:srgbClr val="5F2480"/>
-            </a:solidFill>
-          </a:ln>
-        </p:spPr>
-        <p:style>
-          <a:lnRef idx="2">
-            <a:schemeClr val="accent1">
-              <a:shade val="50000"/>
-            </a:schemeClr>
-          </a:lnRef>
-          <a:fillRef idx="1">
-            <a:schemeClr val="accent1"/>
-          </a:fillRef>
-          <a:effectRef idx="0">
-            <a:schemeClr val="accent1"/>
-          </a:effectRef>
-          <a:fontRef idx="minor">
-            <a:schemeClr val="lt1"/>
-          </a:fontRef>
-        </p:style>
-        <p:txBody>
-          <a:bodyPr rtlCol="0" anchor="ctr"/>
-          <a:lstStyle/>
-          <a:p>
-            <a:pPr algn="ctr"/>
-            <a:endParaRPr lang="pt-BR"/>
-          </a:p>
-        </p:txBody>
-      </p:sp>
       <p:pic>
         <p:nvPicPr>
           <p:cNvPr id="1026" name="Picture 2"/>
@@ -3433,6 +3385,1558 @@
           </a:extLst>
         </p:spPr>
       </p:pic>
+      <p:grpSp>
+        <p:nvGrpSpPr>
+          <p:cNvPr id="58" name="Grupo 57"/>
+          <p:cNvGrpSpPr/>
+          <p:nvPr/>
+        </p:nvGrpSpPr>
+        <p:grpSpPr>
+          <a:xfrm>
+            <a:off x="5150568" y="1909667"/>
+            <a:ext cx="2536517" cy="2596323"/>
+            <a:chOff x="6497209" y="1638481"/>
+            <a:chExt cx="2536517" cy="2596323"/>
+          </a:xfrm>
+        </p:grpSpPr>
+        <p:grpSp>
+          <p:nvGrpSpPr>
+            <p:cNvPr id="54" name="Grupo 53"/>
+            <p:cNvGrpSpPr/>
+            <p:nvPr/>
+          </p:nvGrpSpPr>
+          <p:grpSpPr>
+            <a:xfrm>
+              <a:off x="6580533" y="1706470"/>
+              <a:ext cx="2387141" cy="2473360"/>
+              <a:chOff x="5796843" y="1593055"/>
+              <a:chExt cx="2387141" cy="2473360"/>
+            </a:xfrm>
+          </p:grpSpPr>
+          <p:sp>
+            <p:nvSpPr>
+              <p:cNvPr id="2" name="Elipse 1"/>
+              <p:cNvSpPr/>
+              <p:nvPr/>
+            </p:nvSpPr>
+            <p:spPr>
+              <a:xfrm>
+                <a:off x="5995892" y="1790002"/>
+                <a:ext cx="1986058" cy="2075991"/>
+              </a:xfrm>
+              <a:prstGeom prst="ellipse">
+                <a:avLst/>
+              </a:prstGeom>
+              <a:solidFill>
+                <a:srgbClr val="7030A0"/>
+              </a:solidFill>
+              <a:ln w="57150">
+                <a:noFill/>
+              </a:ln>
+            </p:spPr>
+            <p:style>
+              <a:lnRef idx="2">
+                <a:schemeClr val="accent1">
+                  <a:shade val="50000"/>
+                </a:schemeClr>
+              </a:lnRef>
+              <a:fillRef idx="1">
+                <a:schemeClr val="accent1"/>
+              </a:fillRef>
+              <a:effectRef idx="0">
+                <a:schemeClr val="accent1"/>
+              </a:effectRef>
+              <a:fontRef idx="minor">
+                <a:schemeClr val="lt1"/>
+              </a:fontRef>
+            </p:style>
+            <p:txBody>
+              <a:bodyPr rtlCol="0" anchor="ctr"/>
+              <a:lstStyle/>
+              <a:p>
+                <a:pPr algn="ctr"/>
+                <a:endParaRPr lang="pt-BR"/>
+              </a:p>
+            </p:txBody>
+          </p:sp>
+          <p:sp>
+            <p:nvSpPr>
+              <p:cNvPr id="21" name="Retângulo 20"/>
+              <p:cNvSpPr/>
+              <p:nvPr/>
+            </p:nvSpPr>
+            <p:spPr>
+              <a:xfrm>
+                <a:off x="6882955" y="1593055"/>
+                <a:ext cx="211931" cy="352425"/>
+              </a:xfrm>
+              <a:prstGeom prst="rect">
+                <a:avLst/>
+              </a:prstGeom>
+              <a:solidFill>
+                <a:srgbClr val="7030A0"/>
+              </a:solidFill>
+              <a:ln>
+                <a:noFill/>
+              </a:ln>
+            </p:spPr>
+            <p:style>
+              <a:lnRef idx="2">
+                <a:schemeClr val="accent1">
+                  <a:shade val="50000"/>
+                </a:schemeClr>
+              </a:lnRef>
+              <a:fillRef idx="1">
+                <a:schemeClr val="accent1"/>
+              </a:fillRef>
+              <a:effectRef idx="0">
+                <a:schemeClr val="accent1"/>
+              </a:effectRef>
+              <a:fontRef idx="minor">
+                <a:schemeClr val="lt1"/>
+              </a:fontRef>
+            </p:style>
+            <p:txBody>
+              <a:bodyPr rtlCol="0" anchor="ctr"/>
+              <a:lstStyle/>
+              <a:p>
+                <a:pPr algn="ctr"/>
+                <a:endParaRPr lang="pt-BR"/>
+              </a:p>
+            </p:txBody>
+          </p:sp>
+          <p:sp>
+            <p:nvSpPr>
+              <p:cNvPr id="28" name="Retângulo 27"/>
+              <p:cNvSpPr/>
+              <p:nvPr/>
+            </p:nvSpPr>
+            <p:spPr>
+              <a:xfrm rot="2700000">
+                <a:off x="7612487" y="1901432"/>
+                <a:ext cx="211931" cy="352425"/>
+              </a:xfrm>
+              <a:prstGeom prst="rect">
+                <a:avLst/>
+              </a:prstGeom>
+              <a:solidFill>
+                <a:srgbClr val="7030A0"/>
+              </a:solidFill>
+              <a:ln>
+                <a:noFill/>
+              </a:ln>
+            </p:spPr>
+            <p:style>
+              <a:lnRef idx="2">
+                <a:schemeClr val="accent1">
+                  <a:shade val="50000"/>
+                </a:schemeClr>
+              </a:lnRef>
+              <a:fillRef idx="1">
+                <a:schemeClr val="accent1"/>
+              </a:fillRef>
+              <a:effectRef idx="0">
+                <a:schemeClr val="accent1"/>
+              </a:effectRef>
+              <a:fontRef idx="minor">
+                <a:schemeClr val="lt1"/>
+              </a:fontRef>
+            </p:style>
+            <p:txBody>
+              <a:bodyPr rtlCol="0" anchor="ctr"/>
+              <a:lstStyle/>
+              <a:p>
+                <a:pPr algn="ctr"/>
+                <a:endParaRPr lang="pt-BR"/>
+              </a:p>
+            </p:txBody>
+          </p:sp>
+          <p:sp>
+            <p:nvSpPr>
+              <p:cNvPr id="31" name="Retângulo 30"/>
+              <p:cNvSpPr/>
+              <p:nvPr/>
+            </p:nvSpPr>
+            <p:spPr>
+              <a:xfrm rot="5400000">
+                <a:off x="7901806" y="2651785"/>
+                <a:ext cx="211931" cy="352425"/>
+              </a:xfrm>
+              <a:prstGeom prst="rect">
+                <a:avLst/>
+              </a:prstGeom>
+              <a:solidFill>
+                <a:srgbClr val="7030A0"/>
+              </a:solidFill>
+              <a:ln>
+                <a:noFill/>
+              </a:ln>
+            </p:spPr>
+            <p:style>
+              <a:lnRef idx="2">
+                <a:schemeClr val="accent1">
+                  <a:shade val="50000"/>
+                </a:schemeClr>
+              </a:lnRef>
+              <a:fillRef idx="1">
+                <a:schemeClr val="accent1"/>
+              </a:fillRef>
+              <a:effectRef idx="0">
+                <a:schemeClr val="accent1"/>
+              </a:effectRef>
+              <a:fontRef idx="minor">
+                <a:schemeClr val="lt1"/>
+              </a:fontRef>
+            </p:style>
+            <p:txBody>
+              <a:bodyPr rtlCol="0" anchor="ctr"/>
+              <a:lstStyle/>
+              <a:p>
+                <a:pPr algn="ctr"/>
+                <a:endParaRPr lang="pt-BR"/>
+              </a:p>
+            </p:txBody>
+          </p:sp>
+          <p:sp>
+            <p:nvSpPr>
+              <p:cNvPr id="34" name="Retângulo 33"/>
+              <p:cNvSpPr/>
+              <p:nvPr/>
+            </p:nvSpPr>
+            <p:spPr>
+              <a:xfrm rot="16200000">
+                <a:off x="5867090" y="2651785"/>
+                <a:ext cx="211931" cy="352425"/>
+              </a:xfrm>
+              <a:prstGeom prst="rect">
+                <a:avLst/>
+              </a:prstGeom>
+              <a:solidFill>
+                <a:srgbClr val="7030A0"/>
+              </a:solidFill>
+              <a:ln>
+                <a:noFill/>
+              </a:ln>
+            </p:spPr>
+            <p:style>
+              <a:lnRef idx="2">
+                <a:schemeClr val="accent1">
+                  <a:shade val="50000"/>
+                </a:schemeClr>
+              </a:lnRef>
+              <a:fillRef idx="1">
+                <a:schemeClr val="accent1"/>
+              </a:fillRef>
+              <a:effectRef idx="0">
+                <a:schemeClr val="accent1"/>
+              </a:effectRef>
+              <a:fontRef idx="minor">
+                <a:schemeClr val="lt1"/>
+              </a:fontRef>
+            </p:style>
+            <p:txBody>
+              <a:bodyPr rtlCol="0" anchor="ctr"/>
+              <a:lstStyle/>
+              <a:p>
+                <a:pPr algn="ctr"/>
+                <a:endParaRPr lang="pt-BR"/>
+              </a:p>
+            </p:txBody>
+          </p:sp>
+          <p:sp>
+            <p:nvSpPr>
+              <p:cNvPr id="37" name="Retângulo 36"/>
+              <p:cNvSpPr/>
+              <p:nvPr/>
+            </p:nvSpPr>
+            <p:spPr>
+              <a:xfrm rot="10800000">
+                <a:off x="6882955" y="3713990"/>
+                <a:ext cx="211931" cy="352425"/>
+              </a:xfrm>
+              <a:prstGeom prst="rect">
+                <a:avLst/>
+              </a:prstGeom>
+              <a:solidFill>
+                <a:srgbClr val="7030A0"/>
+              </a:solidFill>
+              <a:ln>
+                <a:noFill/>
+              </a:ln>
+            </p:spPr>
+            <p:style>
+              <a:lnRef idx="2">
+                <a:schemeClr val="accent1">
+                  <a:shade val="50000"/>
+                </a:schemeClr>
+              </a:lnRef>
+              <a:fillRef idx="1">
+                <a:schemeClr val="accent1"/>
+              </a:fillRef>
+              <a:effectRef idx="0">
+                <a:schemeClr val="accent1"/>
+              </a:effectRef>
+              <a:fontRef idx="minor">
+                <a:schemeClr val="lt1"/>
+              </a:fontRef>
+            </p:style>
+            <p:txBody>
+              <a:bodyPr rtlCol="0" anchor="ctr"/>
+              <a:lstStyle/>
+              <a:p>
+                <a:pPr algn="ctr"/>
+                <a:endParaRPr lang="pt-BR"/>
+              </a:p>
+            </p:txBody>
+          </p:sp>
+          <p:sp>
+            <p:nvSpPr>
+              <p:cNvPr id="40" name="Retângulo 39"/>
+              <p:cNvSpPr/>
+              <p:nvPr/>
+            </p:nvSpPr>
+            <p:spPr>
+              <a:xfrm rot="18900000">
+                <a:off x="6132234" y="1915315"/>
+                <a:ext cx="211931" cy="352425"/>
+              </a:xfrm>
+              <a:prstGeom prst="rect">
+                <a:avLst/>
+              </a:prstGeom>
+              <a:solidFill>
+                <a:srgbClr val="7030A0"/>
+              </a:solidFill>
+              <a:ln>
+                <a:noFill/>
+              </a:ln>
+            </p:spPr>
+            <p:style>
+              <a:lnRef idx="2">
+                <a:schemeClr val="accent1">
+                  <a:shade val="50000"/>
+                </a:schemeClr>
+              </a:lnRef>
+              <a:fillRef idx="1">
+                <a:schemeClr val="accent1"/>
+              </a:fillRef>
+              <a:effectRef idx="0">
+                <a:schemeClr val="accent1"/>
+              </a:effectRef>
+              <a:fontRef idx="minor">
+                <a:schemeClr val="lt1"/>
+              </a:fontRef>
+            </p:style>
+            <p:txBody>
+              <a:bodyPr rtlCol="0" anchor="ctr"/>
+              <a:lstStyle/>
+              <a:p>
+                <a:pPr algn="ctr"/>
+                <a:endParaRPr lang="pt-BR"/>
+              </a:p>
+            </p:txBody>
+          </p:sp>
+          <p:sp>
+            <p:nvSpPr>
+              <p:cNvPr id="43" name="Retângulo 42"/>
+              <p:cNvSpPr/>
+              <p:nvPr/>
+            </p:nvSpPr>
+            <p:spPr>
+              <a:xfrm rot="8100000">
+                <a:off x="7630071" y="3374999"/>
+                <a:ext cx="211931" cy="352425"/>
+              </a:xfrm>
+              <a:prstGeom prst="rect">
+                <a:avLst/>
+              </a:prstGeom>
+              <a:solidFill>
+                <a:srgbClr val="7030A0"/>
+              </a:solidFill>
+              <a:ln>
+                <a:noFill/>
+              </a:ln>
+            </p:spPr>
+            <p:style>
+              <a:lnRef idx="2">
+                <a:schemeClr val="accent1">
+                  <a:shade val="50000"/>
+                </a:schemeClr>
+              </a:lnRef>
+              <a:fillRef idx="1">
+                <a:schemeClr val="accent1"/>
+              </a:fillRef>
+              <a:effectRef idx="0">
+                <a:schemeClr val="accent1"/>
+              </a:effectRef>
+              <a:fontRef idx="minor">
+                <a:schemeClr val="lt1"/>
+              </a:fontRef>
+            </p:style>
+            <p:txBody>
+              <a:bodyPr rtlCol="0" anchor="ctr"/>
+              <a:lstStyle/>
+              <a:p>
+                <a:pPr algn="ctr"/>
+                <a:endParaRPr lang="pt-BR"/>
+              </a:p>
+            </p:txBody>
+          </p:sp>
+          <p:sp>
+            <p:nvSpPr>
+              <p:cNvPr id="46" name="Retângulo 45"/>
+              <p:cNvSpPr/>
+              <p:nvPr/>
+            </p:nvSpPr>
+            <p:spPr>
+              <a:xfrm rot="13500000">
+                <a:off x="6160131" y="3403239"/>
+                <a:ext cx="211931" cy="352425"/>
+              </a:xfrm>
+              <a:prstGeom prst="rect">
+                <a:avLst/>
+              </a:prstGeom>
+              <a:solidFill>
+                <a:srgbClr val="7030A0"/>
+              </a:solidFill>
+              <a:ln>
+                <a:noFill/>
+              </a:ln>
+            </p:spPr>
+            <p:style>
+              <a:lnRef idx="2">
+                <a:schemeClr val="accent1">
+                  <a:shade val="50000"/>
+                </a:schemeClr>
+              </a:lnRef>
+              <a:fillRef idx="1">
+                <a:schemeClr val="accent1"/>
+              </a:fillRef>
+              <a:effectRef idx="0">
+                <a:schemeClr val="accent1"/>
+              </a:effectRef>
+              <a:fontRef idx="minor">
+                <a:schemeClr val="lt1"/>
+              </a:fontRef>
+            </p:style>
+            <p:txBody>
+              <a:bodyPr rtlCol="0" anchor="ctr"/>
+              <a:lstStyle/>
+              <a:p>
+                <a:pPr algn="ctr"/>
+                <a:endParaRPr lang="pt-BR"/>
+              </a:p>
+            </p:txBody>
+          </p:sp>
+          <p:sp>
+            <p:nvSpPr>
+              <p:cNvPr id="48" name="Elipse 47"/>
+              <p:cNvSpPr/>
+              <p:nvPr/>
+            </p:nvSpPr>
+            <p:spPr>
+              <a:xfrm>
+                <a:off x="6134892" y="1935295"/>
+                <a:ext cx="1708058" cy="1785403"/>
+              </a:xfrm>
+              <a:prstGeom prst="ellipse">
+                <a:avLst/>
+              </a:prstGeom>
+              <a:solidFill>
+                <a:srgbClr val="F69C9C"/>
+              </a:solidFill>
+              <a:ln w="57150">
+                <a:noFill/>
+              </a:ln>
+            </p:spPr>
+            <p:style>
+              <a:lnRef idx="2">
+                <a:schemeClr val="accent1">
+                  <a:shade val="50000"/>
+                </a:schemeClr>
+              </a:lnRef>
+              <a:fillRef idx="1">
+                <a:schemeClr val="accent1"/>
+              </a:fillRef>
+              <a:effectRef idx="0">
+                <a:schemeClr val="accent1"/>
+              </a:effectRef>
+              <a:fontRef idx="minor">
+                <a:schemeClr val="lt1"/>
+              </a:fontRef>
+            </p:style>
+            <p:txBody>
+              <a:bodyPr rtlCol="0" anchor="ctr"/>
+              <a:lstStyle/>
+              <a:p>
+                <a:pPr algn="ctr"/>
+                <a:endParaRPr lang="pt-BR"/>
+              </a:p>
+            </p:txBody>
+          </p:sp>
+          <p:sp>
+            <p:nvSpPr>
+              <p:cNvPr id="49" name="Elipse 48"/>
+              <p:cNvSpPr/>
+              <p:nvPr/>
+            </p:nvSpPr>
+            <p:spPr>
+              <a:xfrm>
+                <a:off x="6230334" y="2035060"/>
+                <a:ext cx="1517172" cy="1585873"/>
+              </a:xfrm>
+              <a:prstGeom prst="ellipse">
+                <a:avLst/>
+              </a:prstGeom>
+              <a:solidFill>
+                <a:schemeClr val="accent1">
+                  <a:lumMod val="60000"/>
+                  <a:lumOff val="40000"/>
+                </a:schemeClr>
+              </a:solidFill>
+              <a:ln w="57150">
+                <a:noFill/>
+              </a:ln>
+            </p:spPr>
+            <p:style>
+              <a:lnRef idx="2">
+                <a:schemeClr val="accent1">
+                  <a:shade val="50000"/>
+                </a:schemeClr>
+              </a:lnRef>
+              <a:fillRef idx="1">
+                <a:schemeClr val="accent1"/>
+              </a:fillRef>
+              <a:effectRef idx="0">
+                <a:schemeClr val="accent1"/>
+              </a:effectRef>
+              <a:fontRef idx="minor">
+                <a:schemeClr val="lt1"/>
+              </a:fontRef>
+            </p:style>
+            <p:txBody>
+              <a:bodyPr rtlCol="0" anchor="ctr"/>
+              <a:lstStyle/>
+              <a:p>
+                <a:pPr algn="ctr"/>
+                <a:endParaRPr lang="pt-BR"/>
+              </a:p>
+            </p:txBody>
+          </p:sp>
+          <p:sp>
+            <p:nvSpPr>
+              <p:cNvPr id="50" name="Elipse 49"/>
+              <p:cNvSpPr/>
+              <p:nvPr/>
+            </p:nvSpPr>
+            <p:spPr>
+              <a:xfrm>
+                <a:off x="6563471" y="2202156"/>
+                <a:ext cx="850900" cy="1251682"/>
+              </a:xfrm>
+              <a:prstGeom prst="ellipse">
+                <a:avLst/>
+              </a:prstGeom>
+              <a:solidFill>
+                <a:schemeClr val="accent1">
+                  <a:lumMod val="50000"/>
+                </a:schemeClr>
+              </a:solidFill>
+              <a:ln>
+                <a:noFill/>
+              </a:ln>
+            </p:spPr>
+            <p:style>
+              <a:lnRef idx="2">
+                <a:schemeClr val="accent1">
+                  <a:shade val="50000"/>
+                </a:schemeClr>
+              </a:lnRef>
+              <a:fillRef idx="1">
+                <a:schemeClr val="accent1"/>
+              </a:fillRef>
+              <a:effectRef idx="0">
+                <a:schemeClr val="accent1"/>
+              </a:effectRef>
+              <a:fontRef idx="minor">
+                <a:schemeClr val="lt1"/>
+              </a:fontRef>
+            </p:style>
+            <p:txBody>
+              <a:bodyPr rtlCol="0" anchor="ctr"/>
+              <a:lstStyle/>
+              <a:p>
+                <a:pPr algn="ctr"/>
+                <a:endParaRPr lang="pt-BR"/>
+              </a:p>
+            </p:txBody>
+          </p:sp>
+          <p:sp>
+            <p:nvSpPr>
+              <p:cNvPr id="52" name="Elipse 51"/>
+              <p:cNvSpPr/>
+              <p:nvPr/>
+            </p:nvSpPr>
+            <p:spPr>
+              <a:xfrm>
+                <a:off x="6628661" y="2298053"/>
+                <a:ext cx="720517" cy="1059888"/>
+              </a:xfrm>
+              <a:prstGeom prst="ellipse">
+                <a:avLst/>
+              </a:prstGeom>
+              <a:solidFill>
+                <a:schemeClr val="accent1">
+                  <a:lumMod val="20000"/>
+                  <a:lumOff val="80000"/>
+                </a:schemeClr>
+              </a:solidFill>
+              <a:ln>
+                <a:noFill/>
+              </a:ln>
+            </p:spPr>
+            <p:style>
+              <a:lnRef idx="2">
+                <a:schemeClr val="accent1">
+                  <a:shade val="50000"/>
+                </a:schemeClr>
+              </a:lnRef>
+              <a:fillRef idx="1">
+                <a:schemeClr val="accent1"/>
+              </a:fillRef>
+              <a:effectRef idx="0">
+                <a:schemeClr val="accent1"/>
+              </a:effectRef>
+              <a:fontRef idx="minor">
+                <a:schemeClr val="lt1"/>
+              </a:fontRef>
+            </p:style>
+            <p:txBody>
+              <a:bodyPr rtlCol="0" anchor="ctr"/>
+              <a:lstStyle/>
+              <a:p>
+                <a:pPr algn="ctr"/>
+                <a:endParaRPr lang="pt-BR"/>
+              </a:p>
+            </p:txBody>
+          </p:sp>
+          <p:sp>
+            <p:nvSpPr>
+              <p:cNvPr id="53" name="Forma livre 52"/>
+              <p:cNvSpPr/>
+              <p:nvPr/>
+            </p:nvSpPr>
+            <p:spPr>
+              <a:xfrm>
+                <a:off x="6812707" y="2501900"/>
+                <a:ext cx="171972" cy="770848"/>
+              </a:xfrm>
+              <a:custGeom>
+                <a:avLst/>
+                <a:gdLst>
+                  <a:gd name="connsiteX0" fmla="*/ 0 w 171972"/>
+                  <a:gd name="connsiteY0" fmla="*/ 0 h 770848"/>
+                  <a:gd name="connsiteX1" fmla="*/ 171450 w 171972"/>
+                  <a:gd name="connsiteY1" fmla="*/ 317500 h 770848"/>
+                  <a:gd name="connsiteX2" fmla="*/ 57150 w 171972"/>
+                  <a:gd name="connsiteY2" fmla="*/ 628650 h 770848"/>
+                  <a:gd name="connsiteX3" fmla="*/ 171450 w 171972"/>
+                  <a:gd name="connsiteY3" fmla="*/ 768350 h 770848"/>
+                </a:gdLst>
+                <a:ahLst/>
+                <a:cxnLst>
+                  <a:cxn ang="0">
+                    <a:pos x="connsiteX0" y="connsiteY0"/>
+                  </a:cxn>
+                  <a:cxn ang="0">
+                    <a:pos x="connsiteX1" y="connsiteY1"/>
+                  </a:cxn>
+                  <a:cxn ang="0">
+                    <a:pos x="connsiteX2" y="connsiteY2"/>
+                  </a:cxn>
+                  <a:cxn ang="0">
+                    <a:pos x="connsiteX3" y="connsiteY3"/>
+                  </a:cxn>
+                </a:cxnLst>
+                <a:rect l="l" t="t" r="r" b="b"/>
+                <a:pathLst>
+                  <a:path w="171972" h="770848">
+                    <a:moveTo>
+                      <a:pt x="0" y="0"/>
+                    </a:moveTo>
+                    <a:cubicBezTo>
+                      <a:pt x="80962" y="106362"/>
+                      <a:pt x="161925" y="212725"/>
+                      <a:pt x="171450" y="317500"/>
+                    </a:cubicBezTo>
+                    <a:cubicBezTo>
+                      <a:pt x="180975" y="422275"/>
+                      <a:pt x="57150" y="553508"/>
+                      <a:pt x="57150" y="628650"/>
+                    </a:cubicBezTo>
+                    <a:cubicBezTo>
+                      <a:pt x="57150" y="703792"/>
+                      <a:pt x="150283" y="786342"/>
+                      <a:pt x="171450" y="768350"/>
+                    </a:cubicBezTo>
+                  </a:path>
+                </a:pathLst>
+              </a:custGeom>
+              <a:noFill/>
+              <a:ln w="38100"/>
+            </p:spPr>
+            <p:style>
+              <a:lnRef idx="2">
+                <a:schemeClr val="accent1">
+                  <a:shade val="50000"/>
+                </a:schemeClr>
+              </a:lnRef>
+              <a:fillRef idx="1">
+                <a:schemeClr val="accent1"/>
+              </a:fillRef>
+              <a:effectRef idx="0">
+                <a:schemeClr val="accent1"/>
+              </a:effectRef>
+              <a:fontRef idx="minor">
+                <a:schemeClr val="lt1"/>
+              </a:fontRef>
+            </p:style>
+            <p:txBody>
+              <a:bodyPr rtlCol="0" anchor="ctr"/>
+              <a:lstStyle/>
+              <a:p>
+                <a:pPr algn="ctr"/>
+                <a:endParaRPr lang="pt-BR"/>
+              </a:p>
+            </p:txBody>
+          </p:sp>
+          <p:sp>
+            <p:nvSpPr>
+              <p:cNvPr id="56" name="Forma livre 55"/>
+              <p:cNvSpPr/>
+              <p:nvPr/>
+            </p:nvSpPr>
+            <p:spPr>
+              <a:xfrm>
+                <a:off x="6993161" y="2442573"/>
+                <a:ext cx="171972" cy="770848"/>
+              </a:xfrm>
+              <a:custGeom>
+                <a:avLst/>
+                <a:gdLst>
+                  <a:gd name="connsiteX0" fmla="*/ 0 w 171972"/>
+                  <a:gd name="connsiteY0" fmla="*/ 0 h 770848"/>
+                  <a:gd name="connsiteX1" fmla="*/ 171450 w 171972"/>
+                  <a:gd name="connsiteY1" fmla="*/ 317500 h 770848"/>
+                  <a:gd name="connsiteX2" fmla="*/ 57150 w 171972"/>
+                  <a:gd name="connsiteY2" fmla="*/ 628650 h 770848"/>
+                  <a:gd name="connsiteX3" fmla="*/ 171450 w 171972"/>
+                  <a:gd name="connsiteY3" fmla="*/ 768350 h 770848"/>
+                </a:gdLst>
+                <a:ahLst/>
+                <a:cxnLst>
+                  <a:cxn ang="0">
+                    <a:pos x="connsiteX0" y="connsiteY0"/>
+                  </a:cxn>
+                  <a:cxn ang="0">
+                    <a:pos x="connsiteX1" y="connsiteY1"/>
+                  </a:cxn>
+                  <a:cxn ang="0">
+                    <a:pos x="connsiteX2" y="connsiteY2"/>
+                  </a:cxn>
+                  <a:cxn ang="0">
+                    <a:pos x="connsiteX3" y="connsiteY3"/>
+                  </a:cxn>
+                </a:cxnLst>
+                <a:rect l="l" t="t" r="r" b="b"/>
+                <a:pathLst>
+                  <a:path w="171972" h="770848">
+                    <a:moveTo>
+                      <a:pt x="0" y="0"/>
+                    </a:moveTo>
+                    <a:cubicBezTo>
+                      <a:pt x="80962" y="106362"/>
+                      <a:pt x="161925" y="212725"/>
+                      <a:pt x="171450" y="317500"/>
+                    </a:cubicBezTo>
+                    <a:cubicBezTo>
+                      <a:pt x="180975" y="422275"/>
+                      <a:pt x="57150" y="553508"/>
+                      <a:pt x="57150" y="628650"/>
+                    </a:cubicBezTo>
+                    <a:cubicBezTo>
+                      <a:pt x="57150" y="703792"/>
+                      <a:pt x="150283" y="786342"/>
+                      <a:pt x="171450" y="768350"/>
+                    </a:cubicBezTo>
+                  </a:path>
+                </a:pathLst>
+              </a:custGeom>
+              <a:noFill/>
+              <a:ln w="38100"/>
+            </p:spPr>
+            <p:style>
+              <a:lnRef idx="2">
+                <a:schemeClr val="accent1">
+                  <a:shade val="50000"/>
+                </a:schemeClr>
+              </a:lnRef>
+              <a:fillRef idx="1">
+                <a:schemeClr val="accent1"/>
+              </a:fillRef>
+              <a:effectRef idx="0">
+                <a:schemeClr val="accent1"/>
+              </a:effectRef>
+              <a:fontRef idx="minor">
+                <a:schemeClr val="lt1"/>
+              </a:fontRef>
+            </p:style>
+            <p:txBody>
+              <a:bodyPr rtlCol="0" anchor="ctr"/>
+              <a:lstStyle/>
+              <a:p>
+                <a:pPr algn="ctr"/>
+                <a:endParaRPr lang="pt-BR"/>
+              </a:p>
+            </p:txBody>
+          </p:sp>
+        </p:grpSp>
+        <p:sp>
+          <p:nvSpPr>
+            <p:cNvPr id="57" name="Elipse 56"/>
+            <p:cNvSpPr/>
+            <p:nvPr/>
+          </p:nvSpPr>
+          <p:spPr>
+            <a:xfrm>
+              <a:off x="6497209" y="2901950"/>
+              <a:ext cx="242265" cy="242265"/>
+            </a:xfrm>
+            <a:prstGeom prst="ellipse">
+              <a:avLst/>
+            </a:prstGeom>
+            <a:solidFill>
+              <a:srgbClr val="7030A0"/>
+            </a:solidFill>
+            <a:ln>
+              <a:noFill/>
+            </a:ln>
+          </p:spPr>
+          <p:style>
+            <a:lnRef idx="2">
+              <a:schemeClr val="accent1">
+                <a:shade val="50000"/>
+              </a:schemeClr>
+            </a:lnRef>
+            <a:fillRef idx="1">
+              <a:schemeClr val="accent1"/>
+            </a:fillRef>
+            <a:effectRef idx="0">
+              <a:schemeClr val="accent1"/>
+            </a:effectRef>
+            <a:fontRef idx="minor">
+              <a:schemeClr val="lt1"/>
+            </a:fontRef>
+          </p:style>
+          <p:txBody>
+            <a:bodyPr rtlCol="0" anchor="ctr"/>
+            <a:lstStyle/>
+            <a:p>
+              <a:pPr algn="ctr"/>
+              <a:endParaRPr lang="pt-BR"/>
+            </a:p>
+          </p:txBody>
+        </p:sp>
+        <p:sp>
+          <p:nvSpPr>
+            <p:cNvPr id="59" name="Elipse 58"/>
+            <p:cNvSpPr/>
+            <p:nvPr/>
+          </p:nvSpPr>
+          <p:spPr>
+            <a:xfrm>
+              <a:off x="6497209" y="2714314"/>
+              <a:ext cx="242265" cy="242265"/>
+            </a:xfrm>
+            <a:prstGeom prst="ellipse">
+              <a:avLst/>
+            </a:prstGeom>
+            <a:solidFill>
+              <a:srgbClr val="7030A0"/>
+            </a:solidFill>
+            <a:ln>
+              <a:noFill/>
+            </a:ln>
+          </p:spPr>
+          <p:style>
+            <a:lnRef idx="2">
+              <a:schemeClr val="accent1">
+                <a:shade val="50000"/>
+              </a:schemeClr>
+            </a:lnRef>
+            <a:fillRef idx="1">
+              <a:schemeClr val="accent1"/>
+            </a:fillRef>
+            <a:effectRef idx="0">
+              <a:schemeClr val="accent1"/>
+            </a:effectRef>
+            <a:fontRef idx="minor">
+              <a:schemeClr val="lt1"/>
+            </a:fontRef>
+          </p:style>
+          <p:txBody>
+            <a:bodyPr rtlCol="0" anchor="ctr"/>
+            <a:lstStyle/>
+            <a:p>
+              <a:pPr algn="ctr"/>
+              <a:endParaRPr lang="pt-BR"/>
+            </a:p>
+          </p:txBody>
+        </p:sp>
+        <p:sp>
+          <p:nvSpPr>
+            <p:cNvPr id="60" name="Elipse 59"/>
+            <p:cNvSpPr/>
+            <p:nvPr/>
+          </p:nvSpPr>
+          <p:spPr>
+            <a:xfrm rot="14470692">
+              <a:off x="6893646" y="3712980"/>
+              <a:ext cx="242265" cy="242265"/>
+            </a:xfrm>
+            <a:prstGeom prst="ellipse">
+              <a:avLst/>
+            </a:prstGeom>
+            <a:solidFill>
+              <a:srgbClr val="7030A0"/>
+            </a:solidFill>
+            <a:ln>
+              <a:noFill/>
+            </a:ln>
+          </p:spPr>
+          <p:style>
+            <a:lnRef idx="2">
+              <a:schemeClr val="accent1">
+                <a:shade val="50000"/>
+              </a:schemeClr>
+            </a:lnRef>
+            <a:fillRef idx="1">
+              <a:schemeClr val="accent1"/>
+            </a:fillRef>
+            <a:effectRef idx="0">
+              <a:schemeClr val="accent1"/>
+            </a:effectRef>
+            <a:fontRef idx="minor">
+              <a:schemeClr val="lt1"/>
+            </a:fontRef>
+          </p:style>
+          <p:txBody>
+            <a:bodyPr rtlCol="0" anchor="ctr"/>
+            <a:lstStyle/>
+            <a:p>
+              <a:pPr algn="ctr"/>
+              <a:endParaRPr lang="pt-BR"/>
+            </a:p>
+          </p:txBody>
+        </p:sp>
+        <p:sp>
+          <p:nvSpPr>
+            <p:cNvPr id="61" name="Elipse 60"/>
+            <p:cNvSpPr/>
+            <p:nvPr/>
+          </p:nvSpPr>
+          <p:spPr>
+            <a:xfrm rot="14470692">
+              <a:off x="6782865" y="3593595"/>
+              <a:ext cx="242265" cy="242265"/>
+            </a:xfrm>
+            <a:prstGeom prst="ellipse">
+              <a:avLst/>
+            </a:prstGeom>
+            <a:solidFill>
+              <a:srgbClr val="7030A0"/>
+            </a:solidFill>
+            <a:ln>
+              <a:noFill/>
+            </a:ln>
+          </p:spPr>
+          <p:style>
+            <a:lnRef idx="2">
+              <a:schemeClr val="accent1">
+                <a:shade val="50000"/>
+              </a:schemeClr>
+            </a:lnRef>
+            <a:fillRef idx="1">
+              <a:schemeClr val="accent1"/>
+            </a:fillRef>
+            <a:effectRef idx="0">
+              <a:schemeClr val="accent1"/>
+            </a:effectRef>
+            <a:fontRef idx="minor">
+              <a:schemeClr val="lt1"/>
+            </a:fontRef>
+          </p:style>
+          <p:txBody>
+            <a:bodyPr rtlCol="0" anchor="ctr"/>
+            <a:lstStyle/>
+            <a:p>
+              <a:pPr algn="ctr"/>
+              <a:endParaRPr lang="pt-BR"/>
+            </a:p>
+          </p:txBody>
+        </p:sp>
+        <p:sp>
+          <p:nvSpPr>
+            <p:cNvPr id="62" name="Elipse 61"/>
+            <p:cNvSpPr/>
+            <p:nvPr/>
+          </p:nvSpPr>
+          <p:spPr>
+            <a:xfrm>
+              <a:off x="6756745" y="2073306"/>
+              <a:ext cx="242265" cy="242265"/>
+            </a:xfrm>
+            <a:prstGeom prst="ellipse">
+              <a:avLst/>
+            </a:prstGeom>
+            <a:solidFill>
+              <a:srgbClr val="7030A0"/>
+            </a:solidFill>
+            <a:ln>
+              <a:noFill/>
+            </a:ln>
+          </p:spPr>
+          <p:style>
+            <a:lnRef idx="2">
+              <a:schemeClr val="accent1">
+                <a:shade val="50000"/>
+              </a:schemeClr>
+            </a:lnRef>
+            <a:fillRef idx="1">
+              <a:schemeClr val="accent1"/>
+            </a:fillRef>
+            <a:effectRef idx="0">
+              <a:schemeClr val="accent1"/>
+            </a:effectRef>
+            <a:fontRef idx="minor">
+              <a:schemeClr val="lt1"/>
+            </a:fontRef>
+          </p:style>
+          <p:txBody>
+            <a:bodyPr rtlCol="0" anchor="ctr"/>
+            <a:lstStyle/>
+            <a:p>
+              <a:pPr algn="ctr"/>
+              <a:endParaRPr lang="pt-BR"/>
+            </a:p>
+          </p:txBody>
+        </p:sp>
+        <p:sp>
+          <p:nvSpPr>
+            <p:cNvPr id="63" name="Elipse 62"/>
+            <p:cNvSpPr/>
+            <p:nvPr/>
+          </p:nvSpPr>
+          <p:spPr>
+            <a:xfrm>
+              <a:off x="6892891" y="1927577"/>
+              <a:ext cx="242265" cy="242265"/>
+            </a:xfrm>
+            <a:prstGeom prst="ellipse">
+              <a:avLst/>
+            </a:prstGeom>
+            <a:solidFill>
+              <a:srgbClr val="7030A0"/>
+            </a:solidFill>
+            <a:ln>
+              <a:noFill/>
+            </a:ln>
+          </p:spPr>
+          <p:style>
+            <a:lnRef idx="2">
+              <a:schemeClr val="accent1">
+                <a:shade val="50000"/>
+              </a:schemeClr>
+            </a:lnRef>
+            <a:fillRef idx="1">
+              <a:schemeClr val="accent1"/>
+            </a:fillRef>
+            <a:effectRef idx="0">
+              <a:schemeClr val="accent1"/>
+            </a:effectRef>
+            <a:fontRef idx="minor">
+              <a:schemeClr val="lt1"/>
+            </a:fontRef>
+          </p:style>
+          <p:txBody>
+            <a:bodyPr rtlCol="0" anchor="ctr"/>
+            <a:lstStyle/>
+            <a:p>
+              <a:pPr algn="ctr"/>
+              <a:endParaRPr lang="pt-BR"/>
+            </a:p>
+          </p:txBody>
+        </p:sp>
+        <p:sp>
+          <p:nvSpPr>
+            <p:cNvPr id="64" name="Elipse 63"/>
+            <p:cNvSpPr/>
+            <p:nvPr/>
+          </p:nvSpPr>
+          <p:spPr>
+            <a:xfrm>
+              <a:off x="7569793" y="1638481"/>
+              <a:ext cx="242265" cy="242265"/>
+            </a:xfrm>
+            <a:prstGeom prst="ellipse">
+              <a:avLst/>
+            </a:prstGeom>
+            <a:solidFill>
+              <a:srgbClr val="7030A0"/>
+            </a:solidFill>
+            <a:ln>
+              <a:noFill/>
+            </a:ln>
+          </p:spPr>
+          <p:style>
+            <a:lnRef idx="2">
+              <a:schemeClr val="accent1">
+                <a:shade val="50000"/>
+              </a:schemeClr>
+            </a:lnRef>
+            <a:fillRef idx="1">
+              <a:schemeClr val="accent1"/>
+            </a:fillRef>
+            <a:effectRef idx="0">
+              <a:schemeClr val="accent1"/>
+            </a:effectRef>
+            <a:fontRef idx="minor">
+              <a:schemeClr val="lt1"/>
+            </a:fontRef>
+          </p:style>
+          <p:txBody>
+            <a:bodyPr rtlCol="0" anchor="ctr"/>
+            <a:lstStyle/>
+            <a:p>
+              <a:pPr algn="ctr"/>
+              <a:endParaRPr lang="pt-BR"/>
+            </a:p>
+          </p:txBody>
+        </p:sp>
+        <p:sp>
+          <p:nvSpPr>
+            <p:cNvPr id="65" name="Elipse 64"/>
+            <p:cNvSpPr/>
+            <p:nvPr/>
+          </p:nvSpPr>
+          <p:spPr>
+            <a:xfrm>
+              <a:off x="7706246" y="1638482"/>
+              <a:ext cx="242265" cy="242265"/>
+            </a:xfrm>
+            <a:prstGeom prst="ellipse">
+              <a:avLst/>
+            </a:prstGeom>
+            <a:solidFill>
+              <a:srgbClr val="7030A0"/>
+            </a:solidFill>
+            <a:ln>
+              <a:noFill/>
+            </a:ln>
+          </p:spPr>
+          <p:style>
+            <a:lnRef idx="2">
+              <a:schemeClr val="accent1">
+                <a:shade val="50000"/>
+              </a:schemeClr>
+            </a:lnRef>
+            <a:fillRef idx="1">
+              <a:schemeClr val="accent1"/>
+            </a:fillRef>
+            <a:effectRef idx="0">
+              <a:schemeClr val="accent1"/>
+            </a:effectRef>
+            <a:fontRef idx="minor">
+              <a:schemeClr val="lt1"/>
+            </a:fontRef>
+          </p:style>
+          <p:txBody>
+            <a:bodyPr rtlCol="0" anchor="ctr"/>
+            <a:lstStyle/>
+            <a:p>
+              <a:pPr algn="ctr"/>
+              <a:endParaRPr lang="pt-BR"/>
+            </a:p>
+          </p:txBody>
+        </p:sp>
+        <p:sp>
+          <p:nvSpPr>
+            <p:cNvPr id="66" name="Elipse 65"/>
+            <p:cNvSpPr/>
+            <p:nvPr/>
+          </p:nvSpPr>
+          <p:spPr>
+            <a:xfrm>
+              <a:off x="8505507" y="2048708"/>
+              <a:ext cx="242265" cy="242265"/>
+            </a:xfrm>
+            <a:prstGeom prst="ellipse">
+              <a:avLst/>
+            </a:prstGeom>
+            <a:solidFill>
+              <a:srgbClr val="7030A0"/>
+            </a:solidFill>
+            <a:ln>
+              <a:noFill/>
+            </a:ln>
+          </p:spPr>
+          <p:style>
+            <a:lnRef idx="2">
+              <a:schemeClr val="accent1">
+                <a:shade val="50000"/>
+              </a:schemeClr>
+            </a:lnRef>
+            <a:fillRef idx="1">
+              <a:schemeClr val="accent1"/>
+            </a:fillRef>
+            <a:effectRef idx="0">
+              <a:schemeClr val="accent1"/>
+            </a:effectRef>
+            <a:fontRef idx="minor">
+              <a:schemeClr val="lt1"/>
+            </a:fontRef>
+          </p:style>
+          <p:txBody>
+            <a:bodyPr rtlCol="0" anchor="ctr"/>
+            <a:lstStyle/>
+            <a:p>
+              <a:pPr algn="ctr"/>
+              <a:endParaRPr lang="pt-BR"/>
+            </a:p>
+          </p:txBody>
+        </p:sp>
+        <p:sp>
+          <p:nvSpPr>
+            <p:cNvPr id="67" name="Elipse 66"/>
+            <p:cNvSpPr/>
+            <p:nvPr/>
+          </p:nvSpPr>
+          <p:spPr>
+            <a:xfrm>
+              <a:off x="8398593" y="1927576"/>
+              <a:ext cx="242265" cy="242265"/>
+            </a:xfrm>
+            <a:prstGeom prst="ellipse">
+              <a:avLst/>
+            </a:prstGeom>
+            <a:solidFill>
+              <a:srgbClr val="7030A0"/>
+            </a:solidFill>
+            <a:ln>
+              <a:noFill/>
+            </a:ln>
+          </p:spPr>
+          <p:style>
+            <a:lnRef idx="2">
+              <a:schemeClr val="accent1">
+                <a:shade val="50000"/>
+              </a:schemeClr>
+            </a:lnRef>
+            <a:fillRef idx="1">
+              <a:schemeClr val="accent1"/>
+            </a:fillRef>
+            <a:effectRef idx="0">
+              <a:schemeClr val="accent1"/>
+            </a:effectRef>
+            <a:fontRef idx="minor">
+              <a:schemeClr val="lt1"/>
+            </a:fontRef>
+          </p:style>
+          <p:txBody>
+            <a:bodyPr rtlCol="0" anchor="ctr"/>
+            <a:lstStyle/>
+            <a:p>
+              <a:pPr algn="ctr"/>
+              <a:endParaRPr lang="pt-BR"/>
+            </a:p>
+          </p:txBody>
+        </p:sp>
+        <p:sp>
+          <p:nvSpPr>
+            <p:cNvPr id="68" name="Elipse 67"/>
+            <p:cNvSpPr/>
+            <p:nvPr/>
+          </p:nvSpPr>
+          <p:spPr>
+            <a:xfrm>
+              <a:off x="8791461" y="2886783"/>
+              <a:ext cx="242265" cy="242265"/>
+            </a:xfrm>
+            <a:prstGeom prst="ellipse">
+              <a:avLst/>
+            </a:prstGeom>
+            <a:solidFill>
+              <a:srgbClr val="7030A0"/>
+            </a:solidFill>
+            <a:ln>
+              <a:noFill/>
+            </a:ln>
+          </p:spPr>
+          <p:style>
+            <a:lnRef idx="2">
+              <a:schemeClr val="accent1">
+                <a:shade val="50000"/>
+              </a:schemeClr>
+            </a:lnRef>
+            <a:fillRef idx="1">
+              <a:schemeClr val="accent1"/>
+            </a:fillRef>
+            <a:effectRef idx="0">
+              <a:schemeClr val="accent1"/>
+            </a:effectRef>
+            <a:fontRef idx="minor">
+              <a:schemeClr val="lt1"/>
+            </a:fontRef>
+          </p:style>
+          <p:txBody>
+            <a:bodyPr rtlCol="0" anchor="ctr"/>
+            <a:lstStyle/>
+            <a:p>
+              <a:pPr algn="ctr"/>
+              <a:endParaRPr lang="pt-BR"/>
+            </a:p>
+          </p:txBody>
+        </p:sp>
+        <p:sp>
+          <p:nvSpPr>
+            <p:cNvPr id="69" name="Elipse 68"/>
+            <p:cNvSpPr/>
+            <p:nvPr/>
+          </p:nvSpPr>
+          <p:spPr>
+            <a:xfrm>
+              <a:off x="8791461" y="2699147"/>
+              <a:ext cx="242265" cy="242265"/>
+            </a:xfrm>
+            <a:prstGeom prst="ellipse">
+              <a:avLst/>
+            </a:prstGeom>
+            <a:solidFill>
+              <a:srgbClr val="7030A0"/>
+            </a:solidFill>
+            <a:ln>
+              <a:noFill/>
+            </a:ln>
+          </p:spPr>
+          <p:style>
+            <a:lnRef idx="2">
+              <a:schemeClr val="accent1">
+                <a:shade val="50000"/>
+              </a:schemeClr>
+            </a:lnRef>
+            <a:fillRef idx="1">
+              <a:schemeClr val="accent1"/>
+            </a:fillRef>
+            <a:effectRef idx="0">
+              <a:schemeClr val="accent1"/>
+            </a:effectRef>
+            <a:fontRef idx="minor">
+              <a:schemeClr val="lt1"/>
+            </a:fontRef>
+          </p:style>
+          <p:txBody>
+            <a:bodyPr rtlCol="0" anchor="ctr"/>
+            <a:lstStyle/>
+            <a:p>
+              <a:pPr algn="ctr"/>
+              <a:endParaRPr lang="pt-BR"/>
+            </a:p>
+          </p:txBody>
+        </p:sp>
+        <p:sp>
+          <p:nvSpPr>
+            <p:cNvPr id="70" name="Elipse 69"/>
+            <p:cNvSpPr/>
+            <p:nvPr/>
+          </p:nvSpPr>
+          <p:spPr>
+            <a:xfrm>
+              <a:off x="7706245" y="3992538"/>
+              <a:ext cx="242265" cy="242265"/>
+            </a:xfrm>
+            <a:prstGeom prst="ellipse">
+              <a:avLst/>
+            </a:prstGeom>
+            <a:solidFill>
+              <a:srgbClr val="7030A0"/>
+            </a:solidFill>
+            <a:ln>
+              <a:noFill/>
+            </a:ln>
+          </p:spPr>
+          <p:style>
+            <a:lnRef idx="2">
+              <a:schemeClr val="accent1">
+                <a:shade val="50000"/>
+              </a:schemeClr>
+            </a:lnRef>
+            <a:fillRef idx="1">
+              <a:schemeClr val="accent1"/>
+            </a:fillRef>
+            <a:effectRef idx="0">
+              <a:schemeClr val="accent1"/>
+            </a:effectRef>
+            <a:fontRef idx="minor">
+              <a:schemeClr val="lt1"/>
+            </a:fontRef>
+          </p:style>
+          <p:txBody>
+            <a:bodyPr rtlCol="0" anchor="ctr"/>
+            <a:lstStyle/>
+            <a:p>
+              <a:pPr algn="ctr"/>
+              <a:endParaRPr lang="pt-BR"/>
+            </a:p>
+          </p:txBody>
+        </p:sp>
+        <p:sp>
+          <p:nvSpPr>
+            <p:cNvPr id="71" name="Elipse 70"/>
+            <p:cNvSpPr/>
+            <p:nvPr/>
+          </p:nvSpPr>
+          <p:spPr>
+            <a:xfrm>
+              <a:off x="7569792" y="3992539"/>
+              <a:ext cx="242265" cy="242265"/>
+            </a:xfrm>
+            <a:prstGeom prst="ellipse">
+              <a:avLst/>
+            </a:prstGeom>
+            <a:solidFill>
+              <a:srgbClr val="7030A0"/>
+            </a:solidFill>
+            <a:ln>
+              <a:noFill/>
+            </a:ln>
+          </p:spPr>
+          <p:style>
+            <a:lnRef idx="2">
+              <a:schemeClr val="accent1">
+                <a:shade val="50000"/>
+              </a:schemeClr>
+            </a:lnRef>
+            <a:fillRef idx="1">
+              <a:schemeClr val="accent1"/>
+            </a:fillRef>
+            <a:effectRef idx="0">
+              <a:schemeClr val="accent1"/>
+            </a:effectRef>
+            <a:fontRef idx="minor">
+              <a:schemeClr val="lt1"/>
+            </a:fontRef>
+          </p:style>
+          <p:txBody>
+            <a:bodyPr rtlCol="0" anchor="ctr"/>
+            <a:lstStyle/>
+            <a:p>
+              <a:pPr algn="ctr"/>
+              <a:endParaRPr lang="pt-BR"/>
+            </a:p>
+          </p:txBody>
+        </p:sp>
+        <p:sp>
+          <p:nvSpPr>
+            <p:cNvPr id="72" name="Elipse 71"/>
+            <p:cNvSpPr/>
+            <p:nvPr/>
+          </p:nvSpPr>
+          <p:spPr>
+            <a:xfrm>
+              <a:off x="8428063" y="3683641"/>
+              <a:ext cx="242265" cy="242265"/>
+            </a:xfrm>
+            <a:prstGeom prst="ellipse">
+              <a:avLst/>
+            </a:prstGeom>
+            <a:solidFill>
+              <a:srgbClr val="7030A0"/>
+            </a:solidFill>
+            <a:ln>
+              <a:noFill/>
+            </a:ln>
+          </p:spPr>
+          <p:style>
+            <a:lnRef idx="2">
+              <a:schemeClr val="accent1">
+                <a:shade val="50000"/>
+              </a:schemeClr>
+            </a:lnRef>
+            <a:fillRef idx="1">
+              <a:schemeClr val="accent1"/>
+            </a:fillRef>
+            <a:effectRef idx="0">
+              <a:schemeClr val="accent1"/>
+            </a:effectRef>
+            <a:fontRef idx="minor">
+              <a:schemeClr val="lt1"/>
+            </a:fontRef>
+          </p:style>
+          <p:txBody>
+            <a:bodyPr rtlCol="0" anchor="ctr"/>
+            <a:lstStyle/>
+            <a:p>
+              <a:pPr algn="ctr"/>
+              <a:endParaRPr lang="pt-BR"/>
+            </a:p>
+          </p:txBody>
+        </p:sp>
+        <p:sp>
+          <p:nvSpPr>
+            <p:cNvPr id="73" name="Elipse 72"/>
+            <p:cNvSpPr/>
+            <p:nvPr/>
+          </p:nvSpPr>
+          <p:spPr>
+            <a:xfrm>
+              <a:off x="8531196" y="3579909"/>
+              <a:ext cx="242265" cy="242265"/>
+            </a:xfrm>
+            <a:prstGeom prst="ellipse">
+              <a:avLst/>
+            </a:prstGeom>
+            <a:solidFill>
+              <a:srgbClr val="7030A0"/>
+            </a:solidFill>
+            <a:ln>
+              <a:noFill/>
+            </a:ln>
+          </p:spPr>
+          <p:style>
+            <a:lnRef idx="2">
+              <a:schemeClr val="accent1">
+                <a:shade val="50000"/>
+              </a:schemeClr>
+            </a:lnRef>
+            <a:fillRef idx="1">
+              <a:schemeClr val="accent1"/>
+            </a:fillRef>
+            <a:effectRef idx="0">
+              <a:schemeClr val="accent1"/>
+            </a:effectRef>
+            <a:fontRef idx="minor">
+              <a:schemeClr val="lt1"/>
+            </a:fontRef>
+          </p:style>
+          <p:txBody>
+            <a:bodyPr rtlCol="0" anchor="ctr"/>
+            <a:lstStyle/>
+            <a:p>
+              <a:pPr algn="ctr"/>
+              <a:endParaRPr lang="pt-BR"/>
+            </a:p>
+          </p:txBody>
+        </p:sp>
+      </p:grpSp>
     </p:spTree>
     <p:extLst>
       <p:ext uri="{BB962C8B-B14F-4D97-AF65-F5344CB8AC3E}">
@@ -3609,12 +5113,15 @@
         </p:nvSpPr>
         <p:spPr>
           <a:xfrm>
-            <a:off x="6172200" y="3009900"/>
+            <a:off x="1457325" y="5762625"/>
             <a:ext cx="2095500" cy="447675"/>
           </a:xfrm>
           <a:prstGeom prst="flowChartAlternateProcess">
             <a:avLst/>
           </a:prstGeom>
+          <a:solidFill>
+            <a:srgbClr val="DFC4EE"/>
+          </a:solidFill>
         </p:spPr>
         <p:style>
           <a:lnRef idx="2">
@@ -3652,7 +5159,7 @@
         </p:nvCxnSpPr>
         <p:spPr>
           <a:xfrm>
-            <a:off x="7219950" y="3009900"/>
+            <a:off x="2505075" y="5762625"/>
             <a:ext cx="0" cy="447675"/>
           </a:xfrm>
           <a:prstGeom prst="line">
@@ -3682,7 +5189,7 @@
         </p:nvCxnSpPr>
         <p:spPr>
           <a:xfrm flipV="1">
-            <a:off x="7038975" y="3052762"/>
+            <a:off x="2324100" y="5805487"/>
             <a:ext cx="361950" cy="361950"/>
           </a:xfrm>
           <a:prstGeom prst="line">
@@ -3717,7 +5224,7 @@
         </p:nvCxnSpPr>
         <p:spPr>
           <a:xfrm rot="16200000" flipV="1">
-            <a:off x="7038975" y="3052762"/>
+            <a:off x="2324100" y="5805487"/>
             <a:ext cx="361950" cy="361950"/>
           </a:xfrm>
           <a:prstGeom prst="line">
@@ -3752,7 +5259,7 @@
         </p:nvSpPr>
         <p:spPr>
           <a:xfrm>
-            <a:off x="6399345" y="3078718"/>
+            <a:off x="1684470" y="5831443"/>
             <a:ext cx="614271" cy="646331"/>
           </a:xfrm>
           <a:prstGeom prst="rect">
@@ -3785,7 +5292,7 @@
         </p:nvSpPr>
         <p:spPr>
           <a:xfrm>
-            <a:off x="7562850" y="3078718"/>
+            <a:off x="2847975" y="5831443"/>
             <a:ext cx="534121" cy="369332"/>
           </a:xfrm>
           <a:prstGeom prst="rect">
@@ -4082,7 +5589,7 @@
   <a:extraClrSchemeLst/>
   <a:extLst>
     <a:ext uri="{05A4C25C-085E-4340-85A3-A5531E510DB2}">
-      <thm15:themeFamily xmlns="" xmlns:thm15="http://schemas.microsoft.com/office/thememl/2012/main" name="Office Theme" id="{62F939B6-93AF-4DB8-9C6B-D6C7DFDC589F}" vid="{4A3C46E8-61CC-4603-A589-7422A47A8E4A}"/>
+      <thm15:themeFamily xmlns:thm15="http://schemas.microsoft.com/office/thememl/2012/main" xmlns="" name="Office Theme" id="{62F939B6-93AF-4DB8-9C6B-D6C7DFDC589F}" vid="{4A3C46E8-61CC-4603-A589-7422A47A8E4A}"/>
     </a:ext>
   </a:extLst>
 </a:theme>

--- a/Rascunhos/imagens para HIV.pptx
+++ b/Rascunhos/imagens para HIV.pptx
@@ -241,7 +241,7 @@
           <a:p>
             <a:fld id="{6EC27022-61B4-4658-BCF4-E6488D58E6A6}" type="datetimeFigureOut">
               <a:rPr lang="pt-BR" smtClean="0"/>
-              <a:t>01/03/2019</a:t>
+              <a:t>05/04/2019</a:t>
             </a:fld>
             <a:endParaRPr lang="pt-BR"/>
           </a:p>
@@ -411,7 +411,7 @@
           <a:p>
             <a:fld id="{6EC27022-61B4-4658-BCF4-E6488D58E6A6}" type="datetimeFigureOut">
               <a:rPr lang="pt-BR" smtClean="0"/>
-              <a:t>01/03/2019</a:t>
+              <a:t>05/04/2019</a:t>
             </a:fld>
             <a:endParaRPr lang="pt-BR"/>
           </a:p>
@@ -591,7 +591,7 @@
           <a:p>
             <a:fld id="{6EC27022-61B4-4658-BCF4-E6488D58E6A6}" type="datetimeFigureOut">
               <a:rPr lang="pt-BR" smtClean="0"/>
-              <a:t>01/03/2019</a:t>
+              <a:t>05/04/2019</a:t>
             </a:fld>
             <a:endParaRPr lang="pt-BR"/>
           </a:p>
@@ -761,7 +761,7 @@
           <a:p>
             <a:fld id="{6EC27022-61B4-4658-BCF4-E6488D58E6A6}" type="datetimeFigureOut">
               <a:rPr lang="pt-BR" smtClean="0"/>
-              <a:t>01/03/2019</a:t>
+              <a:t>05/04/2019</a:t>
             </a:fld>
             <a:endParaRPr lang="pt-BR"/>
           </a:p>
@@ -1007,7 +1007,7 @@
           <a:p>
             <a:fld id="{6EC27022-61B4-4658-BCF4-E6488D58E6A6}" type="datetimeFigureOut">
               <a:rPr lang="pt-BR" smtClean="0"/>
-              <a:t>01/03/2019</a:t>
+              <a:t>05/04/2019</a:t>
             </a:fld>
             <a:endParaRPr lang="pt-BR"/>
           </a:p>
@@ -1239,7 +1239,7 @@
           <a:p>
             <a:fld id="{6EC27022-61B4-4658-BCF4-E6488D58E6A6}" type="datetimeFigureOut">
               <a:rPr lang="pt-BR" smtClean="0"/>
-              <a:t>01/03/2019</a:t>
+              <a:t>05/04/2019</a:t>
             </a:fld>
             <a:endParaRPr lang="pt-BR"/>
           </a:p>
@@ -1606,7 +1606,7 @@
           <a:p>
             <a:fld id="{6EC27022-61B4-4658-BCF4-E6488D58E6A6}" type="datetimeFigureOut">
               <a:rPr lang="pt-BR" smtClean="0"/>
-              <a:t>01/03/2019</a:t>
+              <a:t>05/04/2019</a:t>
             </a:fld>
             <a:endParaRPr lang="pt-BR"/>
           </a:p>
@@ -1724,7 +1724,7 @@
           <a:p>
             <a:fld id="{6EC27022-61B4-4658-BCF4-E6488D58E6A6}" type="datetimeFigureOut">
               <a:rPr lang="pt-BR" smtClean="0"/>
-              <a:t>01/03/2019</a:t>
+              <a:t>05/04/2019</a:t>
             </a:fld>
             <a:endParaRPr lang="pt-BR"/>
           </a:p>
@@ -1819,7 +1819,7 @@
           <a:p>
             <a:fld id="{6EC27022-61B4-4658-BCF4-E6488D58E6A6}" type="datetimeFigureOut">
               <a:rPr lang="pt-BR" smtClean="0"/>
-              <a:t>01/03/2019</a:t>
+              <a:t>05/04/2019</a:t>
             </a:fld>
             <a:endParaRPr lang="pt-BR"/>
           </a:p>
@@ -2096,7 +2096,7 @@
           <a:p>
             <a:fld id="{6EC27022-61B4-4658-BCF4-E6488D58E6A6}" type="datetimeFigureOut">
               <a:rPr lang="pt-BR" smtClean="0"/>
-              <a:t>01/03/2019</a:t>
+              <a:t>05/04/2019</a:t>
             </a:fld>
             <a:endParaRPr lang="pt-BR"/>
           </a:p>
@@ -2349,7 +2349,7 @@
           <a:p>
             <a:fld id="{6EC27022-61B4-4658-BCF4-E6488D58E6A6}" type="datetimeFigureOut">
               <a:rPr lang="pt-BR" smtClean="0"/>
-              <a:t>01/03/2019</a:t>
+              <a:t>05/04/2019</a:t>
             </a:fld>
             <a:endParaRPr lang="pt-BR"/>
           </a:p>
@@ -2562,7 +2562,7 @@
           <a:p>
             <a:fld id="{6EC27022-61B4-4658-BCF4-E6488D58E6A6}" type="datetimeFigureOut">
               <a:rPr lang="pt-BR" smtClean="0"/>
-              <a:t>01/03/2019</a:t>
+              <a:t>05/04/2019</a:t>
             </a:fld>
             <a:endParaRPr lang="pt-BR"/>
           </a:p>
@@ -5021,6 +5021,229 @@
           </a:extLst>
         </p:spPr>
       </p:pic>
+      <p:grpSp>
+        <p:nvGrpSpPr>
+          <p:cNvPr id="18" name="Grupo 17"/>
+          <p:cNvGrpSpPr/>
+          <p:nvPr/>
+        </p:nvGrpSpPr>
+        <p:grpSpPr>
+          <a:xfrm>
+            <a:off x="7207792" y="657224"/>
+            <a:ext cx="1563828" cy="4629151"/>
+            <a:chOff x="7398292" y="738890"/>
+            <a:chExt cx="1563828" cy="4629151"/>
+          </a:xfrm>
+        </p:grpSpPr>
+        <p:sp>
+          <p:nvSpPr>
+            <p:cNvPr id="4" name="Retângulo 3"/>
+            <p:cNvSpPr/>
+            <p:nvPr/>
+          </p:nvSpPr>
+          <p:spPr>
+            <a:xfrm>
+              <a:off x="7398292" y="833348"/>
+              <a:ext cx="1563828" cy="647191"/>
+            </a:xfrm>
+            <a:prstGeom prst="rect">
+              <a:avLst/>
+            </a:prstGeom>
+            <a:solidFill>
+              <a:srgbClr val="C00000"/>
+            </a:solidFill>
+            <a:ln>
+              <a:noFill/>
+            </a:ln>
+          </p:spPr>
+          <p:style>
+            <a:lnRef idx="2">
+              <a:schemeClr val="accent1">
+                <a:shade val="50000"/>
+              </a:schemeClr>
+            </a:lnRef>
+            <a:fillRef idx="1">
+              <a:schemeClr val="accent1"/>
+            </a:fillRef>
+            <a:effectRef idx="0">
+              <a:schemeClr val="accent1"/>
+            </a:effectRef>
+            <a:fontRef idx="minor">
+              <a:schemeClr val="lt1"/>
+            </a:fontRef>
+          </p:style>
+          <p:txBody>
+            <a:bodyPr rtlCol="0" anchor="ctr"/>
+            <a:lstStyle/>
+            <a:p>
+              <a:pPr algn="ctr"/>
+              <a:endParaRPr lang="pt-BR"/>
+            </a:p>
+          </p:txBody>
+        </p:sp>
+        <p:sp>
+          <p:nvSpPr>
+            <p:cNvPr id="11" name="Retângulo 10"/>
+            <p:cNvSpPr/>
+            <p:nvPr/>
+          </p:nvSpPr>
+          <p:spPr>
+            <a:xfrm rot="19800000">
+              <a:off x="7748936" y="738891"/>
+              <a:ext cx="862543" cy="4629150"/>
+            </a:xfrm>
+            <a:custGeom>
+              <a:avLst/>
+              <a:gdLst/>
+              <a:ahLst/>
+              <a:cxnLst/>
+              <a:rect l="l" t="t" r="r" b="b"/>
+              <a:pathLst>
+                <a:path w="862543" h="4629150">
+                  <a:moveTo>
+                    <a:pt x="0" y="0"/>
+                  </a:moveTo>
+                  <a:lnTo>
+                    <a:pt x="862543" y="0"/>
+                  </a:lnTo>
+                  <a:lnTo>
+                    <a:pt x="862543" y="4629150"/>
+                  </a:lnTo>
+                  <a:lnTo>
+                    <a:pt x="0" y="4629150"/>
+                  </a:lnTo>
+                  <a:lnTo>
+                    <a:pt x="0" y="4629147"/>
+                  </a:lnTo>
+                  <a:lnTo>
+                    <a:pt x="862541" y="4629147"/>
+                  </a:lnTo>
+                  <a:lnTo>
+                    <a:pt x="431269" y="4139840"/>
+                  </a:lnTo>
+                  <a:lnTo>
+                    <a:pt x="0" y="4629143"/>
+                  </a:lnTo>
+                  <a:close/>
+                </a:path>
+              </a:pathLst>
+            </a:custGeom>
+            <a:solidFill>
+              <a:srgbClr val="FF3737"/>
+            </a:solidFill>
+            <a:ln>
+              <a:noFill/>
+            </a:ln>
+          </p:spPr>
+          <p:style>
+            <a:lnRef idx="2">
+              <a:schemeClr val="accent1">
+                <a:shade val="50000"/>
+              </a:schemeClr>
+            </a:lnRef>
+            <a:fillRef idx="1">
+              <a:schemeClr val="accent1"/>
+            </a:fillRef>
+            <a:effectRef idx="0">
+              <a:schemeClr val="accent1"/>
+            </a:effectRef>
+            <a:fontRef idx="minor">
+              <a:schemeClr val="lt1"/>
+            </a:fontRef>
+          </p:style>
+          <p:txBody>
+            <a:bodyPr rtlCol="0" anchor="ctr"/>
+            <a:lstStyle/>
+            <a:p>
+              <a:pPr algn="ctr"/>
+              <a:endParaRPr lang="pt-BR"/>
+            </a:p>
+          </p:txBody>
+        </p:sp>
+        <p:sp>
+          <p:nvSpPr>
+            <p:cNvPr id="13" name="Retângulo 12"/>
+            <p:cNvSpPr/>
+            <p:nvPr/>
+          </p:nvSpPr>
+          <p:spPr>
+            <a:xfrm rot="1800000" flipH="1">
+              <a:off x="7748935" y="738890"/>
+              <a:ext cx="862543" cy="4629150"/>
+            </a:xfrm>
+            <a:custGeom>
+              <a:avLst/>
+              <a:gdLst/>
+              <a:ahLst/>
+              <a:cxnLst/>
+              <a:rect l="l" t="t" r="r" b="b"/>
+              <a:pathLst>
+                <a:path w="862543" h="4629150">
+                  <a:moveTo>
+                    <a:pt x="862543" y="4629149"/>
+                  </a:moveTo>
+                  <a:lnTo>
+                    <a:pt x="0" y="4629149"/>
+                  </a:lnTo>
+                  <a:lnTo>
+                    <a:pt x="0" y="4629150"/>
+                  </a:lnTo>
+                  <a:lnTo>
+                    <a:pt x="862543" y="4629150"/>
+                  </a:lnTo>
+                  <a:close/>
+                  <a:moveTo>
+                    <a:pt x="862543" y="0"/>
+                  </a:moveTo>
+                  <a:lnTo>
+                    <a:pt x="0" y="0"/>
+                  </a:lnTo>
+                  <a:lnTo>
+                    <a:pt x="0" y="4629149"/>
+                  </a:lnTo>
+                  <a:lnTo>
+                    <a:pt x="431272" y="4139842"/>
+                  </a:lnTo>
+                  <a:lnTo>
+                    <a:pt x="862543" y="4629147"/>
+                  </a:lnTo>
+                  <a:close/>
+                </a:path>
+              </a:pathLst>
+            </a:custGeom>
+            <a:solidFill>
+              <a:srgbClr val="E20000"/>
+            </a:solidFill>
+            <a:ln>
+              <a:noFill/>
+            </a:ln>
+          </p:spPr>
+          <p:style>
+            <a:lnRef idx="2">
+              <a:schemeClr val="accent1">
+                <a:shade val="50000"/>
+              </a:schemeClr>
+            </a:lnRef>
+            <a:fillRef idx="1">
+              <a:schemeClr val="accent1"/>
+            </a:fillRef>
+            <a:effectRef idx="0">
+              <a:schemeClr val="accent1"/>
+            </a:effectRef>
+            <a:fontRef idx="minor">
+              <a:schemeClr val="lt1"/>
+            </a:fontRef>
+          </p:style>
+          <p:txBody>
+            <a:bodyPr rtlCol="0" anchor="ctr"/>
+            <a:lstStyle/>
+            <a:p>
+              <a:pPr algn="ctr"/>
+              <a:endParaRPr lang="pt-BR"/>
+            </a:p>
+          </p:txBody>
+        </p:sp>
+      </p:grpSp>
     </p:spTree>
     <p:extLst>
       <p:ext uri="{BB962C8B-B14F-4D97-AF65-F5344CB8AC3E}">
@@ -5589,7 +5812,7 @@
   <a:extraClrSchemeLst/>
   <a:extLst>
     <a:ext uri="{05A4C25C-085E-4340-85A3-A5531E510DB2}">
-      <thm15:themeFamily xmlns:thm15="http://schemas.microsoft.com/office/thememl/2012/main" xmlns="" name="Office Theme" id="{62F939B6-93AF-4DB8-9C6B-D6C7DFDC589F}" vid="{4A3C46E8-61CC-4603-A589-7422A47A8E4A}"/>
+      <thm15:themeFamily xmlns="" xmlns:thm15="http://schemas.microsoft.com/office/thememl/2012/main" name="Office Theme" id="{62F939B6-93AF-4DB8-9C6B-D6C7DFDC589F}" vid="{4A3C46E8-61CC-4603-A589-7422A47A8E4A}"/>
     </a:ext>
   </a:extLst>
 </a:theme>

--- a/Rascunhos/imagens para HIV.pptx
+++ b/Rascunhos/imagens para HIV.pptx
@@ -5,10 +5,11 @@
     <p:sldMasterId id="2147483648" r:id="rId1"/>
   </p:sldMasterIdLst>
   <p:sldIdLst>
-    <p:sldId id="256" r:id="rId2"/>
-    <p:sldId id="257" r:id="rId3"/>
+    <p:sldId id="257" r:id="rId2"/>
+    <p:sldId id="262" r:id="rId3"/>
     <p:sldId id="258" r:id="rId4"/>
     <p:sldId id="261" r:id="rId5"/>
+    <p:sldId id="256" r:id="rId6"/>
   </p:sldIdLst>
   <p:sldSz cx="12192000" cy="6858000"/>
   <p:notesSz cx="6858000" cy="9144000"/>
@@ -241,7 +242,7 @@
           <a:p>
             <a:fld id="{6EC27022-61B4-4658-BCF4-E6488D58E6A6}" type="datetimeFigureOut">
               <a:rPr lang="pt-BR" smtClean="0"/>
-              <a:t>05/04/2019</a:t>
+              <a:t>09/04/2019</a:t>
             </a:fld>
             <a:endParaRPr lang="pt-BR"/>
           </a:p>
@@ -411,7 +412,7 @@
           <a:p>
             <a:fld id="{6EC27022-61B4-4658-BCF4-E6488D58E6A6}" type="datetimeFigureOut">
               <a:rPr lang="pt-BR" smtClean="0"/>
-              <a:t>05/04/2019</a:t>
+              <a:t>09/04/2019</a:t>
             </a:fld>
             <a:endParaRPr lang="pt-BR"/>
           </a:p>
@@ -591,7 +592,7 @@
           <a:p>
             <a:fld id="{6EC27022-61B4-4658-BCF4-E6488D58E6A6}" type="datetimeFigureOut">
               <a:rPr lang="pt-BR" smtClean="0"/>
-              <a:t>05/04/2019</a:t>
+              <a:t>09/04/2019</a:t>
             </a:fld>
             <a:endParaRPr lang="pt-BR"/>
           </a:p>
@@ -761,7 +762,7 @@
           <a:p>
             <a:fld id="{6EC27022-61B4-4658-BCF4-E6488D58E6A6}" type="datetimeFigureOut">
               <a:rPr lang="pt-BR" smtClean="0"/>
-              <a:t>05/04/2019</a:t>
+              <a:t>09/04/2019</a:t>
             </a:fld>
             <a:endParaRPr lang="pt-BR"/>
           </a:p>
@@ -1007,7 +1008,7 @@
           <a:p>
             <a:fld id="{6EC27022-61B4-4658-BCF4-E6488D58E6A6}" type="datetimeFigureOut">
               <a:rPr lang="pt-BR" smtClean="0"/>
-              <a:t>05/04/2019</a:t>
+              <a:t>09/04/2019</a:t>
             </a:fld>
             <a:endParaRPr lang="pt-BR"/>
           </a:p>
@@ -1239,7 +1240,7 @@
           <a:p>
             <a:fld id="{6EC27022-61B4-4658-BCF4-E6488D58E6A6}" type="datetimeFigureOut">
               <a:rPr lang="pt-BR" smtClean="0"/>
-              <a:t>05/04/2019</a:t>
+              <a:t>09/04/2019</a:t>
             </a:fld>
             <a:endParaRPr lang="pt-BR"/>
           </a:p>
@@ -1606,7 +1607,7 @@
           <a:p>
             <a:fld id="{6EC27022-61B4-4658-BCF4-E6488D58E6A6}" type="datetimeFigureOut">
               <a:rPr lang="pt-BR" smtClean="0"/>
-              <a:t>05/04/2019</a:t>
+              <a:t>09/04/2019</a:t>
             </a:fld>
             <a:endParaRPr lang="pt-BR"/>
           </a:p>
@@ -1724,7 +1725,7 @@
           <a:p>
             <a:fld id="{6EC27022-61B4-4658-BCF4-E6488D58E6A6}" type="datetimeFigureOut">
               <a:rPr lang="pt-BR" smtClean="0"/>
-              <a:t>05/04/2019</a:t>
+              <a:t>09/04/2019</a:t>
             </a:fld>
             <a:endParaRPr lang="pt-BR"/>
           </a:p>
@@ -1819,7 +1820,7 @@
           <a:p>
             <a:fld id="{6EC27022-61B4-4658-BCF4-E6488D58E6A6}" type="datetimeFigureOut">
               <a:rPr lang="pt-BR" smtClean="0"/>
-              <a:t>05/04/2019</a:t>
+              <a:t>09/04/2019</a:t>
             </a:fld>
             <a:endParaRPr lang="pt-BR"/>
           </a:p>
@@ -2096,7 +2097,7 @@
           <a:p>
             <a:fld id="{6EC27022-61B4-4658-BCF4-E6488D58E6A6}" type="datetimeFigureOut">
               <a:rPr lang="pt-BR" smtClean="0"/>
-              <a:t>05/04/2019</a:t>
+              <a:t>09/04/2019</a:t>
             </a:fld>
             <a:endParaRPr lang="pt-BR"/>
           </a:p>
@@ -2349,7 +2350,7 @@
           <a:p>
             <a:fld id="{6EC27022-61B4-4658-BCF4-E6488D58E6A6}" type="datetimeFigureOut">
               <a:rPr lang="pt-BR" smtClean="0"/>
-              <a:t>05/04/2019</a:t>
+              <a:t>09/04/2019</a:t>
             </a:fld>
             <a:endParaRPr lang="pt-BR"/>
           </a:p>
@@ -2562,7 +2563,7 @@
           <a:p>
             <a:fld id="{6EC27022-61B4-4658-BCF4-E6488D58E6A6}" type="datetimeFigureOut">
               <a:rPr lang="pt-BR" smtClean="0"/>
-              <a:t>05/04/2019</a:t>
+              <a:t>09/04/2019</a:t>
             </a:fld>
             <a:endParaRPr lang="pt-BR"/>
           </a:p>
@@ -2951,370 +2952,6 @@
 </file>
 
 <file path=ppt/slides/slide1.xml><?xml version="1.0" encoding="utf-8"?>
-<p:sld xmlns:a="http://schemas.openxmlformats.org/drawingml/2006/main" xmlns:r="http://schemas.openxmlformats.org/officeDocument/2006/relationships" xmlns:p="http://schemas.openxmlformats.org/presentationml/2006/main">
-  <p:cSld>
-    <p:spTree>
-      <p:nvGrpSpPr>
-        <p:cNvPr id="1" name=""/>
-        <p:cNvGrpSpPr/>
-        <p:nvPr/>
-      </p:nvGrpSpPr>
-      <p:grpSpPr>
-        <a:xfrm>
-          <a:off x="0" y="0"/>
-          <a:ext cx="0" cy="0"/>
-          <a:chOff x="0" y="0"/>
-          <a:chExt cx="0" cy="0"/>
-        </a:xfrm>
-      </p:grpSpPr>
-      <p:graphicFrame>
-        <p:nvGraphicFramePr>
-          <p:cNvPr id="4" name="Tabela 3"/>
-          <p:cNvGraphicFramePr>
-            <a:graphicFrameLocks noGrp="1"/>
-          </p:cNvGraphicFramePr>
-          <p:nvPr>
-            <p:extLst>
-              <p:ext uri="{D42A27DB-BD31-4B8C-83A1-F6EECF244321}">
-                <p14:modId xmlns:p14="http://schemas.microsoft.com/office/powerpoint/2010/main" val="3552317096"/>
-              </p:ext>
-            </p:extLst>
-          </p:nvPr>
-        </p:nvGraphicFramePr>
-        <p:xfrm>
-          <a:off x="342897" y="1226125"/>
-          <a:ext cx="10868892" cy="4136942"/>
-        </p:xfrm>
-        <a:graphic>
-          <a:graphicData uri="http://schemas.openxmlformats.org/drawingml/2006/table">
-            <a:tbl>
-              <a:tblPr firstRow="1" bandRow="1">
-                <a:tableStyleId>{21E4AEA4-8DFA-4A89-87EB-49C32662AFE0}</a:tableStyleId>
-              </a:tblPr>
-              <a:tblGrid>
-                <a:gridCol w="5434446"/>
-                <a:gridCol w="5434446"/>
-              </a:tblGrid>
-              <a:tr h="468271">
-                <a:tc>
-                  <a:txBody>
-                    <a:bodyPr/>
-                    <a:lstStyle/>
-                    <a:p>
-                      <a:pPr algn="ctr"/>
-                      <a:r>
-                        <a:rPr lang="pt-BR" baseline="0" dirty="0" smtClean="0"/>
-                        <a:t>TRANSMITE</a:t>
-                      </a:r>
-                      <a:endParaRPr lang="pt-BR" dirty="0"/>
-                    </a:p>
-                  </a:txBody>
-                  <a:tcPr>
-                    <a:solidFill>
-                      <a:srgbClr val="FF0000"/>
-                    </a:solidFill>
-                  </a:tcPr>
-                </a:tc>
-                <a:tc>
-                  <a:txBody>
-                    <a:bodyPr/>
-                    <a:lstStyle/>
-                    <a:p>
-                      <a:pPr algn="ctr"/>
-                      <a:r>
-                        <a:rPr lang="pt-BR" baseline="0" dirty="0" smtClean="0"/>
-                        <a:t>NÃO TRANSMITE</a:t>
-                      </a:r>
-                      <a:endParaRPr lang="pt-BR" dirty="0"/>
-                    </a:p>
-                  </a:txBody>
-                  <a:tcPr>
-                    <a:solidFill>
-                      <a:srgbClr val="FF0000"/>
-                    </a:solidFill>
-                  </a:tcPr>
-                </a:tc>
-              </a:tr>
-              <a:tr h="468271">
-                <a:tc>
-                  <a:txBody>
-                    <a:bodyPr/>
-                    <a:lstStyle/>
-                    <a:p>
-                      <a:r>
-                        <a:rPr lang="pt-BR" dirty="0" smtClean="0"/>
-                        <a:t>Relação sexual com soropositivos sem</a:t>
-                      </a:r>
-                      <a:r>
-                        <a:rPr lang="pt-BR" baseline="0" dirty="0" smtClean="0"/>
-                        <a:t> o uso de preservativo.</a:t>
-                      </a:r>
-                      <a:endParaRPr lang="pt-BR" dirty="0"/>
-                    </a:p>
-                  </a:txBody>
-                  <a:tcPr/>
-                </a:tc>
-                <a:tc>
-                  <a:txBody>
-                    <a:bodyPr/>
-                    <a:lstStyle/>
-                    <a:p>
-                      <a:r>
-                        <a:rPr lang="pt-BR" dirty="0" smtClean="0"/>
-                        <a:t>Relação</a:t>
-                      </a:r>
-                      <a:r>
-                        <a:rPr lang="pt-BR" baseline="0" dirty="0" smtClean="0"/>
-                        <a:t> sexual com soropositivos com uso correto do preservativo.</a:t>
-                      </a:r>
-                      <a:endParaRPr lang="pt-BR" dirty="0"/>
-                    </a:p>
-                  </a:txBody>
-                  <a:tcPr/>
-                </a:tc>
-              </a:tr>
-              <a:tr h="468271">
-                <a:tc>
-                  <a:txBody>
-                    <a:bodyPr/>
-                    <a:lstStyle/>
-                    <a:p>
-                      <a:r>
-                        <a:rPr lang="pt-BR" dirty="0" smtClean="0"/>
-                        <a:t>Compartilhamento de</a:t>
-                      </a:r>
-                      <a:r>
-                        <a:rPr lang="pt-BR" baseline="0" dirty="0" smtClean="0"/>
-                        <a:t> seringas e agulhas.</a:t>
-                      </a:r>
-                      <a:endParaRPr lang="pt-BR" dirty="0"/>
-                    </a:p>
-                  </a:txBody>
-                  <a:tcPr>
-                    <a:noFill/>
-                  </a:tcPr>
-                </a:tc>
-                <a:tc>
-                  <a:txBody>
-                    <a:bodyPr/>
-                    <a:lstStyle/>
-                    <a:p>
-                      <a:r>
-                        <a:rPr lang="pt-BR" dirty="0" smtClean="0"/>
-                        <a:t>Masturbação a dois.</a:t>
-                      </a:r>
-                      <a:endParaRPr lang="pt-BR" dirty="0"/>
-                    </a:p>
-                  </a:txBody>
-                  <a:tcPr>
-                    <a:noFill/>
-                  </a:tcPr>
-                </a:tc>
-              </a:tr>
-              <a:tr h="468271">
-                <a:tc>
-                  <a:txBody>
-                    <a:bodyPr/>
-                    <a:lstStyle/>
-                    <a:p>
-                      <a:r>
-                        <a:rPr lang="pt-BR" dirty="0" smtClean="0"/>
-                        <a:t>Reutilização</a:t>
-                      </a:r>
-                      <a:r>
-                        <a:rPr lang="pt-BR" baseline="0" dirty="0" smtClean="0"/>
-                        <a:t> de objetos perfurocortantes com presença de sangue contaminado pelo HIV.</a:t>
-                      </a:r>
-                      <a:endParaRPr lang="pt-BR" dirty="0"/>
-                    </a:p>
-                  </a:txBody>
-                  <a:tcPr/>
-                </a:tc>
-                <a:tc>
-                  <a:txBody>
-                    <a:bodyPr/>
-                    <a:lstStyle/>
-                    <a:p>
-                      <a:r>
-                        <a:rPr lang="pt-BR" dirty="0" smtClean="0"/>
-                        <a:t>Beijo no</a:t>
-                      </a:r>
-                      <a:r>
-                        <a:rPr lang="pt-BR" baseline="0" dirty="0" smtClean="0"/>
-                        <a:t> rosto ou na boca, abraço, aperto de mão, suor, lágrima e picada de inseto.</a:t>
-                      </a:r>
-                      <a:endParaRPr lang="pt-BR" dirty="0"/>
-                    </a:p>
-                  </a:txBody>
-                  <a:tcPr/>
-                </a:tc>
-              </a:tr>
-              <a:tr h="468271">
-                <a:tc>
-                  <a:txBody>
-                    <a:bodyPr/>
-                    <a:lstStyle/>
-                    <a:p>
-                      <a:r>
-                        <a:rPr lang="pt-BR" dirty="0" smtClean="0"/>
-                        <a:t>Durante</a:t>
-                      </a:r>
-                      <a:r>
-                        <a:rPr lang="pt-BR" baseline="0" dirty="0" smtClean="0"/>
-                        <a:t> a amamentação, gestação e parto, caso a mulher seja HIV+ e não saiba que tem o vírus.</a:t>
-                      </a:r>
-                      <a:endParaRPr lang="pt-BR" dirty="0"/>
-                    </a:p>
-                  </a:txBody>
-                  <a:tcPr>
-                    <a:noFill/>
-                  </a:tcPr>
-                </a:tc>
-                <a:tc>
-                  <a:txBody>
-                    <a:bodyPr/>
-                    <a:lstStyle/>
-                    <a:p>
-                      <a:pPr marL="0" marR="0" lvl="0" indent="0" algn="l" defTabSz="914400" rtl="0" eaLnBrk="1" fontAlgn="auto" latinLnBrk="0" hangingPunct="1">
-                        <a:lnSpc>
-                          <a:spcPct val="100000"/>
-                        </a:lnSpc>
-                        <a:spcBef>
-                          <a:spcPts val="0"/>
-                        </a:spcBef>
-                        <a:spcAft>
-                          <a:spcPts val="0"/>
-                        </a:spcAft>
-                        <a:buClrTx/>
-                        <a:buSzTx/>
-                        <a:buFontTx/>
-                        <a:buNone/>
-                        <a:tabLst/>
-                        <a:defRPr/>
-                      </a:pPr>
-                      <a:r>
-                        <a:rPr lang="pt-BR" dirty="0" smtClean="0"/>
-                        <a:t>Sabonete,</a:t>
-                      </a:r>
-                      <a:r>
-                        <a:rPr lang="pt-BR" baseline="0" dirty="0" smtClean="0"/>
-                        <a:t> toalhas, lençóis, talheres, copos, p</a:t>
-                      </a:r>
-                      <a:r>
-                        <a:rPr lang="pt-BR" dirty="0" smtClean="0"/>
-                        <a:t>iscina.</a:t>
-                      </a:r>
-                    </a:p>
-                    <a:p>
-                      <a:endParaRPr lang="pt-BR" dirty="0"/>
-                    </a:p>
-                  </a:txBody>
-                  <a:tcPr>
-                    <a:noFill/>
-                  </a:tcPr>
-                </a:tc>
-              </a:tr>
-              <a:tr h="468271">
-                <a:tc>
-                  <a:txBody>
-                    <a:bodyPr/>
-                    <a:lstStyle/>
-                    <a:p>
-                      <a:r>
-                        <a:rPr lang="pt-BR" dirty="0" smtClean="0"/>
-                        <a:t>Contato direto</a:t>
-                      </a:r>
-                      <a:r>
-                        <a:rPr lang="pt-BR" baseline="0" dirty="0" smtClean="0"/>
-                        <a:t> com soropositivos em acidentes de trânsito, cortes ou outros acidentes com facas, bisturi...</a:t>
-                      </a:r>
-                      <a:endParaRPr lang="pt-BR" dirty="0"/>
-                    </a:p>
-                  </a:txBody>
-                  <a:tcPr/>
-                </a:tc>
-                <a:tc>
-                  <a:txBody>
-                    <a:bodyPr/>
-                    <a:lstStyle/>
-                    <a:p>
-                      <a:r>
-                        <a:rPr lang="pt-BR" dirty="0" smtClean="0"/>
-                        <a:t>Assento de</a:t>
-                      </a:r>
-                      <a:r>
-                        <a:rPr lang="pt-BR" baseline="0" dirty="0" smtClean="0"/>
-                        <a:t> ônibus.</a:t>
-                      </a:r>
-                      <a:endParaRPr lang="pt-BR" dirty="0"/>
-                    </a:p>
-                  </a:txBody>
-                  <a:tcPr/>
-                </a:tc>
-              </a:tr>
-              <a:tr h="468271">
-                <a:tc>
-                  <a:txBody>
-                    <a:bodyPr/>
-                    <a:lstStyle/>
-                    <a:p>
-                      <a:r>
-                        <a:rPr lang="pt-BR" dirty="0" smtClean="0"/>
-                        <a:t>Transfusão</a:t>
-                      </a:r>
-                      <a:r>
-                        <a:rPr lang="pt-BR" baseline="0" dirty="0" smtClean="0"/>
-                        <a:t> sanguínea, era uma forma de transmissão, mas hoje doadores são testados para HIV1 e HIV2.</a:t>
-                      </a:r>
-                      <a:endParaRPr lang="pt-BR" dirty="0"/>
-                    </a:p>
-                  </a:txBody>
-                  <a:tcPr>
-                    <a:noFill/>
-                  </a:tcPr>
-                </a:tc>
-                <a:tc>
-                  <a:txBody>
-                    <a:bodyPr/>
-                    <a:lstStyle/>
-                    <a:p>
-                      <a:r>
-                        <a:rPr lang="pt-BR" dirty="0" smtClean="0"/>
-                        <a:t>Pelo ar.</a:t>
-                      </a:r>
-                      <a:endParaRPr lang="pt-BR" dirty="0"/>
-                    </a:p>
-                  </a:txBody>
-                  <a:tcPr>
-                    <a:noFill/>
-                  </a:tcPr>
-                </a:tc>
-              </a:tr>
-            </a:tbl>
-          </a:graphicData>
-        </a:graphic>
-      </p:graphicFrame>
-    </p:spTree>
-    <p:extLst>
-      <p:ext uri="{BB962C8B-B14F-4D97-AF65-F5344CB8AC3E}">
-        <p14:creationId xmlns:p14="http://schemas.microsoft.com/office/powerpoint/2010/main" val="2065352060"/>
-      </p:ext>
-    </p:extLst>
-  </p:cSld>
-  <p:clrMapOvr>
-    <a:masterClrMapping/>
-  </p:clrMapOvr>
-  <p:timing>
-    <p:tnLst>
-      <p:par>
-        <p:cTn id="1" dur="indefinite" restart="never" nodeType="tmRoot"/>
-      </p:par>
-    </p:tnLst>
-  </p:timing>
-</p:sld>
-</file>
-
-<file path=ppt/slides/slide2.xml><?xml version="1.0" encoding="utf-8"?>
 <p:sld xmlns:a="http://schemas.openxmlformats.org/drawingml/2006/main" xmlns:r="http://schemas.openxmlformats.org/officeDocument/2006/relationships" xmlns:p="http://schemas.openxmlformats.org/presentationml/2006/main">
   <p:cSld>
     <p:spTree>
@@ -4937,10 +4574,4857 @@
           </p:txBody>
         </p:sp>
       </p:grpSp>
+      <p:sp>
+        <p:nvSpPr>
+          <p:cNvPr id="3" name="CaixaDeTexto 2"/>
+          <p:cNvSpPr txBox="1"/>
+          <p:nvPr/>
+        </p:nvSpPr>
+        <p:spPr>
+          <a:xfrm>
+            <a:off x="704850" y="419099"/>
+            <a:ext cx="2041906" cy="646331"/>
+          </a:xfrm>
+          <a:prstGeom prst="rect">
+            <a:avLst/>
+          </a:prstGeom>
+          <a:noFill/>
+        </p:spPr>
+        <p:txBody>
+          <a:bodyPr wrap="none" rtlCol="0">
+            <a:spAutoFit/>
+          </a:bodyPr>
+          <a:lstStyle/>
+          <a:p>
+            <a:r>
+              <a:rPr lang="pt-BR" sz="3600" dirty="0" smtClean="0"/>
+              <a:t>Imagem 1</a:t>
+            </a:r>
+            <a:endParaRPr lang="pt-BR" sz="3600" dirty="0"/>
+          </a:p>
+        </p:txBody>
+      </p:sp>
     </p:spTree>
     <p:extLst>
       <p:ext uri="{BB962C8B-B14F-4D97-AF65-F5344CB8AC3E}">
         <p14:creationId xmlns:p14="http://schemas.microsoft.com/office/powerpoint/2010/main" val="12188616"/>
+      </p:ext>
+    </p:extLst>
+  </p:cSld>
+  <p:clrMapOvr>
+    <a:masterClrMapping/>
+  </p:clrMapOvr>
+</p:sld>
+</file>
+
+<file path=ppt/slides/slide2.xml><?xml version="1.0" encoding="utf-8"?>
+<p:sld xmlns:a="http://schemas.openxmlformats.org/drawingml/2006/main" xmlns:r="http://schemas.openxmlformats.org/officeDocument/2006/relationships" xmlns:p="http://schemas.openxmlformats.org/presentationml/2006/main">
+  <p:cSld>
+    <p:spTree>
+      <p:nvGrpSpPr>
+        <p:cNvPr id="1" name=""/>
+        <p:cNvGrpSpPr/>
+        <p:nvPr/>
+      </p:nvGrpSpPr>
+      <p:grpSpPr>
+        <a:xfrm>
+          <a:off x="0" y="0"/>
+          <a:ext cx="0" cy="0"/>
+          <a:chOff x="0" y="0"/>
+          <a:chExt cx="0" cy="0"/>
+        </a:xfrm>
+      </p:grpSpPr>
+      <p:sp>
+        <p:nvSpPr>
+          <p:cNvPr id="2" name="CaixaDeTexto 1"/>
+          <p:cNvSpPr txBox="1"/>
+          <p:nvPr/>
+        </p:nvSpPr>
+        <p:spPr>
+          <a:xfrm>
+            <a:off x="704850" y="419099"/>
+            <a:ext cx="2041906" cy="646331"/>
+          </a:xfrm>
+          <a:prstGeom prst="rect">
+            <a:avLst/>
+          </a:prstGeom>
+          <a:noFill/>
+        </p:spPr>
+        <p:txBody>
+          <a:bodyPr wrap="none" rtlCol="0">
+            <a:spAutoFit/>
+          </a:bodyPr>
+          <a:lstStyle/>
+          <a:p>
+            <a:r>
+              <a:rPr lang="pt-BR" sz="3600" dirty="0" smtClean="0"/>
+              <a:t>Imagem 2</a:t>
+            </a:r>
+            <a:endParaRPr lang="pt-BR" sz="3600" dirty="0"/>
+          </a:p>
+        </p:txBody>
+      </p:sp>
+      <p:grpSp>
+        <p:nvGrpSpPr>
+          <p:cNvPr id="166" name="Grupo 165"/>
+          <p:cNvGrpSpPr/>
+          <p:nvPr/>
+        </p:nvGrpSpPr>
+        <p:grpSpPr>
+          <a:xfrm>
+            <a:off x="2210874" y="1824548"/>
+            <a:ext cx="6057900" cy="3923998"/>
+            <a:chOff x="4946265" y="1685920"/>
+            <a:chExt cx="6057900" cy="3923998"/>
+          </a:xfrm>
+        </p:grpSpPr>
+        <p:sp>
+          <p:nvSpPr>
+            <p:cNvPr id="45" name="Retângulo de cantos arredondados 44"/>
+            <p:cNvSpPr/>
+            <p:nvPr/>
+          </p:nvSpPr>
+          <p:spPr>
+            <a:xfrm>
+              <a:off x="4946265" y="1752293"/>
+              <a:ext cx="6057900" cy="3857625"/>
+            </a:xfrm>
+            <a:prstGeom prst="roundRect">
+              <a:avLst/>
+            </a:prstGeom>
+            <a:solidFill>
+              <a:srgbClr val="F16B6B"/>
+            </a:solidFill>
+            <a:ln>
+              <a:noFill/>
+            </a:ln>
+          </p:spPr>
+          <p:style>
+            <a:lnRef idx="2">
+              <a:schemeClr val="accent1">
+                <a:shade val="50000"/>
+              </a:schemeClr>
+            </a:lnRef>
+            <a:fillRef idx="1">
+              <a:schemeClr val="accent1"/>
+            </a:fillRef>
+            <a:effectRef idx="0">
+              <a:schemeClr val="accent1"/>
+            </a:effectRef>
+            <a:fontRef idx="minor">
+              <a:schemeClr val="lt1"/>
+            </a:fontRef>
+          </p:style>
+          <p:txBody>
+            <a:bodyPr rtlCol="0" anchor="ctr"/>
+            <a:lstStyle/>
+            <a:p>
+              <a:pPr algn="ctr"/>
+              <a:endParaRPr lang="pt-BR"/>
+            </a:p>
+          </p:txBody>
+        </p:sp>
+        <p:grpSp>
+          <p:nvGrpSpPr>
+            <p:cNvPr id="6" name="Grupo 5"/>
+            <p:cNvGrpSpPr/>
+            <p:nvPr/>
+          </p:nvGrpSpPr>
+          <p:grpSpPr>
+            <a:xfrm rot="20939842">
+              <a:off x="5568506" y="4604374"/>
+              <a:ext cx="1838616" cy="609100"/>
+              <a:chOff x="3155680" y="2960252"/>
+              <a:chExt cx="3605346" cy="1194386"/>
+            </a:xfrm>
+          </p:grpSpPr>
+          <p:grpSp>
+            <p:nvGrpSpPr>
+              <p:cNvPr id="15" name="Grupo 14"/>
+              <p:cNvGrpSpPr/>
+              <p:nvPr/>
+            </p:nvGrpSpPr>
+            <p:grpSpPr>
+              <a:xfrm rot="5348328">
+                <a:off x="4361160" y="1754772"/>
+                <a:ext cx="1194386" cy="3605346"/>
+                <a:chOff x="4623674" y="1297992"/>
+                <a:chExt cx="668407" cy="2017638"/>
+              </a:xfrm>
+            </p:grpSpPr>
+            <p:sp>
+              <p:nvSpPr>
+                <p:cNvPr id="17" name="Retângulo de cantos arredondados 16"/>
+                <p:cNvSpPr/>
+                <p:nvPr/>
+              </p:nvSpPr>
+              <p:spPr>
+                <a:xfrm>
+                  <a:off x="4716016" y="1299406"/>
+                  <a:ext cx="576064" cy="2016224"/>
+                </a:xfrm>
+                <a:prstGeom prst="roundRect">
+                  <a:avLst>
+                    <a:gd name="adj" fmla="val 50000"/>
+                  </a:avLst>
+                </a:prstGeom>
+                <a:solidFill>
+                  <a:srgbClr val="00759E"/>
+                </a:solidFill>
+                <a:ln>
+                  <a:noFill/>
+                </a:ln>
+              </p:spPr>
+              <p:style>
+                <a:lnRef idx="2">
+                  <a:schemeClr val="accent1">
+                    <a:shade val="50000"/>
+                  </a:schemeClr>
+                </a:lnRef>
+                <a:fillRef idx="1">
+                  <a:schemeClr val="accent1"/>
+                </a:fillRef>
+                <a:effectRef idx="0">
+                  <a:schemeClr val="accent1"/>
+                </a:effectRef>
+                <a:fontRef idx="minor">
+                  <a:schemeClr val="lt1"/>
+                </a:fontRef>
+              </p:style>
+              <p:txBody>
+                <a:bodyPr rtlCol="0" anchor="ctr"/>
+                <a:lstStyle/>
+                <a:p>
+                  <a:pPr algn="ctr"/>
+                  <a:endParaRPr lang="pt-BR"/>
+                </a:p>
+              </p:txBody>
+            </p:sp>
+            <p:sp>
+              <p:nvSpPr>
+                <p:cNvPr id="18" name="Retângulo de cantos arredondados 17"/>
+                <p:cNvSpPr/>
+                <p:nvPr/>
+              </p:nvSpPr>
+              <p:spPr>
+                <a:xfrm rot="10801235">
+                  <a:off x="4715835" y="2306102"/>
+                  <a:ext cx="576064" cy="1008008"/>
+                </a:xfrm>
+                <a:prstGeom prst="roundRect">
+                  <a:avLst>
+                    <a:gd name="adj" fmla="val 50000"/>
+                  </a:avLst>
+                </a:prstGeom>
+                <a:solidFill>
+                  <a:srgbClr val="C00000"/>
+                </a:solidFill>
+                <a:ln>
+                  <a:noFill/>
+                </a:ln>
+              </p:spPr>
+              <p:style>
+                <a:lnRef idx="2">
+                  <a:schemeClr val="accent1">
+                    <a:shade val="50000"/>
+                  </a:schemeClr>
+                </a:lnRef>
+                <a:fillRef idx="1">
+                  <a:schemeClr val="accent1"/>
+                </a:fillRef>
+                <a:effectRef idx="0">
+                  <a:schemeClr val="accent1"/>
+                </a:effectRef>
+                <a:fontRef idx="minor">
+                  <a:schemeClr val="lt1"/>
+                </a:fontRef>
+              </p:style>
+              <p:txBody>
+                <a:bodyPr rtlCol="0" anchor="ctr"/>
+                <a:lstStyle/>
+                <a:p>
+                  <a:pPr algn="ctr"/>
+                  <a:endParaRPr lang="pt-BR"/>
+                </a:p>
+              </p:txBody>
+            </p:sp>
+            <p:sp>
+              <p:nvSpPr>
+                <p:cNvPr id="19" name="Retângulo 18"/>
+                <p:cNvSpPr/>
+                <p:nvPr/>
+              </p:nvSpPr>
+              <p:spPr>
+                <a:xfrm>
+                  <a:off x="4716017" y="2305998"/>
+                  <a:ext cx="576064" cy="422259"/>
+                </a:xfrm>
+                <a:prstGeom prst="rect">
+                  <a:avLst/>
+                </a:prstGeom>
+                <a:solidFill>
+                  <a:srgbClr val="C00000"/>
+                </a:solidFill>
+                <a:ln>
+                  <a:noFill/>
+                </a:ln>
+              </p:spPr>
+              <p:style>
+                <a:lnRef idx="2">
+                  <a:schemeClr val="accent1">
+                    <a:shade val="50000"/>
+                  </a:schemeClr>
+                </a:lnRef>
+                <a:fillRef idx="1">
+                  <a:schemeClr val="accent1"/>
+                </a:fillRef>
+                <a:effectRef idx="0">
+                  <a:schemeClr val="accent1"/>
+                </a:effectRef>
+                <a:fontRef idx="minor">
+                  <a:schemeClr val="lt1"/>
+                </a:fontRef>
+              </p:style>
+              <p:txBody>
+                <a:bodyPr rtlCol="0" anchor="ctr"/>
+                <a:lstStyle/>
+                <a:p>
+                  <a:pPr algn="ctr"/>
+                  <a:endParaRPr lang="pt-BR"/>
+                </a:p>
+              </p:txBody>
+            </p:sp>
+            <p:sp>
+              <p:nvSpPr>
+                <p:cNvPr id="20" name="Retângulo de cantos arredondados 19"/>
+                <p:cNvSpPr/>
+                <p:nvPr/>
+              </p:nvSpPr>
+              <p:spPr>
+                <a:xfrm>
+                  <a:off x="4623674" y="1297992"/>
+                  <a:ext cx="576064" cy="2016224"/>
+                </a:xfrm>
+                <a:prstGeom prst="roundRect">
+                  <a:avLst>
+                    <a:gd name="adj" fmla="val 50000"/>
+                  </a:avLst>
+                </a:prstGeom>
+                <a:solidFill>
+                  <a:srgbClr val="00B0F0"/>
+                </a:solidFill>
+                <a:ln>
+                  <a:noFill/>
+                </a:ln>
+              </p:spPr>
+              <p:style>
+                <a:lnRef idx="2">
+                  <a:schemeClr val="accent1">
+                    <a:shade val="50000"/>
+                  </a:schemeClr>
+                </a:lnRef>
+                <a:fillRef idx="1">
+                  <a:schemeClr val="accent1"/>
+                </a:fillRef>
+                <a:effectRef idx="0">
+                  <a:schemeClr val="accent1"/>
+                </a:effectRef>
+                <a:fontRef idx="minor">
+                  <a:schemeClr val="lt1"/>
+                </a:fontRef>
+              </p:style>
+              <p:txBody>
+                <a:bodyPr rtlCol="0" anchor="ctr"/>
+                <a:lstStyle/>
+                <a:p>
+                  <a:pPr algn="ctr"/>
+                  <a:endParaRPr lang="pt-BR"/>
+                </a:p>
+              </p:txBody>
+            </p:sp>
+            <p:sp>
+              <p:nvSpPr>
+                <p:cNvPr id="21" name="Retângulo de cantos arredondados 20"/>
+                <p:cNvSpPr/>
+                <p:nvPr/>
+              </p:nvSpPr>
+              <p:spPr>
+                <a:xfrm rot="10801235">
+                  <a:off x="4623854" y="2306103"/>
+                  <a:ext cx="576064" cy="1008008"/>
+                </a:xfrm>
+                <a:prstGeom prst="roundRect">
+                  <a:avLst>
+                    <a:gd name="adj" fmla="val 50000"/>
+                  </a:avLst>
+                </a:prstGeom>
+                <a:solidFill>
+                  <a:srgbClr val="FF5050"/>
+                </a:solidFill>
+                <a:ln>
+                  <a:noFill/>
+                </a:ln>
+              </p:spPr>
+              <p:style>
+                <a:lnRef idx="2">
+                  <a:schemeClr val="accent1">
+                    <a:shade val="50000"/>
+                  </a:schemeClr>
+                </a:lnRef>
+                <a:fillRef idx="1">
+                  <a:schemeClr val="accent1"/>
+                </a:fillRef>
+                <a:effectRef idx="0">
+                  <a:schemeClr val="accent1"/>
+                </a:effectRef>
+                <a:fontRef idx="minor">
+                  <a:schemeClr val="lt1"/>
+                </a:fontRef>
+              </p:style>
+              <p:txBody>
+                <a:bodyPr rtlCol="0" anchor="ctr"/>
+                <a:lstStyle/>
+                <a:p>
+                  <a:pPr algn="ctr"/>
+                  <a:endParaRPr lang="pt-BR"/>
+                </a:p>
+              </p:txBody>
+            </p:sp>
+            <p:sp>
+              <p:nvSpPr>
+                <p:cNvPr id="22" name="Retângulo 21"/>
+                <p:cNvSpPr/>
+                <p:nvPr/>
+              </p:nvSpPr>
+              <p:spPr>
+                <a:xfrm>
+                  <a:off x="4624036" y="2305999"/>
+                  <a:ext cx="576064" cy="422259"/>
+                </a:xfrm>
+                <a:prstGeom prst="rect">
+                  <a:avLst/>
+                </a:prstGeom>
+                <a:solidFill>
+                  <a:srgbClr val="FF5050"/>
+                </a:solidFill>
+                <a:ln>
+                  <a:noFill/>
+                </a:ln>
+              </p:spPr>
+              <p:style>
+                <a:lnRef idx="2">
+                  <a:schemeClr val="accent1">
+                    <a:shade val="50000"/>
+                  </a:schemeClr>
+                </a:lnRef>
+                <a:fillRef idx="1">
+                  <a:schemeClr val="accent1"/>
+                </a:fillRef>
+                <a:effectRef idx="0">
+                  <a:schemeClr val="accent1"/>
+                </a:effectRef>
+                <a:fontRef idx="minor">
+                  <a:schemeClr val="lt1"/>
+                </a:fontRef>
+              </p:style>
+              <p:txBody>
+                <a:bodyPr rtlCol="0" anchor="ctr"/>
+                <a:lstStyle/>
+                <a:p>
+                  <a:pPr algn="ctr"/>
+                  <a:endParaRPr lang="pt-BR"/>
+                </a:p>
+              </p:txBody>
+            </p:sp>
+          </p:grpSp>
+          <p:sp>
+            <p:nvSpPr>
+              <p:cNvPr id="16" name="Retângulo: Cantos Arredondados 8">
+                <a:extLst>
+                  <a:ext uri="{FF2B5EF4-FFF2-40B4-BE49-F238E27FC236}">
+                    <a16:creationId xmlns="" xmlns:a16="http://schemas.microsoft.com/office/drawing/2014/main" id="{F8102B5C-A279-4902-B60D-5047349AC13D}"/>
+                  </a:ext>
+                </a:extLst>
+              </p:cNvPr>
+              <p:cNvSpPr/>
+              <p:nvPr/>
+            </p:nvSpPr>
+            <p:spPr>
+              <a:xfrm rot="5264378">
+                <a:off x="5818160" y="2735222"/>
+                <a:ext cx="257344" cy="919612"/>
+              </a:xfrm>
+              <a:prstGeom prst="roundRect">
+                <a:avLst>
+                  <a:gd name="adj" fmla="val 50000"/>
+                </a:avLst>
+              </a:prstGeom>
+              <a:solidFill>
+                <a:srgbClr val="43CEFF"/>
+              </a:solidFill>
+              <a:ln>
+                <a:noFill/>
+              </a:ln>
+            </p:spPr>
+            <p:style>
+              <a:lnRef idx="2">
+                <a:schemeClr val="accent1">
+                  <a:shade val="50000"/>
+                </a:schemeClr>
+              </a:lnRef>
+              <a:fillRef idx="1">
+                <a:schemeClr val="accent1"/>
+              </a:fillRef>
+              <a:effectRef idx="0">
+                <a:schemeClr val="accent1"/>
+              </a:effectRef>
+              <a:fontRef idx="minor">
+                <a:schemeClr val="lt1"/>
+              </a:fontRef>
+            </p:style>
+            <p:txBody>
+              <a:bodyPr rtlCol="0" anchor="ctr"/>
+              <a:lstStyle/>
+              <a:p>
+                <a:pPr algn="ctr"/>
+                <a:endParaRPr lang="pt-BR" dirty="0"/>
+              </a:p>
+            </p:txBody>
+          </p:sp>
+        </p:grpSp>
+        <p:grpSp>
+          <p:nvGrpSpPr>
+            <p:cNvPr id="8" name="Grupo 7"/>
+            <p:cNvGrpSpPr/>
+            <p:nvPr/>
+          </p:nvGrpSpPr>
+          <p:grpSpPr>
+            <a:xfrm rot="1538825">
+              <a:off x="7164792" y="2887837"/>
+              <a:ext cx="472005" cy="1647826"/>
+              <a:chOff x="4623672" y="1297992"/>
+              <a:chExt cx="668409" cy="2017638"/>
+            </a:xfrm>
+            <a:solidFill>
+              <a:schemeClr val="bg1"/>
+            </a:solidFill>
+          </p:grpSpPr>
+          <p:sp>
+            <p:nvSpPr>
+              <p:cNvPr id="9" name="Retângulo de cantos arredondados 8"/>
+              <p:cNvSpPr/>
+              <p:nvPr/>
+            </p:nvSpPr>
+            <p:spPr>
+              <a:xfrm>
+                <a:off x="4716015" y="1299406"/>
+                <a:ext cx="576064" cy="2016224"/>
+              </a:xfrm>
+              <a:prstGeom prst="roundRect">
+                <a:avLst>
+                  <a:gd name="adj" fmla="val 50000"/>
+                </a:avLst>
+              </a:prstGeom>
+              <a:solidFill>
+                <a:srgbClr val="E0E0E0"/>
+              </a:solidFill>
+              <a:ln>
+                <a:noFill/>
+              </a:ln>
+            </p:spPr>
+            <p:style>
+              <a:lnRef idx="2">
+                <a:schemeClr val="accent1">
+                  <a:shade val="50000"/>
+                </a:schemeClr>
+              </a:lnRef>
+              <a:fillRef idx="1">
+                <a:schemeClr val="accent1"/>
+              </a:fillRef>
+              <a:effectRef idx="0">
+                <a:schemeClr val="accent1"/>
+              </a:effectRef>
+              <a:fontRef idx="minor">
+                <a:schemeClr val="lt1"/>
+              </a:fontRef>
+            </p:style>
+            <p:txBody>
+              <a:bodyPr rtlCol="0" anchor="ctr"/>
+              <a:lstStyle/>
+              <a:p>
+                <a:pPr algn="ctr"/>
+                <a:endParaRPr lang="pt-BR"/>
+              </a:p>
+            </p:txBody>
+          </p:sp>
+          <p:sp>
+            <p:nvSpPr>
+              <p:cNvPr id="10" name="Retângulo de cantos arredondados 9"/>
+              <p:cNvSpPr/>
+              <p:nvPr/>
+            </p:nvSpPr>
+            <p:spPr>
+              <a:xfrm rot="10801235">
+                <a:off x="4715835" y="2306102"/>
+                <a:ext cx="576064" cy="1008008"/>
+              </a:xfrm>
+              <a:prstGeom prst="roundRect">
+                <a:avLst>
+                  <a:gd name="adj" fmla="val 50000"/>
+                </a:avLst>
+              </a:prstGeom>
+              <a:solidFill>
+                <a:srgbClr val="E0E0E0"/>
+              </a:solidFill>
+              <a:ln>
+                <a:noFill/>
+              </a:ln>
+            </p:spPr>
+            <p:style>
+              <a:lnRef idx="2">
+                <a:schemeClr val="accent1">
+                  <a:shade val="50000"/>
+                </a:schemeClr>
+              </a:lnRef>
+              <a:fillRef idx="1">
+                <a:schemeClr val="accent1"/>
+              </a:fillRef>
+              <a:effectRef idx="0">
+                <a:schemeClr val="accent1"/>
+              </a:effectRef>
+              <a:fontRef idx="minor">
+                <a:schemeClr val="lt1"/>
+              </a:fontRef>
+            </p:style>
+            <p:txBody>
+              <a:bodyPr rtlCol="0" anchor="ctr"/>
+              <a:lstStyle/>
+              <a:p>
+                <a:pPr algn="ctr"/>
+                <a:endParaRPr lang="pt-BR"/>
+              </a:p>
+            </p:txBody>
+          </p:sp>
+          <p:sp>
+            <p:nvSpPr>
+              <p:cNvPr id="11" name="Retângulo 10"/>
+              <p:cNvSpPr/>
+              <p:nvPr/>
+            </p:nvSpPr>
+            <p:spPr>
+              <a:xfrm>
+                <a:off x="4716017" y="2305998"/>
+                <a:ext cx="576064" cy="422259"/>
+              </a:xfrm>
+              <a:prstGeom prst="rect">
+                <a:avLst/>
+              </a:prstGeom>
+              <a:solidFill>
+                <a:srgbClr val="E0E0E0"/>
+              </a:solidFill>
+              <a:ln>
+                <a:noFill/>
+              </a:ln>
+            </p:spPr>
+            <p:style>
+              <a:lnRef idx="2">
+                <a:schemeClr val="accent1">
+                  <a:shade val="50000"/>
+                </a:schemeClr>
+              </a:lnRef>
+              <a:fillRef idx="1">
+                <a:schemeClr val="accent1"/>
+              </a:fillRef>
+              <a:effectRef idx="0">
+                <a:schemeClr val="accent1"/>
+              </a:effectRef>
+              <a:fontRef idx="minor">
+                <a:schemeClr val="lt1"/>
+              </a:fontRef>
+            </p:style>
+            <p:txBody>
+              <a:bodyPr rtlCol="0" anchor="ctr"/>
+              <a:lstStyle/>
+              <a:p>
+                <a:pPr algn="ctr"/>
+                <a:endParaRPr lang="pt-BR"/>
+              </a:p>
+            </p:txBody>
+          </p:sp>
+          <p:sp>
+            <p:nvSpPr>
+              <p:cNvPr id="12" name="Retângulo de cantos arredondados 11"/>
+              <p:cNvSpPr/>
+              <p:nvPr/>
+            </p:nvSpPr>
+            <p:spPr>
+              <a:xfrm>
+                <a:off x="4623672" y="1297992"/>
+                <a:ext cx="576064" cy="2016224"/>
+              </a:xfrm>
+              <a:prstGeom prst="roundRect">
+                <a:avLst>
+                  <a:gd name="adj" fmla="val 50000"/>
+                </a:avLst>
+              </a:prstGeom>
+              <a:grpFill/>
+              <a:ln>
+                <a:noFill/>
+              </a:ln>
+            </p:spPr>
+            <p:style>
+              <a:lnRef idx="2">
+                <a:schemeClr val="accent1">
+                  <a:shade val="50000"/>
+                </a:schemeClr>
+              </a:lnRef>
+              <a:fillRef idx="1">
+                <a:schemeClr val="accent1"/>
+              </a:fillRef>
+              <a:effectRef idx="0">
+                <a:schemeClr val="accent1"/>
+              </a:effectRef>
+              <a:fontRef idx="minor">
+                <a:schemeClr val="lt1"/>
+              </a:fontRef>
+            </p:style>
+            <p:txBody>
+              <a:bodyPr rtlCol="0" anchor="ctr"/>
+              <a:lstStyle/>
+              <a:p>
+                <a:pPr algn="ctr"/>
+                <a:endParaRPr lang="pt-BR" dirty="0"/>
+              </a:p>
+            </p:txBody>
+          </p:sp>
+          <p:sp>
+            <p:nvSpPr>
+              <p:cNvPr id="13" name="Retângulo de cantos arredondados 12"/>
+              <p:cNvSpPr/>
+              <p:nvPr/>
+            </p:nvSpPr>
+            <p:spPr>
+              <a:xfrm rot="10801235">
+                <a:off x="4623854" y="2306103"/>
+                <a:ext cx="576064" cy="1008008"/>
+              </a:xfrm>
+              <a:prstGeom prst="roundRect">
+                <a:avLst>
+                  <a:gd name="adj" fmla="val 50000"/>
+                </a:avLst>
+              </a:prstGeom>
+              <a:grpFill/>
+              <a:ln>
+                <a:noFill/>
+              </a:ln>
+            </p:spPr>
+            <p:style>
+              <a:lnRef idx="2">
+                <a:schemeClr val="accent1">
+                  <a:shade val="50000"/>
+                </a:schemeClr>
+              </a:lnRef>
+              <a:fillRef idx="1">
+                <a:schemeClr val="accent1"/>
+              </a:fillRef>
+              <a:effectRef idx="0">
+                <a:schemeClr val="accent1"/>
+              </a:effectRef>
+              <a:fontRef idx="minor">
+                <a:schemeClr val="lt1"/>
+              </a:fontRef>
+            </p:style>
+            <p:txBody>
+              <a:bodyPr rtlCol="0" anchor="ctr"/>
+              <a:lstStyle/>
+              <a:p>
+                <a:pPr algn="ctr"/>
+                <a:endParaRPr lang="pt-BR"/>
+              </a:p>
+            </p:txBody>
+          </p:sp>
+          <p:sp>
+            <p:nvSpPr>
+              <p:cNvPr id="14" name="Retângulo 13"/>
+              <p:cNvSpPr/>
+              <p:nvPr/>
+            </p:nvSpPr>
+            <p:spPr>
+              <a:xfrm>
+                <a:off x="4624036" y="2305999"/>
+                <a:ext cx="576064" cy="422259"/>
+              </a:xfrm>
+              <a:prstGeom prst="rect">
+                <a:avLst/>
+              </a:prstGeom>
+              <a:grpFill/>
+              <a:ln>
+                <a:noFill/>
+              </a:ln>
+            </p:spPr>
+            <p:style>
+              <a:lnRef idx="2">
+                <a:schemeClr val="accent1">
+                  <a:shade val="50000"/>
+                </a:schemeClr>
+              </a:lnRef>
+              <a:fillRef idx="1">
+                <a:schemeClr val="accent1"/>
+              </a:fillRef>
+              <a:effectRef idx="0">
+                <a:schemeClr val="accent1"/>
+              </a:effectRef>
+              <a:fontRef idx="minor">
+                <a:schemeClr val="lt1"/>
+              </a:fontRef>
+            </p:style>
+            <p:txBody>
+              <a:bodyPr rtlCol="0" anchor="ctr"/>
+              <a:lstStyle/>
+              <a:p>
+                <a:pPr algn="ctr"/>
+                <a:endParaRPr lang="pt-BR"/>
+              </a:p>
+            </p:txBody>
+          </p:sp>
+        </p:grpSp>
+        <p:grpSp>
+          <p:nvGrpSpPr>
+            <p:cNvPr id="58" name="Grupo 57"/>
+            <p:cNvGrpSpPr/>
+            <p:nvPr/>
+          </p:nvGrpSpPr>
+          <p:grpSpPr>
+            <a:xfrm>
+              <a:off x="9546090" y="4112900"/>
+              <a:ext cx="806813" cy="861560"/>
+              <a:chOff x="2015727" y="1453420"/>
+              <a:chExt cx="1279128" cy="1365925"/>
+            </a:xfrm>
+          </p:grpSpPr>
+          <p:grpSp>
+            <p:nvGrpSpPr>
+              <p:cNvPr id="59" name="Agrupar 6">
+                <a:extLst>
+                  <a:ext uri="{FF2B5EF4-FFF2-40B4-BE49-F238E27FC236}">
+                    <a16:creationId xmlns="" xmlns:a16="http://schemas.microsoft.com/office/drawing/2014/main" id="{E976DEB7-185B-4375-9DBA-5D78AF26D6D7}"/>
+                  </a:ext>
+                </a:extLst>
+              </p:cNvPr>
+              <p:cNvGrpSpPr/>
+              <p:nvPr/>
+            </p:nvGrpSpPr>
+            <p:grpSpPr>
+              <a:xfrm rot="3216273">
+                <a:off x="1972328" y="1496819"/>
+                <a:ext cx="1365925" cy="1279128"/>
+                <a:chOff x="4040808" y="1617353"/>
+                <a:chExt cx="1158330" cy="1017301"/>
+              </a:xfrm>
+            </p:grpSpPr>
+            <p:sp>
+              <p:nvSpPr>
+                <p:cNvPr id="61" name="Elipse 60">
+                  <a:extLst>
+                    <a:ext uri="{FF2B5EF4-FFF2-40B4-BE49-F238E27FC236}">
+                      <a16:creationId xmlns="" xmlns:a16="http://schemas.microsoft.com/office/drawing/2014/main" id="{8DA61EDA-D65F-407B-82BD-B427144766D3}"/>
+                    </a:ext>
+                  </a:extLst>
+                </p:cNvPr>
+                <p:cNvSpPr/>
+                <p:nvPr/>
+              </p:nvSpPr>
+              <p:spPr>
+                <a:xfrm>
+                  <a:off x="4091699" y="1698550"/>
+                  <a:ext cx="1107439" cy="936104"/>
+                </a:xfrm>
+                <a:prstGeom prst="ellipse">
+                  <a:avLst/>
+                </a:prstGeom>
+                <a:solidFill>
+                  <a:srgbClr val="E0E0E0"/>
+                </a:solidFill>
+                <a:ln>
+                  <a:noFill/>
+                </a:ln>
+              </p:spPr>
+              <p:style>
+                <a:lnRef idx="2">
+                  <a:schemeClr val="accent1">
+                    <a:shade val="50000"/>
+                  </a:schemeClr>
+                </a:lnRef>
+                <a:fillRef idx="1">
+                  <a:schemeClr val="accent1"/>
+                </a:fillRef>
+                <a:effectRef idx="0">
+                  <a:schemeClr val="accent1"/>
+                </a:effectRef>
+                <a:fontRef idx="minor">
+                  <a:schemeClr val="lt1"/>
+                </a:fontRef>
+              </p:style>
+              <p:txBody>
+                <a:bodyPr rtlCol="0" anchor="ctr"/>
+                <a:lstStyle/>
+                <a:p>
+                  <a:pPr algn="ctr"/>
+                  <a:endParaRPr lang="pt-BR" dirty="0"/>
+                </a:p>
+              </p:txBody>
+            </p:sp>
+            <p:sp>
+              <p:nvSpPr>
+                <p:cNvPr id="62" name="Elipse 61">
+                  <a:extLst>
+                    <a:ext uri="{FF2B5EF4-FFF2-40B4-BE49-F238E27FC236}">
+                      <a16:creationId xmlns="" xmlns:a16="http://schemas.microsoft.com/office/drawing/2014/main" id="{A6965E2E-3446-4C27-9E1F-A31F25446713}"/>
+                    </a:ext>
+                  </a:extLst>
+                </p:cNvPr>
+                <p:cNvSpPr/>
+                <p:nvPr/>
+              </p:nvSpPr>
+              <p:spPr>
+                <a:xfrm>
+                  <a:off x="4040808" y="1617353"/>
+                  <a:ext cx="1107439" cy="936104"/>
+                </a:xfrm>
+                <a:prstGeom prst="ellipse">
+                  <a:avLst/>
+                </a:prstGeom>
+                <a:solidFill>
+                  <a:schemeClr val="bg1"/>
+                </a:solidFill>
+                <a:ln>
+                  <a:noFill/>
+                </a:ln>
+              </p:spPr>
+              <p:style>
+                <a:lnRef idx="2">
+                  <a:schemeClr val="accent1">
+                    <a:shade val="50000"/>
+                  </a:schemeClr>
+                </a:lnRef>
+                <a:fillRef idx="1">
+                  <a:schemeClr val="accent1"/>
+                </a:fillRef>
+                <a:effectRef idx="0">
+                  <a:schemeClr val="accent1"/>
+                </a:effectRef>
+                <a:fontRef idx="minor">
+                  <a:schemeClr val="lt1"/>
+                </a:fontRef>
+              </p:style>
+              <p:txBody>
+                <a:bodyPr rtlCol="0" anchor="ctr"/>
+                <a:lstStyle/>
+                <a:p>
+                  <a:pPr algn="ctr"/>
+                  <a:endParaRPr lang="pt-BR" dirty="0"/>
+                </a:p>
+              </p:txBody>
+            </p:sp>
+          </p:grpSp>
+          <p:cxnSp>
+            <p:nvCxnSpPr>
+              <p:cNvPr id="60" name="Conector reto 59"/>
+              <p:cNvCxnSpPr>
+                <a:stCxn id="62" idx="0"/>
+                <a:endCxn id="62" idx="4"/>
+              </p:cNvCxnSpPr>
+              <p:nvPr/>
+            </p:nvCxnSpPr>
+            <p:spPr>
+              <a:xfrm flipH="1">
+                <a:off x="2204856" y="1732742"/>
+                <a:ext cx="947442" cy="698398"/>
+              </a:xfrm>
+              <a:prstGeom prst="line">
+                <a:avLst/>
+              </a:prstGeom>
+              <a:ln w="76200">
+                <a:solidFill>
+                  <a:schemeClr val="bg1">
+                    <a:lumMod val="85000"/>
+                  </a:schemeClr>
+                </a:solidFill>
+              </a:ln>
+            </p:spPr>
+            <p:style>
+              <a:lnRef idx="1">
+                <a:schemeClr val="accent1"/>
+              </a:lnRef>
+              <a:fillRef idx="0">
+                <a:schemeClr val="accent1"/>
+              </a:fillRef>
+              <a:effectRef idx="0">
+                <a:schemeClr val="accent1"/>
+              </a:effectRef>
+              <a:fontRef idx="minor">
+                <a:schemeClr val="tx1"/>
+              </a:fontRef>
+            </p:style>
+          </p:cxnSp>
+        </p:grpSp>
+        <p:grpSp>
+          <p:nvGrpSpPr>
+            <p:cNvPr id="63" name="Grupo 62"/>
+            <p:cNvGrpSpPr/>
+            <p:nvPr/>
+          </p:nvGrpSpPr>
+          <p:grpSpPr>
+            <a:xfrm rot="1538825">
+              <a:off x="6711364" y="1908674"/>
+              <a:ext cx="472005" cy="1647826"/>
+              <a:chOff x="4623672" y="1297992"/>
+              <a:chExt cx="668409" cy="2017638"/>
+            </a:xfrm>
+            <a:solidFill>
+              <a:schemeClr val="bg1"/>
+            </a:solidFill>
+          </p:grpSpPr>
+          <p:sp>
+            <p:nvSpPr>
+              <p:cNvPr id="64" name="Retângulo de cantos arredondados 63"/>
+              <p:cNvSpPr/>
+              <p:nvPr/>
+            </p:nvSpPr>
+            <p:spPr>
+              <a:xfrm>
+                <a:off x="4716015" y="1299406"/>
+                <a:ext cx="576064" cy="2016224"/>
+              </a:xfrm>
+              <a:prstGeom prst="roundRect">
+                <a:avLst>
+                  <a:gd name="adj" fmla="val 50000"/>
+                </a:avLst>
+              </a:prstGeom>
+              <a:solidFill>
+                <a:srgbClr val="E0E0E0"/>
+              </a:solidFill>
+              <a:ln>
+                <a:noFill/>
+              </a:ln>
+            </p:spPr>
+            <p:style>
+              <a:lnRef idx="2">
+                <a:schemeClr val="accent1">
+                  <a:shade val="50000"/>
+                </a:schemeClr>
+              </a:lnRef>
+              <a:fillRef idx="1">
+                <a:schemeClr val="accent1"/>
+              </a:fillRef>
+              <a:effectRef idx="0">
+                <a:schemeClr val="accent1"/>
+              </a:effectRef>
+              <a:fontRef idx="minor">
+                <a:schemeClr val="lt1"/>
+              </a:fontRef>
+            </p:style>
+            <p:txBody>
+              <a:bodyPr rtlCol="0" anchor="ctr"/>
+              <a:lstStyle/>
+              <a:p>
+                <a:pPr algn="ctr"/>
+                <a:endParaRPr lang="pt-BR"/>
+              </a:p>
+            </p:txBody>
+          </p:sp>
+          <p:sp>
+            <p:nvSpPr>
+              <p:cNvPr id="65" name="Retângulo de cantos arredondados 64"/>
+              <p:cNvSpPr/>
+              <p:nvPr/>
+            </p:nvSpPr>
+            <p:spPr>
+              <a:xfrm rot="10801235">
+                <a:off x="4715835" y="2306102"/>
+                <a:ext cx="576064" cy="1008008"/>
+              </a:xfrm>
+              <a:prstGeom prst="roundRect">
+                <a:avLst>
+                  <a:gd name="adj" fmla="val 50000"/>
+                </a:avLst>
+              </a:prstGeom>
+              <a:solidFill>
+                <a:srgbClr val="E0E0E0"/>
+              </a:solidFill>
+              <a:ln>
+                <a:noFill/>
+              </a:ln>
+            </p:spPr>
+            <p:style>
+              <a:lnRef idx="2">
+                <a:schemeClr val="accent1">
+                  <a:shade val="50000"/>
+                </a:schemeClr>
+              </a:lnRef>
+              <a:fillRef idx="1">
+                <a:schemeClr val="accent1"/>
+              </a:fillRef>
+              <a:effectRef idx="0">
+                <a:schemeClr val="accent1"/>
+              </a:effectRef>
+              <a:fontRef idx="minor">
+                <a:schemeClr val="lt1"/>
+              </a:fontRef>
+            </p:style>
+            <p:txBody>
+              <a:bodyPr rtlCol="0" anchor="ctr"/>
+              <a:lstStyle/>
+              <a:p>
+                <a:pPr algn="ctr"/>
+                <a:endParaRPr lang="pt-BR"/>
+              </a:p>
+            </p:txBody>
+          </p:sp>
+          <p:sp>
+            <p:nvSpPr>
+              <p:cNvPr id="66" name="Retângulo 65"/>
+              <p:cNvSpPr/>
+              <p:nvPr/>
+            </p:nvSpPr>
+            <p:spPr>
+              <a:xfrm>
+                <a:off x="4716017" y="2305998"/>
+                <a:ext cx="576064" cy="422259"/>
+              </a:xfrm>
+              <a:prstGeom prst="rect">
+                <a:avLst/>
+              </a:prstGeom>
+              <a:solidFill>
+                <a:srgbClr val="E0E0E0"/>
+              </a:solidFill>
+              <a:ln>
+                <a:noFill/>
+              </a:ln>
+            </p:spPr>
+            <p:style>
+              <a:lnRef idx="2">
+                <a:schemeClr val="accent1">
+                  <a:shade val="50000"/>
+                </a:schemeClr>
+              </a:lnRef>
+              <a:fillRef idx="1">
+                <a:schemeClr val="accent1"/>
+              </a:fillRef>
+              <a:effectRef idx="0">
+                <a:schemeClr val="accent1"/>
+              </a:effectRef>
+              <a:fontRef idx="minor">
+                <a:schemeClr val="lt1"/>
+              </a:fontRef>
+            </p:style>
+            <p:txBody>
+              <a:bodyPr rtlCol="0" anchor="ctr"/>
+              <a:lstStyle/>
+              <a:p>
+                <a:pPr algn="ctr"/>
+                <a:endParaRPr lang="pt-BR"/>
+              </a:p>
+            </p:txBody>
+          </p:sp>
+          <p:sp>
+            <p:nvSpPr>
+              <p:cNvPr id="67" name="Retângulo de cantos arredondados 66"/>
+              <p:cNvSpPr/>
+              <p:nvPr/>
+            </p:nvSpPr>
+            <p:spPr>
+              <a:xfrm>
+                <a:off x="4623672" y="1297992"/>
+                <a:ext cx="576064" cy="2016224"/>
+              </a:xfrm>
+              <a:prstGeom prst="roundRect">
+                <a:avLst>
+                  <a:gd name="adj" fmla="val 50000"/>
+                </a:avLst>
+              </a:prstGeom>
+              <a:grpFill/>
+              <a:ln>
+                <a:noFill/>
+              </a:ln>
+            </p:spPr>
+            <p:style>
+              <a:lnRef idx="2">
+                <a:schemeClr val="accent1">
+                  <a:shade val="50000"/>
+                </a:schemeClr>
+              </a:lnRef>
+              <a:fillRef idx="1">
+                <a:schemeClr val="accent1"/>
+              </a:fillRef>
+              <a:effectRef idx="0">
+                <a:schemeClr val="accent1"/>
+              </a:effectRef>
+              <a:fontRef idx="minor">
+                <a:schemeClr val="lt1"/>
+              </a:fontRef>
+            </p:style>
+            <p:txBody>
+              <a:bodyPr rtlCol="0" anchor="ctr"/>
+              <a:lstStyle/>
+              <a:p>
+                <a:pPr algn="ctr"/>
+                <a:endParaRPr lang="pt-BR" dirty="0"/>
+              </a:p>
+            </p:txBody>
+          </p:sp>
+          <p:sp>
+            <p:nvSpPr>
+              <p:cNvPr id="68" name="Retângulo de cantos arredondados 67"/>
+              <p:cNvSpPr/>
+              <p:nvPr/>
+            </p:nvSpPr>
+            <p:spPr>
+              <a:xfrm rot="10801235">
+                <a:off x="4623854" y="2306103"/>
+                <a:ext cx="576064" cy="1008008"/>
+              </a:xfrm>
+              <a:prstGeom prst="roundRect">
+                <a:avLst>
+                  <a:gd name="adj" fmla="val 50000"/>
+                </a:avLst>
+              </a:prstGeom>
+              <a:grpFill/>
+              <a:ln>
+                <a:noFill/>
+              </a:ln>
+            </p:spPr>
+            <p:style>
+              <a:lnRef idx="2">
+                <a:schemeClr val="accent1">
+                  <a:shade val="50000"/>
+                </a:schemeClr>
+              </a:lnRef>
+              <a:fillRef idx="1">
+                <a:schemeClr val="accent1"/>
+              </a:fillRef>
+              <a:effectRef idx="0">
+                <a:schemeClr val="accent1"/>
+              </a:effectRef>
+              <a:fontRef idx="minor">
+                <a:schemeClr val="lt1"/>
+              </a:fontRef>
+            </p:style>
+            <p:txBody>
+              <a:bodyPr rtlCol="0" anchor="ctr"/>
+              <a:lstStyle/>
+              <a:p>
+                <a:pPr algn="ctr"/>
+                <a:endParaRPr lang="pt-BR"/>
+              </a:p>
+            </p:txBody>
+          </p:sp>
+          <p:sp>
+            <p:nvSpPr>
+              <p:cNvPr id="69" name="Retângulo 68"/>
+              <p:cNvSpPr/>
+              <p:nvPr/>
+            </p:nvSpPr>
+            <p:spPr>
+              <a:xfrm>
+                <a:off x="4624036" y="2305999"/>
+                <a:ext cx="576064" cy="422259"/>
+              </a:xfrm>
+              <a:prstGeom prst="rect">
+                <a:avLst/>
+              </a:prstGeom>
+              <a:grpFill/>
+              <a:ln>
+                <a:noFill/>
+              </a:ln>
+            </p:spPr>
+            <p:style>
+              <a:lnRef idx="2">
+                <a:schemeClr val="accent1">
+                  <a:shade val="50000"/>
+                </a:schemeClr>
+              </a:lnRef>
+              <a:fillRef idx="1">
+                <a:schemeClr val="accent1"/>
+              </a:fillRef>
+              <a:effectRef idx="0">
+                <a:schemeClr val="accent1"/>
+              </a:effectRef>
+              <a:fontRef idx="minor">
+                <a:schemeClr val="lt1"/>
+              </a:fontRef>
+            </p:style>
+            <p:txBody>
+              <a:bodyPr rtlCol="0" anchor="ctr"/>
+              <a:lstStyle/>
+              <a:p>
+                <a:pPr algn="ctr"/>
+                <a:endParaRPr lang="pt-BR"/>
+              </a:p>
+            </p:txBody>
+          </p:sp>
+        </p:grpSp>
+        <p:grpSp>
+          <p:nvGrpSpPr>
+            <p:cNvPr id="79" name="Grupo 78"/>
+            <p:cNvGrpSpPr/>
+            <p:nvPr/>
+          </p:nvGrpSpPr>
+          <p:grpSpPr>
+            <a:xfrm>
+              <a:off x="7280037" y="2027639"/>
+              <a:ext cx="806813" cy="861560"/>
+              <a:chOff x="2015727" y="1453420"/>
+              <a:chExt cx="1279128" cy="1365925"/>
+            </a:xfrm>
+          </p:grpSpPr>
+          <p:grpSp>
+            <p:nvGrpSpPr>
+              <p:cNvPr id="80" name="Agrupar 6">
+                <a:extLst>
+                  <a:ext uri="{FF2B5EF4-FFF2-40B4-BE49-F238E27FC236}">
+                    <a16:creationId xmlns="" xmlns:a16="http://schemas.microsoft.com/office/drawing/2014/main" id="{E976DEB7-185B-4375-9DBA-5D78AF26D6D7}"/>
+                  </a:ext>
+                </a:extLst>
+              </p:cNvPr>
+              <p:cNvGrpSpPr/>
+              <p:nvPr/>
+            </p:nvGrpSpPr>
+            <p:grpSpPr>
+              <a:xfrm rot="3216273">
+                <a:off x="1972328" y="1496819"/>
+                <a:ext cx="1365925" cy="1279128"/>
+                <a:chOff x="4040808" y="1617353"/>
+                <a:chExt cx="1158330" cy="1017301"/>
+              </a:xfrm>
+            </p:grpSpPr>
+            <p:sp>
+              <p:nvSpPr>
+                <p:cNvPr id="82" name="Elipse 81">
+                  <a:extLst>
+                    <a:ext uri="{FF2B5EF4-FFF2-40B4-BE49-F238E27FC236}">
+                      <a16:creationId xmlns="" xmlns:a16="http://schemas.microsoft.com/office/drawing/2014/main" id="{8DA61EDA-D65F-407B-82BD-B427144766D3}"/>
+                    </a:ext>
+                  </a:extLst>
+                </p:cNvPr>
+                <p:cNvSpPr/>
+                <p:nvPr/>
+              </p:nvSpPr>
+              <p:spPr>
+                <a:xfrm>
+                  <a:off x="4091699" y="1698550"/>
+                  <a:ext cx="1107439" cy="936104"/>
+                </a:xfrm>
+                <a:prstGeom prst="ellipse">
+                  <a:avLst/>
+                </a:prstGeom>
+                <a:solidFill>
+                  <a:srgbClr val="E0E0E0"/>
+                </a:solidFill>
+                <a:ln>
+                  <a:noFill/>
+                </a:ln>
+              </p:spPr>
+              <p:style>
+                <a:lnRef idx="2">
+                  <a:schemeClr val="accent1">
+                    <a:shade val="50000"/>
+                  </a:schemeClr>
+                </a:lnRef>
+                <a:fillRef idx="1">
+                  <a:schemeClr val="accent1"/>
+                </a:fillRef>
+                <a:effectRef idx="0">
+                  <a:schemeClr val="accent1"/>
+                </a:effectRef>
+                <a:fontRef idx="minor">
+                  <a:schemeClr val="lt1"/>
+                </a:fontRef>
+              </p:style>
+              <p:txBody>
+                <a:bodyPr rtlCol="0" anchor="ctr"/>
+                <a:lstStyle/>
+                <a:p>
+                  <a:pPr algn="ctr"/>
+                  <a:endParaRPr lang="pt-BR" dirty="0"/>
+                </a:p>
+              </p:txBody>
+            </p:sp>
+            <p:sp>
+              <p:nvSpPr>
+                <p:cNvPr id="83" name="Elipse 82">
+                  <a:extLst>
+                    <a:ext uri="{FF2B5EF4-FFF2-40B4-BE49-F238E27FC236}">
+                      <a16:creationId xmlns="" xmlns:a16="http://schemas.microsoft.com/office/drawing/2014/main" id="{A6965E2E-3446-4C27-9E1F-A31F25446713}"/>
+                    </a:ext>
+                  </a:extLst>
+                </p:cNvPr>
+                <p:cNvSpPr/>
+                <p:nvPr/>
+              </p:nvSpPr>
+              <p:spPr>
+                <a:xfrm>
+                  <a:off x="4040808" y="1617353"/>
+                  <a:ext cx="1107439" cy="936104"/>
+                </a:xfrm>
+                <a:prstGeom prst="ellipse">
+                  <a:avLst/>
+                </a:prstGeom>
+                <a:solidFill>
+                  <a:schemeClr val="bg1"/>
+                </a:solidFill>
+                <a:ln>
+                  <a:noFill/>
+                </a:ln>
+              </p:spPr>
+              <p:style>
+                <a:lnRef idx="2">
+                  <a:schemeClr val="accent1">
+                    <a:shade val="50000"/>
+                  </a:schemeClr>
+                </a:lnRef>
+                <a:fillRef idx="1">
+                  <a:schemeClr val="accent1"/>
+                </a:fillRef>
+                <a:effectRef idx="0">
+                  <a:schemeClr val="accent1"/>
+                </a:effectRef>
+                <a:fontRef idx="minor">
+                  <a:schemeClr val="lt1"/>
+                </a:fontRef>
+              </p:style>
+              <p:txBody>
+                <a:bodyPr rtlCol="0" anchor="ctr"/>
+                <a:lstStyle/>
+                <a:p>
+                  <a:pPr algn="ctr"/>
+                  <a:endParaRPr lang="pt-BR" dirty="0"/>
+                </a:p>
+              </p:txBody>
+            </p:sp>
+          </p:grpSp>
+          <p:cxnSp>
+            <p:nvCxnSpPr>
+              <p:cNvPr id="81" name="Conector reto 80"/>
+              <p:cNvCxnSpPr>
+                <a:stCxn id="83" idx="0"/>
+                <a:endCxn id="83" idx="4"/>
+              </p:cNvCxnSpPr>
+              <p:nvPr/>
+            </p:nvCxnSpPr>
+            <p:spPr>
+              <a:xfrm flipH="1">
+                <a:off x="2204856" y="1732742"/>
+                <a:ext cx="947442" cy="698398"/>
+              </a:xfrm>
+              <a:prstGeom prst="line">
+                <a:avLst/>
+              </a:prstGeom>
+              <a:ln w="76200">
+                <a:solidFill>
+                  <a:schemeClr val="bg1">
+                    <a:lumMod val="85000"/>
+                  </a:schemeClr>
+                </a:solidFill>
+              </a:ln>
+            </p:spPr>
+            <p:style>
+              <a:lnRef idx="1">
+                <a:schemeClr val="accent1"/>
+              </a:lnRef>
+              <a:fillRef idx="0">
+                <a:schemeClr val="accent1"/>
+              </a:fillRef>
+              <a:effectRef idx="0">
+                <a:schemeClr val="accent1"/>
+              </a:effectRef>
+              <a:fontRef idx="minor">
+                <a:schemeClr val="tx1"/>
+              </a:fontRef>
+            </p:style>
+          </p:cxnSp>
+        </p:grpSp>
+        <p:grpSp>
+          <p:nvGrpSpPr>
+            <p:cNvPr id="84" name="Grupo 83"/>
+            <p:cNvGrpSpPr/>
+            <p:nvPr/>
+          </p:nvGrpSpPr>
+          <p:grpSpPr>
+            <a:xfrm rot="1538825">
+              <a:off x="9158818" y="2785202"/>
+              <a:ext cx="472005" cy="1647826"/>
+              <a:chOff x="4623672" y="1297992"/>
+              <a:chExt cx="668409" cy="2017638"/>
+            </a:xfrm>
+            <a:solidFill>
+              <a:schemeClr val="bg1"/>
+            </a:solidFill>
+          </p:grpSpPr>
+          <p:sp>
+            <p:nvSpPr>
+              <p:cNvPr id="85" name="Retângulo de cantos arredondados 84"/>
+              <p:cNvSpPr/>
+              <p:nvPr/>
+            </p:nvSpPr>
+            <p:spPr>
+              <a:xfrm>
+                <a:off x="4716015" y="1299406"/>
+                <a:ext cx="576064" cy="2016224"/>
+              </a:xfrm>
+              <a:prstGeom prst="roundRect">
+                <a:avLst>
+                  <a:gd name="adj" fmla="val 50000"/>
+                </a:avLst>
+              </a:prstGeom>
+              <a:solidFill>
+                <a:srgbClr val="E0E0E0"/>
+              </a:solidFill>
+              <a:ln>
+                <a:noFill/>
+              </a:ln>
+            </p:spPr>
+            <p:style>
+              <a:lnRef idx="2">
+                <a:schemeClr val="accent1">
+                  <a:shade val="50000"/>
+                </a:schemeClr>
+              </a:lnRef>
+              <a:fillRef idx="1">
+                <a:schemeClr val="accent1"/>
+              </a:fillRef>
+              <a:effectRef idx="0">
+                <a:schemeClr val="accent1"/>
+              </a:effectRef>
+              <a:fontRef idx="minor">
+                <a:schemeClr val="lt1"/>
+              </a:fontRef>
+            </p:style>
+            <p:txBody>
+              <a:bodyPr rtlCol="0" anchor="ctr"/>
+              <a:lstStyle/>
+              <a:p>
+                <a:pPr algn="ctr"/>
+                <a:endParaRPr lang="pt-BR"/>
+              </a:p>
+            </p:txBody>
+          </p:sp>
+          <p:sp>
+            <p:nvSpPr>
+              <p:cNvPr id="86" name="Retângulo de cantos arredondados 85"/>
+              <p:cNvSpPr/>
+              <p:nvPr/>
+            </p:nvSpPr>
+            <p:spPr>
+              <a:xfrm rot="10801235">
+                <a:off x="4715835" y="2306102"/>
+                <a:ext cx="576064" cy="1008008"/>
+              </a:xfrm>
+              <a:prstGeom prst="roundRect">
+                <a:avLst>
+                  <a:gd name="adj" fmla="val 50000"/>
+                </a:avLst>
+              </a:prstGeom>
+              <a:solidFill>
+                <a:srgbClr val="E0E0E0"/>
+              </a:solidFill>
+              <a:ln>
+                <a:noFill/>
+              </a:ln>
+            </p:spPr>
+            <p:style>
+              <a:lnRef idx="2">
+                <a:schemeClr val="accent1">
+                  <a:shade val="50000"/>
+                </a:schemeClr>
+              </a:lnRef>
+              <a:fillRef idx="1">
+                <a:schemeClr val="accent1"/>
+              </a:fillRef>
+              <a:effectRef idx="0">
+                <a:schemeClr val="accent1"/>
+              </a:effectRef>
+              <a:fontRef idx="minor">
+                <a:schemeClr val="lt1"/>
+              </a:fontRef>
+            </p:style>
+            <p:txBody>
+              <a:bodyPr rtlCol="0" anchor="ctr"/>
+              <a:lstStyle/>
+              <a:p>
+                <a:pPr algn="ctr"/>
+                <a:endParaRPr lang="pt-BR"/>
+              </a:p>
+            </p:txBody>
+          </p:sp>
+          <p:sp>
+            <p:nvSpPr>
+              <p:cNvPr id="87" name="Retângulo 86"/>
+              <p:cNvSpPr/>
+              <p:nvPr/>
+            </p:nvSpPr>
+            <p:spPr>
+              <a:xfrm>
+                <a:off x="4716017" y="2305998"/>
+                <a:ext cx="576064" cy="422259"/>
+              </a:xfrm>
+              <a:prstGeom prst="rect">
+                <a:avLst/>
+              </a:prstGeom>
+              <a:solidFill>
+                <a:srgbClr val="E0E0E0"/>
+              </a:solidFill>
+              <a:ln>
+                <a:noFill/>
+              </a:ln>
+            </p:spPr>
+            <p:style>
+              <a:lnRef idx="2">
+                <a:schemeClr val="accent1">
+                  <a:shade val="50000"/>
+                </a:schemeClr>
+              </a:lnRef>
+              <a:fillRef idx="1">
+                <a:schemeClr val="accent1"/>
+              </a:fillRef>
+              <a:effectRef idx="0">
+                <a:schemeClr val="accent1"/>
+              </a:effectRef>
+              <a:fontRef idx="minor">
+                <a:schemeClr val="lt1"/>
+              </a:fontRef>
+            </p:style>
+            <p:txBody>
+              <a:bodyPr rtlCol="0" anchor="ctr"/>
+              <a:lstStyle/>
+              <a:p>
+                <a:pPr algn="ctr"/>
+                <a:endParaRPr lang="pt-BR"/>
+              </a:p>
+            </p:txBody>
+          </p:sp>
+          <p:sp>
+            <p:nvSpPr>
+              <p:cNvPr id="88" name="Retângulo de cantos arredondados 87"/>
+              <p:cNvSpPr/>
+              <p:nvPr/>
+            </p:nvSpPr>
+            <p:spPr>
+              <a:xfrm>
+                <a:off x="4623672" y="1297992"/>
+                <a:ext cx="576064" cy="2016224"/>
+              </a:xfrm>
+              <a:prstGeom prst="roundRect">
+                <a:avLst>
+                  <a:gd name="adj" fmla="val 50000"/>
+                </a:avLst>
+              </a:prstGeom>
+              <a:grpFill/>
+              <a:ln>
+                <a:noFill/>
+              </a:ln>
+            </p:spPr>
+            <p:style>
+              <a:lnRef idx="2">
+                <a:schemeClr val="accent1">
+                  <a:shade val="50000"/>
+                </a:schemeClr>
+              </a:lnRef>
+              <a:fillRef idx="1">
+                <a:schemeClr val="accent1"/>
+              </a:fillRef>
+              <a:effectRef idx="0">
+                <a:schemeClr val="accent1"/>
+              </a:effectRef>
+              <a:fontRef idx="minor">
+                <a:schemeClr val="lt1"/>
+              </a:fontRef>
+            </p:style>
+            <p:txBody>
+              <a:bodyPr rtlCol="0" anchor="ctr"/>
+              <a:lstStyle/>
+              <a:p>
+                <a:pPr algn="ctr"/>
+                <a:endParaRPr lang="pt-BR" dirty="0"/>
+              </a:p>
+            </p:txBody>
+          </p:sp>
+          <p:sp>
+            <p:nvSpPr>
+              <p:cNvPr id="89" name="Retângulo de cantos arredondados 88"/>
+              <p:cNvSpPr/>
+              <p:nvPr/>
+            </p:nvSpPr>
+            <p:spPr>
+              <a:xfrm rot="10801235">
+                <a:off x="4623854" y="2306103"/>
+                <a:ext cx="576064" cy="1008008"/>
+              </a:xfrm>
+              <a:prstGeom prst="roundRect">
+                <a:avLst>
+                  <a:gd name="adj" fmla="val 50000"/>
+                </a:avLst>
+              </a:prstGeom>
+              <a:grpFill/>
+              <a:ln>
+                <a:noFill/>
+              </a:ln>
+            </p:spPr>
+            <p:style>
+              <a:lnRef idx="2">
+                <a:schemeClr val="accent1">
+                  <a:shade val="50000"/>
+                </a:schemeClr>
+              </a:lnRef>
+              <a:fillRef idx="1">
+                <a:schemeClr val="accent1"/>
+              </a:fillRef>
+              <a:effectRef idx="0">
+                <a:schemeClr val="accent1"/>
+              </a:effectRef>
+              <a:fontRef idx="minor">
+                <a:schemeClr val="lt1"/>
+              </a:fontRef>
+            </p:style>
+            <p:txBody>
+              <a:bodyPr rtlCol="0" anchor="ctr"/>
+              <a:lstStyle/>
+              <a:p>
+                <a:pPr algn="ctr"/>
+                <a:endParaRPr lang="pt-BR"/>
+              </a:p>
+            </p:txBody>
+          </p:sp>
+          <p:sp>
+            <p:nvSpPr>
+              <p:cNvPr id="90" name="Retângulo 89"/>
+              <p:cNvSpPr/>
+              <p:nvPr/>
+            </p:nvSpPr>
+            <p:spPr>
+              <a:xfrm>
+                <a:off x="4624036" y="2305999"/>
+                <a:ext cx="576064" cy="422259"/>
+              </a:xfrm>
+              <a:prstGeom prst="rect">
+                <a:avLst/>
+              </a:prstGeom>
+              <a:grpFill/>
+              <a:ln>
+                <a:noFill/>
+              </a:ln>
+            </p:spPr>
+            <p:style>
+              <a:lnRef idx="2">
+                <a:schemeClr val="accent1">
+                  <a:shade val="50000"/>
+                </a:schemeClr>
+              </a:lnRef>
+              <a:fillRef idx="1">
+                <a:schemeClr val="accent1"/>
+              </a:fillRef>
+              <a:effectRef idx="0">
+                <a:schemeClr val="accent1"/>
+              </a:effectRef>
+              <a:fontRef idx="minor">
+                <a:schemeClr val="lt1"/>
+              </a:fontRef>
+            </p:style>
+            <p:txBody>
+              <a:bodyPr rtlCol="0" anchor="ctr"/>
+              <a:lstStyle/>
+              <a:p>
+                <a:pPr algn="ctr"/>
+                <a:endParaRPr lang="pt-BR"/>
+              </a:p>
+            </p:txBody>
+          </p:sp>
+        </p:grpSp>
+        <p:grpSp>
+          <p:nvGrpSpPr>
+            <p:cNvPr id="98" name="Grupo 97"/>
+            <p:cNvGrpSpPr/>
+            <p:nvPr/>
+          </p:nvGrpSpPr>
+          <p:grpSpPr>
+            <a:xfrm rot="5400000">
+              <a:off x="8815066" y="1449900"/>
+              <a:ext cx="472005" cy="1647826"/>
+              <a:chOff x="4623672" y="1297992"/>
+              <a:chExt cx="668409" cy="2017638"/>
+            </a:xfrm>
+            <a:solidFill>
+              <a:schemeClr val="bg1"/>
+            </a:solidFill>
+          </p:grpSpPr>
+          <p:sp>
+            <p:nvSpPr>
+              <p:cNvPr id="99" name="Retângulo de cantos arredondados 98"/>
+              <p:cNvSpPr/>
+              <p:nvPr/>
+            </p:nvSpPr>
+            <p:spPr>
+              <a:xfrm>
+                <a:off x="4716015" y="1299406"/>
+                <a:ext cx="576064" cy="2016224"/>
+              </a:xfrm>
+              <a:prstGeom prst="roundRect">
+                <a:avLst>
+                  <a:gd name="adj" fmla="val 50000"/>
+                </a:avLst>
+              </a:prstGeom>
+              <a:solidFill>
+                <a:srgbClr val="E0E0E0"/>
+              </a:solidFill>
+              <a:ln>
+                <a:noFill/>
+              </a:ln>
+            </p:spPr>
+            <p:style>
+              <a:lnRef idx="2">
+                <a:schemeClr val="accent1">
+                  <a:shade val="50000"/>
+                </a:schemeClr>
+              </a:lnRef>
+              <a:fillRef idx="1">
+                <a:schemeClr val="accent1"/>
+              </a:fillRef>
+              <a:effectRef idx="0">
+                <a:schemeClr val="accent1"/>
+              </a:effectRef>
+              <a:fontRef idx="minor">
+                <a:schemeClr val="lt1"/>
+              </a:fontRef>
+            </p:style>
+            <p:txBody>
+              <a:bodyPr rtlCol="0" anchor="ctr"/>
+              <a:lstStyle/>
+              <a:p>
+                <a:pPr algn="ctr"/>
+                <a:endParaRPr lang="pt-BR"/>
+              </a:p>
+            </p:txBody>
+          </p:sp>
+          <p:sp>
+            <p:nvSpPr>
+              <p:cNvPr id="100" name="Retângulo de cantos arredondados 99"/>
+              <p:cNvSpPr/>
+              <p:nvPr/>
+            </p:nvSpPr>
+            <p:spPr>
+              <a:xfrm rot="10801235">
+                <a:off x="4715835" y="2306102"/>
+                <a:ext cx="576064" cy="1008008"/>
+              </a:xfrm>
+              <a:prstGeom prst="roundRect">
+                <a:avLst>
+                  <a:gd name="adj" fmla="val 50000"/>
+                </a:avLst>
+              </a:prstGeom>
+              <a:solidFill>
+                <a:srgbClr val="E0E0E0"/>
+              </a:solidFill>
+              <a:ln>
+                <a:noFill/>
+              </a:ln>
+            </p:spPr>
+            <p:style>
+              <a:lnRef idx="2">
+                <a:schemeClr val="accent1">
+                  <a:shade val="50000"/>
+                </a:schemeClr>
+              </a:lnRef>
+              <a:fillRef idx="1">
+                <a:schemeClr val="accent1"/>
+              </a:fillRef>
+              <a:effectRef idx="0">
+                <a:schemeClr val="accent1"/>
+              </a:effectRef>
+              <a:fontRef idx="minor">
+                <a:schemeClr val="lt1"/>
+              </a:fontRef>
+            </p:style>
+            <p:txBody>
+              <a:bodyPr rtlCol="0" anchor="ctr"/>
+              <a:lstStyle/>
+              <a:p>
+                <a:pPr algn="ctr"/>
+                <a:endParaRPr lang="pt-BR"/>
+              </a:p>
+            </p:txBody>
+          </p:sp>
+          <p:sp>
+            <p:nvSpPr>
+              <p:cNvPr id="101" name="Retângulo 100"/>
+              <p:cNvSpPr/>
+              <p:nvPr/>
+            </p:nvSpPr>
+            <p:spPr>
+              <a:xfrm>
+                <a:off x="4716017" y="2305998"/>
+                <a:ext cx="576064" cy="422259"/>
+              </a:xfrm>
+              <a:prstGeom prst="rect">
+                <a:avLst/>
+              </a:prstGeom>
+              <a:solidFill>
+                <a:srgbClr val="E0E0E0"/>
+              </a:solidFill>
+              <a:ln>
+                <a:noFill/>
+              </a:ln>
+            </p:spPr>
+            <p:style>
+              <a:lnRef idx="2">
+                <a:schemeClr val="accent1">
+                  <a:shade val="50000"/>
+                </a:schemeClr>
+              </a:lnRef>
+              <a:fillRef idx="1">
+                <a:schemeClr val="accent1"/>
+              </a:fillRef>
+              <a:effectRef idx="0">
+                <a:schemeClr val="accent1"/>
+              </a:effectRef>
+              <a:fontRef idx="minor">
+                <a:schemeClr val="lt1"/>
+              </a:fontRef>
+            </p:style>
+            <p:txBody>
+              <a:bodyPr rtlCol="0" anchor="ctr"/>
+              <a:lstStyle/>
+              <a:p>
+                <a:pPr algn="ctr"/>
+                <a:endParaRPr lang="pt-BR"/>
+              </a:p>
+            </p:txBody>
+          </p:sp>
+          <p:sp>
+            <p:nvSpPr>
+              <p:cNvPr id="102" name="Retângulo de cantos arredondados 101"/>
+              <p:cNvSpPr/>
+              <p:nvPr/>
+            </p:nvSpPr>
+            <p:spPr>
+              <a:xfrm>
+                <a:off x="4623672" y="1297992"/>
+                <a:ext cx="576064" cy="2016224"/>
+              </a:xfrm>
+              <a:prstGeom prst="roundRect">
+                <a:avLst>
+                  <a:gd name="adj" fmla="val 50000"/>
+                </a:avLst>
+              </a:prstGeom>
+              <a:grpFill/>
+              <a:ln>
+                <a:noFill/>
+              </a:ln>
+            </p:spPr>
+            <p:style>
+              <a:lnRef idx="2">
+                <a:schemeClr val="accent1">
+                  <a:shade val="50000"/>
+                </a:schemeClr>
+              </a:lnRef>
+              <a:fillRef idx="1">
+                <a:schemeClr val="accent1"/>
+              </a:fillRef>
+              <a:effectRef idx="0">
+                <a:schemeClr val="accent1"/>
+              </a:effectRef>
+              <a:fontRef idx="minor">
+                <a:schemeClr val="lt1"/>
+              </a:fontRef>
+            </p:style>
+            <p:txBody>
+              <a:bodyPr rtlCol="0" anchor="ctr"/>
+              <a:lstStyle/>
+              <a:p>
+                <a:pPr algn="ctr"/>
+                <a:endParaRPr lang="pt-BR" dirty="0"/>
+              </a:p>
+            </p:txBody>
+          </p:sp>
+          <p:sp>
+            <p:nvSpPr>
+              <p:cNvPr id="103" name="Retângulo de cantos arredondados 102"/>
+              <p:cNvSpPr/>
+              <p:nvPr/>
+            </p:nvSpPr>
+            <p:spPr>
+              <a:xfrm rot="10801235">
+                <a:off x="4623854" y="2306103"/>
+                <a:ext cx="576064" cy="1008008"/>
+              </a:xfrm>
+              <a:prstGeom prst="roundRect">
+                <a:avLst>
+                  <a:gd name="adj" fmla="val 50000"/>
+                </a:avLst>
+              </a:prstGeom>
+              <a:grpFill/>
+              <a:ln>
+                <a:noFill/>
+              </a:ln>
+            </p:spPr>
+            <p:style>
+              <a:lnRef idx="2">
+                <a:schemeClr val="accent1">
+                  <a:shade val="50000"/>
+                </a:schemeClr>
+              </a:lnRef>
+              <a:fillRef idx="1">
+                <a:schemeClr val="accent1"/>
+              </a:fillRef>
+              <a:effectRef idx="0">
+                <a:schemeClr val="accent1"/>
+              </a:effectRef>
+              <a:fontRef idx="minor">
+                <a:schemeClr val="lt1"/>
+              </a:fontRef>
+            </p:style>
+            <p:txBody>
+              <a:bodyPr rtlCol="0" anchor="ctr"/>
+              <a:lstStyle/>
+              <a:p>
+                <a:pPr algn="ctr"/>
+                <a:endParaRPr lang="pt-BR"/>
+              </a:p>
+            </p:txBody>
+          </p:sp>
+          <p:sp>
+            <p:nvSpPr>
+              <p:cNvPr id="104" name="Retângulo 103"/>
+              <p:cNvSpPr/>
+              <p:nvPr/>
+            </p:nvSpPr>
+            <p:spPr>
+              <a:xfrm>
+                <a:off x="4624036" y="2305999"/>
+                <a:ext cx="576064" cy="422259"/>
+              </a:xfrm>
+              <a:prstGeom prst="rect">
+                <a:avLst/>
+              </a:prstGeom>
+              <a:grpFill/>
+              <a:ln>
+                <a:noFill/>
+              </a:ln>
+            </p:spPr>
+            <p:style>
+              <a:lnRef idx="2">
+                <a:schemeClr val="accent1">
+                  <a:shade val="50000"/>
+                </a:schemeClr>
+              </a:lnRef>
+              <a:fillRef idx="1">
+                <a:schemeClr val="accent1"/>
+              </a:fillRef>
+              <a:effectRef idx="0">
+                <a:schemeClr val="accent1"/>
+              </a:effectRef>
+              <a:fontRef idx="minor">
+                <a:schemeClr val="lt1"/>
+              </a:fontRef>
+            </p:style>
+            <p:txBody>
+              <a:bodyPr rtlCol="0" anchor="ctr"/>
+              <a:lstStyle/>
+              <a:p>
+                <a:pPr algn="ctr"/>
+                <a:endParaRPr lang="pt-BR"/>
+              </a:p>
+            </p:txBody>
+          </p:sp>
+        </p:grpSp>
+        <p:grpSp>
+          <p:nvGrpSpPr>
+            <p:cNvPr id="105" name="Grupo 104"/>
+            <p:cNvGrpSpPr/>
+            <p:nvPr/>
+          </p:nvGrpSpPr>
+          <p:grpSpPr>
+            <a:xfrm>
+              <a:off x="5094390" y="3390106"/>
+              <a:ext cx="806813" cy="861560"/>
+              <a:chOff x="2015727" y="1453420"/>
+              <a:chExt cx="1279128" cy="1365925"/>
+            </a:xfrm>
+          </p:grpSpPr>
+          <p:grpSp>
+            <p:nvGrpSpPr>
+              <p:cNvPr id="106" name="Agrupar 6">
+                <a:extLst>
+                  <a:ext uri="{FF2B5EF4-FFF2-40B4-BE49-F238E27FC236}">
+                    <a16:creationId xmlns="" xmlns:a16="http://schemas.microsoft.com/office/drawing/2014/main" id="{E976DEB7-185B-4375-9DBA-5D78AF26D6D7}"/>
+                  </a:ext>
+                </a:extLst>
+              </p:cNvPr>
+              <p:cNvGrpSpPr/>
+              <p:nvPr/>
+            </p:nvGrpSpPr>
+            <p:grpSpPr>
+              <a:xfrm rot="3216273">
+                <a:off x="1972328" y="1496819"/>
+                <a:ext cx="1365925" cy="1279128"/>
+                <a:chOff x="4040808" y="1617353"/>
+                <a:chExt cx="1158330" cy="1017301"/>
+              </a:xfrm>
+            </p:grpSpPr>
+            <p:sp>
+              <p:nvSpPr>
+                <p:cNvPr id="108" name="Elipse 107">
+                  <a:extLst>
+                    <a:ext uri="{FF2B5EF4-FFF2-40B4-BE49-F238E27FC236}">
+                      <a16:creationId xmlns="" xmlns:a16="http://schemas.microsoft.com/office/drawing/2014/main" id="{8DA61EDA-D65F-407B-82BD-B427144766D3}"/>
+                    </a:ext>
+                  </a:extLst>
+                </p:cNvPr>
+                <p:cNvSpPr/>
+                <p:nvPr/>
+              </p:nvSpPr>
+              <p:spPr>
+                <a:xfrm>
+                  <a:off x="4091699" y="1698550"/>
+                  <a:ext cx="1107439" cy="936104"/>
+                </a:xfrm>
+                <a:prstGeom prst="ellipse">
+                  <a:avLst/>
+                </a:prstGeom>
+                <a:solidFill>
+                  <a:srgbClr val="E0E0E0"/>
+                </a:solidFill>
+                <a:ln>
+                  <a:noFill/>
+                </a:ln>
+              </p:spPr>
+              <p:style>
+                <a:lnRef idx="2">
+                  <a:schemeClr val="accent1">
+                    <a:shade val="50000"/>
+                  </a:schemeClr>
+                </a:lnRef>
+                <a:fillRef idx="1">
+                  <a:schemeClr val="accent1"/>
+                </a:fillRef>
+                <a:effectRef idx="0">
+                  <a:schemeClr val="accent1"/>
+                </a:effectRef>
+                <a:fontRef idx="minor">
+                  <a:schemeClr val="lt1"/>
+                </a:fontRef>
+              </p:style>
+              <p:txBody>
+                <a:bodyPr rtlCol="0" anchor="ctr"/>
+                <a:lstStyle/>
+                <a:p>
+                  <a:pPr algn="ctr"/>
+                  <a:endParaRPr lang="pt-BR" dirty="0"/>
+                </a:p>
+              </p:txBody>
+            </p:sp>
+            <p:sp>
+              <p:nvSpPr>
+                <p:cNvPr id="109" name="Elipse 108">
+                  <a:extLst>
+                    <a:ext uri="{FF2B5EF4-FFF2-40B4-BE49-F238E27FC236}">
+                      <a16:creationId xmlns="" xmlns:a16="http://schemas.microsoft.com/office/drawing/2014/main" id="{A6965E2E-3446-4C27-9E1F-A31F25446713}"/>
+                    </a:ext>
+                  </a:extLst>
+                </p:cNvPr>
+                <p:cNvSpPr/>
+                <p:nvPr/>
+              </p:nvSpPr>
+              <p:spPr>
+                <a:xfrm>
+                  <a:off x="4040808" y="1617353"/>
+                  <a:ext cx="1107439" cy="936104"/>
+                </a:xfrm>
+                <a:prstGeom prst="ellipse">
+                  <a:avLst/>
+                </a:prstGeom>
+                <a:solidFill>
+                  <a:schemeClr val="bg1"/>
+                </a:solidFill>
+                <a:ln>
+                  <a:noFill/>
+                </a:ln>
+              </p:spPr>
+              <p:style>
+                <a:lnRef idx="2">
+                  <a:schemeClr val="accent1">
+                    <a:shade val="50000"/>
+                  </a:schemeClr>
+                </a:lnRef>
+                <a:fillRef idx="1">
+                  <a:schemeClr val="accent1"/>
+                </a:fillRef>
+                <a:effectRef idx="0">
+                  <a:schemeClr val="accent1"/>
+                </a:effectRef>
+                <a:fontRef idx="minor">
+                  <a:schemeClr val="lt1"/>
+                </a:fontRef>
+              </p:style>
+              <p:txBody>
+                <a:bodyPr rtlCol="0" anchor="ctr"/>
+                <a:lstStyle/>
+                <a:p>
+                  <a:pPr algn="ctr"/>
+                  <a:endParaRPr lang="pt-BR" dirty="0"/>
+                </a:p>
+              </p:txBody>
+            </p:sp>
+          </p:grpSp>
+          <p:cxnSp>
+            <p:nvCxnSpPr>
+              <p:cNvPr id="107" name="Conector reto 106"/>
+              <p:cNvCxnSpPr>
+                <a:stCxn id="109" idx="0"/>
+                <a:endCxn id="109" idx="4"/>
+              </p:cNvCxnSpPr>
+              <p:nvPr/>
+            </p:nvCxnSpPr>
+            <p:spPr>
+              <a:xfrm flipH="1">
+                <a:off x="2204856" y="1732742"/>
+                <a:ext cx="947442" cy="698398"/>
+              </a:xfrm>
+              <a:prstGeom prst="line">
+                <a:avLst/>
+              </a:prstGeom>
+              <a:ln w="76200">
+                <a:solidFill>
+                  <a:schemeClr val="bg1">
+                    <a:lumMod val="85000"/>
+                  </a:schemeClr>
+                </a:solidFill>
+              </a:ln>
+            </p:spPr>
+            <p:style>
+              <a:lnRef idx="1">
+                <a:schemeClr val="accent1"/>
+              </a:lnRef>
+              <a:fillRef idx="0">
+                <a:schemeClr val="accent1"/>
+              </a:fillRef>
+              <a:effectRef idx="0">
+                <a:schemeClr val="accent1"/>
+              </a:effectRef>
+              <a:fontRef idx="minor">
+                <a:schemeClr val="tx1"/>
+              </a:fontRef>
+            </p:style>
+          </p:cxnSp>
+        </p:grpSp>
+        <p:grpSp>
+          <p:nvGrpSpPr>
+            <p:cNvPr id="110" name="Grupo 109"/>
+            <p:cNvGrpSpPr/>
+            <p:nvPr/>
+          </p:nvGrpSpPr>
+          <p:grpSpPr>
+            <a:xfrm rot="3434257">
+              <a:off x="8146808" y="4719593"/>
+              <a:ext cx="806813" cy="861560"/>
+              <a:chOff x="2015727" y="1453420"/>
+              <a:chExt cx="1279128" cy="1365925"/>
+            </a:xfrm>
+          </p:grpSpPr>
+          <p:grpSp>
+            <p:nvGrpSpPr>
+              <p:cNvPr id="111" name="Agrupar 6">
+                <a:extLst>
+                  <a:ext uri="{FF2B5EF4-FFF2-40B4-BE49-F238E27FC236}">
+                    <a16:creationId xmlns="" xmlns:a16="http://schemas.microsoft.com/office/drawing/2014/main" id="{E976DEB7-185B-4375-9DBA-5D78AF26D6D7}"/>
+                  </a:ext>
+                </a:extLst>
+              </p:cNvPr>
+              <p:cNvGrpSpPr/>
+              <p:nvPr/>
+            </p:nvGrpSpPr>
+            <p:grpSpPr>
+              <a:xfrm rot="3216273">
+                <a:off x="1972328" y="1496819"/>
+                <a:ext cx="1365925" cy="1279128"/>
+                <a:chOff x="4040808" y="1617353"/>
+                <a:chExt cx="1158330" cy="1017301"/>
+              </a:xfrm>
+            </p:grpSpPr>
+            <p:sp>
+              <p:nvSpPr>
+                <p:cNvPr id="113" name="Elipse 112">
+                  <a:extLst>
+                    <a:ext uri="{FF2B5EF4-FFF2-40B4-BE49-F238E27FC236}">
+                      <a16:creationId xmlns="" xmlns:a16="http://schemas.microsoft.com/office/drawing/2014/main" id="{8DA61EDA-D65F-407B-82BD-B427144766D3}"/>
+                    </a:ext>
+                  </a:extLst>
+                </p:cNvPr>
+                <p:cNvSpPr/>
+                <p:nvPr/>
+              </p:nvSpPr>
+              <p:spPr>
+                <a:xfrm>
+                  <a:off x="4091699" y="1698550"/>
+                  <a:ext cx="1107439" cy="936104"/>
+                </a:xfrm>
+                <a:prstGeom prst="ellipse">
+                  <a:avLst/>
+                </a:prstGeom>
+                <a:solidFill>
+                  <a:srgbClr val="E0E0E0"/>
+                </a:solidFill>
+                <a:ln>
+                  <a:noFill/>
+                </a:ln>
+              </p:spPr>
+              <p:style>
+                <a:lnRef idx="2">
+                  <a:schemeClr val="accent1">
+                    <a:shade val="50000"/>
+                  </a:schemeClr>
+                </a:lnRef>
+                <a:fillRef idx="1">
+                  <a:schemeClr val="accent1"/>
+                </a:fillRef>
+                <a:effectRef idx="0">
+                  <a:schemeClr val="accent1"/>
+                </a:effectRef>
+                <a:fontRef idx="minor">
+                  <a:schemeClr val="lt1"/>
+                </a:fontRef>
+              </p:style>
+              <p:txBody>
+                <a:bodyPr rtlCol="0" anchor="ctr"/>
+                <a:lstStyle/>
+                <a:p>
+                  <a:pPr algn="ctr"/>
+                  <a:endParaRPr lang="pt-BR" dirty="0"/>
+                </a:p>
+              </p:txBody>
+            </p:sp>
+            <p:sp>
+              <p:nvSpPr>
+                <p:cNvPr id="114" name="Elipse 113">
+                  <a:extLst>
+                    <a:ext uri="{FF2B5EF4-FFF2-40B4-BE49-F238E27FC236}">
+                      <a16:creationId xmlns="" xmlns:a16="http://schemas.microsoft.com/office/drawing/2014/main" id="{A6965E2E-3446-4C27-9E1F-A31F25446713}"/>
+                    </a:ext>
+                  </a:extLst>
+                </p:cNvPr>
+                <p:cNvSpPr/>
+                <p:nvPr/>
+              </p:nvSpPr>
+              <p:spPr>
+                <a:xfrm>
+                  <a:off x="4040808" y="1617353"/>
+                  <a:ext cx="1107439" cy="936104"/>
+                </a:xfrm>
+                <a:prstGeom prst="ellipse">
+                  <a:avLst/>
+                </a:prstGeom>
+                <a:solidFill>
+                  <a:schemeClr val="bg1"/>
+                </a:solidFill>
+                <a:ln>
+                  <a:noFill/>
+                </a:ln>
+              </p:spPr>
+              <p:style>
+                <a:lnRef idx="2">
+                  <a:schemeClr val="accent1">
+                    <a:shade val="50000"/>
+                  </a:schemeClr>
+                </a:lnRef>
+                <a:fillRef idx="1">
+                  <a:schemeClr val="accent1"/>
+                </a:fillRef>
+                <a:effectRef idx="0">
+                  <a:schemeClr val="accent1"/>
+                </a:effectRef>
+                <a:fontRef idx="minor">
+                  <a:schemeClr val="lt1"/>
+                </a:fontRef>
+              </p:style>
+              <p:txBody>
+                <a:bodyPr rtlCol="0" anchor="ctr"/>
+                <a:lstStyle/>
+                <a:p>
+                  <a:pPr algn="ctr"/>
+                  <a:endParaRPr lang="pt-BR" dirty="0"/>
+                </a:p>
+              </p:txBody>
+            </p:sp>
+          </p:grpSp>
+          <p:cxnSp>
+            <p:nvCxnSpPr>
+              <p:cNvPr id="112" name="Conector reto 111"/>
+              <p:cNvCxnSpPr>
+                <a:stCxn id="114" idx="0"/>
+                <a:endCxn id="114" idx="4"/>
+              </p:cNvCxnSpPr>
+              <p:nvPr/>
+            </p:nvCxnSpPr>
+            <p:spPr>
+              <a:xfrm flipH="1">
+                <a:off x="2204856" y="1732742"/>
+                <a:ext cx="947442" cy="698398"/>
+              </a:xfrm>
+              <a:prstGeom prst="line">
+                <a:avLst/>
+              </a:prstGeom>
+              <a:ln w="76200">
+                <a:solidFill>
+                  <a:schemeClr val="bg1">
+                    <a:lumMod val="85000"/>
+                  </a:schemeClr>
+                </a:solidFill>
+              </a:ln>
+            </p:spPr>
+            <p:style>
+              <a:lnRef idx="1">
+                <a:schemeClr val="accent1"/>
+              </a:lnRef>
+              <a:fillRef idx="0">
+                <a:schemeClr val="accent1"/>
+              </a:fillRef>
+              <a:effectRef idx="0">
+                <a:schemeClr val="accent1"/>
+              </a:effectRef>
+              <a:fontRef idx="minor">
+                <a:schemeClr val="tx1"/>
+              </a:fontRef>
+            </p:style>
+          </p:cxnSp>
+        </p:grpSp>
+        <p:grpSp>
+          <p:nvGrpSpPr>
+            <p:cNvPr id="115" name="Grupo 114"/>
+            <p:cNvGrpSpPr/>
+            <p:nvPr/>
+          </p:nvGrpSpPr>
+          <p:grpSpPr>
+            <a:xfrm>
+              <a:off x="9984298" y="1933000"/>
+              <a:ext cx="806813" cy="861560"/>
+              <a:chOff x="2015727" y="1453420"/>
+              <a:chExt cx="1279128" cy="1365925"/>
+            </a:xfrm>
+          </p:grpSpPr>
+          <p:grpSp>
+            <p:nvGrpSpPr>
+              <p:cNvPr id="116" name="Agrupar 6">
+                <a:extLst>
+                  <a:ext uri="{FF2B5EF4-FFF2-40B4-BE49-F238E27FC236}">
+                    <a16:creationId xmlns="" xmlns:a16="http://schemas.microsoft.com/office/drawing/2014/main" id="{E976DEB7-185B-4375-9DBA-5D78AF26D6D7}"/>
+                  </a:ext>
+                </a:extLst>
+              </p:cNvPr>
+              <p:cNvGrpSpPr/>
+              <p:nvPr/>
+            </p:nvGrpSpPr>
+            <p:grpSpPr>
+              <a:xfrm rot="3216273">
+                <a:off x="1972328" y="1496819"/>
+                <a:ext cx="1365925" cy="1279128"/>
+                <a:chOff x="4040808" y="1617353"/>
+                <a:chExt cx="1158330" cy="1017301"/>
+              </a:xfrm>
+            </p:grpSpPr>
+            <p:sp>
+              <p:nvSpPr>
+                <p:cNvPr id="118" name="Elipse 117">
+                  <a:extLst>
+                    <a:ext uri="{FF2B5EF4-FFF2-40B4-BE49-F238E27FC236}">
+                      <a16:creationId xmlns="" xmlns:a16="http://schemas.microsoft.com/office/drawing/2014/main" id="{8DA61EDA-D65F-407B-82BD-B427144766D3}"/>
+                    </a:ext>
+                  </a:extLst>
+                </p:cNvPr>
+                <p:cNvSpPr/>
+                <p:nvPr/>
+              </p:nvSpPr>
+              <p:spPr>
+                <a:xfrm>
+                  <a:off x="4091699" y="1698550"/>
+                  <a:ext cx="1107439" cy="936104"/>
+                </a:xfrm>
+                <a:prstGeom prst="ellipse">
+                  <a:avLst/>
+                </a:prstGeom>
+                <a:solidFill>
+                  <a:srgbClr val="E0E0E0"/>
+                </a:solidFill>
+                <a:ln>
+                  <a:noFill/>
+                </a:ln>
+              </p:spPr>
+              <p:style>
+                <a:lnRef idx="2">
+                  <a:schemeClr val="accent1">
+                    <a:shade val="50000"/>
+                  </a:schemeClr>
+                </a:lnRef>
+                <a:fillRef idx="1">
+                  <a:schemeClr val="accent1"/>
+                </a:fillRef>
+                <a:effectRef idx="0">
+                  <a:schemeClr val="accent1"/>
+                </a:effectRef>
+                <a:fontRef idx="minor">
+                  <a:schemeClr val="lt1"/>
+                </a:fontRef>
+              </p:style>
+              <p:txBody>
+                <a:bodyPr rtlCol="0" anchor="ctr"/>
+                <a:lstStyle/>
+                <a:p>
+                  <a:pPr algn="ctr"/>
+                  <a:endParaRPr lang="pt-BR" dirty="0"/>
+                </a:p>
+              </p:txBody>
+            </p:sp>
+            <p:sp>
+              <p:nvSpPr>
+                <p:cNvPr id="119" name="Elipse 118">
+                  <a:extLst>
+                    <a:ext uri="{FF2B5EF4-FFF2-40B4-BE49-F238E27FC236}">
+                      <a16:creationId xmlns="" xmlns:a16="http://schemas.microsoft.com/office/drawing/2014/main" id="{A6965E2E-3446-4C27-9E1F-A31F25446713}"/>
+                    </a:ext>
+                  </a:extLst>
+                </p:cNvPr>
+                <p:cNvSpPr/>
+                <p:nvPr/>
+              </p:nvSpPr>
+              <p:spPr>
+                <a:xfrm>
+                  <a:off x="4040808" y="1617353"/>
+                  <a:ext cx="1107439" cy="936104"/>
+                </a:xfrm>
+                <a:prstGeom prst="ellipse">
+                  <a:avLst/>
+                </a:prstGeom>
+                <a:solidFill>
+                  <a:schemeClr val="bg1"/>
+                </a:solidFill>
+                <a:ln>
+                  <a:noFill/>
+                </a:ln>
+              </p:spPr>
+              <p:style>
+                <a:lnRef idx="2">
+                  <a:schemeClr val="accent1">
+                    <a:shade val="50000"/>
+                  </a:schemeClr>
+                </a:lnRef>
+                <a:fillRef idx="1">
+                  <a:schemeClr val="accent1"/>
+                </a:fillRef>
+                <a:effectRef idx="0">
+                  <a:schemeClr val="accent1"/>
+                </a:effectRef>
+                <a:fontRef idx="minor">
+                  <a:schemeClr val="lt1"/>
+                </a:fontRef>
+              </p:style>
+              <p:txBody>
+                <a:bodyPr rtlCol="0" anchor="ctr"/>
+                <a:lstStyle/>
+                <a:p>
+                  <a:pPr algn="ctr"/>
+                  <a:endParaRPr lang="pt-BR" dirty="0"/>
+                </a:p>
+              </p:txBody>
+            </p:sp>
+          </p:grpSp>
+          <p:cxnSp>
+            <p:nvCxnSpPr>
+              <p:cNvPr id="117" name="Conector reto 116"/>
+              <p:cNvCxnSpPr>
+                <a:stCxn id="119" idx="0"/>
+                <a:endCxn id="119" idx="4"/>
+              </p:cNvCxnSpPr>
+              <p:nvPr/>
+            </p:nvCxnSpPr>
+            <p:spPr>
+              <a:xfrm flipH="1">
+                <a:off x="2204856" y="1732742"/>
+                <a:ext cx="947442" cy="698398"/>
+              </a:xfrm>
+              <a:prstGeom prst="line">
+                <a:avLst/>
+              </a:prstGeom>
+              <a:ln w="76200">
+                <a:solidFill>
+                  <a:schemeClr val="bg1">
+                    <a:lumMod val="85000"/>
+                  </a:schemeClr>
+                </a:solidFill>
+              </a:ln>
+            </p:spPr>
+            <p:style>
+              <a:lnRef idx="1">
+                <a:schemeClr val="accent1"/>
+              </a:lnRef>
+              <a:fillRef idx="0">
+                <a:schemeClr val="accent1"/>
+              </a:fillRef>
+              <a:effectRef idx="0">
+                <a:schemeClr val="accent1"/>
+              </a:effectRef>
+              <a:fontRef idx="minor">
+                <a:schemeClr val="tx1"/>
+              </a:fontRef>
+            </p:style>
+          </p:cxnSp>
+        </p:grpSp>
+        <p:grpSp>
+          <p:nvGrpSpPr>
+            <p:cNvPr id="120" name="Grupo 119"/>
+            <p:cNvGrpSpPr/>
+            <p:nvPr/>
+          </p:nvGrpSpPr>
+          <p:grpSpPr>
+            <a:xfrm rot="3490403">
+              <a:off x="7568809" y="3398056"/>
+              <a:ext cx="1838616" cy="609100"/>
+              <a:chOff x="3155680" y="2960252"/>
+              <a:chExt cx="3605346" cy="1194386"/>
+            </a:xfrm>
+          </p:grpSpPr>
+          <p:grpSp>
+            <p:nvGrpSpPr>
+              <p:cNvPr id="121" name="Grupo 120"/>
+              <p:cNvGrpSpPr/>
+              <p:nvPr/>
+            </p:nvGrpSpPr>
+            <p:grpSpPr>
+              <a:xfrm rot="5348328">
+                <a:off x="4361160" y="1754772"/>
+                <a:ext cx="1194386" cy="3605346"/>
+                <a:chOff x="4623674" y="1297992"/>
+                <a:chExt cx="668407" cy="2017638"/>
+              </a:xfrm>
+            </p:grpSpPr>
+            <p:sp>
+              <p:nvSpPr>
+                <p:cNvPr id="123" name="Retângulo de cantos arredondados 122"/>
+                <p:cNvSpPr/>
+                <p:nvPr/>
+              </p:nvSpPr>
+              <p:spPr>
+                <a:xfrm>
+                  <a:off x="4716016" y="1299406"/>
+                  <a:ext cx="576064" cy="2016224"/>
+                </a:xfrm>
+                <a:prstGeom prst="roundRect">
+                  <a:avLst>
+                    <a:gd name="adj" fmla="val 50000"/>
+                  </a:avLst>
+                </a:prstGeom>
+                <a:solidFill>
+                  <a:srgbClr val="00759E"/>
+                </a:solidFill>
+                <a:ln>
+                  <a:noFill/>
+                </a:ln>
+              </p:spPr>
+              <p:style>
+                <a:lnRef idx="2">
+                  <a:schemeClr val="accent1">
+                    <a:shade val="50000"/>
+                  </a:schemeClr>
+                </a:lnRef>
+                <a:fillRef idx="1">
+                  <a:schemeClr val="accent1"/>
+                </a:fillRef>
+                <a:effectRef idx="0">
+                  <a:schemeClr val="accent1"/>
+                </a:effectRef>
+                <a:fontRef idx="minor">
+                  <a:schemeClr val="lt1"/>
+                </a:fontRef>
+              </p:style>
+              <p:txBody>
+                <a:bodyPr rtlCol="0" anchor="ctr"/>
+                <a:lstStyle/>
+                <a:p>
+                  <a:pPr algn="ctr"/>
+                  <a:endParaRPr lang="pt-BR"/>
+                </a:p>
+              </p:txBody>
+            </p:sp>
+            <p:sp>
+              <p:nvSpPr>
+                <p:cNvPr id="124" name="Retângulo de cantos arredondados 123"/>
+                <p:cNvSpPr/>
+                <p:nvPr/>
+              </p:nvSpPr>
+              <p:spPr>
+                <a:xfrm rot="10801235">
+                  <a:off x="4715835" y="2306102"/>
+                  <a:ext cx="576064" cy="1008008"/>
+                </a:xfrm>
+                <a:prstGeom prst="roundRect">
+                  <a:avLst>
+                    <a:gd name="adj" fmla="val 50000"/>
+                  </a:avLst>
+                </a:prstGeom>
+                <a:solidFill>
+                  <a:srgbClr val="C00000"/>
+                </a:solidFill>
+                <a:ln>
+                  <a:noFill/>
+                </a:ln>
+              </p:spPr>
+              <p:style>
+                <a:lnRef idx="2">
+                  <a:schemeClr val="accent1">
+                    <a:shade val="50000"/>
+                  </a:schemeClr>
+                </a:lnRef>
+                <a:fillRef idx="1">
+                  <a:schemeClr val="accent1"/>
+                </a:fillRef>
+                <a:effectRef idx="0">
+                  <a:schemeClr val="accent1"/>
+                </a:effectRef>
+                <a:fontRef idx="minor">
+                  <a:schemeClr val="lt1"/>
+                </a:fontRef>
+              </p:style>
+              <p:txBody>
+                <a:bodyPr rtlCol="0" anchor="ctr"/>
+                <a:lstStyle/>
+                <a:p>
+                  <a:pPr algn="ctr"/>
+                  <a:endParaRPr lang="pt-BR"/>
+                </a:p>
+              </p:txBody>
+            </p:sp>
+            <p:sp>
+              <p:nvSpPr>
+                <p:cNvPr id="125" name="Retângulo 124"/>
+                <p:cNvSpPr/>
+                <p:nvPr/>
+              </p:nvSpPr>
+              <p:spPr>
+                <a:xfrm>
+                  <a:off x="4716017" y="2305998"/>
+                  <a:ext cx="576064" cy="422259"/>
+                </a:xfrm>
+                <a:prstGeom prst="rect">
+                  <a:avLst/>
+                </a:prstGeom>
+                <a:solidFill>
+                  <a:srgbClr val="C00000"/>
+                </a:solidFill>
+                <a:ln>
+                  <a:noFill/>
+                </a:ln>
+              </p:spPr>
+              <p:style>
+                <a:lnRef idx="2">
+                  <a:schemeClr val="accent1">
+                    <a:shade val="50000"/>
+                  </a:schemeClr>
+                </a:lnRef>
+                <a:fillRef idx="1">
+                  <a:schemeClr val="accent1"/>
+                </a:fillRef>
+                <a:effectRef idx="0">
+                  <a:schemeClr val="accent1"/>
+                </a:effectRef>
+                <a:fontRef idx="minor">
+                  <a:schemeClr val="lt1"/>
+                </a:fontRef>
+              </p:style>
+              <p:txBody>
+                <a:bodyPr rtlCol="0" anchor="ctr"/>
+                <a:lstStyle/>
+                <a:p>
+                  <a:pPr algn="ctr"/>
+                  <a:endParaRPr lang="pt-BR"/>
+                </a:p>
+              </p:txBody>
+            </p:sp>
+            <p:sp>
+              <p:nvSpPr>
+                <p:cNvPr id="126" name="Retângulo de cantos arredondados 125"/>
+                <p:cNvSpPr/>
+                <p:nvPr/>
+              </p:nvSpPr>
+              <p:spPr>
+                <a:xfrm>
+                  <a:off x="4623674" y="1297992"/>
+                  <a:ext cx="576064" cy="2016224"/>
+                </a:xfrm>
+                <a:prstGeom prst="roundRect">
+                  <a:avLst>
+                    <a:gd name="adj" fmla="val 50000"/>
+                  </a:avLst>
+                </a:prstGeom>
+                <a:solidFill>
+                  <a:srgbClr val="00B0F0"/>
+                </a:solidFill>
+                <a:ln>
+                  <a:noFill/>
+                </a:ln>
+              </p:spPr>
+              <p:style>
+                <a:lnRef idx="2">
+                  <a:schemeClr val="accent1">
+                    <a:shade val="50000"/>
+                  </a:schemeClr>
+                </a:lnRef>
+                <a:fillRef idx="1">
+                  <a:schemeClr val="accent1"/>
+                </a:fillRef>
+                <a:effectRef idx="0">
+                  <a:schemeClr val="accent1"/>
+                </a:effectRef>
+                <a:fontRef idx="minor">
+                  <a:schemeClr val="lt1"/>
+                </a:fontRef>
+              </p:style>
+              <p:txBody>
+                <a:bodyPr rtlCol="0" anchor="ctr"/>
+                <a:lstStyle/>
+                <a:p>
+                  <a:pPr algn="ctr"/>
+                  <a:endParaRPr lang="pt-BR"/>
+                </a:p>
+              </p:txBody>
+            </p:sp>
+            <p:sp>
+              <p:nvSpPr>
+                <p:cNvPr id="127" name="Retângulo de cantos arredondados 126"/>
+                <p:cNvSpPr/>
+                <p:nvPr/>
+              </p:nvSpPr>
+              <p:spPr>
+                <a:xfrm rot="10801235">
+                  <a:off x="4623854" y="2306103"/>
+                  <a:ext cx="576064" cy="1008008"/>
+                </a:xfrm>
+                <a:prstGeom prst="roundRect">
+                  <a:avLst>
+                    <a:gd name="adj" fmla="val 50000"/>
+                  </a:avLst>
+                </a:prstGeom>
+                <a:solidFill>
+                  <a:srgbClr val="FF5050"/>
+                </a:solidFill>
+                <a:ln>
+                  <a:noFill/>
+                </a:ln>
+              </p:spPr>
+              <p:style>
+                <a:lnRef idx="2">
+                  <a:schemeClr val="accent1">
+                    <a:shade val="50000"/>
+                  </a:schemeClr>
+                </a:lnRef>
+                <a:fillRef idx="1">
+                  <a:schemeClr val="accent1"/>
+                </a:fillRef>
+                <a:effectRef idx="0">
+                  <a:schemeClr val="accent1"/>
+                </a:effectRef>
+                <a:fontRef idx="minor">
+                  <a:schemeClr val="lt1"/>
+                </a:fontRef>
+              </p:style>
+              <p:txBody>
+                <a:bodyPr rtlCol="0" anchor="ctr"/>
+                <a:lstStyle/>
+                <a:p>
+                  <a:pPr algn="ctr"/>
+                  <a:endParaRPr lang="pt-BR"/>
+                </a:p>
+              </p:txBody>
+            </p:sp>
+            <p:sp>
+              <p:nvSpPr>
+                <p:cNvPr id="128" name="Retângulo 127"/>
+                <p:cNvSpPr/>
+                <p:nvPr/>
+              </p:nvSpPr>
+              <p:spPr>
+                <a:xfrm>
+                  <a:off x="4624036" y="2305999"/>
+                  <a:ext cx="576064" cy="422259"/>
+                </a:xfrm>
+                <a:prstGeom prst="rect">
+                  <a:avLst/>
+                </a:prstGeom>
+                <a:solidFill>
+                  <a:srgbClr val="FF5050"/>
+                </a:solidFill>
+                <a:ln>
+                  <a:noFill/>
+                </a:ln>
+              </p:spPr>
+              <p:style>
+                <a:lnRef idx="2">
+                  <a:schemeClr val="accent1">
+                    <a:shade val="50000"/>
+                  </a:schemeClr>
+                </a:lnRef>
+                <a:fillRef idx="1">
+                  <a:schemeClr val="accent1"/>
+                </a:fillRef>
+                <a:effectRef idx="0">
+                  <a:schemeClr val="accent1"/>
+                </a:effectRef>
+                <a:fontRef idx="minor">
+                  <a:schemeClr val="lt1"/>
+                </a:fontRef>
+              </p:style>
+              <p:txBody>
+                <a:bodyPr rtlCol="0" anchor="ctr"/>
+                <a:lstStyle/>
+                <a:p>
+                  <a:pPr algn="ctr"/>
+                  <a:endParaRPr lang="pt-BR"/>
+                </a:p>
+              </p:txBody>
+            </p:sp>
+          </p:grpSp>
+          <p:sp>
+            <p:nvSpPr>
+              <p:cNvPr id="122" name="Retângulo: Cantos Arredondados 8">
+                <a:extLst>
+                  <a:ext uri="{FF2B5EF4-FFF2-40B4-BE49-F238E27FC236}">
+                    <a16:creationId xmlns="" xmlns:a16="http://schemas.microsoft.com/office/drawing/2014/main" id="{F8102B5C-A279-4902-B60D-5047349AC13D}"/>
+                  </a:ext>
+                </a:extLst>
+              </p:cNvPr>
+              <p:cNvSpPr/>
+              <p:nvPr/>
+            </p:nvSpPr>
+            <p:spPr>
+              <a:xfrm rot="5264378">
+                <a:off x="5818160" y="2735222"/>
+                <a:ext cx="257344" cy="919612"/>
+              </a:xfrm>
+              <a:prstGeom prst="roundRect">
+                <a:avLst>
+                  <a:gd name="adj" fmla="val 50000"/>
+                </a:avLst>
+              </a:prstGeom>
+              <a:solidFill>
+                <a:srgbClr val="43CEFF"/>
+              </a:solidFill>
+              <a:ln>
+                <a:noFill/>
+              </a:ln>
+            </p:spPr>
+            <p:style>
+              <a:lnRef idx="2">
+                <a:schemeClr val="accent1">
+                  <a:shade val="50000"/>
+                </a:schemeClr>
+              </a:lnRef>
+              <a:fillRef idx="1">
+                <a:schemeClr val="accent1"/>
+              </a:fillRef>
+              <a:effectRef idx="0">
+                <a:schemeClr val="accent1"/>
+              </a:effectRef>
+              <a:fontRef idx="minor">
+                <a:schemeClr val="lt1"/>
+              </a:fontRef>
+            </p:style>
+            <p:txBody>
+              <a:bodyPr rtlCol="0" anchor="ctr"/>
+              <a:lstStyle/>
+              <a:p>
+                <a:pPr algn="ctr"/>
+                <a:endParaRPr lang="pt-BR" dirty="0"/>
+              </a:p>
+            </p:txBody>
+          </p:sp>
+        </p:grpSp>
+        <p:grpSp>
+          <p:nvGrpSpPr>
+            <p:cNvPr id="129" name="Grupo 128"/>
+            <p:cNvGrpSpPr/>
+            <p:nvPr/>
+          </p:nvGrpSpPr>
+          <p:grpSpPr>
+            <a:xfrm rot="6416700">
+              <a:off x="9184284" y="3244049"/>
+              <a:ext cx="1838616" cy="609100"/>
+              <a:chOff x="3155680" y="2960252"/>
+              <a:chExt cx="3605346" cy="1194386"/>
+            </a:xfrm>
+          </p:grpSpPr>
+          <p:grpSp>
+            <p:nvGrpSpPr>
+              <p:cNvPr id="130" name="Grupo 129"/>
+              <p:cNvGrpSpPr/>
+              <p:nvPr/>
+            </p:nvGrpSpPr>
+            <p:grpSpPr>
+              <a:xfrm rot="5348328">
+                <a:off x="4361160" y="1754772"/>
+                <a:ext cx="1194386" cy="3605346"/>
+                <a:chOff x="4623674" y="1297992"/>
+                <a:chExt cx="668407" cy="2017638"/>
+              </a:xfrm>
+            </p:grpSpPr>
+            <p:sp>
+              <p:nvSpPr>
+                <p:cNvPr id="132" name="Retângulo de cantos arredondados 131"/>
+                <p:cNvSpPr/>
+                <p:nvPr/>
+              </p:nvSpPr>
+              <p:spPr>
+                <a:xfrm>
+                  <a:off x="4716016" y="1299406"/>
+                  <a:ext cx="576064" cy="2016224"/>
+                </a:xfrm>
+                <a:prstGeom prst="roundRect">
+                  <a:avLst>
+                    <a:gd name="adj" fmla="val 50000"/>
+                  </a:avLst>
+                </a:prstGeom>
+                <a:solidFill>
+                  <a:srgbClr val="00759E"/>
+                </a:solidFill>
+                <a:ln>
+                  <a:noFill/>
+                </a:ln>
+              </p:spPr>
+              <p:style>
+                <a:lnRef idx="2">
+                  <a:schemeClr val="accent1">
+                    <a:shade val="50000"/>
+                  </a:schemeClr>
+                </a:lnRef>
+                <a:fillRef idx="1">
+                  <a:schemeClr val="accent1"/>
+                </a:fillRef>
+                <a:effectRef idx="0">
+                  <a:schemeClr val="accent1"/>
+                </a:effectRef>
+                <a:fontRef idx="minor">
+                  <a:schemeClr val="lt1"/>
+                </a:fontRef>
+              </p:style>
+              <p:txBody>
+                <a:bodyPr rtlCol="0" anchor="ctr"/>
+                <a:lstStyle/>
+                <a:p>
+                  <a:pPr algn="ctr"/>
+                  <a:endParaRPr lang="pt-BR"/>
+                </a:p>
+              </p:txBody>
+            </p:sp>
+            <p:sp>
+              <p:nvSpPr>
+                <p:cNvPr id="133" name="Retângulo de cantos arredondados 132"/>
+                <p:cNvSpPr/>
+                <p:nvPr/>
+              </p:nvSpPr>
+              <p:spPr>
+                <a:xfrm rot="10801235">
+                  <a:off x="4715835" y="2306102"/>
+                  <a:ext cx="576064" cy="1008008"/>
+                </a:xfrm>
+                <a:prstGeom prst="roundRect">
+                  <a:avLst>
+                    <a:gd name="adj" fmla="val 50000"/>
+                  </a:avLst>
+                </a:prstGeom>
+                <a:solidFill>
+                  <a:srgbClr val="C00000"/>
+                </a:solidFill>
+                <a:ln>
+                  <a:noFill/>
+                </a:ln>
+              </p:spPr>
+              <p:style>
+                <a:lnRef idx="2">
+                  <a:schemeClr val="accent1">
+                    <a:shade val="50000"/>
+                  </a:schemeClr>
+                </a:lnRef>
+                <a:fillRef idx="1">
+                  <a:schemeClr val="accent1"/>
+                </a:fillRef>
+                <a:effectRef idx="0">
+                  <a:schemeClr val="accent1"/>
+                </a:effectRef>
+                <a:fontRef idx="minor">
+                  <a:schemeClr val="lt1"/>
+                </a:fontRef>
+              </p:style>
+              <p:txBody>
+                <a:bodyPr rtlCol="0" anchor="ctr"/>
+                <a:lstStyle/>
+                <a:p>
+                  <a:pPr algn="ctr"/>
+                  <a:endParaRPr lang="pt-BR"/>
+                </a:p>
+              </p:txBody>
+            </p:sp>
+            <p:sp>
+              <p:nvSpPr>
+                <p:cNvPr id="134" name="Retângulo 133"/>
+                <p:cNvSpPr/>
+                <p:nvPr/>
+              </p:nvSpPr>
+              <p:spPr>
+                <a:xfrm>
+                  <a:off x="4716017" y="2305998"/>
+                  <a:ext cx="576064" cy="422259"/>
+                </a:xfrm>
+                <a:prstGeom prst="rect">
+                  <a:avLst/>
+                </a:prstGeom>
+                <a:solidFill>
+                  <a:srgbClr val="C00000"/>
+                </a:solidFill>
+                <a:ln>
+                  <a:noFill/>
+                </a:ln>
+              </p:spPr>
+              <p:style>
+                <a:lnRef idx="2">
+                  <a:schemeClr val="accent1">
+                    <a:shade val="50000"/>
+                  </a:schemeClr>
+                </a:lnRef>
+                <a:fillRef idx="1">
+                  <a:schemeClr val="accent1"/>
+                </a:fillRef>
+                <a:effectRef idx="0">
+                  <a:schemeClr val="accent1"/>
+                </a:effectRef>
+                <a:fontRef idx="minor">
+                  <a:schemeClr val="lt1"/>
+                </a:fontRef>
+              </p:style>
+              <p:txBody>
+                <a:bodyPr rtlCol="0" anchor="ctr"/>
+                <a:lstStyle/>
+                <a:p>
+                  <a:pPr algn="ctr"/>
+                  <a:endParaRPr lang="pt-BR"/>
+                </a:p>
+              </p:txBody>
+            </p:sp>
+            <p:sp>
+              <p:nvSpPr>
+                <p:cNvPr id="135" name="Retângulo de cantos arredondados 134"/>
+                <p:cNvSpPr/>
+                <p:nvPr/>
+              </p:nvSpPr>
+              <p:spPr>
+                <a:xfrm>
+                  <a:off x="4623674" y="1297992"/>
+                  <a:ext cx="576064" cy="2016224"/>
+                </a:xfrm>
+                <a:prstGeom prst="roundRect">
+                  <a:avLst>
+                    <a:gd name="adj" fmla="val 50000"/>
+                  </a:avLst>
+                </a:prstGeom>
+                <a:solidFill>
+                  <a:srgbClr val="00B0F0"/>
+                </a:solidFill>
+                <a:ln>
+                  <a:noFill/>
+                </a:ln>
+              </p:spPr>
+              <p:style>
+                <a:lnRef idx="2">
+                  <a:schemeClr val="accent1">
+                    <a:shade val="50000"/>
+                  </a:schemeClr>
+                </a:lnRef>
+                <a:fillRef idx="1">
+                  <a:schemeClr val="accent1"/>
+                </a:fillRef>
+                <a:effectRef idx="0">
+                  <a:schemeClr val="accent1"/>
+                </a:effectRef>
+                <a:fontRef idx="minor">
+                  <a:schemeClr val="lt1"/>
+                </a:fontRef>
+              </p:style>
+              <p:txBody>
+                <a:bodyPr rtlCol="0" anchor="ctr"/>
+                <a:lstStyle/>
+                <a:p>
+                  <a:pPr algn="ctr"/>
+                  <a:endParaRPr lang="pt-BR"/>
+                </a:p>
+              </p:txBody>
+            </p:sp>
+            <p:sp>
+              <p:nvSpPr>
+                <p:cNvPr id="136" name="Retângulo de cantos arredondados 135"/>
+                <p:cNvSpPr/>
+                <p:nvPr/>
+              </p:nvSpPr>
+              <p:spPr>
+                <a:xfrm rot="10801235">
+                  <a:off x="4623854" y="2306103"/>
+                  <a:ext cx="576064" cy="1008008"/>
+                </a:xfrm>
+                <a:prstGeom prst="roundRect">
+                  <a:avLst>
+                    <a:gd name="adj" fmla="val 50000"/>
+                  </a:avLst>
+                </a:prstGeom>
+                <a:solidFill>
+                  <a:srgbClr val="FF5050"/>
+                </a:solidFill>
+                <a:ln>
+                  <a:noFill/>
+                </a:ln>
+              </p:spPr>
+              <p:style>
+                <a:lnRef idx="2">
+                  <a:schemeClr val="accent1">
+                    <a:shade val="50000"/>
+                  </a:schemeClr>
+                </a:lnRef>
+                <a:fillRef idx="1">
+                  <a:schemeClr val="accent1"/>
+                </a:fillRef>
+                <a:effectRef idx="0">
+                  <a:schemeClr val="accent1"/>
+                </a:effectRef>
+                <a:fontRef idx="minor">
+                  <a:schemeClr val="lt1"/>
+                </a:fontRef>
+              </p:style>
+              <p:txBody>
+                <a:bodyPr rtlCol="0" anchor="ctr"/>
+                <a:lstStyle/>
+                <a:p>
+                  <a:pPr algn="ctr"/>
+                  <a:endParaRPr lang="pt-BR"/>
+                </a:p>
+              </p:txBody>
+            </p:sp>
+            <p:sp>
+              <p:nvSpPr>
+                <p:cNvPr id="137" name="Retângulo 136"/>
+                <p:cNvSpPr/>
+                <p:nvPr/>
+              </p:nvSpPr>
+              <p:spPr>
+                <a:xfrm>
+                  <a:off x="4624036" y="2305999"/>
+                  <a:ext cx="576064" cy="422259"/>
+                </a:xfrm>
+                <a:prstGeom prst="rect">
+                  <a:avLst/>
+                </a:prstGeom>
+                <a:solidFill>
+                  <a:srgbClr val="FF5050"/>
+                </a:solidFill>
+                <a:ln>
+                  <a:noFill/>
+                </a:ln>
+              </p:spPr>
+              <p:style>
+                <a:lnRef idx="2">
+                  <a:schemeClr val="accent1">
+                    <a:shade val="50000"/>
+                  </a:schemeClr>
+                </a:lnRef>
+                <a:fillRef idx="1">
+                  <a:schemeClr val="accent1"/>
+                </a:fillRef>
+                <a:effectRef idx="0">
+                  <a:schemeClr val="accent1"/>
+                </a:effectRef>
+                <a:fontRef idx="minor">
+                  <a:schemeClr val="lt1"/>
+                </a:fontRef>
+              </p:style>
+              <p:txBody>
+                <a:bodyPr rtlCol="0" anchor="ctr"/>
+                <a:lstStyle/>
+                <a:p>
+                  <a:pPr algn="ctr"/>
+                  <a:endParaRPr lang="pt-BR"/>
+                </a:p>
+              </p:txBody>
+            </p:sp>
+          </p:grpSp>
+          <p:sp>
+            <p:nvSpPr>
+              <p:cNvPr id="131" name="Retângulo: Cantos Arredondados 8">
+                <a:extLst>
+                  <a:ext uri="{FF2B5EF4-FFF2-40B4-BE49-F238E27FC236}">
+                    <a16:creationId xmlns="" xmlns:a16="http://schemas.microsoft.com/office/drawing/2014/main" id="{F8102B5C-A279-4902-B60D-5047349AC13D}"/>
+                  </a:ext>
+                </a:extLst>
+              </p:cNvPr>
+              <p:cNvSpPr/>
+              <p:nvPr/>
+            </p:nvSpPr>
+            <p:spPr>
+              <a:xfrm rot="5264378">
+                <a:off x="5818160" y="2735222"/>
+                <a:ext cx="257344" cy="919612"/>
+              </a:xfrm>
+              <a:prstGeom prst="roundRect">
+                <a:avLst>
+                  <a:gd name="adj" fmla="val 50000"/>
+                </a:avLst>
+              </a:prstGeom>
+              <a:solidFill>
+                <a:srgbClr val="43CEFF"/>
+              </a:solidFill>
+              <a:ln>
+                <a:noFill/>
+              </a:ln>
+            </p:spPr>
+            <p:style>
+              <a:lnRef idx="2">
+                <a:schemeClr val="accent1">
+                  <a:shade val="50000"/>
+                </a:schemeClr>
+              </a:lnRef>
+              <a:fillRef idx="1">
+                <a:schemeClr val="accent1"/>
+              </a:fillRef>
+              <a:effectRef idx="0">
+                <a:schemeClr val="accent1"/>
+              </a:effectRef>
+              <a:fontRef idx="minor">
+                <a:schemeClr val="lt1"/>
+              </a:fontRef>
+            </p:style>
+            <p:txBody>
+              <a:bodyPr rtlCol="0" anchor="ctr"/>
+              <a:lstStyle/>
+              <a:p>
+                <a:pPr algn="ctr"/>
+                <a:endParaRPr lang="pt-BR" dirty="0"/>
+              </a:p>
+            </p:txBody>
+          </p:sp>
+        </p:grpSp>
+        <p:grpSp>
+          <p:nvGrpSpPr>
+            <p:cNvPr id="138" name="Grupo 137"/>
+            <p:cNvGrpSpPr/>
+            <p:nvPr/>
+          </p:nvGrpSpPr>
+          <p:grpSpPr>
+            <a:xfrm rot="19430769">
+              <a:off x="9144035" y="4563065"/>
+              <a:ext cx="1838616" cy="609100"/>
+              <a:chOff x="3155680" y="2960252"/>
+              <a:chExt cx="3605346" cy="1194386"/>
+            </a:xfrm>
+          </p:grpSpPr>
+          <p:grpSp>
+            <p:nvGrpSpPr>
+              <p:cNvPr id="139" name="Grupo 138"/>
+              <p:cNvGrpSpPr/>
+              <p:nvPr/>
+            </p:nvGrpSpPr>
+            <p:grpSpPr>
+              <a:xfrm rot="5348328">
+                <a:off x="4361160" y="1754772"/>
+                <a:ext cx="1194386" cy="3605346"/>
+                <a:chOff x="4623674" y="1297992"/>
+                <a:chExt cx="668407" cy="2017638"/>
+              </a:xfrm>
+            </p:grpSpPr>
+            <p:sp>
+              <p:nvSpPr>
+                <p:cNvPr id="141" name="Retângulo de cantos arredondados 140"/>
+                <p:cNvSpPr/>
+                <p:nvPr/>
+              </p:nvSpPr>
+              <p:spPr>
+                <a:xfrm>
+                  <a:off x="4716016" y="1299406"/>
+                  <a:ext cx="576064" cy="2016224"/>
+                </a:xfrm>
+                <a:prstGeom prst="roundRect">
+                  <a:avLst>
+                    <a:gd name="adj" fmla="val 50000"/>
+                  </a:avLst>
+                </a:prstGeom>
+                <a:solidFill>
+                  <a:srgbClr val="00759E"/>
+                </a:solidFill>
+                <a:ln>
+                  <a:noFill/>
+                </a:ln>
+              </p:spPr>
+              <p:style>
+                <a:lnRef idx="2">
+                  <a:schemeClr val="accent1">
+                    <a:shade val="50000"/>
+                  </a:schemeClr>
+                </a:lnRef>
+                <a:fillRef idx="1">
+                  <a:schemeClr val="accent1"/>
+                </a:fillRef>
+                <a:effectRef idx="0">
+                  <a:schemeClr val="accent1"/>
+                </a:effectRef>
+                <a:fontRef idx="minor">
+                  <a:schemeClr val="lt1"/>
+                </a:fontRef>
+              </p:style>
+              <p:txBody>
+                <a:bodyPr rtlCol="0" anchor="ctr"/>
+                <a:lstStyle/>
+                <a:p>
+                  <a:pPr algn="ctr"/>
+                  <a:endParaRPr lang="pt-BR"/>
+                </a:p>
+              </p:txBody>
+            </p:sp>
+            <p:sp>
+              <p:nvSpPr>
+                <p:cNvPr id="142" name="Retângulo de cantos arredondados 141"/>
+                <p:cNvSpPr/>
+                <p:nvPr/>
+              </p:nvSpPr>
+              <p:spPr>
+                <a:xfrm rot="10801235">
+                  <a:off x="4715835" y="2306102"/>
+                  <a:ext cx="576064" cy="1008008"/>
+                </a:xfrm>
+                <a:prstGeom prst="roundRect">
+                  <a:avLst>
+                    <a:gd name="adj" fmla="val 50000"/>
+                  </a:avLst>
+                </a:prstGeom>
+                <a:solidFill>
+                  <a:srgbClr val="C00000"/>
+                </a:solidFill>
+                <a:ln>
+                  <a:noFill/>
+                </a:ln>
+              </p:spPr>
+              <p:style>
+                <a:lnRef idx="2">
+                  <a:schemeClr val="accent1">
+                    <a:shade val="50000"/>
+                  </a:schemeClr>
+                </a:lnRef>
+                <a:fillRef idx="1">
+                  <a:schemeClr val="accent1"/>
+                </a:fillRef>
+                <a:effectRef idx="0">
+                  <a:schemeClr val="accent1"/>
+                </a:effectRef>
+                <a:fontRef idx="minor">
+                  <a:schemeClr val="lt1"/>
+                </a:fontRef>
+              </p:style>
+              <p:txBody>
+                <a:bodyPr rtlCol="0" anchor="ctr"/>
+                <a:lstStyle/>
+                <a:p>
+                  <a:pPr algn="ctr"/>
+                  <a:endParaRPr lang="pt-BR"/>
+                </a:p>
+              </p:txBody>
+            </p:sp>
+            <p:sp>
+              <p:nvSpPr>
+                <p:cNvPr id="143" name="Retângulo 142"/>
+                <p:cNvSpPr/>
+                <p:nvPr/>
+              </p:nvSpPr>
+              <p:spPr>
+                <a:xfrm>
+                  <a:off x="4716017" y="2305998"/>
+                  <a:ext cx="576064" cy="422259"/>
+                </a:xfrm>
+                <a:prstGeom prst="rect">
+                  <a:avLst/>
+                </a:prstGeom>
+                <a:solidFill>
+                  <a:srgbClr val="C00000"/>
+                </a:solidFill>
+                <a:ln>
+                  <a:noFill/>
+                </a:ln>
+              </p:spPr>
+              <p:style>
+                <a:lnRef idx="2">
+                  <a:schemeClr val="accent1">
+                    <a:shade val="50000"/>
+                  </a:schemeClr>
+                </a:lnRef>
+                <a:fillRef idx="1">
+                  <a:schemeClr val="accent1"/>
+                </a:fillRef>
+                <a:effectRef idx="0">
+                  <a:schemeClr val="accent1"/>
+                </a:effectRef>
+                <a:fontRef idx="minor">
+                  <a:schemeClr val="lt1"/>
+                </a:fontRef>
+              </p:style>
+              <p:txBody>
+                <a:bodyPr rtlCol="0" anchor="ctr"/>
+                <a:lstStyle/>
+                <a:p>
+                  <a:pPr algn="ctr"/>
+                  <a:endParaRPr lang="pt-BR"/>
+                </a:p>
+              </p:txBody>
+            </p:sp>
+            <p:sp>
+              <p:nvSpPr>
+                <p:cNvPr id="144" name="Retângulo de cantos arredondados 143"/>
+                <p:cNvSpPr/>
+                <p:nvPr/>
+              </p:nvSpPr>
+              <p:spPr>
+                <a:xfrm>
+                  <a:off x="4623674" y="1297992"/>
+                  <a:ext cx="576064" cy="2016224"/>
+                </a:xfrm>
+                <a:prstGeom prst="roundRect">
+                  <a:avLst>
+                    <a:gd name="adj" fmla="val 50000"/>
+                  </a:avLst>
+                </a:prstGeom>
+                <a:solidFill>
+                  <a:srgbClr val="00B0F0"/>
+                </a:solidFill>
+                <a:ln>
+                  <a:noFill/>
+                </a:ln>
+              </p:spPr>
+              <p:style>
+                <a:lnRef idx="2">
+                  <a:schemeClr val="accent1">
+                    <a:shade val="50000"/>
+                  </a:schemeClr>
+                </a:lnRef>
+                <a:fillRef idx="1">
+                  <a:schemeClr val="accent1"/>
+                </a:fillRef>
+                <a:effectRef idx="0">
+                  <a:schemeClr val="accent1"/>
+                </a:effectRef>
+                <a:fontRef idx="minor">
+                  <a:schemeClr val="lt1"/>
+                </a:fontRef>
+              </p:style>
+              <p:txBody>
+                <a:bodyPr rtlCol="0" anchor="ctr"/>
+                <a:lstStyle/>
+                <a:p>
+                  <a:pPr algn="ctr"/>
+                  <a:endParaRPr lang="pt-BR"/>
+                </a:p>
+              </p:txBody>
+            </p:sp>
+            <p:sp>
+              <p:nvSpPr>
+                <p:cNvPr id="145" name="Retângulo de cantos arredondados 144"/>
+                <p:cNvSpPr/>
+                <p:nvPr/>
+              </p:nvSpPr>
+              <p:spPr>
+                <a:xfrm rot="10801235">
+                  <a:off x="4623854" y="2306103"/>
+                  <a:ext cx="576064" cy="1008008"/>
+                </a:xfrm>
+                <a:prstGeom prst="roundRect">
+                  <a:avLst>
+                    <a:gd name="adj" fmla="val 50000"/>
+                  </a:avLst>
+                </a:prstGeom>
+                <a:solidFill>
+                  <a:srgbClr val="FF5050"/>
+                </a:solidFill>
+                <a:ln>
+                  <a:noFill/>
+                </a:ln>
+              </p:spPr>
+              <p:style>
+                <a:lnRef idx="2">
+                  <a:schemeClr val="accent1">
+                    <a:shade val="50000"/>
+                  </a:schemeClr>
+                </a:lnRef>
+                <a:fillRef idx="1">
+                  <a:schemeClr val="accent1"/>
+                </a:fillRef>
+                <a:effectRef idx="0">
+                  <a:schemeClr val="accent1"/>
+                </a:effectRef>
+                <a:fontRef idx="minor">
+                  <a:schemeClr val="lt1"/>
+                </a:fontRef>
+              </p:style>
+              <p:txBody>
+                <a:bodyPr rtlCol="0" anchor="ctr"/>
+                <a:lstStyle/>
+                <a:p>
+                  <a:pPr algn="ctr"/>
+                  <a:endParaRPr lang="pt-BR"/>
+                </a:p>
+              </p:txBody>
+            </p:sp>
+            <p:sp>
+              <p:nvSpPr>
+                <p:cNvPr id="146" name="Retângulo 145"/>
+                <p:cNvSpPr/>
+                <p:nvPr/>
+              </p:nvSpPr>
+              <p:spPr>
+                <a:xfrm>
+                  <a:off x="4624036" y="2305999"/>
+                  <a:ext cx="576064" cy="422259"/>
+                </a:xfrm>
+                <a:prstGeom prst="rect">
+                  <a:avLst/>
+                </a:prstGeom>
+                <a:solidFill>
+                  <a:srgbClr val="FF5050"/>
+                </a:solidFill>
+                <a:ln>
+                  <a:noFill/>
+                </a:ln>
+              </p:spPr>
+              <p:style>
+                <a:lnRef idx="2">
+                  <a:schemeClr val="accent1">
+                    <a:shade val="50000"/>
+                  </a:schemeClr>
+                </a:lnRef>
+                <a:fillRef idx="1">
+                  <a:schemeClr val="accent1"/>
+                </a:fillRef>
+                <a:effectRef idx="0">
+                  <a:schemeClr val="accent1"/>
+                </a:effectRef>
+                <a:fontRef idx="minor">
+                  <a:schemeClr val="lt1"/>
+                </a:fontRef>
+              </p:style>
+              <p:txBody>
+                <a:bodyPr rtlCol="0" anchor="ctr"/>
+                <a:lstStyle/>
+                <a:p>
+                  <a:pPr algn="ctr"/>
+                  <a:endParaRPr lang="pt-BR"/>
+                </a:p>
+              </p:txBody>
+            </p:sp>
+          </p:grpSp>
+          <p:sp>
+            <p:nvSpPr>
+              <p:cNvPr id="140" name="Retângulo: Cantos Arredondados 8">
+                <a:extLst>
+                  <a:ext uri="{FF2B5EF4-FFF2-40B4-BE49-F238E27FC236}">
+                    <a16:creationId xmlns="" xmlns:a16="http://schemas.microsoft.com/office/drawing/2014/main" id="{F8102B5C-A279-4902-B60D-5047349AC13D}"/>
+                  </a:ext>
+                </a:extLst>
+              </p:cNvPr>
+              <p:cNvSpPr/>
+              <p:nvPr/>
+            </p:nvSpPr>
+            <p:spPr>
+              <a:xfrm rot="5264378">
+                <a:off x="5818160" y="2735222"/>
+                <a:ext cx="257344" cy="919612"/>
+              </a:xfrm>
+              <a:prstGeom prst="roundRect">
+                <a:avLst>
+                  <a:gd name="adj" fmla="val 50000"/>
+                </a:avLst>
+              </a:prstGeom>
+              <a:solidFill>
+                <a:srgbClr val="43CEFF"/>
+              </a:solidFill>
+              <a:ln>
+                <a:noFill/>
+              </a:ln>
+            </p:spPr>
+            <p:style>
+              <a:lnRef idx="2">
+                <a:schemeClr val="accent1">
+                  <a:shade val="50000"/>
+                </a:schemeClr>
+              </a:lnRef>
+              <a:fillRef idx="1">
+                <a:schemeClr val="accent1"/>
+              </a:fillRef>
+              <a:effectRef idx="0">
+                <a:schemeClr val="accent1"/>
+              </a:effectRef>
+              <a:fontRef idx="minor">
+                <a:schemeClr val="lt1"/>
+              </a:fontRef>
+            </p:style>
+            <p:txBody>
+              <a:bodyPr rtlCol="0" anchor="ctr"/>
+              <a:lstStyle/>
+              <a:p>
+                <a:pPr algn="ctr"/>
+                <a:endParaRPr lang="pt-BR" dirty="0"/>
+              </a:p>
+            </p:txBody>
+          </p:sp>
+        </p:grpSp>
+        <p:grpSp>
+          <p:nvGrpSpPr>
+            <p:cNvPr id="147" name="Grupo 146"/>
+            <p:cNvGrpSpPr/>
+            <p:nvPr/>
+          </p:nvGrpSpPr>
+          <p:grpSpPr>
+            <a:xfrm rot="3434257">
+              <a:off x="6023183" y="3614971"/>
+              <a:ext cx="806813" cy="861560"/>
+              <a:chOff x="2015727" y="1453420"/>
+              <a:chExt cx="1279128" cy="1365925"/>
+            </a:xfrm>
+          </p:grpSpPr>
+          <p:grpSp>
+            <p:nvGrpSpPr>
+              <p:cNvPr id="148" name="Agrupar 6">
+                <a:extLst>
+                  <a:ext uri="{FF2B5EF4-FFF2-40B4-BE49-F238E27FC236}">
+                    <a16:creationId xmlns="" xmlns:a16="http://schemas.microsoft.com/office/drawing/2014/main" id="{E976DEB7-185B-4375-9DBA-5D78AF26D6D7}"/>
+                  </a:ext>
+                </a:extLst>
+              </p:cNvPr>
+              <p:cNvGrpSpPr/>
+              <p:nvPr/>
+            </p:nvGrpSpPr>
+            <p:grpSpPr>
+              <a:xfrm rot="3216273">
+                <a:off x="1972328" y="1496819"/>
+                <a:ext cx="1365925" cy="1279128"/>
+                <a:chOff x="4040808" y="1617353"/>
+                <a:chExt cx="1158330" cy="1017301"/>
+              </a:xfrm>
+            </p:grpSpPr>
+            <p:sp>
+              <p:nvSpPr>
+                <p:cNvPr id="150" name="Elipse 149">
+                  <a:extLst>
+                    <a:ext uri="{FF2B5EF4-FFF2-40B4-BE49-F238E27FC236}">
+                      <a16:creationId xmlns="" xmlns:a16="http://schemas.microsoft.com/office/drawing/2014/main" id="{8DA61EDA-D65F-407B-82BD-B427144766D3}"/>
+                    </a:ext>
+                  </a:extLst>
+                </p:cNvPr>
+                <p:cNvSpPr/>
+                <p:nvPr/>
+              </p:nvSpPr>
+              <p:spPr>
+                <a:xfrm>
+                  <a:off x="4091699" y="1698550"/>
+                  <a:ext cx="1107439" cy="936104"/>
+                </a:xfrm>
+                <a:prstGeom prst="ellipse">
+                  <a:avLst/>
+                </a:prstGeom>
+                <a:solidFill>
+                  <a:srgbClr val="E0E0E0"/>
+                </a:solidFill>
+                <a:ln>
+                  <a:noFill/>
+                </a:ln>
+              </p:spPr>
+              <p:style>
+                <a:lnRef idx="2">
+                  <a:schemeClr val="accent1">
+                    <a:shade val="50000"/>
+                  </a:schemeClr>
+                </a:lnRef>
+                <a:fillRef idx="1">
+                  <a:schemeClr val="accent1"/>
+                </a:fillRef>
+                <a:effectRef idx="0">
+                  <a:schemeClr val="accent1"/>
+                </a:effectRef>
+                <a:fontRef idx="minor">
+                  <a:schemeClr val="lt1"/>
+                </a:fontRef>
+              </p:style>
+              <p:txBody>
+                <a:bodyPr rtlCol="0" anchor="ctr"/>
+                <a:lstStyle/>
+                <a:p>
+                  <a:pPr algn="ctr"/>
+                  <a:endParaRPr lang="pt-BR" dirty="0"/>
+                </a:p>
+              </p:txBody>
+            </p:sp>
+            <p:sp>
+              <p:nvSpPr>
+                <p:cNvPr id="151" name="Elipse 150">
+                  <a:extLst>
+                    <a:ext uri="{FF2B5EF4-FFF2-40B4-BE49-F238E27FC236}">
+                      <a16:creationId xmlns="" xmlns:a16="http://schemas.microsoft.com/office/drawing/2014/main" id="{A6965E2E-3446-4C27-9E1F-A31F25446713}"/>
+                    </a:ext>
+                  </a:extLst>
+                </p:cNvPr>
+                <p:cNvSpPr/>
+                <p:nvPr/>
+              </p:nvSpPr>
+              <p:spPr>
+                <a:xfrm>
+                  <a:off x="4040808" y="1617353"/>
+                  <a:ext cx="1107439" cy="936104"/>
+                </a:xfrm>
+                <a:prstGeom prst="ellipse">
+                  <a:avLst/>
+                </a:prstGeom>
+                <a:solidFill>
+                  <a:schemeClr val="bg1"/>
+                </a:solidFill>
+                <a:ln>
+                  <a:noFill/>
+                </a:ln>
+              </p:spPr>
+              <p:style>
+                <a:lnRef idx="2">
+                  <a:schemeClr val="accent1">
+                    <a:shade val="50000"/>
+                  </a:schemeClr>
+                </a:lnRef>
+                <a:fillRef idx="1">
+                  <a:schemeClr val="accent1"/>
+                </a:fillRef>
+                <a:effectRef idx="0">
+                  <a:schemeClr val="accent1"/>
+                </a:effectRef>
+                <a:fontRef idx="minor">
+                  <a:schemeClr val="lt1"/>
+                </a:fontRef>
+              </p:style>
+              <p:txBody>
+                <a:bodyPr rtlCol="0" anchor="ctr"/>
+                <a:lstStyle/>
+                <a:p>
+                  <a:pPr algn="ctr"/>
+                  <a:endParaRPr lang="pt-BR" dirty="0"/>
+                </a:p>
+              </p:txBody>
+            </p:sp>
+          </p:grpSp>
+          <p:cxnSp>
+            <p:nvCxnSpPr>
+              <p:cNvPr id="149" name="Conector reto 148"/>
+              <p:cNvCxnSpPr>
+                <a:stCxn id="151" idx="0"/>
+                <a:endCxn id="151" idx="4"/>
+              </p:cNvCxnSpPr>
+              <p:nvPr/>
+            </p:nvCxnSpPr>
+            <p:spPr>
+              <a:xfrm flipH="1">
+                <a:off x="2204856" y="1732742"/>
+                <a:ext cx="947442" cy="698398"/>
+              </a:xfrm>
+              <a:prstGeom prst="line">
+                <a:avLst/>
+              </a:prstGeom>
+              <a:ln w="76200">
+                <a:solidFill>
+                  <a:schemeClr val="bg1">
+                    <a:lumMod val="85000"/>
+                  </a:schemeClr>
+                </a:solidFill>
+              </a:ln>
+            </p:spPr>
+            <p:style>
+              <a:lnRef idx="1">
+                <a:schemeClr val="accent1"/>
+              </a:lnRef>
+              <a:fillRef idx="0">
+                <a:schemeClr val="accent1"/>
+              </a:fillRef>
+              <a:effectRef idx="0">
+                <a:schemeClr val="accent1"/>
+              </a:effectRef>
+              <a:fontRef idx="minor">
+                <a:schemeClr val="tx1"/>
+              </a:fontRef>
+            </p:style>
+          </p:cxnSp>
+        </p:grpSp>
+        <p:grpSp>
+          <p:nvGrpSpPr>
+            <p:cNvPr id="152" name="Grupo 151"/>
+            <p:cNvGrpSpPr/>
+            <p:nvPr/>
+          </p:nvGrpSpPr>
+          <p:grpSpPr>
+            <a:xfrm rot="20952443">
+              <a:off x="7683182" y="3614423"/>
+              <a:ext cx="472005" cy="1647826"/>
+              <a:chOff x="4623672" y="1297992"/>
+              <a:chExt cx="668409" cy="2017638"/>
+            </a:xfrm>
+            <a:solidFill>
+              <a:schemeClr val="bg1"/>
+            </a:solidFill>
+          </p:grpSpPr>
+          <p:sp>
+            <p:nvSpPr>
+              <p:cNvPr id="153" name="Retângulo de cantos arredondados 152"/>
+              <p:cNvSpPr/>
+              <p:nvPr/>
+            </p:nvSpPr>
+            <p:spPr>
+              <a:xfrm>
+                <a:off x="4716015" y="1299406"/>
+                <a:ext cx="576064" cy="2016224"/>
+              </a:xfrm>
+              <a:prstGeom prst="roundRect">
+                <a:avLst>
+                  <a:gd name="adj" fmla="val 50000"/>
+                </a:avLst>
+              </a:prstGeom>
+              <a:solidFill>
+                <a:srgbClr val="E0E0E0"/>
+              </a:solidFill>
+              <a:ln>
+                <a:noFill/>
+              </a:ln>
+            </p:spPr>
+            <p:style>
+              <a:lnRef idx="2">
+                <a:schemeClr val="accent1">
+                  <a:shade val="50000"/>
+                </a:schemeClr>
+              </a:lnRef>
+              <a:fillRef idx="1">
+                <a:schemeClr val="accent1"/>
+              </a:fillRef>
+              <a:effectRef idx="0">
+                <a:schemeClr val="accent1"/>
+              </a:effectRef>
+              <a:fontRef idx="minor">
+                <a:schemeClr val="lt1"/>
+              </a:fontRef>
+            </p:style>
+            <p:txBody>
+              <a:bodyPr rtlCol="0" anchor="ctr"/>
+              <a:lstStyle/>
+              <a:p>
+                <a:pPr algn="ctr"/>
+                <a:endParaRPr lang="pt-BR"/>
+              </a:p>
+            </p:txBody>
+          </p:sp>
+          <p:sp>
+            <p:nvSpPr>
+              <p:cNvPr id="154" name="Retângulo de cantos arredondados 153"/>
+              <p:cNvSpPr/>
+              <p:nvPr/>
+            </p:nvSpPr>
+            <p:spPr>
+              <a:xfrm rot="10801235">
+                <a:off x="4715835" y="2306102"/>
+                <a:ext cx="576064" cy="1008008"/>
+              </a:xfrm>
+              <a:prstGeom prst="roundRect">
+                <a:avLst>
+                  <a:gd name="adj" fmla="val 50000"/>
+                </a:avLst>
+              </a:prstGeom>
+              <a:solidFill>
+                <a:srgbClr val="E0E0E0"/>
+              </a:solidFill>
+              <a:ln>
+                <a:noFill/>
+              </a:ln>
+            </p:spPr>
+            <p:style>
+              <a:lnRef idx="2">
+                <a:schemeClr val="accent1">
+                  <a:shade val="50000"/>
+                </a:schemeClr>
+              </a:lnRef>
+              <a:fillRef idx="1">
+                <a:schemeClr val="accent1"/>
+              </a:fillRef>
+              <a:effectRef idx="0">
+                <a:schemeClr val="accent1"/>
+              </a:effectRef>
+              <a:fontRef idx="minor">
+                <a:schemeClr val="lt1"/>
+              </a:fontRef>
+            </p:style>
+            <p:txBody>
+              <a:bodyPr rtlCol="0" anchor="ctr"/>
+              <a:lstStyle/>
+              <a:p>
+                <a:pPr algn="ctr"/>
+                <a:endParaRPr lang="pt-BR"/>
+              </a:p>
+            </p:txBody>
+          </p:sp>
+          <p:sp>
+            <p:nvSpPr>
+              <p:cNvPr id="155" name="Retângulo 154"/>
+              <p:cNvSpPr/>
+              <p:nvPr/>
+            </p:nvSpPr>
+            <p:spPr>
+              <a:xfrm>
+                <a:off x="4716017" y="2305998"/>
+                <a:ext cx="576064" cy="422259"/>
+              </a:xfrm>
+              <a:prstGeom prst="rect">
+                <a:avLst/>
+              </a:prstGeom>
+              <a:solidFill>
+                <a:srgbClr val="E0E0E0"/>
+              </a:solidFill>
+              <a:ln>
+                <a:noFill/>
+              </a:ln>
+            </p:spPr>
+            <p:style>
+              <a:lnRef idx="2">
+                <a:schemeClr val="accent1">
+                  <a:shade val="50000"/>
+                </a:schemeClr>
+              </a:lnRef>
+              <a:fillRef idx="1">
+                <a:schemeClr val="accent1"/>
+              </a:fillRef>
+              <a:effectRef idx="0">
+                <a:schemeClr val="accent1"/>
+              </a:effectRef>
+              <a:fontRef idx="minor">
+                <a:schemeClr val="lt1"/>
+              </a:fontRef>
+            </p:style>
+            <p:txBody>
+              <a:bodyPr rtlCol="0" anchor="ctr"/>
+              <a:lstStyle/>
+              <a:p>
+                <a:pPr algn="ctr"/>
+                <a:endParaRPr lang="pt-BR"/>
+              </a:p>
+            </p:txBody>
+          </p:sp>
+          <p:sp>
+            <p:nvSpPr>
+              <p:cNvPr id="156" name="Retângulo de cantos arredondados 155"/>
+              <p:cNvSpPr/>
+              <p:nvPr/>
+            </p:nvSpPr>
+            <p:spPr>
+              <a:xfrm>
+                <a:off x="4623672" y="1297992"/>
+                <a:ext cx="576064" cy="2016224"/>
+              </a:xfrm>
+              <a:prstGeom prst="roundRect">
+                <a:avLst>
+                  <a:gd name="adj" fmla="val 50000"/>
+                </a:avLst>
+              </a:prstGeom>
+              <a:grpFill/>
+              <a:ln>
+                <a:noFill/>
+              </a:ln>
+            </p:spPr>
+            <p:style>
+              <a:lnRef idx="2">
+                <a:schemeClr val="accent1">
+                  <a:shade val="50000"/>
+                </a:schemeClr>
+              </a:lnRef>
+              <a:fillRef idx="1">
+                <a:schemeClr val="accent1"/>
+              </a:fillRef>
+              <a:effectRef idx="0">
+                <a:schemeClr val="accent1"/>
+              </a:effectRef>
+              <a:fontRef idx="minor">
+                <a:schemeClr val="lt1"/>
+              </a:fontRef>
+            </p:style>
+            <p:txBody>
+              <a:bodyPr rtlCol="0" anchor="ctr"/>
+              <a:lstStyle/>
+              <a:p>
+                <a:pPr algn="ctr"/>
+                <a:endParaRPr lang="pt-BR" dirty="0"/>
+              </a:p>
+            </p:txBody>
+          </p:sp>
+          <p:sp>
+            <p:nvSpPr>
+              <p:cNvPr id="157" name="Retângulo de cantos arredondados 156"/>
+              <p:cNvSpPr/>
+              <p:nvPr/>
+            </p:nvSpPr>
+            <p:spPr>
+              <a:xfrm rot="10801235">
+                <a:off x="4623854" y="2306103"/>
+                <a:ext cx="576064" cy="1008008"/>
+              </a:xfrm>
+              <a:prstGeom prst="roundRect">
+                <a:avLst>
+                  <a:gd name="adj" fmla="val 50000"/>
+                </a:avLst>
+              </a:prstGeom>
+              <a:grpFill/>
+              <a:ln>
+                <a:noFill/>
+              </a:ln>
+            </p:spPr>
+            <p:style>
+              <a:lnRef idx="2">
+                <a:schemeClr val="accent1">
+                  <a:shade val="50000"/>
+                </a:schemeClr>
+              </a:lnRef>
+              <a:fillRef idx="1">
+                <a:schemeClr val="accent1"/>
+              </a:fillRef>
+              <a:effectRef idx="0">
+                <a:schemeClr val="accent1"/>
+              </a:effectRef>
+              <a:fontRef idx="minor">
+                <a:schemeClr val="lt1"/>
+              </a:fontRef>
+            </p:style>
+            <p:txBody>
+              <a:bodyPr rtlCol="0" anchor="ctr"/>
+              <a:lstStyle/>
+              <a:p>
+                <a:pPr algn="ctr"/>
+                <a:endParaRPr lang="pt-BR"/>
+              </a:p>
+            </p:txBody>
+          </p:sp>
+          <p:sp>
+            <p:nvSpPr>
+              <p:cNvPr id="158" name="Retângulo 157"/>
+              <p:cNvSpPr/>
+              <p:nvPr/>
+            </p:nvSpPr>
+            <p:spPr>
+              <a:xfrm>
+                <a:off x="4624036" y="2305999"/>
+                <a:ext cx="576064" cy="422259"/>
+              </a:xfrm>
+              <a:prstGeom prst="rect">
+                <a:avLst/>
+              </a:prstGeom>
+              <a:grpFill/>
+              <a:ln>
+                <a:noFill/>
+              </a:ln>
+            </p:spPr>
+            <p:style>
+              <a:lnRef idx="2">
+                <a:schemeClr val="accent1">
+                  <a:shade val="50000"/>
+                </a:schemeClr>
+              </a:lnRef>
+              <a:fillRef idx="1">
+                <a:schemeClr val="accent1"/>
+              </a:fillRef>
+              <a:effectRef idx="0">
+                <a:schemeClr val="accent1"/>
+              </a:effectRef>
+              <a:fontRef idx="minor">
+                <a:schemeClr val="lt1"/>
+              </a:fontRef>
+            </p:style>
+            <p:txBody>
+              <a:bodyPr rtlCol="0" anchor="ctr"/>
+              <a:lstStyle/>
+              <a:p>
+                <a:pPr algn="ctr"/>
+                <a:endParaRPr lang="pt-BR"/>
+              </a:p>
+            </p:txBody>
+          </p:sp>
+        </p:grpSp>
+        <p:grpSp>
+          <p:nvGrpSpPr>
+            <p:cNvPr id="159" name="Grupo 158"/>
+            <p:cNvGrpSpPr/>
+            <p:nvPr/>
+          </p:nvGrpSpPr>
+          <p:grpSpPr>
+            <a:xfrm rot="2545418">
+              <a:off x="5927177" y="1685920"/>
+              <a:ext cx="472005" cy="1647826"/>
+              <a:chOff x="4623672" y="1297992"/>
+              <a:chExt cx="668409" cy="2017638"/>
+            </a:xfrm>
+            <a:solidFill>
+              <a:schemeClr val="bg1"/>
+            </a:solidFill>
+          </p:grpSpPr>
+          <p:sp>
+            <p:nvSpPr>
+              <p:cNvPr id="160" name="Retângulo de cantos arredondados 159"/>
+              <p:cNvSpPr/>
+              <p:nvPr/>
+            </p:nvSpPr>
+            <p:spPr>
+              <a:xfrm>
+                <a:off x="4716015" y="1299406"/>
+                <a:ext cx="576064" cy="2016224"/>
+              </a:xfrm>
+              <a:prstGeom prst="roundRect">
+                <a:avLst>
+                  <a:gd name="adj" fmla="val 50000"/>
+                </a:avLst>
+              </a:prstGeom>
+              <a:solidFill>
+                <a:srgbClr val="E0E0E0"/>
+              </a:solidFill>
+              <a:ln>
+                <a:noFill/>
+              </a:ln>
+            </p:spPr>
+            <p:style>
+              <a:lnRef idx="2">
+                <a:schemeClr val="accent1">
+                  <a:shade val="50000"/>
+                </a:schemeClr>
+              </a:lnRef>
+              <a:fillRef idx="1">
+                <a:schemeClr val="accent1"/>
+              </a:fillRef>
+              <a:effectRef idx="0">
+                <a:schemeClr val="accent1"/>
+              </a:effectRef>
+              <a:fontRef idx="minor">
+                <a:schemeClr val="lt1"/>
+              </a:fontRef>
+            </p:style>
+            <p:txBody>
+              <a:bodyPr rtlCol="0" anchor="ctr"/>
+              <a:lstStyle/>
+              <a:p>
+                <a:pPr algn="ctr"/>
+                <a:endParaRPr lang="pt-BR"/>
+              </a:p>
+            </p:txBody>
+          </p:sp>
+          <p:sp>
+            <p:nvSpPr>
+              <p:cNvPr id="161" name="Retângulo de cantos arredondados 160"/>
+              <p:cNvSpPr/>
+              <p:nvPr/>
+            </p:nvSpPr>
+            <p:spPr>
+              <a:xfrm rot="10801235">
+                <a:off x="4715835" y="2306102"/>
+                <a:ext cx="576064" cy="1008008"/>
+              </a:xfrm>
+              <a:prstGeom prst="roundRect">
+                <a:avLst>
+                  <a:gd name="adj" fmla="val 50000"/>
+                </a:avLst>
+              </a:prstGeom>
+              <a:solidFill>
+                <a:srgbClr val="E0E0E0"/>
+              </a:solidFill>
+              <a:ln>
+                <a:noFill/>
+              </a:ln>
+            </p:spPr>
+            <p:style>
+              <a:lnRef idx="2">
+                <a:schemeClr val="accent1">
+                  <a:shade val="50000"/>
+                </a:schemeClr>
+              </a:lnRef>
+              <a:fillRef idx="1">
+                <a:schemeClr val="accent1"/>
+              </a:fillRef>
+              <a:effectRef idx="0">
+                <a:schemeClr val="accent1"/>
+              </a:effectRef>
+              <a:fontRef idx="minor">
+                <a:schemeClr val="lt1"/>
+              </a:fontRef>
+            </p:style>
+            <p:txBody>
+              <a:bodyPr rtlCol="0" anchor="ctr"/>
+              <a:lstStyle/>
+              <a:p>
+                <a:pPr algn="ctr"/>
+                <a:endParaRPr lang="pt-BR"/>
+              </a:p>
+            </p:txBody>
+          </p:sp>
+          <p:sp>
+            <p:nvSpPr>
+              <p:cNvPr id="162" name="Retângulo 161"/>
+              <p:cNvSpPr/>
+              <p:nvPr/>
+            </p:nvSpPr>
+            <p:spPr>
+              <a:xfrm>
+                <a:off x="4716017" y="2305998"/>
+                <a:ext cx="576064" cy="422259"/>
+              </a:xfrm>
+              <a:prstGeom prst="rect">
+                <a:avLst/>
+              </a:prstGeom>
+              <a:solidFill>
+                <a:srgbClr val="E0E0E0"/>
+              </a:solidFill>
+              <a:ln>
+                <a:noFill/>
+              </a:ln>
+            </p:spPr>
+            <p:style>
+              <a:lnRef idx="2">
+                <a:schemeClr val="accent1">
+                  <a:shade val="50000"/>
+                </a:schemeClr>
+              </a:lnRef>
+              <a:fillRef idx="1">
+                <a:schemeClr val="accent1"/>
+              </a:fillRef>
+              <a:effectRef idx="0">
+                <a:schemeClr val="accent1"/>
+              </a:effectRef>
+              <a:fontRef idx="minor">
+                <a:schemeClr val="lt1"/>
+              </a:fontRef>
+            </p:style>
+            <p:txBody>
+              <a:bodyPr rtlCol="0" anchor="ctr"/>
+              <a:lstStyle/>
+              <a:p>
+                <a:pPr algn="ctr"/>
+                <a:endParaRPr lang="pt-BR"/>
+              </a:p>
+            </p:txBody>
+          </p:sp>
+          <p:sp>
+            <p:nvSpPr>
+              <p:cNvPr id="163" name="Retângulo de cantos arredondados 162"/>
+              <p:cNvSpPr/>
+              <p:nvPr/>
+            </p:nvSpPr>
+            <p:spPr>
+              <a:xfrm>
+                <a:off x="4623672" y="1297992"/>
+                <a:ext cx="576064" cy="2016224"/>
+              </a:xfrm>
+              <a:prstGeom prst="roundRect">
+                <a:avLst>
+                  <a:gd name="adj" fmla="val 50000"/>
+                </a:avLst>
+              </a:prstGeom>
+              <a:grpFill/>
+              <a:ln>
+                <a:noFill/>
+              </a:ln>
+            </p:spPr>
+            <p:style>
+              <a:lnRef idx="2">
+                <a:schemeClr val="accent1">
+                  <a:shade val="50000"/>
+                </a:schemeClr>
+              </a:lnRef>
+              <a:fillRef idx="1">
+                <a:schemeClr val="accent1"/>
+              </a:fillRef>
+              <a:effectRef idx="0">
+                <a:schemeClr val="accent1"/>
+              </a:effectRef>
+              <a:fontRef idx="minor">
+                <a:schemeClr val="lt1"/>
+              </a:fontRef>
+            </p:style>
+            <p:txBody>
+              <a:bodyPr rtlCol="0" anchor="ctr"/>
+              <a:lstStyle/>
+              <a:p>
+                <a:pPr algn="ctr"/>
+                <a:endParaRPr lang="pt-BR" dirty="0"/>
+              </a:p>
+            </p:txBody>
+          </p:sp>
+          <p:sp>
+            <p:nvSpPr>
+              <p:cNvPr id="164" name="Retângulo de cantos arredondados 163"/>
+              <p:cNvSpPr/>
+              <p:nvPr/>
+            </p:nvSpPr>
+            <p:spPr>
+              <a:xfrm rot="10801235">
+                <a:off x="4623854" y="2306103"/>
+                <a:ext cx="576064" cy="1008008"/>
+              </a:xfrm>
+              <a:prstGeom prst="roundRect">
+                <a:avLst>
+                  <a:gd name="adj" fmla="val 50000"/>
+                </a:avLst>
+              </a:prstGeom>
+              <a:grpFill/>
+              <a:ln>
+                <a:noFill/>
+              </a:ln>
+            </p:spPr>
+            <p:style>
+              <a:lnRef idx="2">
+                <a:schemeClr val="accent1">
+                  <a:shade val="50000"/>
+                </a:schemeClr>
+              </a:lnRef>
+              <a:fillRef idx="1">
+                <a:schemeClr val="accent1"/>
+              </a:fillRef>
+              <a:effectRef idx="0">
+                <a:schemeClr val="accent1"/>
+              </a:effectRef>
+              <a:fontRef idx="minor">
+                <a:schemeClr val="lt1"/>
+              </a:fontRef>
+            </p:style>
+            <p:txBody>
+              <a:bodyPr rtlCol="0" anchor="ctr"/>
+              <a:lstStyle/>
+              <a:p>
+                <a:pPr algn="ctr"/>
+                <a:endParaRPr lang="pt-BR"/>
+              </a:p>
+            </p:txBody>
+          </p:sp>
+          <p:sp>
+            <p:nvSpPr>
+              <p:cNvPr id="165" name="Retângulo 164"/>
+              <p:cNvSpPr/>
+              <p:nvPr/>
+            </p:nvSpPr>
+            <p:spPr>
+              <a:xfrm>
+                <a:off x="4624036" y="2305999"/>
+                <a:ext cx="576064" cy="422259"/>
+              </a:xfrm>
+              <a:prstGeom prst="rect">
+                <a:avLst/>
+              </a:prstGeom>
+              <a:grpFill/>
+              <a:ln>
+                <a:noFill/>
+              </a:ln>
+            </p:spPr>
+            <p:style>
+              <a:lnRef idx="2">
+                <a:schemeClr val="accent1">
+                  <a:shade val="50000"/>
+                </a:schemeClr>
+              </a:lnRef>
+              <a:fillRef idx="1">
+                <a:schemeClr val="accent1"/>
+              </a:fillRef>
+              <a:effectRef idx="0">
+                <a:schemeClr val="accent1"/>
+              </a:effectRef>
+              <a:fontRef idx="minor">
+                <a:schemeClr val="lt1"/>
+              </a:fontRef>
+            </p:style>
+            <p:txBody>
+              <a:bodyPr rtlCol="0" anchor="ctr"/>
+              <a:lstStyle/>
+              <a:p>
+                <a:pPr algn="ctr"/>
+                <a:endParaRPr lang="pt-BR"/>
+              </a:p>
+            </p:txBody>
+          </p:sp>
+        </p:grpSp>
+        <p:grpSp>
+          <p:nvGrpSpPr>
+            <p:cNvPr id="70" name="Grupo 69"/>
+            <p:cNvGrpSpPr/>
+            <p:nvPr/>
+          </p:nvGrpSpPr>
+          <p:grpSpPr>
+            <a:xfrm rot="4152078">
+              <a:off x="5003287" y="2438485"/>
+              <a:ext cx="1838616" cy="609100"/>
+              <a:chOff x="3155680" y="2960252"/>
+              <a:chExt cx="3605346" cy="1194386"/>
+            </a:xfrm>
+          </p:grpSpPr>
+          <p:grpSp>
+            <p:nvGrpSpPr>
+              <p:cNvPr id="71" name="Grupo 70"/>
+              <p:cNvGrpSpPr/>
+              <p:nvPr/>
+            </p:nvGrpSpPr>
+            <p:grpSpPr>
+              <a:xfrm rot="5348328">
+                <a:off x="4361160" y="1754772"/>
+                <a:ext cx="1194386" cy="3605346"/>
+                <a:chOff x="4623674" y="1297992"/>
+                <a:chExt cx="668407" cy="2017638"/>
+              </a:xfrm>
+            </p:grpSpPr>
+            <p:sp>
+              <p:nvSpPr>
+                <p:cNvPr id="73" name="Retângulo de cantos arredondados 72"/>
+                <p:cNvSpPr/>
+                <p:nvPr/>
+              </p:nvSpPr>
+              <p:spPr>
+                <a:xfrm>
+                  <a:off x="4716016" y="1299406"/>
+                  <a:ext cx="576064" cy="2016224"/>
+                </a:xfrm>
+                <a:prstGeom prst="roundRect">
+                  <a:avLst>
+                    <a:gd name="adj" fmla="val 50000"/>
+                  </a:avLst>
+                </a:prstGeom>
+                <a:solidFill>
+                  <a:srgbClr val="00759E"/>
+                </a:solidFill>
+                <a:ln>
+                  <a:noFill/>
+                </a:ln>
+              </p:spPr>
+              <p:style>
+                <a:lnRef idx="2">
+                  <a:schemeClr val="accent1">
+                    <a:shade val="50000"/>
+                  </a:schemeClr>
+                </a:lnRef>
+                <a:fillRef idx="1">
+                  <a:schemeClr val="accent1"/>
+                </a:fillRef>
+                <a:effectRef idx="0">
+                  <a:schemeClr val="accent1"/>
+                </a:effectRef>
+                <a:fontRef idx="minor">
+                  <a:schemeClr val="lt1"/>
+                </a:fontRef>
+              </p:style>
+              <p:txBody>
+                <a:bodyPr rtlCol="0" anchor="ctr"/>
+                <a:lstStyle/>
+                <a:p>
+                  <a:pPr algn="ctr"/>
+                  <a:endParaRPr lang="pt-BR"/>
+                </a:p>
+              </p:txBody>
+            </p:sp>
+            <p:sp>
+              <p:nvSpPr>
+                <p:cNvPr id="74" name="Retângulo de cantos arredondados 73"/>
+                <p:cNvSpPr/>
+                <p:nvPr/>
+              </p:nvSpPr>
+              <p:spPr>
+                <a:xfrm rot="10801235">
+                  <a:off x="4715835" y="2306102"/>
+                  <a:ext cx="576064" cy="1008008"/>
+                </a:xfrm>
+                <a:prstGeom prst="roundRect">
+                  <a:avLst>
+                    <a:gd name="adj" fmla="val 50000"/>
+                  </a:avLst>
+                </a:prstGeom>
+                <a:solidFill>
+                  <a:srgbClr val="C00000"/>
+                </a:solidFill>
+                <a:ln>
+                  <a:noFill/>
+                </a:ln>
+              </p:spPr>
+              <p:style>
+                <a:lnRef idx="2">
+                  <a:schemeClr val="accent1">
+                    <a:shade val="50000"/>
+                  </a:schemeClr>
+                </a:lnRef>
+                <a:fillRef idx="1">
+                  <a:schemeClr val="accent1"/>
+                </a:fillRef>
+                <a:effectRef idx="0">
+                  <a:schemeClr val="accent1"/>
+                </a:effectRef>
+                <a:fontRef idx="minor">
+                  <a:schemeClr val="lt1"/>
+                </a:fontRef>
+              </p:style>
+              <p:txBody>
+                <a:bodyPr rtlCol="0" anchor="ctr"/>
+                <a:lstStyle/>
+                <a:p>
+                  <a:pPr algn="ctr"/>
+                  <a:endParaRPr lang="pt-BR"/>
+                </a:p>
+              </p:txBody>
+            </p:sp>
+            <p:sp>
+              <p:nvSpPr>
+                <p:cNvPr id="75" name="Retângulo 74"/>
+                <p:cNvSpPr/>
+                <p:nvPr/>
+              </p:nvSpPr>
+              <p:spPr>
+                <a:xfrm>
+                  <a:off x="4716017" y="2305998"/>
+                  <a:ext cx="576064" cy="422259"/>
+                </a:xfrm>
+                <a:prstGeom prst="rect">
+                  <a:avLst/>
+                </a:prstGeom>
+                <a:solidFill>
+                  <a:srgbClr val="C00000"/>
+                </a:solidFill>
+                <a:ln>
+                  <a:noFill/>
+                </a:ln>
+              </p:spPr>
+              <p:style>
+                <a:lnRef idx="2">
+                  <a:schemeClr val="accent1">
+                    <a:shade val="50000"/>
+                  </a:schemeClr>
+                </a:lnRef>
+                <a:fillRef idx="1">
+                  <a:schemeClr val="accent1"/>
+                </a:fillRef>
+                <a:effectRef idx="0">
+                  <a:schemeClr val="accent1"/>
+                </a:effectRef>
+                <a:fontRef idx="minor">
+                  <a:schemeClr val="lt1"/>
+                </a:fontRef>
+              </p:style>
+              <p:txBody>
+                <a:bodyPr rtlCol="0" anchor="ctr"/>
+                <a:lstStyle/>
+                <a:p>
+                  <a:pPr algn="ctr"/>
+                  <a:endParaRPr lang="pt-BR"/>
+                </a:p>
+              </p:txBody>
+            </p:sp>
+            <p:sp>
+              <p:nvSpPr>
+                <p:cNvPr id="76" name="Retângulo de cantos arredondados 75"/>
+                <p:cNvSpPr/>
+                <p:nvPr/>
+              </p:nvSpPr>
+              <p:spPr>
+                <a:xfrm>
+                  <a:off x="4623674" y="1297992"/>
+                  <a:ext cx="576064" cy="2016224"/>
+                </a:xfrm>
+                <a:prstGeom prst="roundRect">
+                  <a:avLst>
+                    <a:gd name="adj" fmla="val 50000"/>
+                  </a:avLst>
+                </a:prstGeom>
+                <a:solidFill>
+                  <a:srgbClr val="00B0F0"/>
+                </a:solidFill>
+                <a:ln>
+                  <a:noFill/>
+                </a:ln>
+              </p:spPr>
+              <p:style>
+                <a:lnRef idx="2">
+                  <a:schemeClr val="accent1">
+                    <a:shade val="50000"/>
+                  </a:schemeClr>
+                </a:lnRef>
+                <a:fillRef idx="1">
+                  <a:schemeClr val="accent1"/>
+                </a:fillRef>
+                <a:effectRef idx="0">
+                  <a:schemeClr val="accent1"/>
+                </a:effectRef>
+                <a:fontRef idx="minor">
+                  <a:schemeClr val="lt1"/>
+                </a:fontRef>
+              </p:style>
+              <p:txBody>
+                <a:bodyPr rtlCol="0" anchor="ctr"/>
+                <a:lstStyle/>
+                <a:p>
+                  <a:pPr algn="ctr"/>
+                  <a:endParaRPr lang="pt-BR"/>
+                </a:p>
+              </p:txBody>
+            </p:sp>
+            <p:sp>
+              <p:nvSpPr>
+                <p:cNvPr id="77" name="Retângulo de cantos arredondados 76"/>
+                <p:cNvSpPr/>
+                <p:nvPr/>
+              </p:nvSpPr>
+              <p:spPr>
+                <a:xfrm rot="10801235">
+                  <a:off x="4623854" y="2306103"/>
+                  <a:ext cx="576064" cy="1008008"/>
+                </a:xfrm>
+                <a:prstGeom prst="roundRect">
+                  <a:avLst>
+                    <a:gd name="adj" fmla="val 50000"/>
+                  </a:avLst>
+                </a:prstGeom>
+                <a:solidFill>
+                  <a:srgbClr val="FF5050"/>
+                </a:solidFill>
+                <a:ln>
+                  <a:noFill/>
+                </a:ln>
+              </p:spPr>
+              <p:style>
+                <a:lnRef idx="2">
+                  <a:schemeClr val="accent1">
+                    <a:shade val="50000"/>
+                  </a:schemeClr>
+                </a:lnRef>
+                <a:fillRef idx="1">
+                  <a:schemeClr val="accent1"/>
+                </a:fillRef>
+                <a:effectRef idx="0">
+                  <a:schemeClr val="accent1"/>
+                </a:effectRef>
+                <a:fontRef idx="minor">
+                  <a:schemeClr val="lt1"/>
+                </a:fontRef>
+              </p:style>
+              <p:txBody>
+                <a:bodyPr rtlCol="0" anchor="ctr"/>
+                <a:lstStyle/>
+                <a:p>
+                  <a:pPr algn="ctr"/>
+                  <a:endParaRPr lang="pt-BR"/>
+                </a:p>
+              </p:txBody>
+            </p:sp>
+            <p:sp>
+              <p:nvSpPr>
+                <p:cNvPr id="78" name="Retângulo 77"/>
+                <p:cNvSpPr/>
+                <p:nvPr/>
+              </p:nvSpPr>
+              <p:spPr>
+                <a:xfrm>
+                  <a:off x="4624036" y="2305999"/>
+                  <a:ext cx="576064" cy="422259"/>
+                </a:xfrm>
+                <a:prstGeom prst="rect">
+                  <a:avLst/>
+                </a:prstGeom>
+                <a:solidFill>
+                  <a:srgbClr val="FF5050"/>
+                </a:solidFill>
+                <a:ln>
+                  <a:noFill/>
+                </a:ln>
+              </p:spPr>
+              <p:style>
+                <a:lnRef idx="2">
+                  <a:schemeClr val="accent1">
+                    <a:shade val="50000"/>
+                  </a:schemeClr>
+                </a:lnRef>
+                <a:fillRef idx="1">
+                  <a:schemeClr val="accent1"/>
+                </a:fillRef>
+                <a:effectRef idx="0">
+                  <a:schemeClr val="accent1"/>
+                </a:effectRef>
+                <a:fontRef idx="minor">
+                  <a:schemeClr val="lt1"/>
+                </a:fontRef>
+              </p:style>
+              <p:txBody>
+                <a:bodyPr rtlCol="0" anchor="ctr"/>
+                <a:lstStyle/>
+                <a:p>
+                  <a:pPr algn="ctr"/>
+                  <a:endParaRPr lang="pt-BR"/>
+                </a:p>
+              </p:txBody>
+            </p:sp>
+          </p:grpSp>
+          <p:sp>
+            <p:nvSpPr>
+              <p:cNvPr id="72" name="Retângulo: Cantos Arredondados 8">
+                <a:extLst>
+                  <a:ext uri="{FF2B5EF4-FFF2-40B4-BE49-F238E27FC236}">
+                    <a16:creationId xmlns="" xmlns:a16="http://schemas.microsoft.com/office/drawing/2014/main" id="{F8102B5C-A279-4902-B60D-5047349AC13D}"/>
+                  </a:ext>
+                </a:extLst>
+              </p:cNvPr>
+              <p:cNvSpPr/>
+              <p:nvPr/>
+            </p:nvSpPr>
+            <p:spPr>
+              <a:xfrm rot="5264378">
+                <a:off x="5818160" y="2735222"/>
+                <a:ext cx="257344" cy="919612"/>
+              </a:xfrm>
+              <a:prstGeom prst="roundRect">
+                <a:avLst>
+                  <a:gd name="adj" fmla="val 50000"/>
+                </a:avLst>
+              </a:prstGeom>
+              <a:solidFill>
+                <a:srgbClr val="43CEFF"/>
+              </a:solidFill>
+              <a:ln>
+                <a:noFill/>
+              </a:ln>
+            </p:spPr>
+            <p:style>
+              <a:lnRef idx="2">
+                <a:schemeClr val="accent1">
+                  <a:shade val="50000"/>
+                </a:schemeClr>
+              </a:lnRef>
+              <a:fillRef idx="1">
+                <a:schemeClr val="accent1"/>
+              </a:fillRef>
+              <a:effectRef idx="0">
+                <a:schemeClr val="accent1"/>
+              </a:effectRef>
+              <a:fontRef idx="minor">
+                <a:schemeClr val="lt1"/>
+              </a:fontRef>
+            </p:style>
+            <p:txBody>
+              <a:bodyPr rtlCol="0" anchor="ctr"/>
+              <a:lstStyle/>
+              <a:p>
+                <a:pPr algn="ctr"/>
+                <a:endParaRPr lang="pt-BR" dirty="0"/>
+              </a:p>
+            </p:txBody>
+          </p:sp>
+        </p:grpSp>
+      </p:grpSp>
+    </p:spTree>
+    <p:extLst>
+      <p:ext uri="{BB962C8B-B14F-4D97-AF65-F5344CB8AC3E}">
+        <p14:creationId xmlns:p14="http://schemas.microsoft.com/office/powerpoint/2010/main" val="1342400219"/>
       </p:ext>
     </p:extLst>
   </p:cSld>
@@ -4990,7 +9474,7 @@
         </p:blipFill>
         <p:spPr bwMode="auto">
           <a:xfrm>
-            <a:off x="1138238" y="657224"/>
+            <a:off x="719138" y="885824"/>
             <a:ext cx="3405187" cy="4792485"/>
           </a:xfrm>
           <a:prstGeom prst="rect">
@@ -5244,6 +9728,36 @@
           </p:txBody>
         </p:sp>
       </p:grpSp>
+      <p:sp>
+        <p:nvSpPr>
+          <p:cNvPr id="2" name="CaixaDeTexto 1"/>
+          <p:cNvSpPr txBox="1"/>
+          <p:nvPr/>
+        </p:nvSpPr>
+        <p:spPr>
+          <a:xfrm>
+            <a:off x="719138" y="190500"/>
+            <a:ext cx="2041906" cy="646331"/>
+          </a:xfrm>
+          <a:prstGeom prst="rect">
+            <a:avLst/>
+          </a:prstGeom>
+          <a:noFill/>
+        </p:spPr>
+        <p:txBody>
+          <a:bodyPr wrap="none" rtlCol="0">
+            <a:spAutoFit/>
+          </a:bodyPr>
+          <a:lstStyle/>
+          <a:p>
+            <a:r>
+              <a:rPr lang="pt-BR" sz="3600" dirty="0" smtClean="0"/>
+              <a:t>Imagem 4</a:t>
+            </a:r>
+            <a:endParaRPr lang="pt-BR" sz="3600" dirty="0"/>
+          </a:p>
+        </p:txBody>
+      </p:sp>
     </p:spTree>
     <p:extLst>
       <p:ext uri="{BB962C8B-B14F-4D97-AF65-F5344CB8AC3E}">
@@ -5274,77 +9788,1930 @@
           <a:chExt cx="0" cy="0"/>
         </a:xfrm>
       </p:grpSpPr>
-      <p:pic>
-        <p:nvPicPr>
-          <p:cNvPr id="5122" name="Picture 2"/>
-          <p:cNvPicPr>
-            <a:picLocks noChangeAspect="1" noChangeArrowheads="1"/>
-          </p:cNvPicPr>
+      <p:sp>
+        <p:nvSpPr>
+          <p:cNvPr id="2" name="CaixaDeTexto 1"/>
+          <p:cNvSpPr txBox="1"/>
           <p:nvPr/>
-        </p:nvPicPr>
-        <p:blipFill>
-          <a:blip r:embed="rId2">
-            <a:extLst>
-              <a:ext uri="{28A0092B-C50C-407E-A947-70E740481C1C}">
-                <a14:useLocalDpi xmlns:a14="http://schemas.microsoft.com/office/drawing/2010/main" val="0"/>
-              </a:ext>
-            </a:extLst>
-          </a:blip>
-          <a:srcRect/>
-          <a:stretch>
-            <a:fillRect/>
-          </a:stretch>
-        </p:blipFill>
-        <p:spPr bwMode="auto">
+        </p:nvSpPr>
+        <p:spPr>
           <a:xfrm>
-            <a:off x="628650" y="1047749"/>
-            <a:ext cx="4162425" cy="4162425"/>
+            <a:off x="667956" y="222934"/>
+            <a:ext cx="2041906" cy="646331"/>
           </a:xfrm>
           <a:prstGeom prst="rect">
             <a:avLst/>
           </a:prstGeom>
           <a:noFill/>
-          <a:ln>
-            <a:noFill/>
-          </a:ln>
-          <a:extLst>
-            <a:ext uri="{909E8E84-426E-40DD-AFC4-6F175D3DCCD1}">
-              <a14:hiddenFill xmlns:a14="http://schemas.microsoft.com/office/drawing/2010/main">
+        </p:spPr>
+        <p:txBody>
+          <a:bodyPr wrap="none" rtlCol="0">
+            <a:spAutoFit/>
+          </a:bodyPr>
+          <a:lstStyle/>
+          <a:p>
+            <a:r>
+              <a:rPr lang="pt-BR" sz="3600" dirty="0" smtClean="0"/>
+              <a:t>Imagem 5</a:t>
+            </a:r>
+            <a:endParaRPr lang="pt-BR" sz="3600" dirty="0"/>
+          </a:p>
+        </p:txBody>
+      </p:sp>
+      <p:grpSp>
+        <p:nvGrpSpPr>
+          <p:cNvPr id="5126" name="Grupo 5125"/>
+          <p:cNvGrpSpPr/>
+          <p:nvPr/>
+        </p:nvGrpSpPr>
+        <p:grpSpPr>
+          <a:xfrm>
+            <a:off x="1596403" y="2288630"/>
+            <a:ext cx="9074782" cy="2227299"/>
+            <a:chOff x="2788795" y="1763336"/>
+            <a:chExt cx="9074782" cy="2227299"/>
+          </a:xfrm>
+        </p:grpSpPr>
+        <p:sp>
+          <p:nvSpPr>
+            <p:cNvPr id="13" name="Retângulo de cantos arredondados 12"/>
+            <p:cNvSpPr/>
+            <p:nvPr/>
+          </p:nvSpPr>
+          <p:spPr>
+            <a:xfrm rot="5400000">
+              <a:off x="6178797" y="-1626666"/>
+              <a:ext cx="2224467" cy="9004472"/>
+            </a:xfrm>
+            <a:prstGeom prst="roundRect">
+              <a:avLst>
+                <a:gd name="adj" fmla="val 50000"/>
+              </a:avLst>
+            </a:prstGeom>
+            <a:solidFill>
+              <a:srgbClr val="6C7DF8"/>
+            </a:solidFill>
+            <a:ln>
+              <a:noFill/>
+            </a:ln>
+          </p:spPr>
+          <p:style>
+            <a:lnRef idx="2">
+              <a:schemeClr val="accent1">
+                <a:shade val="50000"/>
+              </a:schemeClr>
+            </a:lnRef>
+            <a:fillRef idx="1">
+              <a:schemeClr val="accent1"/>
+            </a:fillRef>
+            <a:effectRef idx="0">
+              <a:schemeClr val="accent1"/>
+            </a:effectRef>
+            <a:fontRef idx="minor">
+              <a:schemeClr val="lt1"/>
+            </a:fontRef>
+          </p:style>
+          <p:txBody>
+            <a:bodyPr rtlCol="0" anchor="ctr"/>
+            <a:lstStyle/>
+            <a:p>
+              <a:pPr algn="ctr"/>
+              <a:endParaRPr lang="pt-BR" dirty="0"/>
+            </a:p>
+          </p:txBody>
+        </p:sp>
+        <p:sp>
+          <p:nvSpPr>
+            <p:cNvPr id="18" name="Retângulo de cantos arredondados 17"/>
+            <p:cNvSpPr/>
+            <p:nvPr/>
+          </p:nvSpPr>
+          <p:spPr>
+            <a:xfrm rot="16200000">
+              <a:off x="8343103" y="470160"/>
+              <a:ext cx="2224466" cy="4816483"/>
+            </a:xfrm>
+            <a:custGeom>
+              <a:avLst/>
+              <a:gdLst/>
+              <a:ahLst/>
+              <a:cxnLst/>
+              <a:rect l="l" t="t" r="r" b="b"/>
+              <a:pathLst>
+                <a:path w="406794" h="823335">
+                  <a:moveTo>
+                    <a:pt x="0" y="619938"/>
+                  </a:moveTo>
+                  <a:lnTo>
+                    <a:pt x="0" y="0"/>
+                  </a:lnTo>
+                  <a:lnTo>
+                    <a:pt x="406794" y="0"/>
+                  </a:lnTo>
+                  <a:lnTo>
+                    <a:pt x="406794" y="619938"/>
+                  </a:lnTo>
+                  <a:cubicBezTo>
+                    <a:pt x="406794" y="732271"/>
+                    <a:pt x="315730" y="823335"/>
+                    <a:pt x="203397" y="823335"/>
+                  </a:cubicBezTo>
+                  <a:cubicBezTo>
+                    <a:pt x="91064" y="823335"/>
+                    <a:pt x="0" y="732271"/>
+                    <a:pt x="0" y="619938"/>
+                  </a:cubicBezTo>
+                  <a:close/>
+                </a:path>
+              </a:pathLst>
+            </a:custGeom>
+            <a:solidFill>
+              <a:srgbClr val="334AF5"/>
+            </a:solidFill>
+            <a:ln>
+              <a:noFill/>
+            </a:ln>
+          </p:spPr>
+          <p:style>
+            <a:lnRef idx="2">
+              <a:schemeClr val="accent1">
+                <a:shade val="50000"/>
+              </a:schemeClr>
+            </a:lnRef>
+            <a:fillRef idx="1">
+              <a:schemeClr val="accent1"/>
+            </a:fillRef>
+            <a:effectRef idx="0">
+              <a:schemeClr val="accent1"/>
+            </a:effectRef>
+            <a:fontRef idx="minor">
+              <a:schemeClr val="lt1"/>
+            </a:fontRef>
+          </p:style>
+          <p:txBody>
+            <a:bodyPr rtlCol="0" anchor="ctr"/>
+            <a:lstStyle/>
+            <a:p>
+              <a:pPr algn="ctr"/>
+              <a:endParaRPr lang="pt-BR" dirty="0"/>
+            </a:p>
+          </p:txBody>
+        </p:sp>
+        <p:grpSp>
+          <p:nvGrpSpPr>
+            <p:cNvPr id="5120" name="Grupo 5119"/>
+            <p:cNvGrpSpPr/>
+            <p:nvPr/>
+          </p:nvGrpSpPr>
+          <p:grpSpPr>
+            <a:xfrm>
+              <a:off x="3731471" y="2133497"/>
+              <a:ext cx="2939170" cy="1489456"/>
+              <a:chOff x="3677123" y="2022662"/>
+              <a:chExt cx="3687480" cy="1868670"/>
+            </a:xfrm>
+          </p:grpSpPr>
+          <p:sp>
+            <p:nvSpPr>
+              <p:cNvPr id="30" name="Retângulo de cantos arredondados 29"/>
+              <p:cNvSpPr/>
+              <p:nvPr/>
+            </p:nvSpPr>
+            <p:spPr>
+              <a:xfrm rot="10800000">
+                <a:off x="6907248" y="2039993"/>
+                <a:ext cx="457355" cy="1108154"/>
+              </a:xfrm>
+              <a:prstGeom prst="roundRect">
+                <a:avLst>
+                  <a:gd name="adj" fmla="val 50000"/>
+                </a:avLst>
+              </a:prstGeom>
+              <a:solidFill>
+                <a:schemeClr val="tx1">
+                  <a:lumMod val="85000"/>
+                  <a:lumOff val="15000"/>
+                </a:schemeClr>
+              </a:solidFill>
+              <a:ln>
+                <a:noFill/>
+              </a:ln>
+            </p:spPr>
+            <p:style>
+              <a:lnRef idx="2">
+                <a:schemeClr val="accent1">
+                  <a:shade val="50000"/>
+                </a:schemeClr>
+              </a:lnRef>
+              <a:fillRef idx="1">
+                <a:schemeClr val="accent1"/>
+              </a:fillRef>
+              <a:effectRef idx="0">
+                <a:schemeClr val="accent1"/>
+              </a:effectRef>
+              <a:fontRef idx="minor">
+                <a:schemeClr val="lt1"/>
+              </a:fontRef>
+            </p:style>
+            <p:txBody>
+              <a:bodyPr rtlCol="0" anchor="ctr"/>
+              <a:lstStyle/>
+              <a:p>
+                <a:pPr algn="ctr"/>
+                <a:endParaRPr lang="pt-BR" dirty="0"/>
+              </a:p>
+            </p:txBody>
+          </p:sp>
+          <p:grpSp>
+            <p:nvGrpSpPr>
+              <p:cNvPr id="19" name="Grupo 18"/>
+              <p:cNvGrpSpPr/>
+              <p:nvPr/>
+            </p:nvGrpSpPr>
+            <p:grpSpPr>
+              <a:xfrm>
+                <a:off x="3677123" y="2022662"/>
+                <a:ext cx="3687480" cy="1868670"/>
+                <a:chOff x="3677123" y="2022662"/>
+                <a:chExt cx="3687480" cy="1868670"/>
+              </a:xfrm>
+            </p:grpSpPr>
+            <p:sp>
+              <p:nvSpPr>
+                <p:cNvPr id="20" name="Retângulo de cantos arredondados 19"/>
+                <p:cNvSpPr/>
+                <p:nvPr/>
+              </p:nvSpPr>
+              <p:spPr>
+                <a:xfrm rot="10800000">
+                  <a:off x="3677123" y="2022662"/>
+                  <a:ext cx="457355" cy="1851339"/>
+                </a:xfrm>
+                <a:prstGeom prst="roundRect">
+                  <a:avLst>
+                    <a:gd name="adj" fmla="val 50000"/>
+                  </a:avLst>
+                </a:prstGeom>
                 <a:solidFill>
+                  <a:schemeClr val="tx1">
+                    <a:lumMod val="85000"/>
+                    <a:lumOff val="15000"/>
+                  </a:schemeClr>
+                </a:solidFill>
+                <a:ln>
+                  <a:noFill/>
+                </a:ln>
+              </p:spPr>
+              <p:style>
+                <a:lnRef idx="2">
+                  <a:schemeClr val="accent1">
+                    <a:shade val="50000"/>
+                  </a:schemeClr>
+                </a:lnRef>
+                <a:fillRef idx="1">
                   <a:schemeClr val="accent1"/>
+                </a:fillRef>
+                <a:effectRef idx="0">
+                  <a:schemeClr val="accent1"/>
+                </a:effectRef>
+                <a:fontRef idx="minor">
+                  <a:schemeClr val="lt1"/>
+                </a:fontRef>
+              </p:style>
+              <p:txBody>
+                <a:bodyPr rtlCol="0" anchor="ctr"/>
+                <a:lstStyle/>
+                <a:p>
+                  <a:pPr algn="ctr"/>
+                  <a:endParaRPr lang="pt-BR" dirty="0"/>
+                </a:p>
+              </p:txBody>
+            </p:sp>
+            <p:sp>
+              <p:nvSpPr>
+                <p:cNvPr id="21" name="Retângulo de cantos arredondados 20"/>
+                <p:cNvSpPr/>
+                <p:nvPr/>
+              </p:nvSpPr>
+              <p:spPr>
+                <a:xfrm rot="5400000">
+                  <a:off x="4082889" y="1710357"/>
+                  <a:ext cx="457355" cy="1081966"/>
+                </a:xfrm>
+                <a:prstGeom prst="roundRect">
+                  <a:avLst>
+                    <a:gd name="adj" fmla="val 50000"/>
+                  </a:avLst>
+                </a:prstGeom>
+                <a:solidFill>
+                  <a:schemeClr val="tx1">
+                    <a:lumMod val="85000"/>
+                    <a:lumOff val="15000"/>
+                  </a:schemeClr>
                 </a:solidFill>
-              </a14:hiddenFill>
-            </a:ext>
-            <a:ext uri="{91240B29-F687-4F45-9708-019B960494DF}">
-              <a14:hiddenLine xmlns:a14="http://schemas.microsoft.com/office/drawing/2010/main" w="9525">
+                <a:ln>
+                  <a:noFill/>
+                </a:ln>
+              </p:spPr>
+              <p:style>
+                <a:lnRef idx="2">
+                  <a:schemeClr val="accent1">
+                    <a:shade val="50000"/>
+                  </a:schemeClr>
+                </a:lnRef>
+                <a:fillRef idx="1">
+                  <a:schemeClr val="accent1"/>
+                </a:fillRef>
+                <a:effectRef idx="0">
+                  <a:schemeClr val="accent1"/>
+                </a:effectRef>
+                <a:fontRef idx="minor">
+                  <a:schemeClr val="lt1"/>
+                </a:fontRef>
+              </p:style>
+              <p:txBody>
+                <a:bodyPr rtlCol="0" anchor="ctr"/>
+                <a:lstStyle/>
+                <a:p>
+                  <a:pPr algn="ctr"/>
+                  <a:endParaRPr lang="pt-BR" dirty="0"/>
+                </a:p>
+              </p:txBody>
+            </p:sp>
+            <p:sp>
+              <p:nvSpPr>
+                <p:cNvPr id="22" name="Retângulo de cantos arredondados 21"/>
+                <p:cNvSpPr/>
+                <p:nvPr/>
+              </p:nvSpPr>
+              <p:spPr>
+                <a:xfrm rot="10800000">
+                  <a:off x="4417676" y="2022662"/>
+                  <a:ext cx="457355" cy="1108154"/>
+                </a:xfrm>
+                <a:prstGeom prst="roundRect">
+                  <a:avLst>
+                    <a:gd name="adj" fmla="val 50000"/>
+                  </a:avLst>
+                </a:prstGeom>
                 <a:solidFill>
-                  <a:schemeClr val="tx1"/>
+                  <a:schemeClr val="tx1">
+                    <a:lumMod val="85000"/>
+                    <a:lumOff val="15000"/>
+                  </a:schemeClr>
                 </a:solidFill>
-                <a:miter lim="800000"/>
-                <a:headEnd/>
-                <a:tailEnd/>
-              </a14:hiddenLine>
-            </a:ext>
-          </a:extLst>
-        </p:spPr>
-      </p:pic>
+                <a:ln>
+                  <a:noFill/>
+                </a:ln>
+              </p:spPr>
+              <p:style>
+                <a:lnRef idx="2">
+                  <a:schemeClr val="accent1">
+                    <a:shade val="50000"/>
+                  </a:schemeClr>
+                </a:lnRef>
+                <a:fillRef idx="1">
+                  <a:schemeClr val="accent1"/>
+                </a:fillRef>
+                <a:effectRef idx="0">
+                  <a:schemeClr val="accent1"/>
+                </a:effectRef>
+                <a:fontRef idx="minor">
+                  <a:schemeClr val="lt1"/>
+                </a:fontRef>
+              </p:style>
+              <p:txBody>
+                <a:bodyPr rtlCol="0" anchor="ctr"/>
+                <a:lstStyle/>
+                <a:p>
+                  <a:pPr algn="ctr"/>
+                  <a:endParaRPr lang="pt-BR" dirty="0"/>
+                </a:p>
+              </p:txBody>
+            </p:sp>
+            <p:sp>
+              <p:nvSpPr>
+                <p:cNvPr id="23" name="Retângulo de cantos arredondados 22"/>
+                <p:cNvSpPr/>
+                <p:nvPr/>
+              </p:nvSpPr>
+              <p:spPr>
+                <a:xfrm rot="16200000">
+                  <a:off x="4092241" y="2348024"/>
+                  <a:ext cx="457355" cy="1108228"/>
+                </a:xfrm>
+                <a:prstGeom prst="roundRect">
+                  <a:avLst>
+                    <a:gd name="adj" fmla="val 50000"/>
+                  </a:avLst>
+                </a:prstGeom>
+                <a:solidFill>
+                  <a:schemeClr val="tx1">
+                    <a:lumMod val="85000"/>
+                    <a:lumOff val="15000"/>
+                  </a:schemeClr>
+                </a:solidFill>
+                <a:ln>
+                  <a:noFill/>
+                </a:ln>
+              </p:spPr>
+              <p:style>
+                <a:lnRef idx="2">
+                  <a:schemeClr val="accent1">
+                    <a:shade val="50000"/>
+                  </a:schemeClr>
+                </a:lnRef>
+                <a:fillRef idx="1">
+                  <a:schemeClr val="accent1"/>
+                </a:fillRef>
+                <a:effectRef idx="0">
+                  <a:schemeClr val="accent1"/>
+                </a:effectRef>
+                <a:fontRef idx="minor">
+                  <a:schemeClr val="lt1"/>
+                </a:fontRef>
+              </p:style>
+              <p:txBody>
+                <a:bodyPr rtlCol="0" anchor="ctr"/>
+                <a:lstStyle/>
+                <a:p>
+                  <a:pPr algn="ctr"/>
+                  <a:endParaRPr lang="pt-BR" dirty="0"/>
+                </a:p>
+              </p:txBody>
+            </p:sp>
+            <p:sp>
+              <p:nvSpPr>
+                <p:cNvPr id="24" name="Retângulo de cantos arredondados 23"/>
+                <p:cNvSpPr/>
+                <p:nvPr/>
+              </p:nvSpPr>
+              <p:spPr>
+                <a:xfrm rot="10800000">
+                  <a:off x="4951232" y="2025493"/>
+                  <a:ext cx="457355" cy="1851339"/>
+                </a:xfrm>
+                <a:prstGeom prst="roundRect">
+                  <a:avLst>
+                    <a:gd name="adj" fmla="val 50000"/>
+                  </a:avLst>
+                </a:prstGeom>
+                <a:solidFill>
+                  <a:schemeClr val="tx1">
+                    <a:lumMod val="85000"/>
+                    <a:lumOff val="15000"/>
+                  </a:schemeClr>
+                </a:solidFill>
+                <a:ln>
+                  <a:noFill/>
+                </a:ln>
+              </p:spPr>
+              <p:style>
+                <a:lnRef idx="2">
+                  <a:schemeClr val="accent1">
+                    <a:shade val="50000"/>
+                  </a:schemeClr>
+                </a:lnRef>
+                <a:fillRef idx="1">
+                  <a:schemeClr val="accent1"/>
+                </a:fillRef>
+                <a:effectRef idx="0">
+                  <a:schemeClr val="accent1"/>
+                </a:effectRef>
+                <a:fontRef idx="minor">
+                  <a:schemeClr val="lt1"/>
+                </a:fontRef>
+              </p:style>
+              <p:txBody>
+                <a:bodyPr rtlCol="0" anchor="ctr"/>
+                <a:lstStyle/>
+                <a:p>
+                  <a:pPr algn="ctr"/>
+                  <a:endParaRPr lang="pt-BR" dirty="0"/>
+                </a:p>
+              </p:txBody>
+            </p:sp>
+            <p:sp>
+              <p:nvSpPr>
+                <p:cNvPr id="25" name="Retângulo de cantos arredondados 24"/>
+                <p:cNvSpPr/>
+                <p:nvPr/>
+              </p:nvSpPr>
+              <p:spPr>
+                <a:xfrm rot="5400000">
+                  <a:off x="5356381" y="1704453"/>
+                  <a:ext cx="457355" cy="1093773"/>
+                </a:xfrm>
+                <a:prstGeom prst="roundRect">
+                  <a:avLst>
+                    <a:gd name="adj" fmla="val 50000"/>
+                  </a:avLst>
+                </a:prstGeom>
+                <a:solidFill>
+                  <a:schemeClr val="tx1">
+                    <a:lumMod val="85000"/>
+                    <a:lumOff val="15000"/>
+                  </a:schemeClr>
+                </a:solidFill>
+                <a:ln>
+                  <a:noFill/>
+                </a:ln>
+              </p:spPr>
+              <p:style>
+                <a:lnRef idx="2">
+                  <a:schemeClr val="accent1">
+                    <a:shade val="50000"/>
+                  </a:schemeClr>
+                </a:lnRef>
+                <a:fillRef idx="1">
+                  <a:schemeClr val="accent1"/>
+                </a:fillRef>
+                <a:effectRef idx="0">
+                  <a:schemeClr val="accent1"/>
+                </a:effectRef>
+                <a:fontRef idx="minor">
+                  <a:schemeClr val="lt1"/>
+                </a:fontRef>
+              </p:style>
+              <p:txBody>
+                <a:bodyPr rtlCol="0" anchor="ctr"/>
+                <a:lstStyle/>
+                <a:p>
+                  <a:pPr algn="ctr"/>
+                  <a:endParaRPr lang="pt-BR" dirty="0"/>
+                </a:p>
+              </p:txBody>
+            </p:sp>
+            <p:sp>
+              <p:nvSpPr>
+                <p:cNvPr id="26" name="Retângulo de cantos arredondados 25"/>
+                <p:cNvSpPr/>
+                <p:nvPr/>
+              </p:nvSpPr>
+              <p:spPr>
+                <a:xfrm rot="5400000">
+                  <a:off x="5356381" y="2401442"/>
+                  <a:ext cx="457355" cy="1093773"/>
+                </a:xfrm>
+                <a:prstGeom prst="roundRect">
+                  <a:avLst>
+                    <a:gd name="adj" fmla="val 50000"/>
+                  </a:avLst>
+                </a:prstGeom>
+                <a:solidFill>
+                  <a:schemeClr val="tx1">
+                    <a:lumMod val="85000"/>
+                    <a:lumOff val="15000"/>
+                  </a:schemeClr>
+                </a:solidFill>
+                <a:ln>
+                  <a:noFill/>
+                </a:ln>
+              </p:spPr>
+              <p:style>
+                <a:lnRef idx="2">
+                  <a:schemeClr val="accent1">
+                    <a:shade val="50000"/>
+                  </a:schemeClr>
+                </a:lnRef>
+                <a:fillRef idx="1">
+                  <a:schemeClr val="accent1"/>
+                </a:fillRef>
+                <a:effectRef idx="0">
+                  <a:schemeClr val="accent1"/>
+                </a:effectRef>
+                <a:fontRef idx="minor">
+                  <a:schemeClr val="lt1"/>
+                </a:fontRef>
+              </p:style>
+              <p:txBody>
+                <a:bodyPr rtlCol="0" anchor="ctr"/>
+                <a:lstStyle/>
+                <a:p>
+                  <a:pPr algn="ctr"/>
+                  <a:endParaRPr lang="pt-BR" dirty="0"/>
+                </a:p>
+              </p:txBody>
+            </p:sp>
+            <p:sp>
+              <p:nvSpPr>
+                <p:cNvPr id="27" name="Retângulo de cantos arredondados 26"/>
+                <p:cNvSpPr/>
+                <p:nvPr/>
+              </p:nvSpPr>
+              <p:spPr>
+                <a:xfrm rot="5400000">
+                  <a:off x="5367962" y="3101268"/>
+                  <a:ext cx="457355" cy="1093773"/>
+                </a:xfrm>
+                <a:prstGeom prst="roundRect">
+                  <a:avLst>
+                    <a:gd name="adj" fmla="val 50000"/>
+                  </a:avLst>
+                </a:prstGeom>
+                <a:solidFill>
+                  <a:schemeClr val="tx1">
+                    <a:lumMod val="85000"/>
+                    <a:lumOff val="15000"/>
+                  </a:schemeClr>
+                </a:solidFill>
+                <a:ln>
+                  <a:noFill/>
+                </a:ln>
+              </p:spPr>
+              <p:style>
+                <a:lnRef idx="2">
+                  <a:schemeClr val="accent1">
+                    <a:shade val="50000"/>
+                  </a:schemeClr>
+                </a:lnRef>
+                <a:fillRef idx="1">
+                  <a:schemeClr val="accent1"/>
+                </a:fillRef>
+                <a:effectRef idx="0">
+                  <a:schemeClr val="accent1"/>
+                </a:effectRef>
+                <a:fontRef idx="minor">
+                  <a:schemeClr val="lt1"/>
+                </a:fontRef>
+              </p:style>
+              <p:txBody>
+                <a:bodyPr rtlCol="0" anchor="ctr"/>
+                <a:lstStyle/>
+                <a:p>
+                  <a:pPr algn="ctr"/>
+                  <a:endParaRPr lang="pt-BR" dirty="0"/>
+                </a:p>
+              </p:txBody>
+            </p:sp>
+            <p:sp>
+              <p:nvSpPr>
+                <p:cNvPr id="28" name="Retângulo de cantos arredondados 27"/>
+                <p:cNvSpPr/>
+                <p:nvPr/>
+              </p:nvSpPr>
+              <p:spPr>
+                <a:xfrm rot="10800000">
+                  <a:off x="6166694" y="2039993"/>
+                  <a:ext cx="457355" cy="1851339"/>
+                </a:xfrm>
+                <a:prstGeom prst="roundRect">
+                  <a:avLst>
+                    <a:gd name="adj" fmla="val 50000"/>
+                  </a:avLst>
+                </a:prstGeom>
+                <a:solidFill>
+                  <a:schemeClr val="tx1">
+                    <a:lumMod val="85000"/>
+                    <a:lumOff val="15000"/>
+                  </a:schemeClr>
+                </a:solidFill>
+                <a:ln>
+                  <a:noFill/>
+                </a:ln>
+              </p:spPr>
+              <p:style>
+                <a:lnRef idx="2">
+                  <a:schemeClr val="accent1">
+                    <a:shade val="50000"/>
+                  </a:schemeClr>
+                </a:lnRef>
+                <a:fillRef idx="1">
+                  <a:schemeClr val="accent1"/>
+                </a:fillRef>
+                <a:effectRef idx="0">
+                  <a:schemeClr val="accent1"/>
+                </a:effectRef>
+                <a:fontRef idx="minor">
+                  <a:schemeClr val="lt1"/>
+                </a:fontRef>
+              </p:style>
+              <p:txBody>
+                <a:bodyPr rtlCol="0" anchor="ctr"/>
+                <a:lstStyle/>
+                <a:p>
+                  <a:pPr algn="ctr"/>
+                  <a:endParaRPr lang="pt-BR" dirty="0"/>
+                </a:p>
+              </p:txBody>
+            </p:sp>
+            <p:sp>
+              <p:nvSpPr>
+                <p:cNvPr id="29" name="Retângulo de cantos arredondados 28"/>
+                <p:cNvSpPr/>
+                <p:nvPr/>
+              </p:nvSpPr>
+              <p:spPr>
+                <a:xfrm rot="5400000">
+                  <a:off x="6572459" y="1727688"/>
+                  <a:ext cx="457355" cy="1081966"/>
+                </a:xfrm>
+                <a:prstGeom prst="roundRect">
+                  <a:avLst>
+                    <a:gd name="adj" fmla="val 50000"/>
+                  </a:avLst>
+                </a:prstGeom>
+                <a:solidFill>
+                  <a:schemeClr val="tx1">
+                    <a:lumMod val="85000"/>
+                    <a:lumOff val="15000"/>
+                  </a:schemeClr>
+                </a:solidFill>
+                <a:ln>
+                  <a:noFill/>
+                </a:ln>
+              </p:spPr>
+              <p:style>
+                <a:lnRef idx="2">
+                  <a:schemeClr val="accent1">
+                    <a:shade val="50000"/>
+                  </a:schemeClr>
+                </a:lnRef>
+                <a:fillRef idx="1">
+                  <a:schemeClr val="accent1"/>
+                </a:fillRef>
+                <a:effectRef idx="0">
+                  <a:schemeClr val="accent1"/>
+                </a:effectRef>
+                <a:fontRef idx="minor">
+                  <a:schemeClr val="lt1"/>
+                </a:fontRef>
+              </p:style>
+              <p:txBody>
+                <a:bodyPr rtlCol="0" anchor="ctr"/>
+                <a:lstStyle/>
+                <a:p>
+                  <a:pPr algn="ctr"/>
+                  <a:endParaRPr lang="pt-BR" dirty="0"/>
+                </a:p>
+              </p:txBody>
+            </p:sp>
+            <p:sp>
+              <p:nvSpPr>
+                <p:cNvPr id="31" name="Retângulo de cantos arredondados 30"/>
+                <p:cNvSpPr/>
+                <p:nvPr/>
+              </p:nvSpPr>
+              <p:spPr>
+                <a:xfrm rot="16200000">
+                  <a:off x="6581811" y="2365355"/>
+                  <a:ext cx="457355" cy="1108228"/>
+                </a:xfrm>
+                <a:prstGeom prst="roundRect">
+                  <a:avLst>
+                    <a:gd name="adj" fmla="val 50000"/>
+                  </a:avLst>
+                </a:prstGeom>
+                <a:solidFill>
+                  <a:schemeClr val="tx1">
+                    <a:lumMod val="85000"/>
+                    <a:lumOff val="15000"/>
+                  </a:schemeClr>
+                </a:solidFill>
+                <a:ln>
+                  <a:noFill/>
+                </a:ln>
+              </p:spPr>
+              <p:style>
+                <a:lnRef idx="2">
+                  <a:schemeClr val="accent1">
+                    <a:shade val="50000"/>
+                  </a:schemeClr>
+                </a:lnRef>
+                <a:fillRef idx="1">
+                  <a:schemeClr val="accent1"/>
+                </a:fillRef>
+                <a:effectRef idx="0">
+                  <a:schemeClr val="accent1"/>
+                </a:effectRef>
+                <a:fontRef idx="minor">
+                  <a:schemeClr val="lt1"/>
+                </a:fontRef>
+              </p:style>
+              <p:txBody>
+                <a:bodyPr rtlCol="0" anchor="ctr"/>
+                <a:lstStyle/>
+                <a:p>
+                  <a:pPr algn="ctr"/>
+                  <a:endParaRPr lang="pt-BR" dirty="0"/>
+                </a:p>
+              </p:txBody>
+            </p:sp>
+          </p:grpSp>
+        </p:grpSp>
+        <p:grpSp>
+          <p:nvGrpSpPr>
+            <p:cNvPr id="5124" name="Grupo 5123"/>
+            <p:cNvGrpSpPr/>
+            <p:nvPr/>
+          </p:nvGrpSpPr>
+          <p:grpSpPr>
+            <a:xfrm>
+              <a:off x="7584739" y="2147312"/>
+              <a:ext cx="3938003" cy="1643142"/>
+              <a:chOff x="7203699" y="2225117"/>
+              <a:chExt cx="3938003" cy="1643142"/>
+            </a:xfrm>
+          </p:grpSpPr>
+          <p:sp>
+            <p:nvSpPr>
+              <p:cNvPr id="39" name="Retângulo de cantos arredondados 38"/>
+              <p:cNvSpPr/>
+              <p:nvPr/>
+            </p:nvSpPr>
+            <p:spPr>
+              <a:xfrm rot="10800000">
+                <a:off x="10777159" y="2225117"/>
+                <a:ext cx="364543" cy="883273"/>
+              </a:xfrm>
+              <a:prstGeom prst="roundRect">
+                <a:avLst>
+                  <a:gd name="adj" fmla="val 50000"/>
+                </a:avLst>
+              </a:prstGeom>
+              <a:solidFill>
+                <a:schemeClr val="tx1">
+                  <a:lumMod val="85000"/>
+                  <a:lumOff val="15000"/>
+                </a:schemeClr>
+              </a:solidFill>
+              <a:ln>
+                <a:noFill/>
+              </a:ln>
+            </p:spPr>
+            <p:style>
+              <a:lnRef idx="2">
+                <a:schemeClr val="accent1">
+                  <a:shade val="50000"/>
+                </a:schemeClr>
+              </a:lnRef>
+              <a:fillRef idx="1">
+                <a:schemeClr val="accent1"/>
+              </a:fillRef>
+              <a:effectRef idx="0">
+                <a:schemeClr val="accent1"/>
+              </a:effectRef>
+              <a:fontRef idx="minor">
+                <a:schemeClr val="lt1"/>
+              </a:fontRef>
+            </p:style>
+            <p:txBody>
+              <a:bodyPr rtlCol="0" anchor="ctr"/>
+              <a:lstStyle/>
+              <a:p>
+                <a:pPr algn="ctr"/>
+                <a:endParaRPr lang="pt-BR" dirty="0"/>
+              </a:p>
+            </p:txBody>
+          </p:sp>
+          <p:sp>
+            <p:nvSpPr>
+              <p:cNvPr id="41" name="Retângulo de cantos arredondados 40"/>
+              <p:cNvSpPr/>
+              <p:nvPr/>
+            </p:nvSpPr>
+            <p:spPr>
+              <a:xfrm rot="10800000">
+                <a:off x="7203699" y="2247164"/>
+                <a:ext cx="364543" cy="1475642"/>
+              </a:xfrm>
+              <a:prstGeom prst="roundRect">
+                <a:avLst>
+                  <a:gd name="adj" fmla="val 50000"/>
+                </a:avLst>
+              </a:prstGeom>
+              <a:solidFill>
+                <a:schemeClr val="tx1">
+                  <a:lumMod val="85000"/>
+                  <a:lumOff val="15000"/>
+                </a:schemeClr>
+              </a:solidFill>
+              <a:ln>
+                <a:noFill/>
+              </a:ln>
+            </p:spPr>
+            <p:style>
+              <a:lnRef idx="2">
+                <a:schemeClr val="accent1">
+                  <a:shade val="50000"/>
+                </a:schemeClr>
+              </a:lnRef>
+              <a:fillRef idx="1">
+                <a:schemeClr val="accent1"/>
+              </a:fillRef>
+              <a:effectRef idx="0">
+                <a:schemeClr val="accent1"/>
+              </a:effectRef>
+              <a:fontRef idx="minor">
+                <a:schemeClr val="lt1"/>
+              </a:fontRef>
+            </p:style>
+            <p:txBody>
+              <a:bodyPr rtlCol="0" anchor="ctr"/>
+              <a:lstStyle/>
+              <a:p>
+                <a:pPr algn="ctr"/>
+                <a:endParaRPr lang="pt-BR" dirty="0"/>
+              </a:p>
+            </p:txBody>
+          </p:sp>
+          <p:sp>
+            <p:nvSpPr>
+              <p:cNvPr id="42" name="Retângulo de cantos arredondados 41"/>
+              <p:cNvSpPr/>
+              <p:nvPr/>
+            </p:nvSpPr>
+            <p:spPr>
+              <a:xfrm rot="5400000">
+                <a:off x="7527122" y="1998236"/>
+                <a:ext cx="364543" cy="862400"/>
+              </a:xfrm>
+              <a:prstGeom prst="roundRect">
+                <a:avLst>
+                  <a:gd name="adj" fmla="val 50000"/>
+                </a:avLst>
+              </a:prstGeom>
+              <a:solidFill>
+                <a:schemeClr val="tx1">
+                  <a:lumMod val="85000"/>
+                  <a:lumOff val="15000"/>
+                </a:schemeClr>
+              </a:solidFill>
+              <a:ln>
+                <a:noFill/>
+              </a:ln>
+            </p:spPr>
+            <p:style>
+              <a:lnRef idx="2">
+                <a:schemeClr val="accent1">
+                  <a:shade val="50000"/>
+                </a:schemeClr>
+              </a:lnRef>
+              <a:fillRef idx="1">
+                <a:schemeClr val="accent1"/>
+              </a:fillRef>
+              <a:effectRef idx="0">
+                <a:schemeClr val="accent1"/>
+              </a:effectRef>
+              <a:fontRef idx="minor">
+                <a:schemeClr val="lt1"/>
+              </a:fontRef>
+            </p:style>
+            <p:txBody>
+              <a:bodyPr rtlCol="0" anchor="ctr"/>
+              <a:lstStyle/>
+              <a:p>
+                <a:pPr algn="ctr"/>
+                <a:endParaRPr lang="pt-BR" dirty="0"/>
+              </a:p>
+            </p:txBody>
+          </p:sp>
+          <p:sp>
+            <p:nvSpPr>
+              <p:cNvPr id="43" name="Retângulo de cantos arredondados 42"/>
+              <p:cNvSpPr/>
+              <p:nvPr/>
+            </p:nvSpPr>
+            <p:spPr>
+              <a:xfrm rot="10800000">
+                <a:off x="7793970" y="2247164"/>
+                <a:ext cx="364543" cy="883273"/>
+              </a:xfrm>
+              <a:prstGeom prst="roundRect">
+                <a:avLst>
+                  <a:gd name="adj" fmla="val 50000"/>
+                </a:avLst>
+              </a:prstGeom>
+              <a:solidFill>
+                <a:schemeClr val="tx1">
+                  <a:lumMod val="85000"/>
+                  <a:lumOff val="15000"/>
+                </a:schemeClr>
+              </a:solidFill>
+              <a:ln>
+                <a:noFill/>
+              </a:ln>
+            </p:spPr>
+            <p:style>
+              <a:lnRef idx="2">
+                <a:schemeClr val="accent1">
+                  <a:shade val="50000"/>
+                </a:schemeClr>
+              </a:lnRef>
+              <a:fillRef idx="1">
+                <a:schemeClr val="accent1"/>
+              </a:fillRef>
+              <a:effectRef idx="0">
+                <a:schemeClr val="accent1"/>
+              </a:effectRef>
+              <a:fontRef idx="minor">
+                <a:schemeClr val="lt1"/>
+              </a:fontRef>
+            </p:style>
+            <p:txBody>
+              <a:bodyPr rtlCol="0" anchor="ctr"/>
+              <a:lstStyle/>
+              <a:p>
+                <a:pPr algn="ctr"/>
+                <a:endParaRPr lang="pt-BR" dirty="0"/>
+              </a:p>
+            </p:txBody>
+          </p:sp>
+          <p:sp>
+            <p:nvSpPr>
+              <p:cNvPr id="44" name="Retângulo de cantos arredondados 43"/>
+              <p:cNvSpPr/>
+              <p:nvPr/>
+            </p:nvSpPr>
+            <p:spPr>
+              <a:xfrm rot="16200000">
+                <a:off x="7534576" y="2506500"/>
+                <a:ext cx="364543" cy="883332"/>
+              </a:xfrm>
+              <a:prstGeom prst="roundRect">
+                <a:avLst>
+                  <a:gd name="adj" fmla="val 50000"/>
+                </a:avLst>
+              </a:prstGeom>
+              <a:solidFill>
+                <a:schemeClr val="tx1">
+                  <a:lumMod val="85000"/>
+                  <a:lumOff val="15000"/>
+                </a:schemeClr>
+              </a:solidFill>
+              <a:ln>
+                <a:noFill/>
+              </a:ln>
+            </p:spPr>
+            <p:style>
+              <a:lnRef idx="2">
+                <a:schemeClr val="accent1">
+                  <a:shade val="50000"/>
+                </a:schemeClr>
+              </a:lnRef>
+              <a:fillRef idx="1">
+                <a:schemeClr val="accent1"/>
+              </a:fillRef>
+              <a:effectRef idx="0">
+                <a:schemeClr val="accent1"/>
+              </a:effectRef>
+              <a:fontRef idx="minor">
+                <a:schemeClr val="lt1"/>
+              </a:fontRef>
+            </p:style>
+            <p:txBody>
+              <a:bodyPr rtlCol="0" anchor="ctr"/>
+              <a:lstStyle/>
+              <a:p>
+                <a:pPr algn="ctr"/>
+                <a:endParaRPr lang="pt-BR" dirty="0"/>
+              </a:p>
+            </p:txBody>
+          </p:sp>
+          <p:sp>
+            <p:nvSpPr>
+              <p:cNvPr id="45" name="Retângulo de cantos arredondados 44"/>
+              <p:cNvSpPr/>
+              <p:nvPr/>
+            </p:nvSpPr>
+            <p:spPr>
+              <a:xfrm rot="10800000">
+                <a:off x="9218083" y="2249423"/>
+                <a:ext cx="364543" cy="1475642"/>
+              </a:xfrm>
+              <a:prstGeom prst="roundRect">
+                <a:avLst>
+                  <a:gd name="adj" fmla="val 50000"/>
+                </a:avLst>
+              </a:prstGeom>
+              <a:solidFill>
+                <a:schemeClr val="tx1">
+                  <a:lumMod val="85000"/>
+                  <a:lumOff val="15000"/>
+                </a:schemeClr>
+              </a:solidFill>
+              <a:ln>
+                <a:noFill/>
+              </a:ln>
+            </p:spPr>
+            <p:style>
+              <a:lnRef idx="2">
+                <a:schemeClr val="accent1">
+                  <a:shade val="50000"/>
+                </a:schemeClr>
+              </a:lnRef>
+              <a:fillRef idx="1">
+                <a:schemeClr val="accent1"/>
+              </a:fillRef>
+              <a:effectRef idx="0">
+                <a:schemeClr val="accent1"/>
+              </a:effectRef>
+              <a:fontRef idx="minor">
+                <a:schemeClr val="lt1"/>
+              </a:fontRef>
+            </p:style>
+            <p:txBody>
+              <a:bodyPr rtlCol="0" anchor="ctr"/>
+              <a:lstStyle/>
+              <a:p>
+                <a:pPr algn="ctr"/>
+                <a:endParaRPr lang="pt-BR" dirty="0"/>
+              </a:p>
+            </p:txBody>
+          </p:sp>
+          <p:sp>
+            <p:nvSpPr>
+              <p:cNvPr id="46" name="Retângulo de cantos arredondados 45"/>
+              <p:cNvSpPr/>
+              <p:nvPr/>
+            </p:nvSpPr>
+            <p:spPr>
+              <a:xfrm rot="5400000">
+                <a:off x="9541014" y="1993532"/>
+                <a:ext cx="364543" cy="871811"/>
+              </a:xfrm>
+              <a:prstGeom prst="roundRect">
+                <a:avLst>
+                  <a:gd name="adj" fmla="val 50000"/>
+                </a:avLst>
+              </a:prstGeom>
+              <a:solidFill>
+                <a:schemeClr val="tx1">
+                  <a:lumMod val="85000"/>
+                  <a:lumOff val="15000"/>
+                </a:schemeClr>
+              </a:solidFill>
+              <a:ln>
+                <a:noFill/>
+              </a:ln>
+            </p:spPr>
+            <p:style>
+              <a:lnRef idx="2">
+                <a:schemeClr val="accent1">
+                  <a:shade val="50000"/>
+                </a:schemeClr>
+              </a:lnRef>
+              <a:fillRef idx="1">
+                <a:schemeClr val="accent1"/>
+              </a:fillRef>
+              <a:effectRef idx="0">
+                <a:schemeClr val="accent1"/>
+              </a:effectRef>
+              <a:fontRef idx="minor">
+                <a:schemeClr val="lt1"/>
+              </a:fontRef>
+            </p:style>
+            <p:txBody>
+              <a:bodyPr rtlCol="0" anchor="ctr"/>
+              <a:lstStyle/>
+              <a:p>
+                <a:pPr algn="ctr"/>
+                <a:endParaRPr lang="pt-BR" dirty="0"/>
+              </a:p>
+            </p:txBody>
+          </p:sp>
+          <p:sp>
+            <p:nvSpPr>
+              <p:cNvPr id="47" name="Retângulo de cantos arredondados 46"/>
+              <p:cNvSpPr/>
+              <p:nvPr/>
+            </p:nvSpPr>
+            <p:spPr>
+              <a:xfrm rot="5400000">
+                <a:off x="9541013" y="2549079"/>
+                <a:ext cx="364543" cy="871811"/>
+              </a:xfrm>
+              <a:prstGeom prst="roundRect">
+                <a:avLst>
+                  <a:gd name="adj" fmla="val 50000"/>
+                </a:avLst>
+              </a:prstGeom>
+              <a:solidFill>
+                <a:schemeClr val="tx1">
+                  <a:lumMod val="85000"/>
+                  <a:lumOff val="15000"/>
+                </a:schemeClr>
+              </a:solidFill>
+              <a:ln>
+                <a:noFill/>
+              </a:ln>
+            </p:spPr>
+            <p:style>
+              <a:lnRef idx="2">
+                <a:schemeClr val="accent1">
+                  <a:shade val="50000"/>
+                </a:schemeClr>
+              </a:lnRef>
+              <a:fillRef idx="1">
+                <a:schemeClr val="accent1"/>
+              </a:fillRef>
+              <a:effectRef idx="0">
+                <a:schemeClr val="accent1"/>
+              </a:effectRef>
+              <a:fontRef idx="minor">
+                <a:schemeClr val="lt1"/>
+              </a:fontRef>
+            </p:style>
+            <p:txBody>
+              <a:bodyPr rtlCol="0" anchor="ctr"/>
+              <a:lstStyle/>
+              <a:p>
+                <a:pPr algn="ctr"/>
+                <a:endParaRPr lang="pt-BR" dirty="0"/>
+              </a:p>
+            </p:txBody>
+          </p:sp>
+          <p:sp>
+            <p:nvSpPr>
+              <p:cNvPr id="48" name="Retângulo de cantos arredondados 47"/>
+              <p:cNvSpPr/>
+              <p:nvPr/>
+            </p:nvSpPr>
+            <p:spPr>
+              <a:xfrm rot="5400000">
+                <a:off x="9550245" y="3106889"/>
+                <a:ext cx="364543" cy="871811"/>
+              </a:xfrm>
+              <a:prstGeom prst="roundRect">
+                <a:avLst>
+                  <a:gd name="adj" fmla="val 50000"/>
+                </a:avLst>
+              </a:prstGeom>
+              <a:solidFill>
+                <a:schemeClr val="tx1">
+                  <a:lumMod val="85000"/>
+                  <a:lumOff val="15000"/>
+                </a:schemeClr>
+              </a:solidFill>
+              <a:ln>
+                <a:noFill/>
+              </a:ln>
+            </p:spPr>
+            <p:style>
+              <a:lnRef idx="2">
+                <a:schemeClr val="accent1">
+                  <a:shade val="50000"/>
+                </a:schemeClr>
+              </a:lnRef>
+              <a:fillRef idx="1">
+                <a:schemeClr val="accent1"/>
+              </a:fillRef>
+              <a:effectRef idx="0">
+                <a:schemeClr val="accent1"/>
+              </a:effectRef>
+              <a:fontRef idx="minor">
+                <a:schemeClr val="lt1"/>
+              </a:fontRef>
+            </p:style>
+            <p:txBody>
+              <a:bodyPr rtlCol="0" anchor="ctr"/>
+              <a:lstStyle/>
+              <a:p>
+                <a:pPr algn="ctr"/>
+                <a:endParaRPr lang="pt-BR" dirty="0"/>
+              </a:p>
+            </p:txBody>
+          </p:sp>
+          <p:sp>
+            <p:nvSpPr>
+              <p:cNvPr id="49" name="Retângulo de cantos arredondados 48"/>
+              <p:cNvSpPr/>
+              <p:nvPr/>
+            </p:nvSpPr>
+            <p:spPr>
+              <a:xfrm rot="10800000">
+                <a:off x="10179433" y="2241657"/>
+                <a:ext cx="364543" cy="1475642"/>
+              </a:xfrm>
+              <a:prstGeom prst="roundRect">
+                <a:avLst>
+                  <a:gd name="adj" fmla="val 50000"/>
+                </a:avLst>
+              </a:prstGeom>
+              <a:solidFill>
+                <a:schemeClr val="tx1">
+                  <a:lumMod val="85000"/>
+                  <a:lumOff val="15000"/>
+                </a:schemeClr>
+              </a:solidFill>
+              <a:ln>
+                <a:noFill/>
+              </a:ln>
+            </p:spPr>
+            <p:style>
+              <a:lnRef idx="2">
+                <a:schemeClr val="accent1">
+                  <a:shade val="50000"/>
+                </a:schemeClr>
+              </a:lnRef>
+              <a:fillRef idx="1">
+                <a:schemeClr val="accent1"/>
+              </a:fillRef>
+              <a:effectRef idx="0">
+                <a:schemeClr val="accent1"/>
+              </a:effectRef>
+              <a:fontRef idx="minor">
+                <a:schemeClr val="lt1"/>
+              </a:fontRef>
+            </p:style>
+            <p:txBody>
+              <a:bodyPr rtlCol="0" anchor="ctr"/>
+              <a:lstStyle/>
+              <a:p>
+                <a:pPr algn="ctr"/>
+                <a:endParaRPr lang="pt-BR" dirty="0"/>
+              </a:p>
+            </p:txBody>
+          </p:sp>
+          <p:sp>
+            <p:nvSpPr>
+              <p:cNvPr id="50" name="Retângulo de cantos arredondados 49"/>
+              <p:cNvSpPr/>
+              <p:nvPr/>
+            </p:nvSpPr>
+            <p:spPr>
+              <a:xfrm rot="5400000">
+                <a:off x="10502856" y="1992729"/>
+                <a:ext cx="364543" cy="862400"/>
+              </a:xfrm>
+              <a:prstGeom prst="roundRect">
+                <a:avLst>
+                  <a:gd name="adj" fmla="val 50000"/>
+                </a:avLst>
+              </a:prstGeom>
+              <a:solidFill>
+                <a:schemeClr val="tx1">
+                  <a:lumMod val="85000"/>
+                  <a:lumOff val="15000"/>
+                </a:schemeClr>
+              </a:solidFill>
+              <a:ln>
+                <a:noFill/>
+              </a:ln>
+            </p:spPr>
+            <p:style>
+              <a:lnRef idx="2">
+                <a:schemeClr val="accent1">
+                  <a:shade val="50000"/>
+                </a:schemeClr>
+              </a:lnRef>
+              <a:fillRef idx="1">
+                <a:schemeClr val="accent1"/>
+              </a:fillRef>
+              <a:effectRef idx="0">
+                <a:schemeClr val="accent1"/>
+              </a:effectRef>
+              <a:fontRef idx="minor">
+                <a:schemeClr val="lt1"/>
+              </a:fontRef>
+            </p:style>
+            <p:txBody>
+              <a:bodyPr rtlCol="0" anchor="ctr"/>
+              <a:lstStyle/>
+              <a:p>
+                <a:pPr algn="ctr"/>
+                <a:endParaRPr lang="pt-BR" dirty="0"/>
+              </a:p>
+            </p:txBody>
+          </p:sp>
+          <p:sp>
+            <p:nvSpPr>
+              <p:cNvPr id="51" name="Retângulo de cantos arredondados 50"/>
+              <p:cNvSpPr/>
+              <p:nvPr/>
+            </p:nvSpPr>
+            <p:spPr>
+              <a:xfrm rot="16200000">
+                <a:off x="10510310" y="2500993"/>
+                <a:ext cx="364543" cy="883332"/>
+              </a:xfrm>
+              <a:prstGeom prst="roundRect">
+                <a:avLst>
+                  <a:gd name="adj" fmla="val 50000"/>
+                </a:avLst>
+              </a:prstGeom>
+              <a:solidFill>
+                <a:schemeClr val="tx1">
+                  <a:lumMod val="85000"/>
+                  <a:lumOff val="15000"/>
+                </a:schemeClr>
+              </a:solidFill>
+              <a:ln>
+                <a:noFill/>
+              </a:ln>
+            </p:spPr>
+            <p:style>
+              <a:lnRef idx="2">
+                <a:schemeClr val="accent1">
+                  <a:shade val="50000"/>
+                </a:schemeClr>
+              </a:lnRef>
+              <a:fillRef idx="1">
+                <a:schemeClr val="accent1"/>
+              </a:fillRef>
+              <a:effectRef idx="0">
+                <a:schemeClr val="accent1"/>
+              </a:effectRef>
+              <a:fontRef idx="minor">
+                <a:schemeClr val="lt1"/>
+              </a:fontRef>
+            </p:style>
+            <p:txBody>
+              <a:bodyPr rtlCol="0" anchor="ctr"/>
+              <a:lstStyle/>
+              <a:p>
+                <a:pPr algn="ctr"/>
+                <a:endParaRPr lang="pt-BR" dirty="0"/>
+              </a:p>
+            </p:txBody>
+          </p:sp>
+          <p:grpSp>
+            <p:nvGrpSpPr>
+              <p:cNvPr id="5123" name="Grupo 5122"/>
+              <p:cNvGrpSpPr/>
+              <p:nvPr/>
+            </p:nvGrpSpPr>
+            <p:grpSpPr>
+              <a:xfrm>
+                <a:off x="8163942" y="2247164"/>
+                <a:ext cx="954815" cy="1621095"/>
+                <a:chOff x="5671010" y="4326900"/>
+                <a:chExt cx="954815" cy="1621095"/>
+              </a:xfrm>
+            </p:grpSpPr>
+            <p:sp>
+              <p:nvSpPr>
+                <p:cNvPr id="58" name="Retângulo de cantos arredondados 57"/>
+                <p:cNvSpPr/>
+                <p:nvPr/>
+              </p:nvSpPr>
+              <p:spPr>
+                <a:xfrm rot="8554923">
+                  <a:off x="6074748" y="4472353"/>
+                  <a:ext cx="364543" cy="1475642"/>
+                </a:xfrm>
+                <a:prstGeom prst="roundRect">
+                  <a:avLst>
+                    <a:gd name="adj" fmla="val 50000"/>
+                  </a:avLst>
+                </a:prstGeom>
+                <a:solidFill>
+                  <a:schemeClr val="tx1">
+                    <a:lumMod val="85000"/>
+                    <a:lumOff val="15000"/>
+                  </a:schemeClr>
+                </a:solidFill>
+                <a:ln>
+                  <a:noFill/>
+                </a:ln>
+              </p:spPr>
+              <p:style>
+                <a:lnRef idx="2">
+                  <a:schemeClr val="accent1">
+                    <a:shade val="50000"/>
+                  </a:schemeClr>
+                </a:lnRef>
+                <a:fillRef idx="1">
+                  <a:schemeClr val="accent1"/>
+                </a:fillRef>
+                <a:effectRef idx="0">
+                  <a:schemeClr val="accent1"/>
+                </a:effectRef>
+                <a:fontRef idx="minor">
+                  <a:schemeClr val="lt1"/>
+                </a:fontRef>
+              </p:style>
+              <p:txBody>
+                <a:bodyPr rtlCol="0" anchor="ctr"/>
+                <a:lstStyle/>
+                <a:p>
+                  <a:pPr algn="ctr"/>
+                  <a:endParaRPr lang="pt-BR" dirty="0"/>
+                </a:p>
+              </p:txBody>
+            </p:sp>
+            <p:sp>
+              <p:nvSpPr>
+                <p:cNvPr id="5121" name="Retângulo 5120"/>
+                <p:cNvSpPr/>
+                <p:nvPr/>
+              </p:nvSpPr>
+              <p:spPr>
+                <a:xfrm>
+                  <a:off x="6063840" y="4669396"/>
+                  <a:ext cx="225728" cy="182271"/>
+                </a:xfrm>
+                <a:prstGeom prst="rect">
+                  <a:avLst/>
+                </a:prstGeom>
+                <a:solidFill>
+                  <a:srgbClr val="334AF5"/>
+                </a:solidFill>
+                <a:ln>
+                  <a:noFill/>
+                </a:ln>
+              </p:spPr>
+              <p:style>
+                <a:lnRef idx="2">
+                  <a:schemeClr val="accent1">
+                    <a:shade val="50000"/>
+                  </a:schemeClr>
+                </a:lnRef>
+                <a:fillRef idx="1">
+                  <a:schemeClr val="accent1"/>
+                </a:fillRef>
+                <a:effectRef idx="0">
+                  <a:schemeClr val="accent1"/>
+                </a:effectRef>
+                <a:fontRef idx="minor">
+                  <a:schemeClr val="lt1"/>
+                </a:fontRef>
+              </p:style>
+              <p:txBody>
+                <a:bodyPr rtlCol="0" anchor="ctr"/>
+                <a:lstStyle/>
+                <a:p>
+                  <a:pPr algn="ctr"/>
+                  <a:endParaRPr lang="pt-BR"/>
+                </a:p>
+              </p:txBody>
+            </p:sp>
+            <p:sp>
+              <p:nvSpPr>
+                <p:cNvPr id="54" name="Retângulo de cantos arredondados 53"/>
+                <p:cNvSpPr/>
+                <p:nvPr/>
+              </p:nvSpPr>
+              <p:spPr>
+                <a:xfrm rot="10800000">
+                  <a:off x="5671010" y="4326900"/>
+                  <a:ext cx="364543" cy="1475642"/>
+                </a:xfrm>
+                <a:prstGeom prst="roundRect">
+                  <a:avLst>
+                    <a:gd name="adj" fmla="val 50000"/>
+                  </a:avLst>
+                </a:prstGeom>
+                <a:solidFill>
+                  <a:schemeClr val="tx1">
+                    <a:lumMod val="85000"/>
+                    <a:lumOff val="15000"/>
+                  </a:schemeClr>
+                </a:solidFill>
+                <a:ln>
+                  <a:noFill/>
+                </a:ln>
+              </p:spPr>
+              <p:style>
+                <a:lnRef idx="2">
+                  <a:schemeClr val="accent1">
+                    <a:shade val="50000"/>
+                  </a:schemeClr>
+                </a:lnRef>
+                <a:fillRef idx="1">
+                  <a:schemeClr val="accent1"/>
+                </a:fillRef>
+                <a:effectRef idx="0">
+                  <a:schemeClr val="accent1"/>
+                </a:effectRef>
+                <a:fontRef idx="minor">
+                  <a:schemeClr val="lt1"/>
+                </a:fontRef>
+              </p:style>
+              <p:txBody>
+                <a:bodyPr rtlCol="0" anchor="ctr"/>
+                <a:lstStyle/>
+                <a:p>
+                  <a:pPr algn="ctr"/>
+                  <a:endParaRPr lang="pt-BR" dirty="0"/>
+                </a:p>
+              </p:txBody>
+            </p:sp>
+            <p:sp>
+              <p:nvSpPr>
+                <p:cNvPr id="55" name="Retângulo de cantos arredondados 54"/>
+                <p:cNvSpPr/>
+                <p:nvPr/>
+              </p:nvSpPr>
+              <p:spPr>
+                <a:xfrm rot="5400000">
+                  <a:off x="5994433" y="4077972"/>
+                  <a:ext cx="364543" cy="862400"/>
+                </a:xfrm>
+                <a:prstGeom prst="roundRect">
+                  <a:avLst>
+                    <a:gd name="adj" fmla="val 50000"/>
+                  </a:avLst>
+                </a:prstGeom>
+                <a:solidFill>
+                  <a:schemeClr val="tx1">
+                    <a:lumMod val="85000"/>
+                    <a:lumOff val="15000"/>
+                  </a:schemeClr>
+                </a:solidFill>
+                <a:ln>
+                  <a:noFill/>
+                </a:ln>
+              </p:spPr>
+              <p:style>
+                <a:lnRef idx="2">
+                  <a:schemeClr val="accent1">
+                    <a:shade val="50000"/>
+                  </a:schemeClr>
+                </a:lnRef>
+                <a:fillRef idx="1">
+                  <a:schemeClr val="accent1"/>
+                </a:fillRef>
+                <a:effectRef idx="0">
+                  <a:schemeClr val="accent1"/>
+                </a:effectRef>
+                <a:fontRef idx="minor">
+                  <a:schemeClr val="lt1"/>
+                </a:fontRef>
+              </p:style>
+              <p:txBody>
+                <a:bodyPr rtlCol="0" anchor="ctr"/>
+                <a:lstStyle/>
+                <a:p>
+                  <a:pPr algn="ctr"/>
+                  <a:endParaRPr lang="pt-BR" dirty="0"/>
+                </a:p>
+              </p:txBody>
+            </p:sp>
+            <p:sp>
+              <p:nvSpPr>
+                <p:cNvPr id="56" name="Retângulo de cantos arredondados 55"/>
+                <p:cNvSpPr/>
+                <p:nvPr/>
+              </p:nvSpPr>
+              <p:spPr>
+                <a:xfrm rot="10800000">
+                  <a:off x="6261281" y="4326900"/>
+                  <a:ext cx="364543" cy="883273"/>
+                </a:xfrm>
+                <a:prstGeom prst="roundRect">
+                  <a:avLst>
+                    <a:gd name="adj" fmla="val 50000"/>
+                  </a:avLst>
+                </a:prstGeom>
+                <a:solidFill>
+                  <a:schemeClr val="tx1">
+                    <a:lumMod val="85000"/>
+                    <a:lumOff val="15000"/>
+                  </a:schemeClr>
+                </a:solidFill>
+                <a:ln>
+                  <a:noFill/>
+                </a:ln>
+              </p:spPr>
+              <p:style>
+                <a:lnRef idx="2">
+                  <a:schemeClr val="accent1">
+                    <a:shade val="50000"/>
+                  </a:schemeClr>
+                </a:lnRef>
+                <a:fillRef idx="1">
+                  <a:schemeClr val="accent1"/>
+                </a:fillRef>
+                <a:effectRef idx="0">
+                  <a:schemeClr val="accent1"/>
+                </a:effectRef>
+                <a:fontRef idx="minor">
+                  <a:schemeClr val="lt1"/>
+                </a:fontRef>
+              </p:style>
+              <p:txBody>
+                <a:bodyPr rtlCol="0" anchor="ctr"/>
+                <a:lstStyle/>
+                <a:p>
+                  <a:pPr algn="ctr"/>
+                  <a:endParaRPr lang="pt-BR" dirty="0"/>
+                </a:p>
+              </p:txBody>
+            </p:sp>
+            <p:sp>
+              <p:nvSpPr>
+                <p:cNvPr id="57" name="Retângulo de cantos arredondados 56"/>
+                <p:cNvSpPr/>
+                <p:nvPr/>
+              </p:nvSpPr>
+              <p:spPr>
+                <a:xfrm rot="16200000">
+                  <a:off x="6001887" y="4586236"/>
+                  <a:ext cx="364543" cy="883332"/>
+                </a:xfrm>
+                <a:prstGeom prst="roundRect">
+                  <a:avLst>
+                    <a:gd name="adj" fmla="val 50000"/>
+                  </a:avLst>
+                </a:prstGeom>
+                <a:solidFill>
+                  <a:schemeClr val="tx1">
+                    <a:lumMod val="85000"/>
+                    <a:lumOff val="15000"/>
+                  </a:schemeClr>
+                </a:solidFill>
+                <a:ln>
+                  <a:noFill/>
+                </a:ln>
+              </p:spPr>
+              <p:style>
+                <a:lnRef idx="2">
+                  <a:schemeClr val="accent1">
+                    <a:shade val="50000"/>
+                  </a:schemeClr>
+                </a:lnRef>
+                <a:fillRef idx="1">
+                  <a:schemeClr val="accent1"/>
+                </a:fillRef>
+                <a:effectRef idx="0">
+                  <a:schemeClr val="accent1"/>
+                </a:effectRef>
+                <a:fontRef idx="minor">
+                  <a:schemeClr val="lt1"/>
+                </a:fontRef>
+              </p:style>
+              <p:txBody>
+                <a:bodyPr rtlCol="0" anchor="ctr"/>
+                <a:lstStyle/>
+                <a:p>
+                  <a:pPr algn="ctr"/>
+                  <a:endParaRPr lang="pt-BR" dirty="0"/>
+                </a:p>
+              </p:txBody>
+            </p:sp>
+          </p:grpSp>
+        </p:grpSp>
+        <p:grpSp>
+          <p:nvGrpSpPr>
+            <p:cNvPr id="5125" name="Grupo 5124"/>
+            <p:cNvGrpSpPr/>
+            <p:nvPr/>
+          </p:nvGrpSpPr>
+          <p:grpSpPr>
+            <a:xfrm>
+              <a:off x="6855798" y="2096324"/>
+              <a:ext cx="384622" cy="1475644"/>
+              <a:chOff x="5604592" y="4430927"/>
+              <a:chExt cx="384622" cy="1475644"/>
+            </a:xfrm>
+            <a:solidFill>
+              <a:schemeClr val="bg1">
+                <a:lumMod val="85000"/>
+              </a:schemeClr>
+            </a:solidFill>
+          </p:grpSpPr>
+          <p:sp>
+            <p:nvSpPr>
+              <p:cNvPr id="62" name="Retângulo de cantos arredondados 61"/>
+              <p:cNvSpPr/>
+              <p:nvPr/>
+            </p:nvSpPr>
+            <p:spPr>
+              <a:xfrm rot="13392854">
+                <a:off x="5604592" y="4430929"/>
+                <a:ext cx="364543" cy="1475642"/>
+              </a:xfrm>
+              <a:prstGeom prst="roundRect">
+                <a:avLst>
+                  <a:gd name="adj" fmla="val 50000"/>
+                </a:avLst>
+              </a:prstGeom>
+              <a:grpFill/>
+              <a:ln>
+                <a:noFill/>
+              </a:ln>
+            </p:spPr>
+            <p:style>
+              <a:lnRef idx="2">
+                <a:schemeClr val="accent1">
+                  <a:shade val="50000"/>
+                </a:schemeClr>
+              </a:lnRef>
+              <a:fillRef idx="1">
+                <a:schemeClr val="accent1"/>
+              </a:fillRef>
+              <a:effectRef idx="0">
+                <a:schemeClr val="accent1"/>
+              </a:effectRef>
+              <a:fontRef idx="minor">
+                <a:schemeClr val="lt1"/>
+              </a:fontRef>
+            </p:style>
+            <p:txBody>
+              <a:bodyPr rtlCol="0" anchor="ctr"/>
+              <a:lstStyle/>
+              <a:p>
+                <a:pPr algn="ctr"/>
+                <a:endParaRPr lang="pt-BR" dirty="0"/>
+              </a:p>
+            </p:txBody>
+          </p:sp>
+          <p:sp>
+            <p:nvSpPr>
+              <p:cNvPr id="63" name="Retângulo de cantos arredondados 62"/>
+              <p:cNvSpPr/>
+              <p:nvPr/>
+            </p:nvSpPr>
+            <p:spPr>
+              <a:xfrm rot="8207146" flipH="1">
+                <a:off x="5624671" y="4430927"/>
+                <a:ext cx="364543" cy="1475642"/>
+              </a:xfrm>
+              <a:prstGeom prst="roundRect">
+                <a:avLst>
+                  <a:gd name="adj" fmla="val 50000"/>
+                </a:avLst>
+              </a:prstGeom>
+              <a:grpFill/>
+              <a:ln>
+                <a:noFill/>
+              </a:ln>
+            </p:spPr>
+            <p:style>
+              <a:lnRef idx="2">
+                <a:schemeClr val="accent1">
+                  <a:shade val="50000"/>
+                </a:schemeClr>
+              </a:lnRef>
+              <a:fillRef idx="1">
+                <a:schemeClr val="accent1"/>
+              </a:fillRef>
+              <a:effectRef idx="0">
+                <a:schemeClr val="accent1"/>
+              </a:effectRef>
+              <a:fontRef idx="minor">
+                <a:schemeClr val="lt1"/>
+              </a:fontRef>
+            </p:style>
+            <p:txBody>
+              <a:bodyPr rtlCol="0" anchor="ctr"/>
+              <a:lstStyle/>
+              <a:p>
+                <a:pPr algn="ctr"/>
+                <a:endParaRPr lang="pt-BR" dirty="0"/>
+              </a:p>
+            </p:txBody>
+          </p:sp>
+        </p:grpSp>
+      </p:grpSp>
+    </p:spTree>
+    <p:extLst>
+      <p:ext uri="{BB962C8B-B14F-4D97-AF65-F5344CB8AC3E}">
+        <p14:creationId xmlns:p14="http://schemas.microsoft.com/office/powerpoint/2010/main" val="1438967807"/>
+      </p:ext>
+    </p:extLst>
+  </p:cSld>
+  <p:clrMapOvr>
+    <a:masterClrMapping/>
+  </p:clrMapOvr>
+  <p:timing>
+    <p:tnLst>
+      <p:par>
+        <p:cTn id="1" dur="indefinite" restart="never" nodeType="tmRoot"/>
+      </p:par>
+    </p:tnLst>
+  </p:timing>
+</p:sld>
+</file>
+
+<file path=ppt/slides/slide5.xml><?xml version="1.0" encoding="utf-8"?>
+<p:sld xmlns:a="http://schemas.openxmlformats.org/drawingml/2006/main" xmlns:r="http://schemas.openxmlformats.org/officeDocument/2006/relationships" xmlns:p="http://schemas.openxmlformats.org/presentationml/2006/main">
+  <p:cSld>
+    <p:spTree>
+      <p:nvGrpSpPr>
+        <p:cNvPr id="1" name=""/>
+        <p:cNvGrpSpPr/>
+        <p:nvPr/>
+      </p:nvGrpSpPr>
+      <p:grpSpPr>
+        <a:xfrm>
+          <a:off x="0" y="0"/>
+          <a:ext cx="0" cy="0"/>
+          <a:chOff x="0" y="0"/>
+          <a:chExt cx="0" cy="0"/>
+        </a:xfrm>
+      </p:grpSpPr>
       <p:sp>
         <p:nvSpPr>
-          <p:cNvPr id="4" name="Fluxograma: Processo alternativo 3"/>
+          <p:cNvPr id="2" name="Retângulo de cantos arredondados 1"/>
           <p:cNvSpPr/>
           <p:nvPr/>
         </p:nvSpPr>
         <p:spPr>
           <a:xfrm>
-            <a:off x="1457325" y="5762625"/>
-            <a:ext cx="2095500" cy="447675"/>
+            <a:off x="191920" y="526531"/>
+            <a:ext cx="11306629" cy="5718405"/>
           </a:xfrm>
-          <a:prstGeom prst="flowChartAlternateProcess">
+          <a:prstGeom prst="roundRect">
             <a:avLst/>
           </a:prstGeom>
           <a:solidFill>
-            <a:srgbClr val="DFC4EE"/>
+            <a:srgbClr val="FF4F4F"/>
           </a:solidFill>
+          <a:ln>
+            <a:noFill/>
+          </a:ln>
         </p:spPr>
         <p:style>
           <a:lnRef idx="2">
@@ -5367,123 +11734,70 @@
           <a:lstStyle/>
           <a:p>
             <a:pPr algn="ctr"/>
-            <a:endParaRPr lang="pt-BR"/>
+            <a:endParaRPr lang="pt-BR" dirty="0"/>
           </a:p>
         </p:txBody>
       </p:sp>
-      <p:cxnSp>
-        <p:nvCxnSpPr>
-          <p:cNvPr id="6" name="Conector reto 5"/>
-          <p:cNvCxnSpPr>
-            <a:stCxn id="4" idx="0"/>
-            <a:endCxn id="4" idx="2"/>
-          </p:cNvCxnSpPr>
+      <p:sp>
+        <p:nvSpPr>
+          <p:cNvPr id="15" name="Retângulo de cantos arredondados 14"/>
+          <p:cNvSpPr/>
           <p:nvPr/>
-        </p:nvCxnSpPr>
+        </p:nvSpPr>
         <p:spPr>
           <a:xfrm>
-            <a:off x="2505075" y="5762625"/>
-            <a:ext cx="0" cy="447675"/>
+            <a:off x="191914" y="4603130"/>
+            <a:ext cx="11306629" cy="1641805"/>
           </a:xfrm>
-          <a:prstGeom prst="line">
-            <a:avLst/>
+          <a:prstGeom prst="roundRect">
+            <a:avLst>
+              <a:gd name="adj" fmla="val 32749"/>
+            </a:avLst>
           </a:prstGeom>
-        </p:spPr>
-        <p:style>
-          <a:lnRef idx="1">
-            <a:schemeClr val="accent2"/>
-          </a:lnRef>
-          <a:fillRef idx="0">
-            <a:schemeClr val="accent2"/>
-          </a:fillRef>
-          <a:effectRef idx="0">
-            <a:schemeClr val="accent2"/>
-          </a:effectRef>
-          <a:fontRef idx="minor">
-            <a:schemeClr val="tx1"/>
-          </a:fontRef>
-        </p:style>
-      </p:cxnSp>
-      <p:cxnSp>
-        <p:nvCxnSpPr>
-          <p:cNvPr id="8" name="Conector reto 7"/>
-          <p:cNvCxnSpPr/>
-          <p:nvPr/>
-        </p:nvCxnSpPr>
-        <p:spPr>
-          <a:xfrm flipV="1">
-            <a:off x="2324100" y="5805487"/>
-            <a:ext cx="361950" cy="361950"/>
-          </a:xfrm>
-          <a:prstGeom prst="line">
-            <a:avLst/>
-          </a:prstGeom>
+          <a:solidFill>
+            <a:schemeClr val="bg1">
+              <a:lumMod val="75000"/>
+            </a:schemeClr>
+          </a:solidFill>
           <a:ln>
-            <a:solidFill>
-              <a:srgbClr val="FFFF00"/>
-            </a:solidFill>
+            <a:noFill/>
           </a:ln>
         </p:spPr>
         <p:style>
-          <a:lnRef idx="1">
-            <a:schemeClr val="accent1"/>
+          <a:lnRef idx="2">
+            <a:schemeClr val="accent1">
+              <a:shade val="50000"/>
+            </a:schemeClr>
           </a:lnRef>
-          <a:fillRef idx="0">
+          <a:fillRef idx="1">
             <a:schemeClr val="accent1"/>
           </a:fillRef>
           <a:effectRef idx="0">
             <a:schemeClr val="accent1"/>
           </a:effectRef>
           <a:fontRef idx="minor">
-            <a:schemeClr val="tx1"/>
+            <a:schemeClr val="lt1"/>
           </a:fontRef>
         </p:style>
-      </p:cxnSp>
-      <p:cxnSp>
-        <p:nvCxnSpPr>
-          <p:cNvPr id="10" name="Conector reto 9"/>
-          <p:cNvCxnSpPr/>
-          <p:nvPr/>
-        </p:nvCxnSpPr>
-        <p:spPr>
-          <a:xfrm rot="16200000" flipV="1">
-            <a:off x="2324100" y="5805487"/>
-            <a:ext cx="361950" cy="361950"/>
-          </a:xfrm>
-          <a:prstGeom prst="line">
-            <a:avLst/>
-          </a:prstGeom>
-          <a:ln>
-            <a:solidFill>
-              <a:srgbClr val="FFFF00"/>
-            </a:solidFill>
-          </a:ln>
-        </p:spPr>
-        <p:style>
-          <a:lnRef idx="1">
-            <a:schemeClr val="accent1"/>
-          </a:lnRef>
-          <a:fillRef idx="0">
-            <a:schemeClr val="accent1"/>
-          </a:fillRef>
-          <a:effectRef idx="0">
-            <a:schemeClr val="accent1"/>
-          </a:effectRef>
-          <a:fontRef idx="minor">
-            <a:schemeClr val="tx1"/>
-          </a:fontRef>
-        </p:style>
-      </p:cxnSp>
+        <p:txBody>
+          <a:bodyPr rtlCol="0" anchor="ctr"/>
+          <a:lstStyle/>
+          <a:p>
+            <a:pPr algn="ctr"/>
+            <a:endParaRPr lang="pt-BR"/>
+          </a:p>
+        </p:txBody>
+      </p:sp>
       <p:sp>
         <p:nvSpPr>
-          <p:cNvPr id="9" name="CaixaDeTexto 8"/>
+          <p:cNvPr id="5" name="CaixaDeTexto 4"/>
           <p:cNvSpPr txBox="1"/>
           <p:nvPr/>
         </p:nvSpPr>
         <p:spPr>
           <a:xfrm>
-            <a:off x="1684470" y="5831443"/>
-            <a:ext cx="614271" cy="646331"/>
+            <a:off x="1567542" y="628354"/>
+            <a:ext cx="2699778" cy="707886"/>
           </a:xfrm>
           <a:prstGeom prst="rect">
             <a:avLst/>
@@ -5497,26 +11811,31 @@
           <a:lstStyle/>
           <a:p>
             <a:r>
-              <a:rPr lang="pt-BR" dirty="0" err="1" smtClean="0"/>
-              <a:t>PrEP</a:t>
+              <a:rPr lang="pt-BR" sz="4000" dirty="0" smtClean="0">
+                <a:solidFill>
+                  <a:schemeClr val="bg1"/>
+                </a:solidFill>
+              </a:rPr>
+              <a:t>TRANSMITE</a:t>
             </a:r>
-            <a:endParaRPr lang="pt-BR" dirty="0" smtClean="0"/>
-          </a:p>
-          <a:p>
+            <a:r>
+              <a:rPr lang="pt-BR" dirty="0" smtClean="0"/>
+              <a:t> </a:t>
+            </a:r>
             <a:endParaRPr lang="pt-BR" dirty="0"/>
           </a:p>
         </p:txBody>
       </p:sp>
       <p:sp>
         <p:nvSpPr>
-          <p:cNvPr id="12" name="CaixaDeTexto 11"/>
+          <p:cNvPr id="6" name="CaixaDeTexto 5"/>
           <p:cNvSpPr txBox="1"/>
           <p:nvPr/>
         </p:nvSpPr>
         <p:spPr>
           <a:xfrm>
-            <a:off x="2847975" y="5831443"/>
-            <a:ext cx="534121" cy="369332"/>
+            <a:off x="6683827" y="628354"/>
+            <a:ext cx="3777637" cy="707886"/>
           </a:xfrm>
           <a:prstGeom prst="rect">
             <a:avLst/>
@@ -5530,9 +11849,525 @@
           <a:lstStyle/>
           <a:p>
             <a:r>
+              <a:rPr lang="pt-BR" sz="4000" dirty="0" smtClean="0">
+                <a:solidFill>
+                  <a:schemeClr val="bg1"/>
+                </a:solidFill>
+              </a:rPr>
+              <a:t>NÃO TRANSMITE</a:t>
+            </a:r>
+            <a:r>
               <a:rPr lang="pt-BR" dirty="0" smtClean="0"/>
-              <a:t>PEP</a:t>
+              <a:t> </a:t>
             </a:r>
+            <a:endParaRPr lang="pt-BR" dirty="0"/>
+          </a:p>
+        </p:txBody>
+      </p:sp>
+      <p:sp>
+        <p:nvSpPr>
+          <p:cNvPr id="10" name="Retângulo de cantos arredondados 9"/>
+          <p:cNvSpPr/>
+          <p:nvPr/>
+        </p:nvSpPr>
+        <p:spPr>
+          <a:xfrm>
+            <a:off x="191918" y="1336239"/>
+            <a:ext cx="11306629" cy="752333"/>
+          </a:xfrm>
+          <a:prstGeom prst="roundRect">
+            <a:avLst>
+              <a:gd name="adj" fmla="val 16265"/>
+            </a:avLst>
+          </a:prstGeom>
+          <a:solidFill>
+            <a:srgbClr val="FF8585"/>
+          </a:solidFill>
+          <a:ln>
+            <a:noFill/>
+          </a:ln>
+        </p:spPr>
+        <p:style>
+          <a:lnRef idx="2">
+            <a:schemeClr val="accent1">
+              <a:shade val="50000"/>
+            </a:schemeClr>
+          </a:lnRef>
+          <a:fillRef idx="1">
+            <a:schemeClr val="accent1"/>
+          </a:fillRef>
+          <a:effectRef idx="0">
+            <a:schemeClr val="accent1"/>
+          </a:effectRef>
+          <a:fontRef idx="minor">
+            <a:schemeClr val="lt1"/>
+          </a:fontRef>
+        </p:style>
+        <p:txBody>
+          <a:bodyPr rtlCol="0" anchor="ctr"/>
+          <a:lstStyle/>
+          <a:p>
+            <a:pPr algn="ctr"/>
+            <a:endParaRPr lang="pt-BR"/>
+          </a:p>
+        </p:txBody>
+      </p:sp>
+      <p:sp>
+        <p:nvSpPr>
+          <p:cNvPr id="11" name="Retângulo de cantos arredondados 10"/>
+          <p:cNvSpPr/>
+          <p:nvPr/>
+        </p:nvSpPr>
+        <p:spPr>
+          <a:xfrm>
+            <a:off x="191916" y="2024354"/>
+            <a:ext cx="11306629" cy="638852"/>
+          </a:xfrm>
+          <a:prstGeom prst="roundRect">
+            <a:avLst>
+              <a:gd name="adj" fmla="val 0"/>
+            </a:avLst>
+          </a:prstGeom>
+          <a:solidFill>
+            <a:schemeClr val="bg1">
+              <a:lumMod val="75000"/>
+            </a:schemeClr>
+          </a:solidFill>
+          <a:ln>
+            <a:noFill/>
+          </a:ln>
+        </p:spPr>
+        <p:style>
+          <a:lnRef idx="2">
+            <a:schemeClr val="accent1">
+              <a:shade val="50000"/>
+            </a:schemeClr>
+          </a:lnRef>
+          <a:fillRef idx="1">
+            <a:schemeClr val="accent1"/>
+          </a:fillRef>
+          <a:effectRef idx="0">
+            <a:schemeClr val="accent1"/>
+          </a:effectRef>
+          <a:fontRef idx="minor">
+            <a:schemeClr val="lt1"/>
+          </a:fontRef>
+        </p:style>
+        <p:txBody>
+          <a:bodyPr rtlCol="0" anchor="ctr"/>
+          <a:lstStyle/>
+          <a:p>
+            <a:pPr algn="ctr"/>
+            <a:endParaRPr lang="pt-BR"/>
+          </a:p>
+        </p:txBody>
+      </p:sp>
+      <p:sp>
+        <p:nvSpPr>
+          <p:cNvPr id="12" name="Retângulo de cantos arredondados 11"/>
+          <p:cNvSpPr/>
+          <p:nvPr/>
+        </p:nvSpPr>
+        <p:spPr>
+          <a:xfrm>
+            <a:off x="191920" y="2629457"/>
+            <a:ext cx="11306624" cy="707455"/>
+          </a:xfrm>
+          <a:prstGeom prst="roundRect">
+            <a:avLst>
+              <a:gd name="adj" fmla="val 0"/>
+            </a:avLst>
+          </a:prstGeom>
+          <a:solidFill>
+            <a:srgbClr val="FF8585"/>
+          </a:solidFill>
+          <a:ln>
+            <a:noFill/>
+          </a:ln>
+        </p:spPr>
+        <p:style>
+          <a:lnRef idx="2">
+            <a:schemeClr val="accent1">
+              <a:shade val="50000"/>
+            </a:schemeClr>
+          </a:lnRef>
+          <a:fillRef idx="1">
+            <a:schemeClr val="accent1"/>
+          </a:fillRef>
+          <a:effectRef idx="0">
+            <a:schemeClr val="accent1"/>
+          </a:effectRef>
+          <a:fontRef idx="minor">
+            <a:schemeClr val="lt1"/>
+          </a:fontRef>
+        </p:style>
+        <p:txBody>
+          <a:bodyPr rtlCol="0" anchor="ctr"/>
+          <a:lstStyle/>
+          <a:p>
+            <a:pPr algn="ctr"/>
+            <a:endParaRPr lang="pt-BR"/>
+          </a:p>
+        </p:txBody>
+      </p:sp>
+      <p:sp>
+        <p:nvSpPr>
+          <p:cNvPr id="13" name="Retângulo de cantos arredondados 12"/>
+          <p:cNvSpPr/>
+          <p:nvPr/>
+        </p:nvSpPr>
+        <p:spPr>
+          <a:xfrm>
+            <a:off x="191916" y="3325427"/>
+            <a:ext cx="11306633" cy="638852"/>
+          </a:xfrm>
+          <a:prstGeom prst="roundRect">
+            <a:avLst>
+              <a:gd name="adj" fmla="val 0"/>
+            </a:avLst>
+          </a:prstGeom>
+          <a:solidFill>
+            <a:schemeClr val="bg1">
+              <a:lumMod val="75000"/>
+            </a:schemeClr>
+          </a:solidFill>
+          <a:ln>
+            <a:noFill/>
+          </a:ln>
+        </p:spPr>
+        <p:style>
+          <a:lnRef idx="2">
+            <a:schemeClr val="accent1">
+              <a:shade val="50000"/>
+            </a:schemeClr>
+          </a:lnRef>
+          <a:fillRef idx="1">
+            <a:schemeClr val="accent1"/>
+          </a:fillRef>
+          <a:effectRef idx="0">
+            <a:schemeClr val="accent1"/>
+          </a:effectRef>
+          <a:fontRef idx="minor">
+            <a:schemeClr val="lt1"/>
+          </a:fontRef>
+        </p:style>
+        <p:txBody>
+          <a:bodyPr rtlCol="0" anchor="ctr"/>
+          <a:lstStyle/>
+          <a:p>
+            <a:pPr algn="ctr"/>
+            <a:endParaRPr lang="pt-BR"/>
+          </a:p>
+        </p:txBody>
+      </p:sp>
+      <p:sp>
+        <p:nvSpPr>
+          <p:cNvPr id="14" name="Retângulo de cantos arredondados 13"/>
+          <p:cNvSpPr/>
+          <p:nvPr/>
+        </p:nvSpPr>
+        <p:spPr>
+          <a:xfrm>
+            <a:off x="191915" y="3964277"/>
+            <a:ext cx="11306629" cy="1116878"/>
+          </a:xfrm>
+          <a:prstGeom prst="roundRect">
+            <a:avLst>
+              <a:gd name="adj" fmla="val 0"/>
+            </a:avLst>
+          </a:prstGeom>
+          <a:solidFill>
+            <a:srgbClr val="FF8585"/>
+          </a:solidFill>
+          <a:ln>
+            <a:noFill/>
+          </a:ln>
+        </p:spPr>
+        <p:style>
+          <a:lnRef idx="2">
+            <a:schemeClr val="accent1">
+              <a:shade val="50000"/>
+            </a:schemeClr>
+          </a:lnRef>
+          <a:fillRef idx="1">
+            <a:schemeClr val="accent1"/>
+          </a:fillRef>
+          <a:effectRef idx="0">
+            <a:schemeClr val="accent1"/>
+          </a:effectRef>
+          <a:fontRef idx="minor">
+            <a:schemeClr val="lt1"/>
+          </a:fontRef>
+        </p:style>
+        <p:txBody>
+          <a:bodyPr rtlCol="0" anchor="ctr"/>
+          <a:lstStyle/>
+          <a:p>
+            <a:pPr algn="ctr"/>
+            <a:endParaRPr lang="pt-BR"/>
+          </a:p>
+        </p:txBody>
+      </p:sp>
+      <p:sp>
+        <p:nvSpPr>
+          <p:cNvPr id="7" name="Retângulo de cantos arredondados 6"/>
+          <p:cNvSpPr/>
+          <p:nvPr/>
+        </p:nvSpPr>
+        <p:spPr>
+          <a:xfrm>
+            <a:off x="5390337" y="526531"/>
+            <a:ext cx="246556" cy="5442859"/>
+          </a:xfrm>
+          <a:prstGeom prst="roundRect">
+            <a:avLst/>
+          </a:prstGeom>
+          <a:solidFill>
+            <a:srgbClr val="FF0000"/>
+          </a:solidFill>
+          <a:ln>
+            <a:noFill/>
+          </a:ln>
+        </p:spPr>
+        <p:style>
+          <a:lnRef idx="2">
+            <a:schemeClr val="accent1">
+              <a:shade val="50000"/>
+            </a:schemeClr>
+          </a:lnRef>
+          <a:fillRef idx="1">
+            <a:schemeClr val="accent1"/>
+          </a:fillRef>
+          <a:effectRef idx="0">
+            <a:schemeClr val="accent1"/>
+          </a:effectRef>
+          <a:fontRef idx="minor">
+            <a:schemeClr val="lt1"/>
+          </a:fontRef>
+        </p:style>
+        <p:txBody>
+          <a:bodyPr rtlCol="0" anchor="ctr"/>
+          <a:lstStyle/>
+          <a:p>
+            <a:pPr algn="ctr"/>
+            <a:endParaRPr lang="pt-BR"/>
+          </a:p>
+        </p:txBody>
+      </p:sp>
+      <p:sp>
+        <p:nvSpPr>
+          <p:cNvPr id="8" name="CaixaDeTexto 7"/>
+          <p:cNvSpPr txBox="1"/>
+          <p:nvPr/>
+        </p:nvSpPr>
+        <p:spPr>
+          <a:xfrm>
+            <a:off x="351205" y="1336240"/>
+            <a:ext cx="5039131" cy="4801314"/>
+          </a:xfrm>
+          <a:prstGeom prst="rect">
+            <a:avLst/>
+          </a:prstGeom>
+          <a:noFill/>
+        </p:spPr>
+        <p:txBody>
+          <a:bodyPr wrap="square" rtlCol="0">
+            <a:spAutoFit/>
+          </a:bodyPr>
+          <a:lstStyle/>
+          <a:p>
+            <a:pPr fontAlgn="t"/>
+            <a:r>
+              <a:rPr lang="pt-BR" b="1" dirty="0"/>
+              <a:t>Relação sexual com soropositivos sem o uso de preservativo</a:t>
+            </a:r>
+            <a:r>
+              <a:rPr lang="pt-BR" b="1" dirty="0" smtClean="0"/>
+              <a:t>.</a:t>
+            </a:r>
+          </a:p>
+          <a:p>
+            <a:pPr fontAlgn="t"/>
+            <a:endParaRPr lang="pt-BR" b="1" dirty="0"/>
+          </a:p>
+          <a:p>
+            <a:pPr fontAlgn="t"/>
+            <a:r>
+              <a:rPr lang="pt-BR" b="1" dirty="0"/>
+              <a:t>Compartilhamento de seringas e </a:t>
+            </a:r>
+            <a:r>
+              <a:rPr lang="pt-BR" b="1" dirty="0" smtClean="0"/>
+              <a:t>agulhas.</a:t>
+            </a:r>
+          </a:p>
+          <a:p>
+            <a:pPr fontAlgn="t"/>
+            <a:endParaRPr lang="pt-BR" b="1" dirty="0"/>
+          </a:p>
+          <a:p>
+            <a:pPr fontAlgn="t"/>
+            <a:r>
+              <a:rPr lang="pt-BR" b="1" dirty="0"/>
+              <a:t>Reutilização de objetos </a:t>
+            </a:r>
+            <a:r>
+              <a:rPr lang="pt-BR" b="1" dirty="0" smtClean="0"/>
+              <a:t>cortantes </a:t>
+            </a:r>
+            <a:r>
+              <a:rPr lang="pt-BR" b="1" dirty="0"/>
+              <a:t>com presença de sangue contaminado pelo HIV</a:t>
+            </a:r>
+            <a:r>
+              <a:rPr lang="pt-BR" b="1" dirty="0" smtClean="0"/>
+              <a:t>.</a:t>
+            </a:r>
+          </a:p>
+          <a:p>
+            <a:pPr fontAlgn="t"/>
+            <a:endParaRPr lang="pt-BR" b="1" dirty="0"/>
+          </a:p>
+          <a:p>
+            <a:pPr fontAlgn="t"/>
+            <a:r>
+              <a:rPr lang="pt-BR" b="1" dirty="0"/>
+              <a:t>Durante a amamentação, gestação e </a:t>
+            </a:r>
+            <a:r>
+              <a:rPr lang="pt-BR" b="1" dirty="0" smtClean="0"/>
+              <a:t>parto.</a:t>
+            </a:r>
+          </a:p>
+          <a:p>
+            <a:pPr fontAlgn="t"/>
+            <a:endParaRPr lang="pt-BR" b="1" dirty="0"/>
+          </a:p>
+          <a:p>
+            <a:pPr fontAlgn="t"/>
+            <a:r>
+              <a:rPr lang="pt-BR" b="1" dirty="0"/>
+              <a:t>Contato direto com soropositivos em acidentes de </a:t>
+            </a:r>
+            <a:r>
+              <a:rPr lang="pt-BR" b="1" dirty="0" smtClean="0"/>
+              <a:t>trânsito ou cortes.</a:t>
+            </a:r>
+            <a:endParaRPr lang="pt-BR" b="1" dirty="0"/>
+          </a:p>
+          <a:p>
+            <a:pPr fontAlgn="t"/>
+            <a:endParaRPr lang="pt-BR" b="1" dirty="0"/>
+          </a:p>
+          <a:p>
+            <a:pPr fontAlgn="t"/>
+            <a:endParaRPr lang="pt-BR" b="1" dirty="0" smtClean="0"/>
+          </a:p>
+          <a:p>
+            <a:pPr fontAlgn="t"/>
+            <a:r>
+              <a:rPr lang="pt-BR" b="1" dirty="0" smtClean="0"/>
+              <a:t>Transfusão </a:t>
+            </a:r>
+            <a:r>
+              <a:rPr lang="pt-BR" b="1" dirty="0"/>
+              <a:t>sanguínea, era uma forma de transmissão, mas hoje doadores são testados para HIV1 e HIV2.</a:t>
+            </a:r>
+          </a:p>
+        </p:txBody>
+      </p:sp>
+      <p:sp>
+        <p:nvSpPr>
+          <p:cNvPr id="9" name="CaixaDeTexto 8"/>
+          <p:cNvSpPr txBox="1"/>
+          <p:nvPr/>
+        </p:nvSpPr>
+        <p:spPr>
+          <a:xfrm>
+            <a:off x="5845230" y="1336240"/>
+            <a:ext cx="5374869" cy="3416320"/>
+          </a:xfrm>
+          <a:prstGeom prst="rect">
+            <a:avLst/>
+          </a:prstGeom>
+          <a:noFill/>
+        </p:spPr>
+        <p:txBody>
+          <a:bodyPr wrap="square" rtlCol="0">
+            <a:spAutoFit/>
+          </a:bodyPr>
+          <a:lstStyle/>
+          <a:p>
+            <a:pPr fontAlgn="t"/>
+            <a:r>
+              <a:rPr lang="pt-BR" b="1" dirty="0"/>
+              <a:t>Relação sexual com soropositivos com uso correto do preservativo</a:t>
+            </a:r>
+            <a:r>
+              <a:rPr lang="pt-BR" b="1" dirty="0" smtClean="0"/>
+              <a:t>.</a:t>
+            </a:r>
+          </a:p>
+          <a:p>
+            <a:pPr fontAlgn="t"/>
+            <a:endParaRPr lang="pt-BR" b="1" dirty="0"/>
+          </a:p>
+          <a:p>
+            <a:pPr fontAlgn="t"/>
+            <a:r>
+              <a:rPr lang="pt-BR" b="1" dirty="0"/>
+              <a:t>Masturbação a dois</a:t>
+            </a:r>
+            <a:r>
+              <a:rPr lang="pt-BR" b="1" dirty="0" smtClean="0"/>
+              <a:t>.</a:t>
+            </a:r>
+          </a:p>
+          <a:p>
+            <a:pPr fontAlgn="t"/>
+            <a:endParaRPr lang="pt-BR" b="1" dirty="0"/>
+          </a:p>
+          <a:p>
+            <a:pPr fontAlgn="t"/>
+            <a:r>
+              <a:rPr lang="pt-BR" b="1" dirty="0"/>
+              <a:t>Beijo no rosto ou na boca, abraço, aperto de mão, suor, lágrima e picada de inseto</a:t>
+            </a:r>
+            <a:r>
+              <a:rPr lang="pt-BR" b="1" dirty="0" smtClean="0"/>
+              <a:t>.</a:t>
+            </a:r>
+          </a:p>
+          <a:p>
+            <a:endParaRPr lang="pt-BR" b="1" dirty="0"/>
+          </a:p>
+          <a:p>
+            <a:r>
+              <a:rPr lang="pt-BR" b="1" dirty="0" smtClean="0"/>
+              <a:t>Sabonete</a:t>
+            </a:r>
+            <a:r>
+              <a:rPr lang="pt-BR" b="1" dirty="0"/>
+              <a:t>, toalhas, lençóis, talheres, copos, piscina</a:t>
+            </a:r>
+            <a:r>
+              <a:rPr lang="pt-BR" b="1" dirty="0" smtClean="0"/>
+              <a:t>.</a:t>
+            </a:r>
+            <a:endParaRPr lang="pt-BR" b="1" dirty="0"/>
+          </a:p>
+          <a:p>
+            <a:pPr fontAlgn="t"/>
+            <a:endParaRPr lang="pt-BR" b="1" dirty="0"/>
+          </a:p>
+          <a:p>
+            <a:pPr fontAlgn="t"/>
+            <a:r>
+              <a:rPr lang="pt-BR" b="1" dirty="0"/>
+              <a:t>Pelo ar.</a:t>
+            </a:r>
+          </a:p>
+          <a:p>
             <a:endParaRPr lang="pt-BR" dirty="0"/>
           </a:p>
         </p:txBody>
@@ -5540,7 +12375,7 @@
     </p:spTree>
     <p:extLst>
       <p:ext uri="{BB962C8B-B14F-4D97-AF65-F5344CB8AC3E}">
-        <p14:creationId xmlns:p14="http://schemas.microsoft.com/office/powerpoint/2010/main" val="1438967807"/>
+        <p14:creationId xmlns:p14="http://schemas.microsoft.com/office/powerpoint/2010/main" val="2065352060"/>
       </p:ext>
     </p:extLst>
   </p:cSld>
@@ -5812,7 +12647,7 @@
   <a:extraClrSchemeLst/>
   <a:extLst>
     <a:ext uri="{05A4C25C-085E-4340-85A3-A5531E510DB2}">
-      <thm15:themeFamily xmlns="" xmlns:thm15="http://schemas.microsoft.com/office/thememl/2012/main" name="Office Theme" id="{62F939B6-93AF-4DB8-9C6B-D6C7DFDC589F}" vid="{4A3C46E8-61CC-4603-A589-7422A47A8E4A}"/>
+      <thm15:themeFamily xmlns:thm15="http://schemas.microsoft.com/office/thememl/2012/main" xmlns="" name="Office Theme" id="{62F939B6-93AF-4DB8-9C6B-D6C7DFDC589F}" vid="{4A3C46E8-61CC-4603-A589-7422A47A8E4A}"/>
     </a:ext>
   </a:extLst>
 </a:theme>
